--- a/Презентация.pptx
+++ b/Презентация.pptx
@@ -249,7 +249,7 @@
           <a:p>
             <a:fld id="{0F7B38E9-DBAE-4AA2-BF3B-13DCA674FB12}" type="datetimeFigureOut">
               <a:rPr lang="ru-RU" smtClean="0"/>
-              <a:t>19.11.2023</a:t>
+              <a:t>20.11.2023</a:t>
             </a:fld>
             <a:endParaRPr lang="ru-RU"/>
           </a:p>
@@ -417,7 +417,7 @@
           <a:p>
             <a:fld id="{0F7B38E9-DBAE-4AA2-BF3B-13DCA674FB12}" type="datetimeFigureOut">
               <a:rPr lang="ru-RU" smtClean="0"/>
-              <a:t>19.11.2023</a:t>
+              <a:t>20.11.2023</a:t>
             </a:fld>
             <a:endParaRPr lang="ru-RU"/>
           </a:p>
@@ -595,7 +595,7 @@
           <a:p>
             <a:fld id="{0F7B38E9-DBAE-4AA2-BF3B-13DCA674FB12}" type="datetimeFigureOut">
               <a:rPr lang="ru-RU" smtClean="0"/>
-              <a:t>19.11.2023</a:t>
+              <a:t>20.11.2023</a:t>
             </a:fld>
             <a:endParaRPr lang="ru-RU"/>
           </a:p>
@@ -763,7 +763,7 @@
           <a:p>
             <a:fld id="{0F7B38E9-DBAE-4AA2-BF3B-13DCA674FB12}" type="datetimeFigureOut">
               <a:rPr lang="ru-RU" smtClean="0"/>
-              <a:t>19.11.2023</a:t>
+              <a:t>20.11.2023</a:t>
             </a:fld>
             <a:endParaRPr lang="ru-RU"/>
           </a:p>
@@ -1008,7 +1008,7 @@
           <a:p>
             <a:fld id="{0F7B38E9-DBAE-4AA2-BF3B-13DCA674FB12}" type="datetimeFigureOut">
               <a:rPr lang="ru-RU" smtClean="0"/>
-              <a:t>19.11.2023</a:t>
+              <a:t>20.11.2023</a:t>
             </a:fld>
             <a:endParaRPr lang="ru-RU"/>
           </a:p>
@@ -1237,7 +1237,7 @@
           <a:p>
             <a:fld id="{0F7B38E9-DBAE-4AA2-BF3B-13DCA674FB12}" type="datetimeFigureOut">
               <a:rPr lang="ru-RU" smtClean="0"/>
-              <a:t>19.11.2023</a:t>
+              <a:t>20.11.2023</a:t>
             </a:fld>
             <a:endParaRPr lang="ru-RU"/>
           </a:p>
@@ -1601,7 +1601,7 @@
           <a:p>
             <a:fld id="{0F7B38E9-DBAE-4AA2-BF3B-13DCA674FB12}" type="datetimeFigureOut">
               <a:rPr lang="ru-RU" smtClean="0"/>
-              <a:t>19.11.2023</a:t>
+              <a:t>20.11.2023</a:t>
             </a:fld>
             <a:endParaRPr lang="ru-RU"/>
           </a:p>
@@ -1718,7 +1718,7 @@
           <a:p>
             <a:fld id="{0F7B38E9-DBAE-4AA2-BF3B-13DCA674FB12}" type="datetimeFigureOut">
               <a:rPr lang="ru-RU" smtClean="0"/>
-              <a:t>19.11.2023</a:t>
+              <a:t>20.11.2023</a:t>
             </a:fld>
             <a:endParaRPr lang="ru-RU"/>
           </a:p>
@@ -1813,7 +1813,7 @@
           <a:p>
             <a:fld id="{0F7B38E9-DBAE-4AA2-BF3B-13DCA674FB12}" type="datetimeFigureOut">
               <a:rPr lang="ru-RU" smtClean="0"/>
-              <a:t>19.11.2023</a:t>
+              <a:t>20.11.2023</a:t>
             </a:fld>
             <a:endParaRPr lang="ru-RU"/>
           </a:p>
@@ -2088,7 +2088,7 @@
           <a:p>
             <a:fld id="{0F7B38E9-DBAE-4AA2-BF3B-13DCA674FB12}" type="datetimeFigureOut">
               <a:rPr lang="ru-RU" smtClean="0"/>
-              <a:t>19.11.2023</a:t>
+              <a:t>20.11.2023</a:t>
             </a:fld>
             <a:endParaRPr lang="ru-RU"/>
           </a:p>
@@ -2340,7 +2340,7 @@
           <a:p>
             <a:fld id="{0F7B38E9-DBAE-4AA2-BF3B-13DCA674FB12}" type="datetimeFigureOut">
               <a:rPr lang="ru-RU" smtClean="0"/>
-              <a:t>19.11.2023</a:t>
+              <a:t>20.11.2023</a:t>
             </a:fld>
             <a:endParaRPr lang="ru-RU"/>
           </a:p>
@@ -2551,7 +2551,7 @@
           <a:p>
             <a:fld id="{0F7B38E9-DBAE-4AA2-BF3B-13DCA674FB12}" type="datetimeFigureOut">
               <a:rPr lang="ru-RU" smtClean="0"/>
-              <a:t>19.11.2023</a:t>
+              <a:t>20.11.2023</a:t>
             </a:fld>
             <a:endParaRPr lang="ru-RU"/>
           </a:p>
@@ -3159,45 +3159,109 @@
             <p:ph type="title"/>
           </p:nvPr>
         </p:nvSpPr>
-        <p:spPr/>
-        <p:txBody>
-          <a:bodyPr/>
-          <a:lstStyle/>
-          <a:p>
-            <a:r>
-              <a:rPr lang="ru-RU" dirty="0"/>
-              <a:t>Процесс получения лесного участка (ЛУ)</a:t>
-            </a:r>
+        <p:spPr>
+          <a:xfrm>
+            <a:off x="240323" y="131544"/>
+            <a:ext cx="11875477" cy="1825625"/>
+          </a:xfrm>
+        </p:spPr>
+        <p:txBody>
+          <a:bodyPr>
+            <a:normAutofit fontScale="90000"/>
+          </a:bodyPr>
+          <a:lstStyle/>
+          <a:p>
+            <a:r>
+              <a:rPr lang="ru-RU" sz="3600" dirty="0"/>
+              <a:t>Предоставление гражданам, юридическим лицам лесных участков, находящихся в государственной или муниципальной собственности</a:t>
+            </a:r>
+            <a:r>
+              <a:rPr lang="ru-RU" dirty="0" smtClean="0"/>
+              <a:t/>
+            </a:r>
+            <a:br>
+              <a:rPr lang="ru-RU" dirty="0" smtClean="0"/>
+            </a:br>
+            <a:endParaRPr lang="ru-RU" dirty="0"/>
+          </a:p>
+        </p:txBody>
+      </p:sp>
+      <p:sp>
+        <p:nvSpPr>
+          <p:cNvPr id="3" name="Объект 2"/>
+          <p:cNvSpPr>
+            <a:spLocks noGrp="1"/>
+          </p:cNvSpPr>
+          <p:nvPr>
+            <p:ph idx="1"/>
+          </p:nvPr>
+        </p:nvSpPr>
+        <p:spPr/>
+        <p:txBody>
+          <a:bodyPr/>
+          <a:lstStyle/>
+          <a:p>
+            <a:endParaRPr lang="ru-RU"/>
+          </a:p>
+        </p:txBody>
+      </p:sp>
+      <p:sp>
+        <p:nvSpPr>
+          <p:cNvPr id="8" name="Прямоугольник 7"/>
+          <p:cNvSpPr/>
+          <p:nvPr/>
+        </p:nvSpPr>
+        <p:spPr>
+          <a:xfrm>
+            <a:off x="6019800" y="6176963"/>
+            <a:ext cx="6096000" cy="646331"/>
+          </a:xfrm>
+          <a:prstGeom prst="rect">
+            <a:avLst/>
+          </a:prstGeom>
+        </p:spPr>
+        <p:txBody>
+          <a:bodyPr>
+            <a:spAutoFit/>
+          </a:bodyPr>
+          <a:lstStyle/>
+          <a:p>
+            <a:r>
+              <a:rPr lang="en-US" dirty="0">
+                <a:solidFill>
+                  <a:srgbClr val="0087CC"/>
+                </a:solidFill>
+                <a:latin typeface="Source Sans 3"/>
+                <a:hlinkClick r:id="rId2" tooltip="https://www.consultant.ru/document/cons_doc_LAW_64299/61aba3ad8fc2e2f947e1a7f3730526848501ffe2/"/>
+              </a:rPr>
+              <a:t>https://www.consultant.ru/document/cons_doc_LAW_64299/61aba3ad8fc2e2f947e1a7f3730526848501ffe2/</a:t>
+            </a:r>
+            <a:endParaRPr lang="ru-RU" dirty="0"/>
           </a:p>
         </p:txBody>
       </p:sp>
       <p:pic>
         <p:nvPicPr>
-          <p:cNvPr id="5" name="Объект 4">
-            <a:extLst>
-              <a:ext uri="{FF2B5EF4-FFF2-40B4-BE49-F238E27FC236}">
-                <a16:creationId xmlns:a16="http://schemas.microsoft.com/office/drawing/2014/main" id="{B056E007-47B5-B4E8-33A2-F2137FE50A81}"/>
-              </a:ext>
-            </a:extLst>
-          </p:cNvPr>
+          <p:cNvPr id="9" name="Рисунок 8"/>
           <p:cNvPicPr>
-            <a:picLocks noGrp="1" noChangeAspect="1"/>
+            <a:picLocks noChangeAspect="1"/>
           </p:cNvPicPr>
-          <p:nvPr>
-            <p:ph idx="1"/>
-          </p:nvPr>
+          <p:nvPr/>
         </p:nvPicPr>
         <p:blipFill>
-          <a:blip r:embed="rId2"/>
+          <a:blip r:embed="rId3"/>
           <a:stretch>
             <a:fillRect/>
           </a:stretch>
         </p:blipFill>
         <p:spPr>
           <a:xfrm>
-            <a:off x="838200" y="2175875"/>
-            <a:ext cx="10515600" cy="3650838"/>
+            <a:off x="98478" y="1670538"/>
+            <a:ext cx="11995043" cy="4506425"/>
           </a:xfrm>
+          <a:prstGeom prst="rect">
+            <a:avLst/>
+          </a:prstGeom>
         </p:spPr>
       </p:pic>
     </p:spTree>
@@ -3248,25 +3312,22 @@
         </p:nvSpPr>
         <p:spPr/>
         <p:txBody>
-          <a:bodyPr/>
-          <a:lstStyle/>
-          <a:p>
-            <a:r>
-              <a:rPr lang="ru-RU" dirty="0"/>
-              <a:t>Процесс получения услуги (как будет)</a:t>
-            </a:r>
+          <a:bodyPr>
+            <a:normAutofit/>
+          </a:bodyPr>
+          <a:lstStyle/>
+          <a:p>
+            <a:r>
+              <a:rPr lang="ru-RU" dirty="0" smtClean="0"/>
+              <a:t>Предоставление Государственной услуги в ВИС Лесопользование (как будет)</a:t>
+            </a:r>
+            <a:endParaRPr lang="ru-RU" dirty="0"/>
           </a:p>
         </p:txBody>
       </p:sp>
       <p:pic>
         <p:nvPicPr>
-          <p:cNvPr id="5" name="Объект 4">
-            <a:extLst>
-              <a:ext uri="{FF2B5EF4-FFF2-40B4-BE49-F238E27FC236}">
-                <a16:creationId xmlns:a16="http://schemas.microsoft.com/office/drawing/2014/main" id="{8944BFE2-3849-1914-2799-01F1E9A2A06B}"/>
-              </a:ext>
-            </a:extLst>
-          </p:cNvPr>
+          <p:cNvPr id="8" name="Объект 7"/>
           <p:cNvPicPr>
             <a:picLocks noGrp="1" noChangeAspect="1"/>
           </p:cNvPicPr>
@@ -3282,9 +3343,12 @@
         </p:blipFill>
         <p:spPr>
           <a:xfrm>
-            <a:off x="1328417" y="1825625"/>
-            <a:ext cx="9535166" cy="4351338"/>
+            <a:off x="76533" y="1853731"/>
+            <a:ext cx="12038934" cy="4353638"/>
           </a:xfrm>
+          <a:prstGeom prst="rect">
+            <a:avLst/>
+          </a:prstGeom>
         </p:spPr>
       </p:pic>
     </p:spTree>
@@ -3369,13 +3433,7 @@
       </p:sp>
       <p:pic>
         <p:nvPicPr>
-          <p:cNvPr id="4" name="Рисунок 3">
-            <a:extLst>
-              <a:ext uri="{FF2B5EF4-FFF2-40B4-BE49-F238E27FC236}">
-                <a16:creationId xmlns:a16="http://schemas.microsoft.com/office/drawing/2014/main" id="{00DA0975-CF40-AC47-989A-CEB28B2131B0}"/>
-              </a:ext>
-            </a:extLst>
-          </p:cNvPr>
+          <p:cNvPr id="5" name="Рисунок 4"/>
           <p:cNvPicPr>
             <a:picLocks noChangeAspect="1"/>
           </p:cNvPicPr>
@@ -3389,8 +3447,80 @@
         </p:blipFill>
         <p:spPr>
           <a:xfrm>
-            <a:off x="1561498" y="1977072"/>
-            <a:ext cx="9069004" cy="3811715"/>
+            <a:off x="462341" y="365125"/>
+            <a:ext cx="5077534" cy="962159"/>
+          </a:xfrm>
+          <a:prstGeom prst="rect">
+            <a:avLst/>
+          </a:prstGeom>
+        </p:spPr>
+      </p:pic>
+      <p:pic>
+        <p:nvPicPr>
+          <p:cNvPr id="6" name="Рисунок 5"/>
+          <p:cNvPicPr>
+            <a:picLocks noChangeAspect="1"/>
+          </p:cNvPicPr>
+          <p:nvPr/>
+        </p:nvPicPr>
+        <p:blipFill>
+          <a:blip r:embed="rId3"/>
+          <a:stretch>
+            <a:fillRect/>
+          </a:stretch>
+        </p:blipFill>
+        <p:spPr>
+          <a:xfrm>
+            <a:off x="462341" y="1553258"/>
+            <a:ext cx="5153744" cy="638264"/>
+          </a:xfrm>
+          <a:prstGeom prst="rect">
+            <a:avLst/>
+          </a:prstGeom>
+        </p:spPr>
+      </p:pic>
+      <p:pic>
+        <p:nvPicPr>
+          <p:cNvPr id="7" name="Рисунок 6"/>
+          <p:cNvPicPr>
+            <a:picLocks noChangeAspect="1"/>
+          </p:cNvPicPr>
+          <p:nvPr/>
+        </p:nvPicPr>
+        <p:blipFill>
+          <a:blip r:embed="rId4"/>
+          <a:stretch>
+            <a:fillRect/>
+          </a:stretch>
+        </p:blipFill>
+        <p:spPr>
+          <a:xfrm>
+            <a:off x="383210" y="2494264"/>
+            <a:ext cx="5077534" cy="990738"/>
+          </a:xfrm>
+          <a:prstGeom prst="rect">
+            <a:avLst/>
+          </a:prstGeom>
+        </p:spPr>
+      </p:pic>
+      <p:pic>
+        <p:nvPicPr>
+          <p:cNvPr id="8" name="Рисунок 7"/>
+          <p:cNvPicPr>
+            <a:picLocks noChangeAspect="1"/>
+          </p:cNvPicPr>
+          <p:nvPr/>
+        </p:nvPicPr>
+        <p:blipFill>
+          <a:blip r:embed="rId5"/>
+          <a:stretch>
+            <a:fillRect/>
+          </a:stretch>
+        </p:blipFill>
+        <p:spPr>
+          <a:xfrm>
+            <a:off x="383210" y="3696741"/>
+            <a:ext cx="5134692" cy="914528"/>
           </a:xfrm>
           <a:prstGeom prst="rect">
             <a:avLst/>
@@ -3860,7 +3990,7 @@
   <a:themeElements>
     <a:clrScheme name="Стандартная">
       <a:dk1>
-        <a:sysClr val="windowText" lastClr="303030"/>
+        <a:sysClr val="windowText" lastClr="000000"/>
       </a:dk1>
       <a:lt1>
         <a:sysClr val="window" lastClr="FFFFFF"/>

--- a/Презентация.pptx
+++ b/Презентация.pptx
@@ -9,11 +9,11 @@
     <p:sldId id="257" r:id="rId3"/>
     <p:sldId id="266" r:id="rId4"/>
     <p:sldId id="265" r:id="rId5"/>
-    <p:sldId id="267" r:id="rId6"/>
-    <p:sldId id="258" r:id="rId7"/>
-    <p:sldId id="259" r:id="rId8"/>
-    <p:sldId id="260" r:id="rId9"/>
-    <p:sldId id="263" r:id="rId10"/>
+    <p:sldId id="258" r:id="rId6"/>
+    <p:sldId id="259" r:id="rId7"/>
+    <p:sldId id="260" r:id="rId8"/>
+    <p:sldId id="263" r:id="rId9"/>
+    <p:sldId id="267" r:id="rId10"/>
   </p:sldIdLst>
   <p:sldSz cx="12192000" cy="6858000"/>
   <p:notesSz cx="6858000" cy="9144000"/>
@@ -3386,7 +3386,7 @@
           <p:cNvPr id="2" name="Заголовок 1">
             <a:extLst>
               <a:ext uri="{FF2B5EF4-FFF2-40B4-BE49-F238E27FC236}">
-                <a16:creationId xmlns:a16="http://schemas.microsoft.com/office/drawing/2014/main" id="{3CB04397-2B01-50E6-47C4-415CD9B289F0}"/>
+                <a16:creationId xmlns:a16="http://schemas.microsoft.com/office/drawing/2014/main" id="{BF453941-33A6-C802-2C6A-C74E237C9D17}"/>
               </a:ext>
             </a:extLst>
           </p:cNvPr>
@@ -3402,7 +3402,10 @@
           <a:bodyPr/>
           <a:lstStyle/>
           <a:p>
-            <a:endParaRPr lang="ru-RU"/>
+            <a:r>
+              <a:rPr lang="ru-RU" dirty="0"/>
+              <a:t>Цель</a:t>
+            </a:r>
           </a:p>
         </p:txBody>
       </p:sp>
@@ -3411,7 +3414,7 @@
           <p:cNvPr id="3" name="Объект 2">
             <a:extLst>
               <a:ext uri="{FF2B5EF4-FFF2-40B4-BE49-F238E27FC236}">
-                <a16:creationId xmlns:a16="http://schemas.microsoft.com/office/drawing/2014/main" id="{47AF1BF2-C233-DB9C-4A5D-184AB3F99DFB}"/>
+                <a16:creationId xmlns:a16="http://schemas.microsoft.com/office/drawing/2014/main" id="{F721782F-AA52-20F9-E2AB-B79A6BFA8004}"/>
               </a:ext>
             </a:extLst>
           </p:cNvPr>
@@ -3422,115 +3425,76 @@
             <p:ph idx="1"/>
           </p:nvPr>
         </p:nvSpPr>
-        <p:spPr/>
-        <p:txBody>
-          <a:bodyPr/>
-          <a:lstStyle/>
-          <a:p>
-            <a:endParaRPr lang="ru-RU" dirty="0"/>
-          </a:p>
-        </p:txBody>
-      </p:sp>
-      <p:pic>
-        <p:nvPicPr>
-          <p:cNvPr id="5" name="Рисунок 4"/>
-          <p:cNvPicPr>
-            <a:picLocks noChangeAspect="1"/>
-          </p:cNvPicPr>
-          <p:nvPr/>
-        </p:nvPicPr>
-        <p:blipFill>
-          <a:blip r:embed="rId2"/>
-          <a:stretch>
-            <a:fillRect/>
-          </a:stretch>
-        </p:blipFill>
         <p:spPr>
           <a:xfrm>
-            <a:off x="462341" y="365125"/>
-            <a:ext cx="5077534" cy="962159"/>
+            <a:off x="838200" y="1690688"/>
+            <a:ext cx="10515600" cy="4351338"/>
           </a:xfrm>
-          <a:prstGeom prst="rect">
-            <a:avLst/>
-          </a:prstGeom>
         </p:spPr>
-      </p:pic>
-      <p:pic>
-        <p:nvPicPr>
-          <p:cNvPr id="6" name="Рисунок 5"/>
-          <p:cNvPicPr>
-            <a:picLocks noChangeAspect="1"/>
-          </p:cNvPicPr>
-          <p:nvPr/>
-        </p:nvPicPr>
-        <p:blipFill>
-          <a:blip r:embed="rId3"/>
-          <a:stretch>
-            <a:fillRect/>
-          </a:stretch>
-        </p:blipFill>
-        <p:spPr>
-          <a:xfrm>
-            <a:off x="462341" y="1553258"/>
-            <a:ext cx="5153744" cy="638264"/>
-          </a:xfrm>
-          <a:prstGeom prst="rect">
-            <a:avLst/>
-          </a:prstGeom>
-        </p:spPr>
-      </p:pic>
-      <p:pic>
-        <p:nvPicPr>
-          <p:cNvPr id="7" name="Рисунок 6"/>
-          <p:cNvPicPr>
-            <a:picLocks noChangeAspect="1"/>
-          </p:cNvPicPr>
-          <p:nvPr/>
-        </p:nvPicPr>
-        <p:blipFill>
-          <a:blip r:embed="rId4"/>
-          <a:stretch>
-            <a:fillRect/>
-          </a:stretch>
-        </p:blipFill>
-        <p:spPr>
-          <a:xfrm>
-            <a:off x="383210" y="2494264"/>
-            <a:ext cx="5077534" cy="990738"/>
-          </a:xfrm>
-          <a:prstGeom prst="rect">
-            <a:avLst/>
-          </a:prstGeom>
-        </p:spPr>
-      </p:pic>
-      <p:pic>
-        <p:nvPicPr>
-          <p:cNvPr id="8" name="Рисунок 7"/>
-          <p:cNvPicPr>
-            <a:picLocks noChangeAspect="1"/>
-          </p:cNvPicPr>
-          <p:nvPr/>
-        </p:nvPicPr>
-        <p:blipFill>
-          <a:blip r:embed="rId5"/>
-          <a:stretch>
-            <a:fillRect/>
-          </a:stretch>
-        </p:blipFill>
-        <p:spPr>
-          <a:xfrm>
-            <a:off x="383210" y="3696741"/>
-            <a:ext cx="5134692" cy="914528"/>
-          </a:xfrm>
-          <a:prstGeom prst="rect">
-            <a:avLst/>
-          </a:prstGeom>
-        </p:spPr>
-      </p:pic>
+        <p:txBody>
+          <a:bodyPr>
+            <a:normAutofit/>
+          </a:bodyPr>
+          <a:lstStyle/>
+          <a:p>
+            <a:r>
+              <a:rPr lang="ru-RU" dirty="0">
+                <a:solidFill>
+                  <a:srgbClr val="303030"/>
+                </a:solidFill>
+                <a:effectLst/>
+                <a:latin typeface="+mj-lt"/>
+                <a:ea typeface="Calibri" panose="020F0502020204030204" pitchFamily="34" charset="0"/>
+              </a:rPr>
+              <a:t>Сократить время для предоставления услуги и трудозатраты оператора ВИС Лесопользование, путем автоматизации регистрации заявлений и</a:t>
+            </a:r>
+            <a:r>
+              <a:rPr lang="en-US" dirty="0">
+                <a:solidFill>
+                  <a:srgbClr val="303030"/>
+                </a:solidFill>
+                <a:effectLst/>
+                <a:latin typeface="+mj-lt"/>
+                <a:ea typeface="Calibri" panose="020F0502020204030204" pitchFamily="34" charset="0"/>
+              </a:rPr>
+              <a:t> </a:t>
+            </a:r>
+            <a:r>
+              <a:rPr lang="ru-RU" dirty="0">
+                <a:solidFill>
+                  <a:srgbClr val="303030"/>
+                </a:solidFill>
+                <a:effectLst/>
+                <a:latin typeface="+mj-lt"/>
+                <a:ea typeface="Calibri" panose="020F0502020204030204" pitchFamily="34" charset="0"/>
+              </a:rPr>
+              <a:t>частичной автоматизации подписания итоговых документов в СЭД ПСО</a:t>
+            </a:r>
+            <a:r>
+              <a:rPr lang="ru-RU" dirty="0">
+                <a:solidFill>
+                  <a:srgbClr val="303030"/>
+                </a:solidFill>
+                <a:latin typeface="+mj-lt"/>
+                <a:ea typeface="Calibri" panose="020F0502020204030204" pitchFamily="34" charset="0"/>
+              </a:rPr>
+              <a:t>.</a:t>
+            </a:r>
+            <a:endParaRPr lang="ru-RU" dirty="0">
+              <a:solidFill>
+                <a:srgbClr val="303030"/>
+              </a:solidFill>
+              <a:effectLst/>
+              <a:latin typeface="+mj-lt"/>
+              <a:ea typeface="Calibri" panose="020F0502020204030204" pitchFamily="34" charset="0"/>
+            </a:endParaRPr>
+          </a:p>
+        </p:txBody>
+      </p:sp>
     </p:spTree>
     <p:extLst>
       <p:ext uri="{BB962C8B-B14F-4D97-AF65-F5344CB8AC3E}">
-        <p14:creationId xmlns:p14="http://schemas.microsoft.com/office/powerpoint/2010/main" val="1886749466"/>
+        <p14:creationId xmlns:p14="http://schemas.microsoft.com/office/powerpoint/2010/main" val="3833297341"/>
       </p:ext>
     </p:extLst>
   </p:cSld>
@@ -3562,7 +3526,7 @@
           <p:cNvPr id="2" name="Заголовок 1">
             <a:extLst>
               <a:ext uri="{FF2B5EF4-FFF2-40B4-BE49-F238E27FC236}">
-                <a16:creationId xmlns:a16="http://schemas.microsoft.com/office/drawing/2014/main" id="{BF453941-33A6-C802-2C6A-C74E237C9D17}"/>
+                <a16:creationId xmlns:a16="http://schemas.microsoft.com/office/drawing/2014/main" id="{AFEE9FF2-96E7-0868-9DE9-117876247596}"/>
               </a:ext>
             </a:extLst>
           </p:cNvPr>
@@ -3580,7 +3544,7 @@
           <a:p>
             <a:r>
               <a:rPr lang="ru-RU" dirty="0"/>
-              <a:t>Цель</a:t>
+              <a:t>Задачи</a:t>
             </a:r>
           </a:p>
         </p:txBody>
@@ -3590,7 +3554,7 @@
           <p:cNvPr id="3" name="Объект 2">
             <a:extLst>
               <a:ext uri="{FF2B5EF4-FFF2-40B4-BE49-F238E27FC236}">
-                <a16:creationId xmlns:a16="http://schemas.microsoft.com/office/drawing/2014/main" id="{F721782F-AA52-20F9-E2AB-B79A6BFA8004}"/>
+                <a16:creationId xmlns:a16="http://schemas.microsoft.com/office/drawing/2014/main" id="{93E7766C-0A08-FEF6-9580-0459957FA465}"/>
               </a:ext>
             </a:extLst>
           </p:cNvPr>
@@ -3603,74 +3567,43 @@
         </p:nvSpPr>
         <p:spPr>
           <a:xfrm>
-            <a:off x="838200" y="1690688"/>
+            <a:off x="838200" y="1781021"/>
             <a:ext cx="10515600" cy="4351338"/>
           </a:xfrm>
         </p:spPr>
         <p:txBody>
-          <a:bodyPr>
-            <a:normAutofit/>
-          </a:bodyPr>
-          <a:lstStyle/>
-          <a:p>
-            <a:r>
-              <a:rPr lang="ru-RU" dirty="0">
-                <a:solidFill>
-                  <a:srgbClr val="303030"/>
-                </a:solidFill>
-                <a:effectLst/>
-                <a:latin typeface="+mj-lt"/>
-                <a:ea typeface="Calibri" panose="020F0502020204030204" pitchFamily="34" charset="0"/>
-              </a:rPr>
-              <a:t>Сократить время для предоставления услуги и трудозатраты оператора ВИС Лесопользование, путем автоматизации регистрации заявлений и</a:t>
-            </a:r>
-            <a:r>
-              <a:rPr lang="en-US" dirty="0">
-                <a:solidFill>
-                  <a:srgbClr val="303030"/>
-                </a:solidFill>
-                <a:effectLst/>
-                <a:latin typeface="+mj-lt"/>
-                <a:ea typeface="Calibri" panose="020F0502020204030204" pitchFamily="34" charset="0"/>
-              </a:rPr>
-              <a:t> </a:t>
-            </a:r>
-            <a:r>
-              <a:rPr lang="ru-RU" dirty="0">
-                <a:solidFill>
-                  <a:srgbClr val="303030"/>
-                </a:solidFill>
-                <a:effectLst/>
-                <a:latin typeface="+mj-lt"/>
-                <a:ea typeface="Calibri" panose="020F0502020204030204" pitchFamily="34" charset="0"/>
-              </a:rPr>
-              <a:t>частичной автоматизации подписания итоговых документов в СЭД ПСО</a:t>
-            </a:r>
-            <a:r>
-              <a:rPr lang="ru-RU" dirty="0">
-                <a:solidFill>
-                  <a:srgbClr val="303030"/>
-                </a:solidFill>
-                <a:latin typeface="+mj-lt"/>
-                <a:ea typeface="Calibri" panose="020F0502020204030204" pitchFamily="34" charset="0"/>
-              </a:rPr>
-              <a:t>.</a:t>
-            </a:r>
-            <a:endParaRPr lang="ru-RU" dirty="0">
-              <a:solidFill>
-                <a:srgbClr val="303030"/>
-              </a:solidFill>
-              <a:effectLst/>
-              <a:latin typeface="+mj-lt"/>
-              <a:ea typeface="Calibri" panose="020F0502020204030204" pitchFamily="34" charset="0"/>
-            </a:endParaRPr>
+          <a:bodyPr/>
+          <a:lstStyle/>
+          <a:p>
+            <a:r>
+              <a:rPr lang="ru-RU" dirty="0"/>
+              <a:t>1. Изучить модель данных ВИС Лесопользования Свердловской Области</a:t>
+            </a:r>
+          </a:p>
+          <a:p>
+            <a:r>
+              <a:rPr lang="ru-RU" dirty="0"/>
+              <a:t>2. Изучить структуру сообщений для отправки в СЭД ПСО</a:t>
+            </a:r>
+          </a:p>
+          <a:p>
+            <a:r>
+              <a:rPr lang="ru-RU" dirty="0"/>
+              <a:t>3. Спроектировать сервис</a:t>
+            </a:r>
+          </a:p>
+          <a:p>
+            <a:r>
+              <a:rPr lang="ru-RU" dirty="0"/>
+              <a:t>4. Реализовать сервис</a:t>
+            </a:r>
           </a:p>
         </p:txBody>
       </p:sp>
     </p:spTree>
     <p:extLst>
       <p:ext uri="{BB962C8B-B14F-4D97-AF65-F5344CB8AC3E}">
-        <p14:creationId xmlns:p14="http://schemas.microsoft.com/office/powerpoint/2010/main" val="3833297341"/>
+        <p14:creationId xmlns:p14="http://schemas.microsoft.com/office/powerpoint/2010/main" val="2707282225"/>
       </p:ext>
     </p:extLst>
   </p:cSld>
@@ -3702,7 +3635,7 @@
           <p:cNvPr id="2" name="Заголовок 1">
             <a:extLst>
               <a:ext uri="{FF2B5EF4-FFF2-40B4-BE49-F238E27FC236}">
-                <a16:creationId xmlns:a16="http://schemas.microsoft.com/office/drawing/2014/main" id="{AFEE9FF2-96E7-0868-9DE9-117876247596}"/>
+                <a16:creationId xmlns:a16="http://schemas.microsoft.com/office/drawing/2014/main" id="{D8A27729-5451-50B7-7E48-414C711ED729}"/>
               </a:ext>
             </a:extLst>
           </p:cNvPr>
@@ -3720,7 +3653,7 @@
           <a:p>
             <a:r>
               <a:rPr lang="ru-RU" dirty="0"/>
-              <a:t>Задачи</a:t>
+              <a:t>Входные данные</a:t>
             </a:r>
           </a:p>
         </p:txBody>
@@ -3730,7 +3663,7 @@
           <p:cNvPr id="3" name="Объект 2">
             <a:extLst>
               <a:ext uri="{FF2B5EF4-FFF2-40B4-BE49-F238E27FC236}">
-                <a16:creationId xmlns:a16="http://schemas.microsoft.com/office/drawing/2014/main" id="{93E7766C-0A08-FEF6-9580-0459957FA465}"/>
+                <a16:creationId xmlns:a16="http://schemas.microsoft.com/office/drawing/2014/main" id="{F8EBDBDF-6213-5485-B958-CCD6BCE73147}"/>
               </a:ext>
             </a:extLst>
           </p:cNvPr>
@@ -3741,37 +3674,26 @@
             <p:ph idx="1"/>
           </p:nvPr>
         </p:nvSpPr>
-        <p:spPr>
-          <a:xfrm>
-            <a:off x="838200" y="1781021"/>
-            <a:ext cx="10515600" cy="4351338"/>
-          </a:xfrm>
-        </p:spPr>
+        <p:spPr/>
         <p:txBody>
           <a:bodyPr/>
           <a:lstStyle/>
           <a:p>
             <a:r>
               <a:rPr lang="ru-RU" dirty="0"/>
-              <a:t>1. Изучить модель данных ВИС Лесопользования Свердловской Области</a:t>
+              <a:t>Заявление на получение предварительного лесного участка</a:t>
             </a:r>
           </a:p>
           <a:p>
             <a:r>
               <a:rPr lang="ru-RU" dirty="0"/>
-              <a:t>2. Изучить структуру сообщений для отправки в СЭД ПСО</a:t>
+              <a:t>Заявление на утверждение лесного участка</a:t>
             </a:r>
           </a:p>
           <a:p>
             <a:r>
               <a:rPr lang="ru-RU" dirty="0"/>
-              <a:t>3. Спроектировать сервис</a:t>
-            </a:r>
-          </a:p>
-          <a:p>
-            <a:r>
-              <a:rPr lang="ru-RU" dirty="0"/>
-              <a:t>4. Реализовать сервис</a:t>
+              <a:t>Заявление на пользование ЛУ</a:t>
             </a:r>
           </a:p>
         </p:txBody>
@@ -3779,7 +3701,7 @@
     </p:spTree>
     <p:extLst>
       <p:ext uri="{BB962C8B-B14F-4D97-AF65-F5344CB8AC3E}">
-        <p14:creationId xmlns:p14="http://schemas.microsoft.com/office/powerpoint/2010/main" val="2707282225"/>
+        <p14:creationId xmlns:p14="http://schemas.microsoft.com/office/powerpoint/2010/main" val="3520240573"/>
       </p:ext>
     </p:extLst>
   </p:cSld>
@@ -3811,7 +3733,7 @@
           <p:cNvPr id="2" name="Заголовок 1">
             <a:extLst>
               <a:ext uri="{FF2B5EF4-FFF2-40B4-BE49-F238E27FC236}">
-                <a16:creationId xmlns:a16="http://schemas.microsoft.com/office/drawing/2014/main" id="{D8A27729-5451-50B7-7E48-414C711ED729}"/>
+                <a16:creationId xmlns:a16="http://schemas.microsoft.com/office/drawing/2014/main" id="{AD142634-8CAF-6287-38B5-8D4672ABE5BC}"/>
               </a:ext>
             </a:extLst>
           </p:cNvPr>
@@ -3829,7 +3751,7 @@
           <a:p>
             <a:r>
               <a:rPr lang="ru-RU" dirty="0"/>
-              <a:t>Входные данные</a:t>
+              <a:t>Выходные данные</a:t>
             </a:r>
           </a:p>
         </p:txBody>
@@ -3839,7 +3761,7 @@
           <p:cNvPr id="3" name="Объект 2">
             <a:extLst>
               <a:ext uri="{FF2B5EF4-FFF2-40B4-BE49-F238E27FC236}">
-                <a16:creationId xmlns:a16="http://schemas.microsoft.com/office/drawing/2014/main" id="{F8EBDBDF-6213-5485-B958-CCD6BCE73147}"/>
+                <a16:creationId xmlns:a16="http://schemas.microsoft.com/office/drawing/2014/main" id="{01896C1D-163E-8187-9EEA-004C5DAED064}"/>
               </a:ext>
             </a:extLst>
           </p:cNvPr>
@@ -3857,19 +3779,19 @@
           <a:p>
             <a:r>
               <a:rPr lang="ru-RU" dirty="0"/>
-              <a:t>Заявление на получение предварительного лесного участка</a:t>
+              <a:t>Приказ о согласовании лесного участка</a:t>
             </a:r>
           </a:p>
           <a:p>
             <a:r>
               <a:rPr lang="ru-RU" dirty="0"/>
-              <a:t>Заявление на утверждение лесного участка</a:t>
+              <a:t>Приказ об утверждении проектной документации и государственном учете лесного участка в соответствии с проектной документацией на лесной участок для заготовки древесины</a:t>
             </a:r>
           </a:p>
           <a:p>
             <a:r>
               <a:rPr lang="ru-RU" dirty="0"/>
-              <a:t>Заявление на пользование ЛУ</a:t>
+              <a:t>Приказ о предоставлении земельного (лесного) участка в пользование</a:t>
             </a:r>
           </a:p>
         </p:txBody>
@@ -3877,7 +3799,7 @@
     </p:spTree>
     <p:extLst>
       <p:ext uri="{BB962C8B-B14F-4D97-AF65-F5344CB8AC3E}">
-        <p14:creationId xmlns:p14="http://schemas.microsoft.com/office/powerpoint/2010/main" val="3520240573"/>
+        <p14:creationId xmlns:p14="http://schemas.microsoft.com/office/powerpoint/2010/main" val="401418907"/>
       </p:ext>
     </p:extLst>
   </p:cSld>
@@ -3906,13 +3828,7 @@
       </p:grpSpPr>
       <p:sp>
         <p:nvSpPr>
-          <p:cNvPr id="2" name="Заголовок 1">
-            <a:extLst>
-              <a:ext uri="{FF2B5EF4-FFF2-40B4-BE49-F238E27FC236}">
-                <a16:creationId xmlns:a16="http://schemas.microsoft.com/office/drawing/2014/main" id="{AD142634-8CAF-6287-38B5-8D4672ABE5BC}"/>
-              </a:ext>
-            </a:extLst>
-          </p:cNvPr>
+          <p:cNvPr id="2" name="Заголовок 1"/>
           <p:cNvSpPr>
             <a:spLocks noGrp="1"/>
           </p:cNvSpPr>
@@ -3926,21 +3842,16 @@
           <a:lstStyle/>
           <a:p>
             <a:r>
-              <a:rPr lang="ru-RU" dirty="0"/>
-              <a:t>Выходные данные</a:t>
-            </a:r>
-          </a:p>
-        </p:txBody>
-      </p:sp>
-      <p:sp>
-        <p:nvSpPr>
-          <p:cNvPr id="3" name="Объект 2">
-            <a:extLst>
-              <a:ext uri="{FF2B5EF4-FFF2-40B4-BE49-F238E27FC236}">
-                <a16:creationId xmlns:a16="http://schemas.microsoft.com/office/drawing/2014/main" id="{01896C1D-163E-8187-9EEA-004C5DAED064}"/>
-              </a:ext>
-            </a:extLst>
-          </p:cNvPr>
+              <a:rPr lang="ru-RU" dirty="0" smtClean="0"/>
+              <a:t>Сценарий разработки</a:t>
+            </a:r>
+            <a:endParaRPr lang="ru-RU" dirty="0"/>
+          </a:p>
+        </p:txBody>
+      </p:sp>
+      <p:sp>
+        <p:nvSpPr>
+          <p:cNvPr id="3" name="Объект 2"/>
           <p:cNvSpPr>
             <a:spLocks noGrp="1"/>
           </p:cNvSpPr>
@@ -3953,29 +3864,14 @@
           <a:bodyPr/>
           <a:lstStyle/>
           <a:p>
-            <a:r>
-              <a:rPr lang="ru-RU" dirty="0"/>
-              <a:t>Приказ о согласовании лесного участка</a:t>
-            </a:r>
-          </a:p>
-          <a:p>
-            <a:r>
-              <a:rPr lang="ru-RU" dirty="0"/>
-              <a:t>Приказ об утверждении проектной документации и государственном учете лесного участка в соответствии с проектной документацией на лесной участок для заготовки древесины</a:t>
-            </a:r>
-          </a:p>
-          <a:p>
-            <a:r>
-              <a:rPr lang="ru-RU" dirty="0"/>
-              <a:t>Приказ о предоставлении земельного (лесного) участка в пользование</a:t>
-            </a:r>
+            <a:endParaRPr lang="ru-RU" dirty="0"/>
           </a:p>
         </p:txBody>
       </p:sp>
     </p:spTree>
     <p:extLst>
       <p:ext uri="{BB962C8B-B14F-4D97-AF65-F5344CB8AC3E}">
-        <p14:creationId xmlns:p14="http://schemas.microsoft.com/office/powerpoint/2010/main" val="401418907"/>
+        <p14:creationId xmlns:p14="http://schemas.microsoft.com/office/powerpoint/2010/main" val="633527894"/>
       </p:ext>
     </p:extLst>
   </p:cSld>

--- a/Презентация.pptx
+++ b/Презентация.pptx
@@ -249,7 +249,7 @@
           <a:p>
             <a:fld id="{0F7B38E9-DBAE-4AA2-BF3B-13DCA674FB12}" type="datetimeFigureOut">
               <a:rPr lang="ru-RU" smtClean="0"/>
-              <a:t>20.11.2023</a:t>
+              <a:t>22.11.2023</a:t>
             </a:fld>
             <a:endParaRPr lang="ru-RU"/>
           </a:p>
@@ -417,7 +417,7 @@
           <a:p>
             <a:fld id="{0F7B38E9-DBAE-4AA2-BF3B-13DCA674FB12}" type="datetimeFigureOut">
               <a:rPr lang="ru-RU" smtClean="0"/>
-              <a:t>20.11.2023</a:t>
+              <a:t>22.11.2023</a:t>
             </a:fld>
             <a:endParaRPr lang="ru-RU"/>
           </a:p>
@@ -595,7 +595,7 @@
           <a:p>
             <a:fld id="{0F7B38E9-DBAE-4AA2-BF3B-13DCA674FB12}" type="datetimeFigureOut">
               <a:rPr lang="ru-RU" smtClean="0"/>
-              <a:t>20.11.2023</a:t>
+              <a:t>22.11.2023</a:t>
             </a:fld>
             <a:endParaRPr lang="ru-RU"/>
           </a:p>
@@ -763,7 +763,7 @@
           <a:p>
             <a:fld id="{0F7B38E9-DBAE-4AA2-BF3B-13DCA674FB12}" type="datetimeFigureOut">
               <a:rPr lang="ru-RU" smtClean="0"/>
-              <a:t>20.11.2023</a:t>
+              <a:t>22.11.2023</a:t>
             </a:fld>
             <a:endParaRPr lang="ru-RU"/>
           </a:p>
@@ -1008,7 +1008,7 @@
           <a:p>
             <a:fld id="{0F7B38E9-DBAE-4AA2-BF3B-13DCA674FB12}" type="datetimeFigureOut">
               <a:rPr lang="ru-RU" smtClean="0"/>
-              <a:t>20.11.2023</a:t>
+              <a:t>22.11.2023</a:t>
             </a:fld>
             <a:endParaRPr lang="ru-RU"/>
           </a:p>
@@ -1237,7 +1237,7 @@
           <a:p>
             <a:fld id="{0F7B38E9-DBAE-4AA2-BF3B-13DCA674FB12}" type="datetimeFigureOut">
               <a:rPr lang="ru-RU" smtClean="0"/>
-              <a:t>20.11.2023</a:t>
+              <a:t>22.11.2023</a:t>
             </a:fld>
             <a:endParaRPr lang="ru-RU"/>
           </a:p>
@@ -1601,7 +1601,7 @@
           <a:p>
             <a:fld id="{0F7B38E9-DBAE-4AA2-BF3B-13DCA674FB12}" type="datetimeFigureOut">
               <a:rPr lang="ru-RU" smtClean="0"/>
-              <a:t>20.11.2023</a:t>
+              <a:t>22.11.2023</a:t>
             </a:fld>
             <a:endParaRPr lang="ru-RU"/>
           </a:p>
@@ -1718,7 +1718,7 @@
           <a:p>
             <a:fld id="{0F7B38E9-DBAE-4AA2-BF3B-13DCA674FB12}" type="datetimeFigureOut">
               <a:rPr lang="ru-RU" smtClean="0"/>
-              <a:t>20.11.2023</a:t>
+              <a:t>22.11.2023</a:t>
             </a:fld>
             <a:endParaRPr lang="ru-RU"/>
           </a:p>
@@ -1813,7 +1813,7 @@
           <a:p>
             <a:fld id="{0F7B38E9-DBAE-4AA2-BF3B-13DCA674FB12}" type="datetimeFigureOut">
               <a:rPr lang="ru-RU" smtClean="0"/>
-              <a:t>20.11.2023</a:t>
+              <a:t>22.11.2023</a:t>
             </a:fld>
             <a:endParaRPr lang="ru-RU"/>
           </a:p>
@@ -2088,7 +2088,7 @@
           <a:p>
             <a:fld id="{0F7B38E9-DBAE-4AA2-BF3B-13DCA674FB12}" type="datetimeFigureOut">
               <a:rPr lang="ru-RU" smtClean="0"/>
-              <a:t>20.11.2023</a:t>
+              <a:t>22.11.2023</a:t>
             </a:fld>
             <a:endParaRPr lang="ru-RU"/>
           </a:p>
@@ -2340,7 +2340,7 @@
           <a:p>
             <a:fld id="{0F7B38E9-DBAE-4AA2-BF3B-13DCA674FB12}" type="datetimeFigureOut">
               <a:rPr lang="ru-RU" smtClean="0"/>
-              <a:t>20.11.2023</a:t>
+              <a:t>22.11.2023</a:t>
             </a:fld>
             <a:endParaRPr lang="ru-RU"/>
           </a:p>
@@ -2551,7 +2551,7 @@
           <a:p>
             <a:fld id="{0F7B38E9-DBAE-4AA2-BF3B-13DCA674FB12}" type="datetimeFigureOut">
               <a:rPr lang="ru-RU" smtClean="0"/>
-              <a:t>20.11.2023</a:t>
+              <a:t>22.11.2023</a:t>
             </a:fld>
             <a:endParaRPr lang="ru-RU"/>
           </a:p>
@@ -3325,15 +3325,32 @@
           </a:p>
         </p:txBody>
       </p:sp>
+      <p:sp>
+        <p:nvSpPr>
+          <p:cNvPr id="3" name="Объект 2"/>
+          <p:cNvSpPr>
+            <a:spLocks noGrp="1"/>
+          </p:cNvSpPr>
+          <p:nvPr>
+            <p:ph idx="1"/>
+          </p:nvPr>
+        </p:nvSpPr>
+        <p:spPr/>
+        <p:txBody>
+          <a:bodyPr/>
+          <a:lstStyle/>
+          <a:p>
+            <a:endParaRPr lang="ru-RU"/>
+          </a:p>
+        </p:txBody>
+      </p:sp>
       <p:pic>
         <p:nvPicPr>
-          <p:cNvPr id="8" name="Объект 7"/>
+          <p:cNvPr id="4" name="Рисунок 3"/>
           <p:cNvPicPr>
-            <a:picLocks noGrp="1" noChangeAspect="1"/>
+            <a:picLocks noChangeAspect="1"/>
           </p:cNvPicPr>
-          <p:nvPr>
-            <p:ph idx="1"/>
-          </p:nvPr>
+          <p:nvPr/>
         </p:nvPicPr>
         <p:blipFill>
           <a:blip r:embed="rId2"/>
@@ -3343,8 +3360,8 @@
         </p:blipFill>
         <p:spPr>
           <a:xfrm>
-            <a:off x="76533" y="1853731"/>
-            <a:ext cx="12038934" cy="4353638"/>
+            <a:off x="30334" y="1889253"/>
+            <a:ext cx="12131331" cy="4358049"/>
           </a:xfrm>
           <a:prstGeom prst="rect">
             <a:avLst/>
@@ -3543,7 +3560,11 @@
           <a:lstStyle/>
           <a:p>
             <a:r>
-              <a:rPr lang="ru-RU" dirty="0"/>
+              <a:rPr lang="ru-RU" dirty="0">
+                <a:solidFill>
+                  <a:srgbClr val="FF0000"/>
+                </a:solidFill>
+              </a:rPr>
               <a:t>Задачи</a:t>
             </a:r>
           </a:p>
@@ -3577,7 +3598,27 @@
           <a:p>
             <a:r>
               <a:rPr lang="ru-RU" dirty="0"/>
-              <a:t>1. Изучить модель данных ВИС Лесопользования Свердловской Области</a:t>
+              <a:t>1. </a:t>
+            </a:r>
+            <a:r>
+              <a:rPr lang="ru-RU" dirty="0">
+                <a:solidFill>
+                  <a:srgbClr val="FF0000"/>
+                </a:solidFill>
+              </a:rPr>
+              <a:t>Изучить</a:t>
+            </a:r>
+            <a:r>
+              <a:rPr lang="ru-RU" dirty="0"/>
+              <a:t> </a:t>
+            </a:r>
+            <a:r>
+              <a:rPr lang="ru-RU" dirty="0" smtClean="0"/>
+              <a:t>структуру </a:t>
+            </a:r>
+            <a:r>
+              <a:rPr lang="ru-RU" dirty="0"/>
+              <a:t>данных ВИС Лесопользования Свердловской Области</a:t>
             </a:r>
           </a:p>
           <a:p>

--- a/Презентация.pptx
+++ b/Презентация.pptx
@@ -11,9 +11,9 @@
     <p:sldId id="265" r:id="rId5"/>
     <p:sldId id="258" r:id="rId6"/>
     <p:sldId id="259" r:id="rId7"/>
-    <p:sldId id="260" r:id="rId8"/>
-    <p:sldId id="263" r:id="rId9"/>
-    <p:sldId id="267" r:id="rId10"/>
+    <p:sldId id="267" r:id="rId8"/>
+    <p:sldId id="260" r:id="rId9"/>
+    <p:sldId id="263" r:id="rId10"/>
   </p:sldIdLst>
   <p:sldSz cx="12192000" cy="6858000"/>
   <p:notesSz cx="6858000" cy="9144000"/>
@@ -3009,6 +3009,13 @@
   <p:clrMapOvr>
     <a:masterClrMapping/>
   </p:clrMapOvr>
+  <p:timing>
+    <p:tnLst>
+      <p:par>
+        <p:cTn id="1" dur="indefinite" restart="never" nodeType="tmRoot"/>
+      </p:par>
+    </p:tnLst>
+  </p:timing>
 </p:sld>
 </file>
 
@@ -3066,7 +3073,7 @@
         <p:spPr>
           <a:xfrm>
             <a:off x="323850" y="1378142"/>
-            <a:ext cx="11544299" cy="3782061"/>
+            <a:ext cx="11544299" cy="4939814"/>
           </a:xfrm>
           <a:prstGeom prst="rect">
             <a:avLst/>
@@ -3093,8 +3100,40 @@
             </a:r>
             <a:r>
               <a:rPr lang="ru-RU" sz="2400" dirty="0"/>
-              <a:t>для получения права собственности на лесные участки.</a:t>
-            </a:r>
+              <a:t>для получения права собственности на лесные участки</a:t>
+            </a:r>
+            <a:r>
+              <a:rPr lang="ru-RU" sz="2400" dirty="0" smtClean="0"/>
+              <a:t>.</a:t>
+            </a:r>
+          </a:p>
+          <a:p>
+            <a:pPr indent="228600" algn="just">
+              <a:lnSpc>
+                <a:spcPct val="150000"/>
+              </a:lnSpc>
+            </a:pPr>
+            <a:endParaRPr lang="ru-RU" sz="2400" dirty="0"/>
+          </a:p>
+          <a:p>
+            <a:pPr indent="228600" algn="just">
+              <a:lnSpc>
+                <a:spcPct val="150000"/>
+              </a:lnSpc>
+            </a:pPr>
+            <a:r>
+              <a:rPr lang="ru-RU" sz="2400" dirty="0" smtClean="0">
+                <a:solidFill>
+                  <a:srgbClr val="FF0000"/>
+                </a:solidFill>
+              </a:rPr>
+              <a:t>Увеличить степень автоматизации</a:t>
+            </a:r>
+            <a:endParaRPr lang="ru-RU" sz="2400" dirty="0">
+              <a:solidFill>
+                <a:srgbClr val="FF0000"/>
+              </a:solidFill>
+            </a:endParaRPr>
           </a:p>
           <a:p>
             <a:pPr indent="228600" algn="just">
@@ -3123,6 +3162,13 @@
   <p:clrMapOvr>
     <a:masterClrMapping/>
   </p:clrMapOvr>
+  <p:timing>
+    <p:tnLst>
+      <p:par>
+        <p:cTn id="1" dur="indefinite" restart="never" nodeType="tmRoot"/>
+      </p:par>
+    </p:tnLst>
+  </p:timing>
 </p:sld>
 </file>
 
@@ -3313,15 +3359,31 @@
         <p:spPr/>
         <p:txBody>
           <a:bodyPr>
-            <a:normAutofit/>
+            <a:normAutofit fontScale="90000"/>
           </a:bodyPr>
           <a:lstStyle/>
           <a:p>
             <a:r>
               <a:rPr lang="ru-RU" dirty="0" smtClean="0"/>
-              <a:t>Предоставление Государственной услуги в ВИС Лесопользование (как будет)</a:t>
-            </a:r>
-            <a:endParaRPr lang="ru-RU" dirty="0"/>
+              <a:t>Предоставление Государственной услуги в ВИС Лесопользование (как будет</a:t>
+            </a:r>
+            <a:r>
+              <a:rPr lang="ru-RU" dirty="0" smtClean="0"/>
+              <a:t>) </a:t>
+            </a:r>
+            <a:r>
+              <a:rPr lang="ru-RU" dirty="0" smtClean="0">
+                <a:solidFill>
+                  <a:srgbClr val="FF0000"/>
+                </a:solidFill>
+              </a:rPr>
+              <a:t>(РАЗДЕЛИТЬ НА ЛЕС НА МОЙ И СЕРЕГИН СЕРВИС)</a:t>
+            </a:r>
+            <a:endParaRPr lang="ru-RU" dirty="0">
+              <a:solidFill>
+                <a:srgbClr val="FF0000"/>
+              </a:solidFill>
+            </a:endParaRPr>
           </a:p>
         </p:txBody>
       </p:sp>
@@ -3562,7 +3624,10 @@
             <a:r>
               <a:rPr lang="ru-RU" dirty="0">
                 <a:solidFill>
-                  <a:srgbClr val="FF0000"/>
+                  <a:schemeClr val="tx1">
+                    <a:lumMod val="95000"/>
+                    <a:lumOff val="5000"/>
+                  </a:schemeClr>
                 </a:solidFill>
               </a:rPr>
               <a:t>Задачи</a:t>
@@ -3593,50 +3658,99 @@
           </a:xfrm>
         </p:spPr>
         <p:txBody>
-          <a:bodyPr/>
-          <a:lstStyle/>
-          <a:p>
+          <a:bodyPr>
+            <a:normAutofit fontScale="92500" lnSpcReduction="20000"/>
+          </a:bodyPr>
+          <a:lstStyle/>
+          <a:p>
+            <a:pPr marL="0" indent="0">
+              <a:buNone/>
+            </a:pPr>
+            <a:r>
+              <a:rPr lang="ru-RU" dirty="0" smtClean="0"/>
+              <a:t>1. Спроектировать структуру базы данных ВИС Лесопользования Свердловской Области</a:t>
+            </a:r>
+          </a:p>
+          <a:p>
+            <a:pPr marL="0" indent="0">
+              <a:buNone/>
+            </a:pPr>
+            <a:r>
+              <a:rPr lang="ru-RU" dirty="0" smtClean="0"/>
+              <a:t>2. Изучить структуру сообщений для отправки в СЭД ПСО</a:t>
+            </a:r>
+          </a:p>
+          <a:p>
+            <a:pPr marL="0" indent="0">
+              <a:buNone/>
+            </a:pPr>
+            <a:r>
+              <a:rPr lang="ru-RU" dirty="0" smtClean="0"/>
+              <a:t>3. Спроектировать сервис</a:t>
+            </a:r>
+          </a:p>
+          <a:p>
+            <a:pPr marL="0" indent="0">
+              <a:buNone/>
+            </a:pPr>
+            <a:r>
+              <a:rPr lang="ru-RU" dirty="0" smtClean="0"/>
+              <a:t>4. Реализовать сервис</a:t>
+            </a:r>
+          </a:p>
+          <a:p>
+            <a:endParaRPr lang="ru-RU" dirty="0" smtClean="0"/>
+          </a:p>
+          <a:p>
+            <a:r>
+              <a:rPr lang="ru-RU" dirty="0" smtClean="0"/>
+              <a:t>Дождаться разработки сервиса, который получает Пользовательские </a:t>
+            </a:r>
             <a:r>
               <a:rPr lang="ru-RU" dirty="0"/>
-              <a:t>1. </a:t>
-            </a:r>
-            <a:r>
-              <a:rPr lang="ru-RU" dirty="0">
+              <a:t>д</a:t>
+            </a:r>
+            <a:r>
+              <a:rPr lang="ru-RU" dirty="0" smtClean="0"/>
+              <a:t>анные и файлы.</a:t>
+            </a:r>
+          </a:p>
+          <a:p>
+            <a:r>
+              <a:rPr lang="ru-RU" dirty="0" smtClean="0">
                 <a:solidFill>
-                  <a:srgbClr val="FF0000"/>
+                  <a:srgbClr val="00B050"/>
                 </a:solidFill>
               </a:rPr>
-              <a:t>Изучить</a:t>
-            </a:r>
-            <a:r>
-              <a:rPr lang="ru-RU" dirty="0"/>
-              <a:t> </a:t>
-            </a:r>
-            <a:r>
-              <a:rPr lang="ru-RU" dirty="0" smtClean="0"/>
-              <a:t>структуру </a:t>
-            </a:r>
-            <a:r>
-              <a:rPr lang="ru-RU" dirty="0"/>
-              <a:t>данных ВИС Лесопользования Свердловской Области</a:t>
-            </a:r>
-          </a:p>
-          <a:p>
-            <a:r>
-              <a:rPr lang="ru-RU" dirty="0"/>
-              <a:t>2. Изучить структуру сообщений для отправки в СЭД ПСО</a:t>
-            </a:r>
-          </a:p>
-          <a:p>
-            <a:r>
-              <a:rPr lang="ru-RU" dirty="0"/>
-              <a:t>3. Спроектировать сервис</a:t>
-            </a:r>
-          </a:p>
-          <a:p>
-            <a:r>
-              <a:rPr lang="ru-RU" dirty="0"/>
-              <a:t>4. Реализовать сервис</a:t>
+              <a:t>Отправить </a:t>
+            </a:r>
+            <a:r>
+              <a:rPr lang="ru-RU" dirty="0" smtClean="0">
+                <a:solidFill>
+                  <a:srgbClr val="00B050"/>
+                </a:solidFill>
+              </a:rPr>
+              <a:t>в сед на регистрацию</a:t>
+            </a:r>
+          </a:p>
+          <a:p>
+            <a:r>
+              <a:rPr lang="ru-RU" dirty="0" smtClean="0">
+                <a:solidFill>
+                  <a:srgbClr val="00B050"/>
+                </a:solidFill>
+              </a:rPr>
+              <a:t>Дождаться ответа</a:t>
+            </a:r>
+          </a:p>
+          <a:p>
+            <a:r>
+              <a:rPr lang="ru-RU" dirty="0" smtClean="0">
+                <a:solidFill>
+                  <a:srgbClr val="00B050"/>
+                </a:solidFill>
+              </a:rPr>
+              <a:t>Изменить статус заявления</a:t>
             </a:r>
           </a:p>
         </p:txBody>
@@ -3673,13 +3787,7 @@
       </p:grpSpPr>
       <p:sp>
         <p:nvSpPr>
-          <p:cNvPr id="2" name="Заголовок 1">
-            <a:extLst>
-              <a:ext uri="{FF2B5EF4-FFF2-40B4-BE49-F238E27FC236}">
-                <a16:creationId xmlns:a16="http://schemas.microsoft.com/office/drawing/2014/main" id="{D8A27729-5451-50B7-7E48-414C711ED729}"/>
-              </a:ext>
-            </a:extLst>
-          </p:cNvPr>
+          <p:cNvPr id="2" name="Заголовок 1"/>
           <p:cNvSpPr>
             <a:spLocks noGrp="1"/>
           </p:cNvSpPr>
@@ -3693,21 +3801,16 @@
           <a:lstStyle/>
           <a:p>
             <a:r>
-              <a:rPr lang="ru-RU" dirty="0"/>
-              <a:t>Входные данные</a:t>
-            </a:r>
-          </a:p>
-        </p:txBody>
-      </p:sp>
-      <p:sp>
-        <p:nvSpPr>
-          <p:cNvPr id="3" name="Объект 2">
-            <a:extLst>
-              <a:ext uri="{FF2B5EF4-FFF2-40B4-BE49-F238E27FC236}">
-                <a16:creationId xmlns:a16="http://schemas.microsoft.com/office/drawing/2014/main" id="{F8EBDBDF-6213-5485-B958-CCD6BCE73147}"/>
-              </a:ext>
-            </a:extLst>
-          </p:cNvPr>
+              <a:rPr lang="ru-RU" dirty="0" smtClean="0"/>
+              <a:t>Сценарий разработки</a:t>
+            </a:r>
+            <a:endParaRPr lang="ru-RU" dirty="0"/>
+          </a:p>
+        </p:txBody>
+      </p:sp>
+      <p:sp>
+        <p:nvSpPr>
+          <p:cNvPr id="3" name="Объект 2"/>
           <p:cNvSpPr>
             <a:spLocks noGrp="1"/>
           </p:cNvSpPr>
@@ -3720,29 +3823,14 @@
           <a:bodyPr/>
           <a:lstStyle/>
           <a:p>
-            <a:r>
-              <a:rPr lang="ru-RU" dirty="0"/>
-              <a:t>Заявление на получение предварительного лесного участка</a:t>
-            </a:r>
-          </a:p>
-          <a:p>
-            <a:r>
-              <a:rPr lang="ru-RU" dirty="0"/>
-              <a:t>Заявление на утверждение лесного участка</a:t>
-            </a:r>
-          </a:p>
-          <a:p>
-            <a:r>
-              <a:rPr lang="ru-RU" dirty="0"/>
-              <a:t>Заявление на пользование ЛУ</a:t>
-            </a:r>
+            <a:endParaRPr lang="ru-RU" dirty="0"/>
           </a:p>
         </p:txBody>
       </p:sp>
     </p:spTree>
     <p:extLst>
       <p:ext uri="{BB962C8B-B14F-4D97-AF65-F5344CB8AC3E}">
-        <p14:creationId xmlns:p14="http://schemas.microsoft.com/office/powerpoint/2010/main" val="3520240573"/>
+        <p14:creationId xmlns:p14="http://schemas.microsoft.com/office/powerpoint/2010/main" val="633527894"/>
       </p:ext>
     </p:extLst>
   </p:cSld>
@@ -3774,7 +3862,7 @@
           <p:cNvPr id="2" name="Заголовок 1">
             <a:extLst>
               <a:ext uri="{FF2B5EF4-FFF2-40B4-BE49-F238E27FC236}">
-                <a16:creationId xmlns:a16="http://schemas.microsoft.com/office/drawing/2014/main" id="{AD142634-8CAF-6287-38B5-8D4672ABE5BC}"/>
+                <a16:creationId xmlns:a16="http://schemas.microsoft.com/office/drawing/2014/main" id="{D8A27729-5451-50B7-7E48-414C711ED729}"/>
               </a:ext>
             </a:extLst>
           </p:cNvPr>
@@ -3792,7 +3880,7 @@
           <a:p>
             <a:r>
               <a:rPr lang="ru-RU" dirty="0"/>
-              <a:t>Выходные данные</a:t>
+              <a:t>Входные данные</a:t>
             </a:r>
           </a:p>
         </p:txBody>
@@ -3802,7 +3890,7 @@
           <p:cNvPr id="3" name="Объект 2">
             <a:extLst>
               <a:ext uri="{FF2B5EF4-FFF2-40B4-BE49-F238E27FC236}">
-                <a16:creationId xmlns:a16="http://schemas.microsoft.com/office/drawing/2014/main" id="{01896C1D-163E-8187-9EEA-004C5DAED064}"/>
+                <a16:creationId xmlns:a16="http://schemas.microsoft.com/office/drawing/2014/main" id="{F8EBDBDF-6213-5485-B958-CCD6BCE73147}"/>
               </a:ext>
             </a:extLst>
           </p:cNvPr>
@@ -3820,19 +3908,19 @@
           <a:p>
             <a:r>
               <a:rPr lang="ru-RU" dirty="0"/>
-              <a:t>Приказ о согласовании лесного участка</a:t>
+              <a:t>Заявление на получение предварительного лесного участка</a:t>
             </a:r>
           </a:p>
           <a:p>
             <a:r>
               <a:rPr lang="ru-RU" dirty="0"/>
-              <a:t>Приказ об утверждении проектной документации и государственном учете лесного участка в соответствии с проектной документацией на лесной участок для заготовки древесины</a:t>
+              <a:t>Заявление на утверждение лесного участка</a:t>
             </a:r>
           </a:p>
           <a:p>
             <a:r>
               <a:rPr lang="ru-RU" dirty="0"/>
-              <a:t>Приказ о предоставлении земельного (лесного) участка в пользование</a:t>
+              <a:t>Заявление на пользование ЛУ</a:t>
             </a:r>
           </a:p>
         </p:txBody>
@@ -3840,7 +3928,7 @@
     </p:spTree>
     <p:extLst>
       <p:ext uri="{BB962C8B-B14F-4D97-AF65-F5344CB8AC3E}">
-        <p14:creationId xmlns:p14="http://schemas.microsoft.com/office/powerpoint/2010/main" val="401418907"/>
+        <p14:creationId xmlns:p14="http://schemas.microsoft.com/office/powerpoint/2010/main" val="3520240573"/>
       </p:ext>
     </p:extLst>
   </p:cSld>
@@ -3869,7 +3957,13 @@
       </p:grpSpPr>
       <p:sp>
         <p:nvSpPr>
-          <p:cNvPr id="2" name="Заголовок 1"/>
+          <p:cNvPr id="2" name="Заголовок 1">
+            <a:extLst>
+              <a:ext uri="{FF2B5EF4-FFF2-40B4-BE49-F238E27FC236}">
+                <a16:creationId xmlns:a16="http://schemas.microsoft.com/office/drawing/2014/main" id="{AD142634-8CAF-6287-38B5-8D4672ABE5BC}"/>
+              </a:ext>
+            </a:extLst>
+          </p:cNvPr>
           <p:cNvSpPr>
             <a:spLocks noGrp="1"/>
           </p:cNvSpPr>
@@ -3883,16 +3977,21 @@
           <a:lstStyle/>
           <a:p>
             <a:r>
-              <a:rPr lang="ru-RU" dirty="0" smtClean="0"/>
-              <a:t>Сценарий разработки</a:t>
-            </a:r>
-            <a:endParaRPr lang="ru-RU" dirty="0"/>
-          </a:p>
-        </p:txBody>
-      </p:sp>
-      <p:sp>
-        <p:nvSpPr>
-          <p:cNvPr id="3" name="Объект 2"/>
+              <a:rPr lang="ru-RU" dirty="0"/>
+              <a:t>Выходные данные</a:t>
+            </a:r>
+          </a:p>
+        </p:txBody>
+      </p:sp>
+      <p:sp>
+        <p:nvSpPr>
+          <p:cNvPr id="3" name="Объект 2">
+            <a:extLst>
+              <a:ext uri="{FF2B5EF4-FFF2-40B4-BE49-F238E27FC236}">
+                <a16:creationId xmlns:a16="http://schemas.microsoft.com/office/drawing/2014/main" id="{01896C1D-163E-8187-9EEA-004C5DAED064}"/>
+              </a:ext>
+            </a:extLst>
+          </p:cNvPr>
           <p:cNvSpPr>
             <a:spLocks noGrp="1"/>
           </p:cNvSpPr>
@@ -3905,14 +4004,29 @@
           <a:bodyPr/>
           <a:lstStyle/>
           <a:p>
-            <a:endParaRPr lang="ru-RU" dirty="0"/>
+            <a:r>
+              <a:rPr lang="ru-RU" dirty="0"/>
+              <a:t>Приказ о согласовании лесного участка</a:t>
+            </a:r>
+          </a:p>
+          <a:p>
+            <a:r>
+              <a:rPr lang="ru-RU" dirty="0"/>
+              <a:t>Приказ об утверждении проектной документации и государственном учете лесного участка в соответствии с проектной документацией на лесной участок для заготовки древесины</a:t>
+            </a:r>
+          </a:p>
+          <a:p>
+            <a:r>
+              <a:rPr lang="ru-RU" dirty="0"/>
+              <a:t>Приказ о предоставлении земельного (лесного) участка в пользование</a:t>
+            </a:r>
           </a:p>
         </p:txBody>
       </p:sp>
     </p:spTree>
     <p:extLst>
       <p:ext uri="{BB962C8B-B14F-4D97-AF65-F5344CB8AC3E}">
-        <p14:creationId xmlns:p14="http://schemas.microsoft.com/office/powerpoint/2010/main" val="633527894"/>
+        <p14:creationId xmlns:p14="http://schemas.microsoft.com/office/powerpoint/2010/main" val="401418907"/>
       </p:ext>
     </p:extLst>
   </p:cSld>

--- a/Презентация.pptx
+++ b/Презентация.pptx
@@ -4,16 +4,23 @@
   <p:sldMasterIdLst>
     <p:sldMasterId id="2147483648" r:id="rId1"/>
   </p:sldMasterIdLst>
+  <p:notesMasterIdLst>
+    <p:notesMasterId r:id="rId15"/>
+  </p:notesMasterIdLst>
   <p:sldIdLst>
     <p:sldId id="256" r:id="rId2"/>
     <p:sldId id="257" r:id="rId3"/>
-    <p:sldId id="266" r:id="rId4"/>
-    <p:sldId id="265" r:id="rId5"/>
-    <p:sldId id="258" r:id="rId6"/>
-    <p:sldId id="259" r:id="rId7"/>
-    <p:sldId id="267" r:id="rId8"/>
-    <p:sldId id="260" r:id="rId9"/>
-    <p:sldId id="263" r:id="rId10"/>
+    <p:sldId id="269" r:id="rId4"/>
+    <p:sldId id="268" r:id="rId5"/>
+    <p:sldId id="266" r:id="rId6"/>
+    <p:sldId id="270" r:id="rId7"/>
+    <p:sldId id="265" r:id="rId8"/>
+    <p:sldId id="258" r:id="rId9"/>
+    <p:sldId id="259" r:id="rId10"/>
+    <p:sldId id="267" r:id="rId11"/>
+    <p:sldId id="260" r:id="rId12"/>
+    <p:sldId id="263" r:id="rId13"/>
+    <p:sldId id="271" r:id="rId14"/>
   </p:sldIdLst>
   <p:sldSz cx="12192000" cy="6858000"/>
   <p:notesSz cx="6858000" cy="9144000"/>
@@ -118,6 +125,439 @@
     </p:ext>
   </p:extLst>
 </p:presentation>
+</file>
+
+<file path=ppt/notesMasters/notesMaster1.xml><?xml version="1.0" encoding="utf-8"?>
+<p:notesMaster xmlns:a="http://schemas.openxmlformats.org/drawingml/2006/main" xmlns:r="http://schemas.openxmlformats.org/officeDocument/2006/relationships" xmlns:p="http://schemas.openxmlformats.org/presentationml/2006/main">
+  <p:cSld>
+    <p:bg>
+      <p:bgRef idx="1001">
+        <a:schemeClr val="bg1"/>
+      </p:bgRef>
+    </p:bg>
+    <p:spTree>
+      <p:nvGrpSpPr>
+        <p:cNvPr id="1" name=""/>
+        <p:cNvGrpSpPr/>
+        <p:nvPr/>
+      </p:nvGrpSpPr>
+      <p:grpSpPr>
+        <a:xfrm>
+          <a:off x="0" y="0"/>
+          <a:ext cx="0" cy="0"/>
+          <a:chOff x="0" y="0"/>
+          <a:chExt cx="0" cy="0"/>
+        </a:xfrm>
+      </p:grpSpPr>
+      <p:sp>
+        <p:nvSpPr>
+          <p:cNvPr id="2" name="Верхний колонтитул 1"/>
+          <p:cNvSpPr>
+            <a:spLocks noGrp="1"/>
+          </p:cNvSpPr>
+          <p:nvPr>
+            <p:ph type="hdr" sz="quarter"/>
+          </p:nvPr>
+        </p:nvSpPr>
+        <p:spPr>
+          <a:xfrm>
+            <a:off x="0" y="0"/>
+            <a:ext cx="2971800" cy="458788"/>
+          </a:xfrm>
+          <a:prstGeom prst="rect">
+            <a:avLst/>
+          </a:prstGeom>
+        </p:spPr>
+        <p:txBody>
+          <a:bodyPr vert="horz" lIns="91440" tIns="45720" rIns="91440" bIns="45720" rtlCol="0"/>
+          <a:lstStyle>
+            <a:lvl1pPr algn="l">
+              <a:defRPr sz="1200"/>
+            </a:lvl1pPr>
+          </a:lstStyle>
+          <a:p>
+            <a:endParaRPr lang="ru-RU"/>
+          </a:p>
+        </p:txBody>
+      </p:sp>
+      <p:sp>
+        <p:nvSpPr>
+          <p:cNvPr id="3" name="Дата 2"/>
+          <p:cNvSpPr>
+            <a:spLocks noGrp="1"/>
+          </p:cNvSpPr>
+          <p:nvPr>
+            <p:ph type="dt" idx="1"/>
+          </p:nvPr>
+        </p:nvSpPr>
+        <p:spPr>
+          <a:xfrm>
+            <a:off x="3884613" y="0"/>
+            <a:ext cx="2971800" cy="458788"/>
+          </a:xfrm>
+          <a:prstGeom prst="rect">
+            <a:avLst/>
+          </a:prstGeom>
+        </p:spPr>
+        <p:txBody>
+          <a:bodyPr vert="horz" lIns="91440" tIns="45720" rIns="91440" bIns="45720" rtlCol="0"/>
+          <a:lstStyle>
+            <a:lvl1pPr algn="r">
+              <a:defRPr sz="1200"/>
+            </a:lvl1pPr>
+          </a:lstStyle>
+          <a:p>
+            <a:fld id="{75F1DFFD-0639-450F-A95D-6BC42EFC6563}" type="datetimeFigureOut">
+              <a:rPr lang="ru-RU" smtClean="0"/>
+              <a:t>22.11.2023</a:t>
+            </a:fld>
+            <a:endParaRPr lang="ru-RU"/>
+          </a:p>
+        </p:txBody>
+      </p:sp>
+      <p:sp>
+        <p:nvSpPr>
+          <p:cNvPr id="4" name="Образ слайда 3"/>
+          <p:cNvSpPr>
+            <a:spLocks noGrp="1" noRot="1" noChangeAspect="1"/>
+          </p:cNvSpPr>
+          <p:nvPr>
+            <p:ph type="sldImg" idx="2"/>
+          </p:nvPr>
+        </p:nvSpPr>
+        <p:spPr>
+          <a:xfrm>
+            <a:off x="685800" y="1143000"/>
+            <a:ext cx="5486400" cy="3086100"/>
+          </a:xfrm>
+          <a:prstGeom prst="rect">
+            <a:avLst/>
+          </a:prstGeom>
+          <a:noFill/>
+          <a:ln w="12700">
+            <a:solidFill>
+              <a:prstClr val="black"/>
+            </a:solidFill>
+          </a:ln>
+        </p:spPr>
+        <p:txBody>
+          <a:bodyPr vert="horz" lIns="91440" tIns="45720" rIns="91440" bIns="45720" rtlCol="0" anchor="ctr"/>
+          <a:lstStyle/>
+          <a:p>
+            <a:endParaRPr lang="ru-RU"/>
+          </a:p>
+        </p:txBody>
+      </p:sp>
+      <p:sp>
+        <p:nvSpPr>
+          <p:cNvPr id="5" name="Заметки 4"/>
+          <p:cNvSpPr>
+            <a:spLocks noGrp="1"/>
+          </p:cNvSpPr>
+          <p:nvPr>
+            <p:ph type="body" sz="quarter" idx="3"/>
+          </p:nvPr>
+        </p:nvSpPr>
+        <p:spPr>
+          <a:xfrm>
+            <a:off x="685800" y="4400550"/>
+            <a:ext cx="5486400" cy="3600450"/>
+          </a:xfrm>
+          <a:prstGeom prst="rect">
+            <a:avLst/>
+          </a:prstGeom>
+        </p:spPr>
+        <p:txBody>
+          <a:bodyPr vert="horz" lIns="91440" tIns="45720" rIns="91440" bIns="45720" rtlCol="0"/>
+          <a:lstStyle/>
+          <a:p>
+            <a:pPr lvl="0"/>
+            <a:r>
+              <a:rPr lang="ru-RU"/>
+              <a:t>Образец текста</a:t>
+            </a:r>
+          </a:p>
+          <a:p>
+            <a:pPr lvl="1"/>
+            <a:r>
+              <a:rPr lang="ru-RU"/>
+              <a:t>Второй уровень</a:t>
+            </a:r>
+          </a:p>
+          <a:p>
+            <a:pPr lvl="2"/>
+            <a:r>
+              <a:rPr lang="ru-RU"/>
+              <a:t>Третий уровень</a:t>
+            </a:r>
+          </a:p>
+          <a:p>
+            <a:pPr lvl="3"/>
+            <a:r>
+              <a:rPr lang="ru-RU"/>
+              <a:t>Четвертый уровень</a:t>
+            </a:r>
+          </a:p>
+          <a:p>
+            <a:pPr lvl="4"/>
+            <a:r>
+              <a:rPr lang="ru-RU"/>
+              <a:t>Пятый уровень</a:t>
+            </a:r>
+          </a:p>
+        </p:txBody>
+      </p:sp>
+      <p:sp>
+        <p:nvSpPr>
+          <p:cNvPr id="6" name="Нижний колонтитул 5"/>
+          <p:cNvSpPr>
+            <a:spLocks noGrp="1"/>
+          </p:cNvSpPr>
+          <p:nvPr>
+            <p:ph type="ftr" sz="quarter" idx="4"/>
+          </p:nvPr>
+        </p:nvSpPr>
+        <p:spPr>
+          <a:xfrm>
+            <a:off x="0" y="8685213"/>
+            <a:ext cx="2971800" cy="458787"/>
+          </a:xfrm>
+          <a:prstGeom prst="rect">
+            <a:avLst/>
+          </a:prstGeom>
+        </p:spPr>
+        <p:txBody>
+          <a:bodyPr vert="horz" lIns="91440" tIns="45720" rIns="91440" bIns="45720" rtlCol="0" anchor="b"/>
+          <a:lstStyle>
+            <a:lvl1pPr algn="l">
+              <a:defRPr sz="1200"/>
+            </a:lvl1pPr>
+          </a:lstStyle>
+          <a:p>
+            <a:endParaRPr lang="ru-RU"/>
+          </a:p>
+        </p:txBody>
+      </p:sp>
+      <p:sp>
+        <p:nvSpPr>
+          <p:cNvPr id="7" name="Номер слайда 6"/>
+          <p:cNvSpPr>
+            <a:spLocks noGrp="1"/>
+          </p:cNvSpPr>
+          <p:nvPr>
+            <p:ph type="sldNum" sz="quarter" idx="5"/>
+          </p:nvPr>
+        </p:nvSpPr>
+        <p:spPr>
+          <a:xfrm>
+            <a:off x="3884613" y="8685213"/>
+            <a:ext cx="2971800" cy="458787"/>
+          </a:xfrm>
+          <a:prstGeom prst="rect">
+            <a:avLst/>
+          </a:prstGeom>
+        </p:spPr>
+        <p:txBody>
+          <a:bodyPr vert="horz" lIns="91440" tIns="45720" rIns="91440" bIns="45720" rtlCol="0" anchor="b"/>
+          <a:lstStyle>
+            <a:lvl1pPr algn="r">
+              <a:defRPr sz="1200"/>
+            </a:lvl1pPr>
+          </a:lstStyle>
+          <a:p>
+            <a:fld id="{E4E6046D-0659-4115-95D0-506687AD1516}" type="slidenum">
+              <a:rPr lang="ru-RU" smtClean="0"/>
+              <a:t>‹#›</a:t>
+            </a:fld>
+            <a:endParaRPr lang="ru-RU"/>
+          </a:p>
+        </p:txBody>
+      </p:sp>
+    </p:spTree>
+    <p:extLst>
+      <p:ext uri="{BB962C8B-B14F-4D97-AF65-F5344CB8AC3E}">
+        <p14:creationId xmlns:p14="http://schemas.microsoft.com/office/powerpoint/2010/main" val="3749319566"/>
+      </p:ext>
+    </p:extLst>
+  </p:cSld>
+  <p:clrMap bg1="lt1" tx1="dk1" bg2="lt2" tx2="dk2" accent1="accent1" accent2="accent2" accent3="accent3" accent4="accent4" accent5="accent5" accent6="accent6" hlink="hlink" folHlink="folHlink"/>
+  <p:notesStyle>
+    <a:lvl1pPr marL="0" algn="l" defTabSz="914400" rtl="0" eaLnBrk="1" latinLnBrk="0" hangingPunct="1">
+      <a:defRPr sz="1200" kern="1200">
+        <a:solidFill>
+          <a:schemeClr val="tx1"/>
+        </a:solidFill>
+        <a:latin typeface="+mn-lt"/>
+        <a:ea typeface="+mn-ea"/>
+        <a:cs typeface="+mn-cs"/>
+      </a:defRPr>
+    </a:lvl1pPr>
+    <a:lvl2pPr marL="457200" algn="l" defTabSz="914400" rtl="0" eaLnBrk="1" latinLnBrk="0" hangingPunct="1">
+      <a:defRPr sz="1200" kern="1200">
+        <a:solidFill>
+          <a:schemeClr val="tx1"/>
+        </a:solidFill>
+        <a:latin typeface="+mn-lt"/>
+        <a:ea typeface="+mn-ea"/>
+        <a:cs typeface="+mn-cs"/>
+      </a:defRPr>
+    </a:lvl2pPr>
+    <a:lvl3pPr marL="914400" algn="l" defTabSz="914400" rtl="0" eaLnBrk="1" latinLnBrk="0" hangingPunct="1">
+      <a:defRPr sz="1200" kern="1200">
+        <a:solidFill>
+          <a:schemeClr val="tx1"/>
+        </a:solidFill>
+        <a:latin typeface="+mn-lt"/>
+        <a:ea typeface="+mn-ea"/>
+        <a:cs typeface="+mn-cs"/>
+      </a:defRPr>
+    </a:lvl3pPr>
+    <a:lvl4pPr marL="1371600" algn="l" defTabSz="914400" rtl="0" eaLnBrk="1" latinLnBrk="0" hangingPunct="1">
+      <a:defRPr sz="1200" kern="1200">
+        <a:solidFill>
+          <a:schemeClr val="tx1"/>
+        </a:solidFill>
+        <a:latin typeface="+mn-lt"/>
+        <a:ea typeface="+mn-ea"/>
+        <a:cs typeface="+mn-cs"/>
+      </a:defRPr>
+    </a:lvl4pPr>
+    <a:lvl5pPr marL="1828800" algn="l" defTabSz="914400" rtl="0" eaLnBrk="1" latinLnBrk="0" hangingPunct="1">
+      <a:defRPr sz="1200" kern="1200">
+        <a:solidFill>
+          <a:schemeClr val="tx1"/>
+        </a:solidFill>
+        <a:latin typeface="+mn-lt"/>
+        <a:ea typeface="+mn-ea"/>
+        <a:cs typeface="+mn-cs"/>
+      </a:defRPr>
+    </a:lvl5pPr>
+    <a:lvl6pPr marL="2286000" algn="l" defTabSz="914400" rtl="0" eaLnBrk="1" latinLnBrk="0" hangingPunct="1">
+      <a:defRPr sz="1200" kern="1200">
+        <a:solidFill>
+          <a:schemeClr val="tx1"/>
+        </a:solidFill>
+        <a:latin typeface="+mn-lt"/>
+        <a:ea typeface="+mn-ea"/>
+        <a:cs typeface="+mn-cs"/>
+      </a:defRPr>
+    </a:lvl6pPr>
+    <a:lvl7pPr marL="2743200" algn="l" defTabSz="914400" rtl="0" eaLnBrk="1" latinLnBrk="0" hangingPunct="1">
+      <a:defRPr sz="1200" kern="1200">
+        <a:solidFill>
+          <a:schemeClr val="tx1"/>
+        </a:solidFill>
+        <a:latin typeface="+mn-lt"/>
+        <a:ea typeface="+mn-ea"/>
+        <a:cs typeface="+mn-cs"/>
+      </a:defRPr>
+    </a:lvl7pPr>
+    <a:lvl8pPr marL="3200400" algn="l" defTabSz="914400" rtl="0" eaLnBrk="1" latinLnBrk="0" hangingPunct="1">
+      <a:defRPr sz="1200" kern="1200">
+        <a:solidFill>
+          <a:schemeClr val="tx1"/>
+        </a:solidFill>
+        <a:latin typeface="+mn-lt"/>
+        <a:ea typeface="+mn-ea"/>
+        <a:cs typeface="+mn-cs"/>
+      </a:defRPr>
+    </a:lvl8pPr>
+    <a:lvl9pPr marL="3657600" algn="l" defTabSz="914400" rtl="0" eaLnBrk="1" latinLnBrk="0" hangingPunct="1">
+      <a:defRPr sz="1200" kern="1200">
+        <a:solidFill>
+          <a:schemeClr val="tx1"/>
+        </a:solidFill>
+        <a:latin typeface="+mn-lt"/>
+        <a:ea typeface="+mn-ea"/>
+        <a:cs typeface="+mn-cs"/>
+      </a:defRPr>
+    </a:lvl9pPr>
+  </p:notesStyle>
+</p:notesMaster>
+</file>
+
+<file path=ppt/notesSlides/notesSlide1.xml><?xml version="1.0" encoding="utf-8"?>
+<p:notes xmlns:a="http://schemas.openxmlformats.org/drawingml/2006/main" xmlns:r="http://schemas.openxmlformats.org/officeDocument/2006/relationships" xmlns:p="http://schemas.openxmlformats.org/presentationml/2006/main">
+  <p:cSld>
+    <p:spTree>
+      <p:nvGrpSpPr>
+        <p:cNvPr id="1" name=""/>
+        <p:cNvGrpSpPr/>
+        <p:nvPr/>
+      </p:nvGrpSpPr>
+      <p:grpSpPr>
+        <a:xfrm>
+          <a:off x="0" y="0"/>
+          <a:ext cx="0" cy="0"/>
+          <a:chOff x="0" y="0"/>
+          <a:chExt cx="0" cy="0"/>
+        </a:xfrm>
+      </p:grpSpPr>
+      <p:sp>
+        <p:nvSpPr>
+          <p:cNvPr id="2" name="Образ слайда 1"/>
+          <p:cNvSpPr>
+            <a:spLocks noGrp="1" noRot="1" noChangeAspect="1"/>
+          </p:cNvSpPr>
+          <p:nvPr>
+            <p:ph type="sldImg"/>
+          </p:nvPr>
+        </p:nvSpPr>
+        <p:spPr/>
+      </p:sp>
+      <p:sp>
+        <p:nvSpPr>
+          <p:cNvPr id="3" name="Заметки 2"/>
+          <p:cNvSpPr>
+            <a:spLocks noGrp="1"/>
+          </p:cNvSpPr>
+          <p:nvPr>
+            <p:ph type="body" idx="1"/>
+          </p:nvPr>
+        </p:nvSpPr>
+        <p:spPr/>
+        <p:txBody>
+          <a:bodyPr/>
+          <a:lstStyle/>
+          <a:p>
+            <a:endParaRPr lang="ru-RU" dirty="0"/>
+          </a:p>
+        </p:txBody>
+      </p:sp>
+      <p:sp>
+        <p:nvSpPr>
+          <p:cNvPr id="4" name="Номер слайда 3"/>
+          <p:cNvSpPr>
+            <a:spLocks noGrp="1"/>
+          </p:cNvSpPr>
+          <p:nvPr>
+            <p:ph type="sldNum" sz="quarter" idx="5"/>
+          </p:nvPr>
+        </p:nvSpPr>
+        <p:spPr/>
+        <p:txBody>
+          <a:bodyPr/>
+          <a:lstStyle/>
+          <a:p>
+            <a:fld id="{E4E6046D-0659-4115-95D0-506687AD1516}" type="slidenum">
+              <a:rPr lang="ru-RU" smtClean="0"/>
+              <a:t>7</a:t>
+            </a:fld>
+            <a:endParaRPr lang="ru-RU"/>
+          </a:p>
+        </p:txBody>
+      </p:sp>
+    </p:spTree>
+    <p:extLst>
+      <p:ext uri="{BB962C8B-B14F-4D97-AF65-F5344CB8AC3E}">
+        <p14:creationId xmlns:p14="http://schemas.microsoft.com/office/powerpoint/2010/main" val="3543799578"/>
+      </p:ext>
+    </p:extLst>
+  </p:cSld>
+  <p:clrMapOvr>
+    <a:masterClrMapping/>
+  </p:clrMapOvr>
+</p:notes>
 </file>
 
 <file path=ppt/slideLayouts/slideLayout1.xml><?xml version="1.0" encoding="utf-8"?>
@@ -3009,13 +3449,363 @@
   <p:clrMapOvr>
     <a:masterClrMapping/>
   </p:clrMapOvr>
-  <p:timing>
-    <p:tnLst>
-      <p:par>
-        <p:cTn id="1" dur="indefinite" restart="never" nodeType="tmRoot"/>
-      </p:par>
-    </p:tnLst>
-  </p:timing>
+</p:sld>
+</file>
+
+<file path=ppt/slides/slide10.xml><?xml version="1.0" encoding="utf-8"?>
+<p:sld xmlns:a="http://schemas.openxmlformats.org/drawingml/2006/main" xmlns:r="http://schemas.openxmlformats.org/officeDocument/2006/relationships" xmlns:p="http://schemas.openxmlformats.org/presentationml/2006/main">
+  <p:cSld>
+    <p:spTree>
+      <p:nvGrpSpPr>
+        <p:cNvPr id="1" name=""/>
+        <p:cNvGrpSpPr/>
+        <p:nvPr/>
+      </p:nvGrpSpPr>
+      <p:grpSpPr>
+        <a:xfrm>
+          <a:off x="0" y="0"/>
+          <a:ext cx="0" cy="0"/>
+          <a:chOff x="0" y="0"/>
+          <a:chExt cx="0" cy="0"/>
+        </a:xfrm>
+      </p:grpSpPr>
+      <p:sp>
+        <p:nvSpPr>
+          <p:cNvPr id="2" name="Заголовок 1"/>
+          <p:cNvSpPr>
+            <a:spLocks noGrp="1"/>
+          </p:cNvSpPr>
+          <p:nvPr>
+            <p:ph type="title"/>
+          </p:nvPr>
+        </p:nvSpPr>
+        <p:spPr/>
+        <p:txBody>
+          <a:bodyPr/>
+          <a:lstStyle/>
+          <a:p>
+            <a:pPr algn="ctr"/>
+            <a:r>
+              <a:rPr lang="ru-RU" dirty="0"/>
+              <a:t>Сценарий разработки</a:t>
+            </a:r>
+          </a:p>
+        </p:txBody>
+      </p:sp>
+      <p:sp>
+        <p:nvSpPr>
+          <p:cNvPr id="3" name="Объект 2"/>
+          <p:cNvSpPr>
+            <a:spLocks noGrp="1"/>
+          </p:cNvSpPr>
+          <p:nvPr>
+            <p:ph idx="1"/>
+          </p:nvPr>
+        </p:nvSpPr>
+        <p:spPr/>
+        <p:txBody>
+          <a:bodyPr/>
+          <a:lstStyle/>
+          <a:p>
+            <a:r>
+              <a:rPr lang="ru-RU" dirty="0"/>
+              <a:t>С чего начну как разработчик.</a:t>
+            </a:r>
+          </a:p>
+        </p:txBody>
+      </p:sp>
+    </p:spTree>
+    <p:extLst>
+      <p:ext uri="{BB962C8B-B14F-4D97-AF65-F5344CB8AC3E}">
+        <p14:creationId xmlns:p14="http://schemas.microsoft.com/office/powerpoint/2010/main" val="633527894"/>
+      </p:ext>
+    </p:extLst>
+  </p:cSld>
+  <p:clrMapOvr>
+    <a:masterClrMapping/>
+  </p:clrMapOvr>
+</p:sld>
+</file>
+
+<file path=ppt/slides/slide11.xml><?xml version="1.0" encoding="utf-8"?>
+<p:sld xmlns:a="http://schemas.openxmlformats.org/drawingml/2006/main" xmlns:r="http://schemas.openxmlformats.org/officeDocument/2006/relationships" xmlns:p="http://schemas.openxmlformats.org/presentationml/2006/main">
+  <p:cSld>
+    <p:spTree>
+      <p:nvGrpSpPr>
+        <p:cNvPr id="1" name=""/>
+        <p:cNvGrpSpPr/>
+        <p:nvPr/>
+      </p:nvGrpSpPr>
+      <p:grpSpPr>
+        <a:xfrm>
+          <a:off x="0" y="0"/>
+          <a:ext cx="0" cy="0"/>
+          <a:chOff x="0" y="0"/>
+          <a:chExt cx="0" cy="0"/>
+        </a:xfrm>
+      </p:grpSpPr>
+      <p:sp>
+        <p:nvSpPr>
+          <p:cNvPr id="2" name="Заголовок 1">
+            <a:extLst>
+              <a:ext uri="{FF2B5EF4-FFF2-40B4-BE49-F238E27FC236}">
+                <a16:creationId xmlns:a16="http://schemas.microsoft.com/office/drawing/2014/main" id="{D8A27729-5451-50B7-7E48-414C711ED729}"/>
+              </a:ext>
+            </a:extLst>
+          </p:cNvPr>
+          <p:cNvSpPr>
+            <a:spLocks noGrp="1"/>
+          </p:cNvSpPr>
+          <p:nvPr>
+            <p:ph type="title"/>
+          </p:nvPr>
+        </p:nvSpPr>
+        <p:spPr/>
+        <p:txBody>
+          <a:bodyPr/>
+          <a:lstStyle/>
+          <a:p>
+            <a:pPr algn="ctr"/>
+            <a:r>
+              <a:rPr lang="ru-RU" dirty="0"/>
+              <a:t>Входные данные</a:t>
+            </a:r>
+          </a:p>
+        </p:txBody>
+      </p:sp>
+      <p:sp>
+        <p:nvSpPr>
+          <p:cNvPr id="3" name="Объект 2">
+            <a:extLst>
+              <a:ext uri="{FF2B5EF4-FFF2-40B4-BE49-F238E27FC236}">
+                <a16:creationId xmlns:a16="http://schemas.microsoft.com/office/drawing/2014/main" id="{F8EBDBDF-6213-5485-B958-CCD6BCE73147}"/>
+              </a:ext>
+            </a:extLst>
+          </p:cNvPr>
+          <p:cNvSpPr>
+            <a:spLocks noGrp="1"/>
+          </p:cNvSpPr>
+          <p:nvPr>
+            <p:ph idx="1"/>
+          </p:nvPr>
+        </p:nvSpPr>
+        <p:spPr/>
+        <p:txBody>
+          <a:bodyPr/>
+          <a:lstStyle/>
+          <a:p>
+            <a:r>
+              <a:rPr lang="ru-RU" dirty="0"/>
+              <a:t>Заявление на получение предварительного лесного участка</a:t>
+            </a:r>
+          </a:p>
+          <a:p>
+            <a:r>
+              <a:rPr lang="ru-RU" dirty="0"/>
+              <a:t>Заявление на утверждение лесного участка</a:t>
+            </a:r>
+          </a:p>
+          <a:p>
+            <a:r>
+              <a:rPr lang="ru-RU" dirty="0"/>
+              <a:t>Заявление на пользование ЛУ</a:t>
+            </a:r>
+          </a:p>
+        </p:txBody>
+      </p:sp>
+    </p:spTree>
+    <p:extLst>
+      <p:ext uri="{BB962C8B-B14F-4D97-AF65-F5344CB8AC3E}">
+        <p14:creationId xmlns:p14="http://schemas.microsoft.com/office/powerpoint/2010/main" val="3520240573"/>
+      </p:ext>
+    </p:extLst>
+  </p:cSld>
+  <p:clrMapOvr>
+    <a:masterClrMapping/>
+  </p:clrMapOvr>
+</p:sld>
+</file>
+
+<file path=ppt/slides/slide12.xml><?xml version="1.0" encoding="utf-8"?>
+<p:sld xmlns:a="http://schemas.openxmlformats.org/drawingml/2006/main" xmlns:r="http://schemas.openxmlformats.org/officeDocument/2006/relationships" xmlns:p="http://schemas.openxmlformats.org/presentationml/2006/main">
+  <p:cSld>
+    <p:spTree>
+      <p:nvGrpSpPr>
+        <p:cNvPr id="1" name=""/>
+        <p:cNvGrpSpPr/>
+        <p:nvPr/>
+      </p:nvGrpSpPr>
+      <p:grpSpPr>
+        <a:xfrm>
+          <a:off x="0" y="0"/>
+          <a:ext cx="0" cy="0"/>
+          <a:chOff x="0" y="0"/>
+          <a:chExt cx="0" cy="0"/>
+        </a:xfrm>
+      </p:grpSpPr>
+      <p:sp>
+        <p:nvSpPr>
+          <p:cNvPr id="2" name="Заголовок 1">
+            <a:extLst>
+              <a:ext uri="{FF2B5EF4-FFF2-40B4-BE49-F238E27FC236}">
+                <a16:creationId xmlns:a16="http://schemas.microsoft.com/office/drawing/2014/main" id="{AD142634-8CAF-6287-38B5-8D4672ABE5BC}"/>
+              </a:ext>
+            </a:extLst>
+          </p:cNvPr>
+          <p:cNvSpPr>
+            <a:spLocks noGrp="1"/>
+          </p:cNvSpPr>
+          <p:nvPr>
+            <p:ph type="title"/>
+          </p:nvPr>
+        </p:nvSpPr>
+        <p:spPr/>
+        <p:txBody>
+          <a:bodyPr/>
+          <a:lstStyle/>
+          <a:p>
+            <a:pPr algn="ctr"/>
+            <a:r>
+              <a:rPr lang="ru-RU" dirty="0"/>
+              <a:t>Выходные данные</a:t>
+            </a:r>
+          </a:p>
+        </p:txBody>
+      </p:sp>
+      <p:sp>
+        <p:nvSpPr>
+          <p:cNvPr id="3" name="Объект 2">
+            <a:extLst>
+              <a:ext uri="{FF2B5EF4-FFF2-40B4-BE49-F238E27FC236}">
+                <a16:creationId xmlns:a16="http://schemas.microsoft.com/office/drawing/2014/main" id="{01896C1D-163E-8187-9EEA-004C5DAED064}"/>
+              </a:ext>
+            </a:extLst>
+          </p:cNvPr>
+          <p:cNvSpPr>
+            <a:spLocks noGrp="1"/>
+          </p:cNvSpPr>
+          <p:nvPr>
+            <p:ph idx="1"/>
+          </p:nvPr>
+        </p:nvSpPr>
+        <p:spPr/>
+        <p:txBody>
+          <a:bodyPr/>
+          <a:lstStyle/>
+          <a:p>
+            <a:r>
+              <a:rPr lang="ru-RU" dirty="0"/>
+              <a:t>Приказ о согласовании лесного участка</a:t>
+            </a:r>
+          </a:p>
+          <a:p>
+            <a:r>
+              <a:rPr lang="ru-RU" dirty="0"/>
+              <a:t>Приказ об утверждении проектной документации и государственном учете лесного участка в соответствии с проектной документацией на лесной участок для заготовки древесины</a:t>
+            </a:r>
+          </a:p>
+          <a:p>
+            <a:r>
+              <a:rPr lang="ru-RU" dirty="0"/>
+              <a:t>Приказ о предоставлении земельного (лесного) участка в пользование</a:t>
+            </a:r>
+          </a:p>
+        </p:txBody>
+      </p:sp>
+    </p:spTree>
+    <p:extLst>
+      <p:ext uri="{BB962C8B-B14F-4D97-AF65-F5344CB8AC3E}">
+        <p14:creationId xmlns:p14="http://schemas.microsoft.com/office/powerpoint/2010/main" val="401418907"/>
+      </p:ext>
+    </p:extLst>
+  </p:cSld>
+  <p:clrMapOvr>
+    <a:masterClrMapping/>
+  </p:clrMapOvr>
+</p:sld>
+</file>
+
+<file path=ppt/slides/slide13.xml><?xml version="1.0" encoding="utf-8"?>
+<p:sld xmlns:a="http://schemas.openxmlformats.org/drawingml/2006/main" xmlns:r="http://schemas.openxmlformats.org/officeDocument/2006/relationships" xmlns:p="http://schemas.openxmlformats.org/presentationml/2006/main">
+  <p:cSld>
+    <p:spTree>
+      <p:nvGrpSpPr>
+        <p:cNvPr id="1" name=""/>
+        <p:cNvGrpSpPr/>
+        <p:nvPr/>
+      </p:nvGrpSpPr>
+      <p:grpSpPr>
+        <a:xfrm>
+          <a:off x="0" y="0"/>
+          <a:ext cx="0" cy="0"/>
+          <a:chOff x="0" y="0"/>
+          <a:chExt cx="0" cy="0"/>
+        </a:xfrm>
+      </p:grpSpPr>
+      <p:sp>
+        <p:nvSpPr>
+          <p:cNvPr id="2" name="Заголовок 1">
+            <a:extLst>
+              <a:ext uri="{FF2B5EF4-FFF2-40B4-BE49-F238E27FC236}">
+                <a16:creationId xmlns:a16="http://schemas.microsoft.com/office/drawing/2014/main" id="{84BE1982-FFD6-C2DA-F769-1FE51082CDF3}"/>
+              </a:ext>
+            </a:extLst>
+          </p:cNvPr>
+          <p:cNvSpPr>
+            <a:spLocks noGrp="1"/>
+          </p:cNvSpPr>
+          <p:nvPr>
+            <p:ph type="title"/>
+          </p:nvPr>
+        </p:nvSpPr>
+        <p:spPr/>
+        <p:txBody>
+          <a:bodyPr/>
+          <a:lstStyle/>
+          <a:p>
+            <a:pPr algn="ctr"/>
+            <a:r>
+              <a:rPr lang="ru-RU" dirty="0"/>
+              <a:t>Ожидаемый результат</a:t>
+            </a:r>
+          </a:p>
+        </p:txBody>
+      </p:sp>
+      <p:sp>
+        <p:nvSpPr>
+          <p:cNvPr id="3" name="Объект 2">
+            <a:extLst>
+              <a:ext uri="{FF2B5EF4-FFF2-40B4-BE49-F238E27FC236}">
+                <a16:creationId xmlns:a16="http://schemas.microsoft.com/office/drawing/2014/main" id="{7F69DD7D-5FA2-108F-DF2A-F2BA68554BC6}"/>
+              </a:ext>
+            </a:extLst>
+          </p:cNvPr>
+          <p:cNvSpPr>
+            <a:spLocks noGrp="1"/>
+          </p:cNvSpPr>
+          <p:nvPr>
+            <p:ph idx="1"/>
+          </p:nvPr>
+        </p:nvSpPr>
+        <p:spPr/>
+        <p:txBody>
+          <a:bodyPr/>
+          <a:lstStyle/>
+          <a:p>
+            <a:endParaRPr lang="ru-RU"/>
+          </a:p>
+        </p:txBody>
+      </p:sp>
+    </p:spTree>
+    <p:extLst>
+      <p:ext uri="{BB962C8B-B14F-4D97-AF65-F5344CB8AC3E}">
+        <p14:creationId xmlns:p14="http://schemas.microsoft.com/office/powerpoint/2010/main" val="3668978127"/>
+      </p:ext>
+    </p:extLst>
+  </p:cSld>
+  <p:clrMapOvr>
+    <a:masterClrMapping/>
+  </p:clrMapOvr>
 </p:sld>
 </file>
 
@@ -3057,6 +3847,7 @@
           <a:bodyPr/>
           <a:lstStyle/>
           <a:p>
+            <a:pPr algn="ctr"/>
             <a:r>
               <a:rPr lang="ru-RU" dirty="0"/>
               <a:t>Проблема</a:t>
@@ -3073,7 +3864,7 @@
         <p:spPr>
           <a:xfrm>
             <a:off x="323850" y="1378142"/>
-            <a:ext cx="11544299" cy="4939814"/>
+            <a:ext cx="11544299" cy="3359061"/>
           </a:xfrm>
           <a:prstGeom prst="rect">
             <a:avLst/>
@@ -3100,55 +3891,8 @@
             </a:r>
             <a:r>
               <a:rPr lang="ru-RU" sz="2400" dirty="0"/>
-              <a:t>для получения права собственности на лесные участки</a:t>
-            </a:r>
-            <a:r>
-              <a:rPr lang="ru-RU" sz="2400" dirty="0" smtClean="0"/>
-              <a:t>.</a:t>
-            </a:r>
-          </a:p>
-          <a:p>
-            <a:pPr indent="228600" algn="just">
-              <a:lnSpc>
-                <a:spcPct val="150000"/>
-              </a:lnSpc>
-            </a:pPr>
-            <a:endParaRPr lang="ru-RU" sz="2400" dirty="0"/>
-          </a:p>
-          <a:p>
-            <a:pPr indent="228600" algn="just">
-              <a:lnSpc>
-                <a:spcPct val="150000"/>
-              </a:lnSpc>
-            </a:pPr>
-            <a:r>
-              <a:rPr lang="ru-RU" sz="2400" dirty="0" smtClean="0">
-                <a:solidFill>
-                  <a:srgbClr val="FF0000"/>
-                </a:solidFill>
-              </a:rPr>
-              <a:t>Увеличить степень автоматизации</a:t>
-            </a:r>
-            <a:endParaRPr lang="ru-RU" sz="2400" dirty="0">
-              <a:solidFill>
-                <a:srgbClr val="FF0000"/>
-              </a:solidFill>
-            </a:endParaRPr>
-          </a:p>
-          <a:p>
-            <a:pPr indent="228600" algn="just">
-              <a:lnSpc>
-                <a:spcPct val="150000"/>
-              </a:lnSpc>
-              <a:spcAft>
-                <a:spcPts val="0"/>
-              </a:spcAft>
-            </a:pPr>
-            <a:endParaRPr lang="ru-RU" dirty="0">
-              <a:latin typeface="Times New Roman" panose="02020603050405020304" pitchFamily="18" charset="0"/>
-              <a:ea typeface="Calibri" panose="020F0502020204030204" pitchFamily="34" charset="0"/>
-              <a:cs typeface="Times New Roman" panose="02020603050405020304" pitchFamily="18" charset="0"/>
-            </a:endParaRPr>
+              <a:t>для получения права собственности на лесные участки.</a:t>
+            </a:r>
           </a:p>
         </p:txBody>
       </p:sp>
@@ -3162,13 +3906,6 @@
   <p:clrMapOvr>
     <a:masterClrMapping/>
   </p:clrMapOvr>
-  <p:timing>
-    <p:tnLst>
-      <p:par>
-        <p:cTn id="1" dur="indefinite" restart="never" nodeType="tmRoot"/>
-      </p:par>
-    </p:tnLst>
-  </p:timing>
 </p:sld>
 </file>
 
@@ -3194,6 +3931,302 @@
           <p:cNvPr id="2" name="Заголовок 1">
             <a:extLst>
               <a:ext uri="{FF2B5EF4-FFF2-40B4-BE49-F238E27FC236}">
+                <a16:creationId xmlns:a16="http://schemas.microsoft.com/office/drawing/2014/main" id="{43353688-45FE-577C-8DD7-3613CCD423A0}"/>
+              </a:ext>
+            </a:extLst>
+          </p:cNvPr>
+          <p:cNvSpPr>
+            <a:spLocks noGrp="1"/>
+          </p:cNvSpPr>
+          <p:nvPr>
+            <p:ph type="title"/>
+          </p:nvPr>
+        </p:nvSpPr>
+        <p:spPr/>
+        <p:txBody>
+          <a:bodyPr/>
+          <a:lstStyle/>
+          <a:p>
+            <a:pPr algn="ctr"/>
+            <a:r>
+              <a:rPr lang="ru-RU" dirty="0"/>
+              <a:t>Контракт на разработку</a:t>
+            </a:r>
+          </a:p>
+        </p:txBody>
+      </p:sp>
+      <p:sp>
+        <p:nvSpPr>
+          <p:cNvPr id="3" name="Объект 2">
+            <a:extLst>
+              <a:ext uri="{FF2B5EF4-FFF2-40B4-BE49-F238E27FC236}">
+                <a16:creationId xmlns:a16="http://schemas.microsoft.com/office/drawing/2014/main" id="{549FC61E-22AA-E911-8775-9059387872C9}"/>
+              </a:ext>
+            </a:extLst>
+          </p:cNvPr>
+          <p:cNvSpPr>
+            <a:spLocks noGrp="1"/>
+          </p:cNvSpPr>
+          <p:nvPr>
+            <p:ph idx="1"/>
+          </p:nvPr>
+        </p:nvSpPr>
+        <p:spPr/>
+        <p:txBody>
+          <a:bodyPr/>
+          <a:lstStyle/>
+          <a:p>
+            <a:endParaRPr lang="ru-RU"/>
+          </a:p>
+        </p:txBody>
+      </p:sp>
+      <p:pic>
+        <p:nvPicPr>
+          <p:cNvPr id="5" name="Рисунок 4">
+            <a:extLst>
+              <a:ext uri="{FF2B5EF4-FFF2-40B4-BE49-F238E27FC236}">
+                <a16:creationId xmlns:a16="http://schemas.microsoft.com/office/drawing/2014/main" id="{DFCE2B15-4CC7-D769-2AE9-B9F8707DD816}"/>
+              </a:ext>
+            </a:extLst>
+          </p:cNvPr>
+          <p:cNvPicPr>
+            <a:picLocks noChangeAspect="1"/>
+          </p:cNvPicPr>
+          <p:nvPr/>
+        </p:nvPicPr>
+        <p:blipFill>
+          <a:blip r:embed="rId2"/>
+          <a:stretch>
+            <a:fillRect/>
+          </a:stretch>
+        </p:blipFill>
+        <p:spPr>
+          <a:xfrm>
+            <a:off x="677213" y="1690688"/>
+            <a:ext cx="9359755" cy="4780603"/>
+          </a:xfrm>
+          <a:prstGeom prst="rect">
+            <a:avLst/>
+          </a:prstGeom>
+        </p:spPr>
+      </p:pic>
+    </p:spTree>
+    <p:extLst>
+      <p:ext uri="{BB962C8B-B14F-4D97-AF65-F5344CB8AC3E}">
+        <p14:creationId xmlns:p14="http://schemas.microsoft.com/office/powerpoint/2010/main" val="1820584787"/>
+      </p:ext>
+    </p:extLst>
+  </p:cSld>
+  <p:clrMapOvr>
+    <a:masterClrMapping/>
+  </p:clrMapOvr>
+</p:sld>
+</file>
+
+<file path=ppt/slides/slide4.xml><?xml version="1.0" encoding="utf-8"?>
+<p:sld xmlns:a="http://schemas.openxmlformats.org/drawingml/2006/main" xmlns:r="http://schemas.openxmlformats.org/officeDocument/2006/relationships" xmlns:p="http://schemas.openxmlformats.org/presentationml/2006/main">
+  <p:cSld>
+    <p:spTree>
+      <p:nvGrpSpPr>
+        <p:cNvPr id="1" name=""/>
+        <p:cNvGrpSpPr/>
+        <p:nvPr/>
+      </p:nvGrpSpPr>
+      <p:grpSpPr>
+        <a:xfrm>
+          <a:off x="0" y="0"/>
+          <a:ext cx="0" cy="0"/>
+          <a:chOff x="0" y="0"/>
+          <a:chExt cx="0" cy="0"/>
+        </a:xfrm>
+      </p:grpSpPr>
+      <p:sp>
+        <p:nvSpPr>
+          <p:cNvPr id="2" name="Заголовок 1">
+            <a:extLst>
+              <a:ext uri="{FF2B5EF4-FFF2-40B4-BE49-F238E27FC236}">
+                <a16:creationId xmlns:a16="http://schemas.microsoft.com/office/drawing/2014/main" id="{086BE15B-8548-694F-A330-EA138F0F2288}"/>
+              </a:ext>
+            </a:extLst>
+          </p:cNvPr>
+          <p:cNvSpPr>
+            <a:spLocks noGrp="1"/>
+          </p:cNvSpPr>
+          <p:nvPr>
+            <p:ph type="title"/>
+          </p:nvPr>
+        </p:nvSpPr>
+        <p:spPr/>
+        <p:txBody>
+          <a:bodyPr>
+            <a:normAutofit/>
+          </a:bodyPr>
+          <a:lstStyle/>
+          <a:p>
+            <a:pPr algn="ctr"/>
+            <a:r>
+              <a:rPr lang="ru-RU" sz="3600" dirty="0"/>
+              <a:t>Требуемые бизнес процессы для цифровизации</a:t>
+            </a:r>
+          </a:p>
+        </p:txBody>
+      </p:sp>
+      <p:sp>
+        <p:nvSpPr>
+          <p:cNvPr id="3" name="Объект 2">
+            <a:extLst>
+              <a:ext uri="{FF2B5EF4-FFF2-40B4-BE49-F238E27FC236}">
+                <a16:creationId xmlns:a16="http://schemas.microsoft.com/office/drawing/2014/main" id="{7A2C98BE-99C7-CE74-9107-BA46E635E1A5}"/>
+              </a:ext>
+            </a:extLst>
+          </p:cNvPr>
+          <p:cNvSpPr>
+            <a:spLocks noGrp="1"/>
+          </p:cNvSpPr>
+          <p:nvPr>
+            <p:ph idx="1"/>
+          </p:nvPr>
+        </p:nvSpPr>
+        <p:spPr/>
+        <p:txBody>
+          <a:bodyPr>
+            <a:normAutofit fontScale="62500" lnSpcReduction="20000"/>
+          </a:bodyPr>
+          <a:lstStyle/>
+          <a:p>
+            <a:pPr marL="0" indent="0">
+              <a:buNone/>
+            </a:pPr>
+            <a:r>
+              <a:rPr lang="ru-RU" dirty="0"/>
+              <a:t>1.	оформление права пользования лесным участком отдела учета земель и организации использования лесов,</a:t>
+            </a:r>
+          </a:p>
+          <a:p>
+            <a:pPr marL="0" indent="0">
+              <a:buNone/>
+            </a:pPr>
+            <a:r>
+              <a:rPr lang="ru-RU" dirty="0"/>
+              <a:t>2.	</a:t>
+            </a:r>
+            <a:r>
+              <a:rPr lang="ru-RU" b="1" dirty="0"/>
+              <a:t>оформление права пользования лесным участком отдела организации лесопользования, лесовосстановления и государственной экспертизы проектов освоения лесов,</a:t>
+            </a:r>
+          </a:p>
+          <a:p>
+            <a:pPr marL="0" indent="0">
+              <a:buNone/>
+            </a:pPr>
+            <a:r>
+              <a:rPr lang="ru-RU" dirty="0"/>
+              <a:t>3.	проведение государственной экспертизы проектов освоения лесов, расположенных на землях лесного фонда,</a:t>
+            </a:r>
+          </a:p>
+          <a:p>
+            <a:pPr marL="0" indent="0">
+              <a:buNone/>
+            </a:pPr>
+            <a:r>
+              <a:rPr lang="ru-RU" dirty="0"/>
+              <a:t>4.	согласование проекта рекультивации нарушенных земель/проекта лесовосстановления,</a:t>
+            </a:r>
+          </a:p>
+          <a:p>
+            <a:pPr marL="0" indent="0">
+              <a:buNone/>
+            </a:pPr>
+            <a:r>
+              <a:rPr lang="ru-RU" dirty="0"/>
+              <a:t>5.	прием лесной деклараций и отчетов об использовании лесов,</a:t>
+            </a:r>
+          </a:p>
+          <a:p>
+            <a:pPr marL="0" indent="0">
+              <a:buNone/>
+            </a:pPr>
+            <a:r>
+              <a:rPr lang="ru-RU" dirty="0"/>
+              <a:t>6.	формирование акта о лесном пожаре,</a:t>
+            </a:r>
+          </a:p>
+          <a:p>
+            <a:pPr marL="0" indent="0">
+              <a:buNone/>
+            </a:pPr>
+            <a:r>
+              <a:rPr lang="ru-RU" dirty="0"/>
+              <a:t>7.	утверждение акта лесопатологического обследования,</a:t>
+            </a:r>
+          </a:p>
+          <a:p>
+            <a:pPr marL="0" indent="0">
+              <a:buNone/>
+            </a:pPr>
+            <a:r>
+              <a:rPr lang="ru-RU" dirty="0"/>
+              <a:t>8.	предоставление выписки из государственного лесного реестра,</a:t>
+            </a:r>
+          </a:p>
+          <a:p>
+            <a:pPr marL="0" indent="0">
+              <a:buNone/>
+            </a:pPr>
+            <a:r>
+              <a:rPr lang="ru-RU" dirty="0"/>
+              <a:t>9.	выдача разрешений на выполнение работ по геологическому изучению недр на землях лесного фонда, а также на использование лесных участков в соответствии со статьями 39.33, 39.36 Земельного кодекса РФ,</a:t>
+            </a:r>
+          </a:p>
+          <a:p>
+            <a:pPr marL="0" indent="0">
+              <a:buNone/>
+            </a:pPr>
+            <a:r>
+              <a:rPr lang="ru-RU" dirty="0"/>
+              <a:t>10.	Информирование населения о введении особых противопожарных режимов и классов пожарной опасности по условиям погоды,</a:t>
+            </a:r>
+          </a:p>
+          <a:p>
+            <a:endParaRPr lang="ru-RU" dirty="0"/>
+          </a:p>
+        </p:txBody>
+      </p:sp>
+    </p:spTree>
+    <p:extLst>
+      <p:ext uri="{BB962C8B-B14F-4D97-AF65-F5344CB8AC3E}">
+        <p14:creationId xmlns:p14="http://schemas.microsoft.com/office/powerpoint/2010/main" val="2170251311"/>
+      </p:ext>
+    </p:extLst>
+  </p:cSld>
+  <p:clrMapOvr>
+    <a:masterClrMapping/>
+  </p:clrMapOvr>
+</p:sld>
+</file>
+
+<file path=ppt/slides/slide5.xml><?xml version="1.0" encoding="utf-8"?>
+<p:sld xmlns:a="http://schemas.openxmlformats.org/drawingml/2006/main" xmlns:r="http://schemas.openxmlformats.org/officeDocument/2006/relationships" xmlns:p="http://schemas.openxmlformats.org/presentationml/2006/main">
+  <p:cSld>
+    <p:spTree>
+      <p:nvGrpSpPr>
+        <p:cNvPr id="1" name=""/>
+        <p:cNvGrpSpPr/>
+        <p:nvPr/>
+      </p:nvGrpSpPr>
+      <p:grpSpPr>
+        <a:xfrm>
+          <a:off x="0" y="0"/>
+          <a:ext cx="0" cy="0"/>
+          <a:chOff x="0" y="0"/>
+          <a:chExt cx="0" cy="0"/>
+        </a:xfrm>
+      </p:grpSpPr>
+      <p:sp>
+        <p:nvSpPr>
+          <p:cNvPr id="2" name="Заголовок 1">
+            <a:extLst>
+              <a:ext uri="{FF2B5EF4-FFF2-40B4-BE49-F238E27FC236}">
                 <a16:creationId xmlns:a16="http://schemas.microsoft.com/office/drawing/2014/main" id="{56EB7D04-94E1-53D1-0595-404137901F02}"/>
               </a:ext>
             </a:extLst>
@@ -3217,16 +4250,13 @@
           </a:bodyPr>
           <a:lstStyle/>
           <a:p>
+            <a:pPr algn="ctr"/>
             <a:r>
               <a:rPr lang="ru-RU" sz="3600" dirty="0"/>
-              <a:t>Предоставление гражданам, юридическим лицам лесных участков, находящихся в государственной или муниципальной собственности</a:t>
-            </a:r>
-            <a:r>
-              <a:rPr lang="ru-RU" dirty="0" smtClean="0"/>
-              <a:t/>
+              <a:t>2. Предоставление гражданам, юридическим лицам лесных участков, находящихся в государственной или муниципальной собственности</a:t>
             </a:r>
             <a:br>
-              <a:rPr lang="ru-RU" dirty="0" smtClean="0"/>
+              <a:rPr lang="ru-RU" dirty="0"/>
             </a:br>
             <a:endParaRPr lang="ru-RU" dirty="0"/>
           </a:p>
@@ -3323,266 +4353,6 @@
 </p:sld>
 </file>
 
-<file path=ppt/slides/slide4.xml><?xml version="1.0" encoding="utf-8"?>
-<p:sld xmlns:a="http://schemas.openxmlformats.org/drawingml/2006/main" xmlns:r="http://schemas.openxmlformats.org/officeDocument/2006/relationships" xmlns:p="http://schemas.openxmlformats.org/presentationml/2006/main">
-  <p:cSld>
-    <p:spTree>
-      <p:nvGrpSpPr>
-        <p:cNvPr id="1" name=""/>
-        <p:cNvGrpSpPr/>
-        <p:nvPr/>
-      </p:nvGrpSpPr>
-      <p:grpSpPr>
-        <a:xfrm>
-          <a:off x="0" y="0"/>
-          <a:ext cx="0" cy="0"/>
-          <a:chOff x="0" y="0"/>
-          <a:chExt cx="0" cy="0"/>
-        </a:xfrm>
-      </p:grpSpPr>
-      <p:sp>
-        <p:nvSpPr>
-          <p:cNvPr id="2" name="Заголовок 1">
-            <a:extLst>
-              <a:ext uri="{FF2B5EF4-FFF2-40B4-BE49-F238E27FC236}">
-                <a16:creationId xmlns:a16="http://schemas.microsoft.com/office/drawing/2014/main" id="{6368A328-7488-0111-DFEE-0E9FA767C066}"/>
-              </a:ext>
-            </a:extLst>
-          </p:cNvPr>
-          <p:cNvSpPr>
-            <a:spLocks noGrp="1"/>
-          </p:cNvSpPr>
-          <p:nvPr>
-            <p:ph type="title"/>
-          </p:nvPr>
-        </p:nvSpPr>
-        <p:spPr/>
-        <p:txBody>
-          <a:bodyPr>
-            <a:normAutofit fontScale="90000"/>
-          </a:bodyPr>
-          <a:lstStyle/>
-          <a:p>
-            <a:r>
-              <a:rPr lang="ru-RU" dirty="0" smtClean="0"/>
-              <a:t>Предоставление Государственной услуги в ВИС Лесопользование (как будет</a:t>
-            </a:r>
-            <a:r>
-              <a:rPr lang="ru-RU" dirty="0" smtClean="0"/>
-              <a:t>) </a:t>
-            </a:r>
-            <a:r>
-              <a:rPr lang="ru-RU" dirty="0" smtClean="0">
-                <a:solidFill>
-                  <a:srgbClr val="FF0000"/>
-                </a:solidFill>
-              </a:rPr>
-              <a:t>(РАЗДЕЛИТЬ НА ЛЕС НА МОЙ И СЕРЕГИН СЕРВИС)</a:t>
-            </a:r>
-            <a:endParaRPr lang="ru-RU" dirty="0">
-              <a:solidFill>
-                <a:srgbClr val="FF0000"/>
-              </a:solidFill>
-            </a:endParaRPr>
-          </a:p>
-        </p:txBody>
-      </p:sp>
-      <p:sp>
-        <p:nvSpPr>
-          <p:cNvPr id="3" name="Объект 2"/>
-          <p:cNvSpPr>
-            <a:spLocks noGrp="1"/>
-          </p:cNvSpPr>
-          <p:nvPr>
-            <p:ph idx="1"/>
-          </p:nvPr>
-        </p:nvSpPr>
-        <p:spPr/>
-        <p:txBody>
-          <a:bodyPr/>
-          <a:lstStyle/>
-          <a:p>
-            <a:endParaRPr lang="ru-RU"/>
-          </a:p>
-        </p:txBody>
-      </p:sp>
-      <p:pic>
-        <p:nvPicPr>
-          <p:cNvPr id="4" name="Рисунок 3"/>
-          <p:cNvPicPr>
-            <a:picLocks noChangeAspect="1"/>
-          </p:cNvPicPr>
-          <p:nvPr/>
-        </p:nvPicPr>
-        <p:blipFill>
-          <a:blip r:embed="rId2"/>
-          <a:stretch>
-            <a:fillRect/>
-          </a:stretch>
-        </p:blipFill>
-        <p:spPr>
-          <a:xfrm>
-            <a:off x="30334" y="1889253"/>
-            <a:ext cx="12131331" cy="4358049"/>
-          </a:xfrm>
-          <a:prstGeom prst="rect">
-            <a:avLst/>
-          </a:prstGeom>
-        </p:spPr>
-      </p:pic>
-    </p:spTree>
-    <p:extLst>
-      <p:ext uri="{BB962C8B-B14F-4D97-AF65-F5344CB8AC3E}">
-        <p14:creationId xmlns:p14="http://schemas.microsoft.com/office/powerpoint/2010/main" val="3390970608"/>
-      </p:ext>
-    </p:extLst>
-  </p:cSld>
-  <p:clrMapOvr>
-    <a:masterClrMapping/>
-  </p:clrMapOvr>
-</p:sld>
-</file>
-
-<file path=ppt/slides/slide5.xml><?xml version="1.0" encoding="utf-8"?>
-<p:sld xmlns:a="http://schemas.openxmlformats.org/drawingml/2006/main" xmlns:r="http://schemas.openxmlformats.org/officeDocument/2006/relationships" xmlns:p="http://schemas.openxmlformats.org/presentationml/2006/main">
-  <p:cSld>
-    <p:spTree>
-      <p:nvGrpSpPr>
-        <p:cNvPr id="1" name=""/>
-        <p:cNvGrpSpPr/>
-        <p:nvPr/>
-      </p:nvGrpSpPr>
-      <p:grpSpPr>
-        <a:xfrm>
-          <a:off x="0" y="0"/>
-          <a:ext cx="0" cy="0"/>
-          <a:chOff x="0" y="0"/>
-          <a:chExt cx="0" cy="0"/>
-        </a:xfrm>
-      </p:grpSpPr>
-      <p:sp>
-        <p:nvSpPr>
-          <p:cNvPr id="2" name="Заголовок 1">
-            <a:extLst>
-              <a:ext uri="{FF2B5EF4-FFF2-40B4-BE49-F238E27FC236}">
-                <a16:creationId xmlns:a16="http://schemas.microsoft.com/office/drawing/2014/main" id="{BF453941-33A6-C802-2C6A-C74E237C9D17}"/>
-              </a:ext>
-            </a:extLst>
-          </p:cNvPr>
-          <p:cNvSpPr>
-            <a:spLocks noGrp="1"/>
-          </p:cNvSpPr>
-          <p:nvPr>
-            <p:ph type="title"/>
-          </p:nvPr>
-        </p:nvSpPr>
-        <p:spPr/>
-        <p:txBody>
-          <a:bodyPr/>
-          <a:lstStyle/>
-          <a:p>
-            <a:r>
-              <a:rPr lang="ru-RU" dirty="0"/>
-              <a:t>Цель</a:t>
-            </a:r>
-          </a:p>
-        </p:txBody>
-      </p:sp>
-      <p:sp>
-        <p:nvSpPr>
-          <p:cNvPr id="3" name="Объект 2">
-            <a:extLst>
-              <a:ext uri="{FF2B5EF4-FFF2-40B4-BE49-F238E27FC236}">
-                <a16:creationId xmlns:a16="http://schemas.microsoft.com/office/drawing/2014/main" id="{F721782F-AA52-20F9-E2AB-B79A6BFA8004}"/>
-              </a:ext>
-            </a:extLst>
-          </p:cNvPr>
-          <p:cNvSpPr>
-            <a:spLocks noGrp="1"/>
-          </p:cNvSpPr>
-          <p:nvPr>
-            <p:ph idx="1"/>
-          </p:nvPr>
-        </p:nvSpPr>
-        <p:spPr>
-          <a:xfrm>
-            <a:off x="838200" y="1690688"/>
-            <a:ext cx="10515600" cy="4351338"/>
-          </a:xfrm>
-        </p:spPr>
-        <p:txBody>
-          <a:bodyPr>
-            <a:normAutofit/>
-          </a:bodyPr>
-          <a:lstStyle/>
-          <a:p>
-            <a:r>
-              <a:rPr lang="ru-RU" dirty="0">
-                <a:solidFill>
-                  <a:srgbClr val="303030"/>
-                </a:solidFill>
-                <a:effectLst/>
-                <a:latin typeface="+mj-lt"/>
-                <a:ea typeface="Calibri" panose="020F0502020204030204" pitchFamily="34" charset="0"/>
-              </a:rPr>
-              <a:t>Сократить время для предоставления услуги и трудозатраты оператора ВИС Лесопользование, путем автоматизации регистрации заявлений и</a:t>
-            </a:r>
-            <a:r>
-              <a:rPr lang="en-US" dirty="0">
-                <a:solidFill>
-                  <a:srgbClr val="303030"/>
-                </a:solidFill>
-                <a:effectLst/>
-                <a:latin typeface="+mj-lt"/>
-                <a:ea typeface="Calibri" panose="020F0502020204030204" pitchFamily="34" charset="0"/>
-              </a:rPr>
-              <a:t> </a:t>
-            </a:r>
-            <a:r>
-              <a:rPr lang="ru-RU" dirty="0">
-                <a:solidFill>
-                  <a:srgbClr val="303030"/>
-                </a:solidFill>
-                <a:effectLst/>
-                <a:latin typeface="+mj-lt"/>
-                <a:ea typeface="Calibri" panose="020F0502020204030204" pitchFamily="34" charset="0"/>
-              </a:rPr>
-              <a:t>частичной автоматизации подписания итоговых документов в СЭД ПСО</a:t>
-            </a:r>
-            <a:r>
-              <a:rPr lang="ru-RU" dirty="0">
-                <a:solidFill>
-                  <a:srgbClr val="303030"/>
-                </a:solidFill>
-                <a:latin typeface="+mj-lt"/>
-                <a:ea typeface="Calibri" panose="020F0502020204030204" pitchFamily="34" charset="0"/>
-              </a:rPr>
-              <a:t>.</a:t>
-            </a:r>
-            <a:endParaRPr lang="ru-RU" dirty="0">
-              <a:solidFill>
-                <a:srgbClr val="303030"/>
-              </a:solidFill>
-              <a:effectLst/>
-              <a:latin typeface="+mj-lt"/>
-              <a:ea typeface="Calibri" panose="020F0502020204030204" pitchFamily="34" charset="0"/>
-            </a:endParaRPr>
-          </a:p>
-        </p:txBody>
-      </p:sp>
-    </p:spTree>
-    <p:extLst>
-      <p:ext uri="{BB962C8B-B14F-4D97-AF65-F5344CB8AC3E}">
-        <p14:creationId xmlns:p14="http://schemas.microsoft.com/office/powerpoint/2010/main" val="3833297341"/>
-      </p:ext>
-    </p:extLst>
-  </p:cSld>
-  <p:clrMapOvr>
-    <a:masterClrMapping/>
-  </p:clrMapOvr>
-</p:sld>
-</file>
-
 <file path=ppt/slides/slide6.xml><?xml version="1.0" encoding="utf-8"?>
 <p:sld xmlns:a="http://schemas.openxmlformats.org/drawingml/2006/main" xmlns:r="http://schemas.openxmlformats.org/officeDocument/2006/relationships" xmlns:p="http://schemas.openxmlformats.org/presentationml/2006/main">
   <p:cSld>
@@ -3605,7 +4375,7 @@
           <p:cNvPr id="2" name="Заголовок 1">
             <a:extLst>
               <a:ext uri="{FF2B5EF4-FFF2-40B4-BE49-F238E27FC236}">
-                <a16:creationId xmlns:a16="http://schemas.microsoft.com/office/drawing/2014/main" id="{AFEE9FF2-96E7-0868-9DE9-117876247596}"/>
+                <a16:creationId xmlns:a16="http://schemas.microsoft.com/office/drawing/2014/main" id="{3474D2AB-3BFD-4319-99DD-D85F1A7F69C2}"/>
               </a:ext>
             </a:extLst>
           </p:cNvPr>
@@ -3621,16 +4391,10 @@
           <a:bodyPr/>
           <a:lstStyle/>
           <a:p>
-            <a:r>
-              <a:rPr lang="ru-RU" dirty="0">
-                <a:solidFill>
-                  <a:schemeClr val="tx1">
-                    <a:lumMod val="95000"/>
-                    <a:lumOff val="5000"/>
-                  </a:schemeClr>
-                </a:solidFill>
-              </a:rPr>
-              <a:t>Задачи</a:t>
+            <a:pPr algn="ctr"/>
+            <a:r>
+              <a:rPr lang="ru-RU" dirty="0"/>
+              <a:t>Бизнес процесс состоит из услуг.</a:t>
             </a:r>
           </a:p>
         </p:txBody>
@@ -3640,7 +4404,7 @@
           <p:cNvPr id="3" name="Объект 2">
             <a:extLst>
               <a:ext uri="{FF2B5EF4-FFF2-40B4-BE49-F238E27FC236}">
-                <a16:creationId xmlns:a16="http://schemas.microsoft.com/office/drawing/2014/main" id="{93E7766C-0A08-FEF6-9580-0459957FA465}"/>
+                <a16:creationId xmlns:a16="http://schemas.microsoft.com/office/drawing/2014/main" id="{2C360F3C-B40C-7484-BF80-9A7A1C8A11C5}"/>
               </a:ext>
             </a:extLst>
           </p:cNvPr>
@@ -3651,114 +4415,49 @@
             <p:ph idx="1"/>
           </p:nvPr>
         </p:nvSpPr>
+        <p:spPr/>
+        <p:txBody>
+          <a:bodyPr/>
+          <a:lstStyle/>
+          <a:p>
+            <a:endParaRPr lang="ru-RU" dirty="0"/>
+          </a:p>
+        </p:txBody>
+      </p:sp>
+      <p:pic>
+        <p:nvPicPr>
+          <p:cNvPr id="5" name="Рисунок 4">
+            <a:extLst>
+              <a:ext uri="{FF2B5EF4-FFF2-40B4-BE49-F238E27FC236}">
+                <a16:creationId xmlns:a16="http://schemas.microsoft.com/office/drawing/2014/main" id="{9DA8D30D-47D4-0CDC-70B1-F3BEA74EF9A5}"/>
+              </a:ext>
+            </a:extLst>
+          </p:cNvPr>
+          <p:cNvPicPr>
+            <a:picLocks noChangeAspect="1"/>
+          </p:cNvPicPr>
+          <p:nvPr/>
+        </p:nvPicPr>
+        <p:blipFill>
+          <a:blip r:embed="rId2"/>
+          <a:stretch>
+            <a:fillRect/>
+          </a:stretch>
+        </p:blipFill>
         <p:spPr>
           <a:xfrm>
-            <a:off x="838200" y="1781021"/>
-            <a:ext cx="10515600" cy="4351338"/>
+            <a:off x="288985" y="1825625"/>
+            <a:ext cx="11374437" cy="4267796"/>
           </a:xfrm>
+          <a:prstGeom prst="rect">
+            <a:avLst/>
+          </a:prstGeom>
         </p:spPr>
-        <p:txBody>
-          <a:bodyPr>
-            <a:normAutofit fontScale="92500" lnSpcReduction="20000"/>
-          </a:bodyPr>
-          <a:lstStyle/>
-          <a:p>
-            <a:pPr marL="0" indent="0">
-              <a:buNone/>
-            </a:pPr>
-            <a:r>
-              <a:rPr lang="ru-RU" dirty="0" smtClean="0"/>
-              <a:t>1. Спроектировать структуру базы данных ВИС Лесопользования Свердловской Области</a:t>
-            </a:r>
-          </a:p>
-          <a:p>
-            <a:pPr marL="0" indent="0">
-              <a:buNone/>
-            </a:pPr>
-            <a:r>
-              <a:rPr lang="ru-RU" dirty="0" smtClean="0"/>
-              <a:t>2. Изучить структуру сообщений для отправки в СЭД ПСО</a:t>
-            </a:r>
-          </a:p>
-          <a:p>
-            <a:pPr marL="0" indent="0">
-              <a:buNone/>
-            </a:pPr>
-            <a:r>
-              <a:rPr lang="ru-RU" dirty="0" smtClean="0"/>
-              <a:t>3. Спроектировать сервис</a:t>
-            </a:r>
-          </a:p>
-          <a:p>
-            <a:pPr marL="0" indent="0">
-              <a:buNone/>
-            </a:pPr>
-            <a:r>
-              <a:rPr lang="ru-RU" dirty="0" smtClean="0"/>
-              <a:t>4. Реализовать сервис</a:t>
-            </a:r>
-          </a:p>
-          <a:p>
-            <a:endParaRPr lang="ru-RU" dirty="0" smtClean="0"/>
-          </a:p>
-          <a:p>
-            <a:r>
-              <a:rPr lang="ru-RU" dirty="0" smtClean="0"/>
-              <a:t>Дождаться разработки сервиса, который получает Пользовательские </a:t>
-            </a:r>
-            <a:r>
-              <a:rPr lang="ru-RU" dirty="0"/>
-              <a:t>д</a:t>
-            </a:r>
-            <a:r>
-              <a:rPr lang="ru-RU" dirty="0" smtClean="0"/>
-              <a:t>анные и файлы.</a:t>
-            </a:r>
-          </a:p>
-          <a:p>
-            <a:r>
-              <a:rPr lang="ru-RU" dirty="0" smtClean="0">
-                <a:solidFill>
-                  <a:srgbClr val="00B050"/>
-                </a:solidFill>
-              </a:rPr>
-              <a:t>Отправить </a:t>
-            </a:r>
-            <a:r>
-              <a:rPr lang="ru-RU" dirty="0" smtClean="0">
-                <a:solidFill>
-                  <a:srgbClr val="00B050"/>
-                </a:solidFill>
-              </a:rPr>
-              <a:t>в сед на регистрацию</a:t>
-            </a:r>
-          </a:p>
-          <a:p>
-            <a:r>
-              <a:rPr lang="ru-RU" dirty="0" smtClean="0">
-                <a:solidFill>
-                  <a:srgbClr val="00B050"/>
-                </a:solidFill>
-              </a:rPr>
-              <a:t>Дождаться ответа</a:t>
-            </a:r>
-          </a:p>
-          <a:p>
-            <a:r>
-              <a:rPr lang="ru-RU" dirty="0" smtClean="0">
-                <a:solidFill>
-                  <a:srgbClr val="00B050"/>
-                </a:solidFill>
-              </a:rPr>
-              <a:t>Изменить статус заявления</a:t>
-            </a:r>
-          </a:p>
-        </p:txBody>
-      </p:sp>
+      </p:pic>
     </p:spTree>
     <p:extLst>
       <p:ext uri="{BB962C8B-B14F-4D97-AF65-F5344CB8AC3E}">
-        <p14:creationId xmlns:p14="http://schemas.microsoft.com/office/powerpoint/2010/main" val="2707282225"/>
+        <p14:creationId xmlns:p14="http://schemas.microsoft.com/office/powerpoint/2010/main" val="44624369"/>
       </p:ext>
     </p:extLst>
   </p:cSld>
@@ -3787,7 +4486,13 @@
       </p:grpSpPr>
       <p:sp>
         <p:nvSpPr>
-          <p:cNvPr id="2" name="Заголовок 1"/>
+          <p:cNvPr id="2" name="Заголовок 1">
+            <a:extLst>
+              <a:ext uri="{FF2B5EF4-FFF2-40B4-BE49-F238E27FC236}">
+                <a16:creationId xmlns:a16="http://schemas.microsoft.com/office/drawing/2014/main" id="{6368A328-7488-0111-DFEE-0E9FA767C066}"/>
+              </a:ext>
+            </a:extLst>
+          </p:cNvPr>
           <p:cNvSpPr>
             <a:spLocks noGrp="1"/>
           </p:cNvSpPr>
@@ -3797,14 +4502,25 @@
         </p:nvSpPr>
         <p:spPr/>
         <p:txBody>
-          <a:bodyPr/>
-          <a:lstStyle/>
-          <a:p>
-            <a:r>
-              <a:rPr lang="ru-RU" dirty="0" smtClean="0"/>
-              <a:t>Сценарий разработки</a:t>
-            </a:r>
-            <a:endParaRPr lang="ru-RU" dirty="0"/>
+          <a:bodyPr>
+            <a:normAutofit/>
+          </a:bodyPr>
+          <a:lstStyle/>
+          <a:p>
+            <a:pPr algn="ctr"/>
+            <a:r>
+              <a:rPr lang="ru-RU" dirty="0"/>
+              <a:t>Предоставление Государственной услуги в ВИС Лесопользование (как будет</a:t>
+            </a:r>
+            <a:r>
+              <a:rPr lang="en-US" dirty="0"/>
+              <a:t>)</a:t>
+            </a:r>
+            <a:endParaRPr lang="ru-RU" dirty="0">
+              <a:solidFill>
+                <a:srgbClr val="FF0000"/>
+              </a:solidFill>
+            </a:endParaRPr>
           </a:p>
         </p:txBody>
       </p:sp>
@@ -3823,14 +4539,44 @@
           <a:bodyPr/>
           <a:lstStyle/>
           <a:p>
-            <a:endParaRPr lang="ru-RU" dirty="0"/>
-          </a:p>
-        </p:txBody>
-      </p:sp>
+            <a:endParaRPr lang="ru-RU"/>
+          </a:p>
+        </p:txBody>
+      </p:sp>
+      <p:pic>
+        <p:nvPicPr>
+          <p:cNvPr id="6" name="Рисунок 5">
+            <a:extLst>
+              <a:ext uri="{FF2B5EF4-FFF2-40B4-BE49-F238E27FC236}">
+                <a16:creationId xmlns:a16="http://schemas.microsoft.com/office/drawing/2014/main" id="{64FB8215-3C2F-C795-AFD0-E85D24F45393}"/>
+              </a:ext>
+            </a:extLst>
+          </p:cNvPr>
+          <p:cNvPicPr>
+            <a:picLocks noChangeAspect="1"/>
+          </p:cNvPicPr>
+          <p:nvPr/>
+        </p:nvPicPr>
+        <p:blipFill>
+          <a:blip r:embed="rId3"/>
+          <a:stretch>
+            <a:fillRect/>
+          </a:stretch>
+        </p:blipFill>
+        <p:spPr>
+          <a:xfrm>
+            <a:off x="134250" y="1605750"/>
+            <a:ext cx="11923499" cy="5188242"/>
+          </a:xfrm>
+          <a:prstGeom prst="rect">
+            <a:avLst/>
+          </a:prstGeom>
+        </p:spPr>
+      </p:pic>
     </p:spTree>
     <p:extLst>
       <p:ext uri="{BB962C8B-B14F-4D97-AF65-F5344CB8AC3E}">
-        <p14:creationId xmlns:p14="http://schemas.microsoft.com/office/powerpoint/2010/main" val="633527894"/>
+        <p14:creationId xmlns:p14="http://schemas.microsoft.com/office/powerpoint/2010/main" val="3390970608"/>
       </p:ext>
     </p:extLst>
   </p:cSld>
@@ -3862,7 +4608,7 @@
           <p:cNvPr id="2" name="Заголовок 1">
             <a:extLst>
               <a:ext uri="{FF2B5EF4-FFF2-40B4-BE49-F238E27FC236}">
-                <a16:creationId xmlns:a16="http://schemas.microsoft.com/office/drawing/2014/main" id="{D8A27729-5451-50B7-7E48-414C711ED729}"/>
+                <a16:creationId xmlns:a16="http://schemas.microsoft.com/office/drawing/2014/main" id="{BF453941-33A6-C802-2C6A-C74E237C9D17}"/>
               </a:ext>
             </a:extLst>
           </p:cNvPr>
@@ -3878,9 +4624,10 @@
           <a:bodyPr/>
           <a:lstStyle/>
           <a:p>
+            <a:pPr algn="ctr"/>
             <a:r>
               <a:rPr lang="ru-RU" dirty="0"/>
-              <a:t>Входные данные</a:t>
+              <a:t>Цель</a:t>
             </a:r>
           </a:p>
         </p:txBody>
@@ -3890,7 +4637,7 @@
           <p:cNvPr id="3" name="Объект 2">
             <a:extLst>
               <a:ext uri="{FF2B5EF4-FFF2-40B4-BE49-F238E27FC236}">
-                <a16:creationId xmlns:a16="http://schemas.microsoft.com/office/drawing/2014/main" id="{F8EBDBDF-6213-5485-B958-CCD6BCE73147}"/>
+                <a16:creationId xmlns:a16="http://schemas.microsoft.com/office/drawing/2014/main" id="{F721782F-AA52-20F9-E2AB-B79A6BFA8004}"/>
               </a:ext>
             </a:extLst>
           </p:cNvPr>
@@ -3901,34 +4648,71 @@
             <p:ph idx="1"/>
           </p:nvPr>
         </p:nvSpPr>
-        <p:spPr/>
-        <p:txBody>
-          <a:bodyPr/>
-          <a:lstStyle/>
-          <a:p>
-            <a:r>
-              <a:rPr lang="ru-RU" dirty="0"/>
-              <a:t>Заявление на получение предварительного лесного участка</a:t>
-            </a:r>
-          </a:p>
-          <a:p>
-            <a:r>
-              <a:rPr lang="ru-RU" dirty="0"/>
-              <a:t>Заявление на утверждение лесного участка</a:t>
-            </a:r>
-          </a:p>
-          <a:p>
-            <a:r>
-              <a:rPr lang="ru-RU" dirty="0"/>
-              <a:t>Заявление на пользование ЛУ</a:t>
-            </a:r>
+        <p:spPr>
+          <a:xfrm>
+            <a:off x="838200" y="1690688"/>
+            <a:ext cx="10515600" cy="4351338"/>
+          </a:xfrm>
+        </p:spPr>
+        <p:txBody>
+          <a:bodyPr>
+            <a:normAutofit/>
+          </a:bodyPr>
+          <a:lstStyle/>
+          <a:p>
+            <a:r>
+              <a:rPr lang="ru-RU" dirty="0">
+                <a:solidFill>
+                  <a:srgbClr val="303030"/>
+                </a:solidFill>
+                <a:effectLst/>
+                <a:ea typeface="Calibri" panose="020F0502020204030204" pitchFamily="34" charset="0"/>
+              </a:rPr>
+              <a:t>Сократить время для предоставления услуги и трудозатраты оператора ВИС Лесопользование, путем автоматизации регистрации заявлений и</a:t>
+            </a:r>
+            <a:r>
+              <a:rPr lang="en-US" dirty="0">
+                <a:solidFill>
+                  <a:srgbClr val="303030"/>
+                </a:solidFill>
+                <a:effectLst/>
+                <a:ea typeface="Calibri" panose="020F0502020204030204" pitchFamily="34" charset="0"/>
+              </a:rPr>
+              <a:t> </a:t>
+            </a:r>
+            <a:r>
+              <a:rPr lang="ru-RU" dirty="0">
+                <a:solidFill>
+                  <a:srgbClr val="303030"/>
+                </a:solidFill>
+                <a:effectLst/>
+                <a:ea typeface="Calibri" panose="020F0502020204030204" pitchFamily="34" charset="0"/>
+              </a:rPr>
+              <a:t>частичной автоматизации подписания итоговых документов в СЭД ПСО</a:t>
+            </a:r>
+            <a:r>
+              <a:rPr lang="ru-RU" dirty="0">
+                <a:solidFill>
+                  <a:srgbClr val="303030"/>
+                </a:solidFill>
+                <a:ea typeface="Calibri" panose="020F0502020204030204" pitchFamily="34" charset="0"/>
+              </a:rPr>
+              <a:t>.</a:t>
+            </a:r>
+            <a:endParaRPr lang="ru-RU" dirty="0">
+              <a:solidFill>
+                <a:srgbClr val="303030"/>
+              </a:solidFill>
+              <a:effectLst/>
+              <a:ea typeface="Calibri" panose="020F0502020204030204" pitchFamily="34" charset="0"/>
+            </a:endParaRPr>
           </a:p>
         </p:txBody>
       </p:sp>
     </p:spTree>
     <p:extLst>
       <p:ext uri="{BB962C8B-B14F-4D97-AF65-F5344CB8AC3E}">
-        <p14:creationId xmlns:p14="http://schemas.microsoft.com/office/powerpoint/2010/main" val="3520240573"/>
+        <p14:creationId xmlns:p14="http://schemas.microsoft.com/office/powerpoint/2010/main" val="3833297341"/>
       </p:ext>
     </p:extLst>
   </p:cSld>
@@ -3960,7 +4744,7 @@
           <p:cNvPr id="2" name="Заголовок 1">
             <a:extLst>
               <a:ext uri="{FF2B5EF4-FFF2-40B4-BE49-F238E27FC236}">
-                <a16:creationId xmlns:a16="http://schemas.microsoft.com/office/drawing/2014/main" id="{AD142634-8CAF-6287-38B5-8D4672ABE5BC}"/>
+                <a16:creationId xmlns:a16="http://schemas.microsoft.com/office/drawing/2014/main" id="{AFEE9FF2-96E7-0868-9DE9-117876247596}"/>
               </a:ext>
             </a:extLst>
           </p:cNvPr>
@@ -3976,9 +4760,17 @@
           <a:bodyPr/>
           <a:lstStyle/>
           <a:p>
-            <a:r>
-              <a:rPr lang="ru-RU" dirty="0"/>
-              <a:t>Выходные данные</a:t>
+            <a:pPr algn="ctr"/>
+            <a:r>
+              <a:rPr lang="ru-RU" dirty="0">
+                <a:solidFill>
+                  <a:schemeClr val="tx1">
+                    <a:lumMod val="95000"/>
+                    <a:lumOff val="5000"/>
+                  </a:schemeClr>
+                </a:solidFill>
+              </a:rPr>
+              <a:t>Задачи</a:t>
             </a:r>
           </a:p>
         </p:txBody>
@@ -3988,7 +4780,7 @@
           <p:cNvPr id="3" name="Объект 2">
             <a:extLst>
               <a:ext uri="{FF2B5EF4-FFF2-40B4-BE49-F238E27FC236}">
-                <a16:creationId xmlns:a16="http://schemas.microsoft.com/office/drawing/2014/main" id="{01896C1D-163E-8187-9EEA-004C5DAED064}"/>
+                <a16:creationId xmlns:a16="http://schemas.microsoft.com/office/drawing/2014/main" id="{93E7766C-0A08-FEF6-9580-0459957FA465}"/>
               </a:ext>
             </a:extLst>
           </p:cNvPr>
@@ -3999,34 +4791,70 @@
             <p:ph idx="1"/>
           </p:nvPr>
         </p:nvSpPr>
-        <p:spPr/>
-        <p:txBody>
-          <a:bodyPr/>
-          <a:lstStyle/>
-          <a:p>
+        <p:spPr>
+          <a:xfrm>
+            <a:off x="838200" y="1781021"/>
+            <a:ext cx="10756392" cy="4351338"/>
+          </a:xfrm>
+        </p:spPr>
+        <p:txBody>
+          <a:bodyPr>
+            <a:normAutofit/>
+          </a:bodyPr>
+          <a:lstStyle/>
+          <a:p>
+            <a:pPr marL="0" indent="0">
+              <a:buNone/>
+            </a:pPr>
             <a:r>
               <a:rPr lang="ru-RU" dirty="0"/>
-              <a:t>Приказ о согласовании лесного участка</a:t>
-            </a:r>
-          </a:p>
-          <a:p>
+              <a:t>1. Спроектировать структуру базы данных ВИС Лесопользования Свердловской Области</a:t>
+            </a:r>
+            <a:r>
+              <a:rPr lang="en-US" dirty="0"/>
+              <a:t>, </a:t>
+            </a:r>
             <a:r>
               <a:rPr lang="ru-RU" dirty="0"/>
-              <a:t>Приказ об утверждении проектной документации и государственном учете лесного участка в соответствии с проектной документацией на лесной участок для заготовки древесины</a:t>
-            </a:r>
-          </a:p>
-          <a:p>
+              <a:t>совместно с другими участниками команды.</a:t>
+            </a:r>
+          </a:p>
+          <a:p>
+            <a:pPr marL="0" indent="0">
+              <a:buNone/>
+            </a:pPr>
             <a:r>
               <a:rPr lang="ru-RU" dirty="0"/>
-              <a:t>Приказ о предоставлении земельного (лесного) участка в пользование</a:t>
-            </a:r>
+              <a:t>2. Изучить структуру сообщений для отправки в СЭД ПСО.</a:t>
+            </a:r>
+          </a:p>
+          <a:p>
+            <a:pPr marL="0" indent="0">
+              <a:buNone/>
+            </a:pPr>
+            <a:r>
+              <a:rPr lang="ru-RU" dirty="0"/>
+              <a:t>3. Спроектировать интеграционный сервис.</a:t>
+            </a:r>
+          </a:p>
+          <a:p>
+            <a:pPr marL="0" indent="0">
+              <a:buNone/>
+            </a:pPr>
+            <a:r>
+              <a:rPr lang="ru-RU" dirty="0"/>
+              <a:t>4. Реализовать интеграционный  сервис.</a:t>
+            </a:r>
+          </a:p>
+          <a:p>
+            <a:endParaRPr lang="ru-RU" dirty="0"/>
           </a:p>
         </p:txBody>
       </p:sp>
     </p:spTree>
     <p:extLst>
       <p:ext uri="{BB962C8B-B14F-4D97-AF65-F5344CB8AC3E}">
-        <p14:creationId xmlns:p14="http://schemas.microsoft.com/office/powerpoint/2010/main" val="401418907"/>
+        <p14:creationId xmlns:p14="http://schemas.microsoft.com/office/powerpoint/2010/main" val="2707282225"/>
       </p:ext>
     </p:extLst>
   </p:cSld>
@@ -4041,7 +4869,7 @@
   <a:themeElements>
     <a:clrScheme name="Стандартная">
       <a:dk1>
-        <a:sysClr val="windowText" lastClr="000000"/>
+        <a:sysClr val="windowText" lastClr="303030"/>
       </a:dk1>
       <a:lt1>
         <a:sysClr val="window" lastClr="FFFFFF"/>
@@ -4295,4 +5123,299 @@
     </a:ext>
   </a:extLst>
 </a:theme>
+</file>
+
+<file path=ppt/theme/theme2.xml><?xml version="1.0" encoding="utf-8"?>
+<a:theme xmlns:a="http://schemas.openxmlformats.org/drawingml/2006/main" name="Тема Office">
+  <a:themeElements>
+    <a:clrScheme name="Стандартная">
+      <a:dk1>
+        <a:sysClr val="windowText" lastClr="303030"/>
+      </a:dk1>
+      <a:lt1>
+        <a:sysClr val="window" lastClr="FFFFFF"/>
+      </a:lt1>
+      <a:dk2>
+        <a:srgbClr val="44546A"/>
+      </a:dk2>
+      <a:lt2>
+        <a:srgbClr val="E7E6E6"/>
+      </a:lt2>
+      <a:accent1>
+        <a:srgbClr val="4472C4"/>
+      </a:accent1>
+      <a:accent2>
+        <a:srgbClr val="ED7D31"/>
+      </a:accent2>
+      <a:accent3>
+        <a:srgbClr val="A5A5A5"/>
+      </a:accent3>
+      <a:accent4>
+        <a:srgbClr val="FFC000"/>
+      </a:accent4>
+      <a:accent5>
+        <a:srgbClr val="5B9BD5"/>
+      </a:accent5>
+      <a:accent6>
+        <a:srgbClr val="70AD47"/>
+      </a:accent6>
+      <a:hlink>
+        <a:srgbClr val="0563C1"/>
+      </a:hlink>
+      <a:folHlink>
+        <a:srgbClr val="954F72"/>
+      </a:folHlink>
+    </a:clrScheme>
+    <a:fontScheme name="Стандартная">
+      <a:majorFont>
+        <a:latin typeface="Calibri Light" panose="020F0302020204030204"/>
+        <a:ea typeface=""/>
+        <a:cs typeface=""/>
+        <a:font script="Jpan" typeface="游ゴシック Light"/>
+        <a:font script="Hang" typeface="맑은 고딕"/>
+        <a:font script="Hans" typeface="等线 Light"/>
+        <a:font script="Hant" typeface="新細明體"/>
+        <a:font script="Arab" typeface="Times New Roman"/>
+        <a:font script="Hebr" typeface="Times New Roman"/>
+        <a:font script="Thai" typeface="Angsana New"/>
+        <a:font script="Ethi" typeface="Nyala"/>
+        <a:font script="Beng" typeface="Vrinda"/>
+        <a:font script="Gujr" typeface="Shruti"/>
+        <a:font script="Khmr" typeface="MoolBoran"/>
+        <a:font script="Knda" typeface="Tunga"/>
+        <a:font script="Guru" typeface="Raavi"/>
+        <a:font script="Cans" typeface="Euphemia"/>
+        <a:font script="Cher" typeface="Plantagenet Cherokee"/>
+        <a:font script="Yiii" typeface="Microsoft Yi Baiti"/>
+        <a:font script="Tibt" typeface="Microsoft Himalaya"/>
+        <a:font script="Thaa" typeface="MV Boli"/>
+        <a:font script="Deva" typeface="Mangal"/>
+        <a:font script="Telu" typeface="Gautami"/>
+        <a:font script="Taml" typeface="Latha"/>
+        <a:font script="Syrc" typeface="Estrangelo Edessa"/>
+        <a:font script="Orya" typeface="Kalinga"/>
+        <a:font script="Mlym" typeface="Kartika"/>
+        <a:font script="Laoo" typeface="DokChampa"/>
+        <a:font script="Sinh" typeface="Iskoola Pota"/>
+        <a:font script="Mong" typeface="Mongolian Baiti"/>
+        <a:font script="Viet" typeface="Times New Roman"/>
+        <a:font script="Uigh" typeface="Microsoft Uighur"/>
+        <a:font script="Geor" typeface="Sylfaen"/>
+        <a:font script="Armn" typeface="Arial"/>
+        <a:font script="Bugi" typeface="Leelawadee UI"/>
+        <a:font script="Bopo" typeface="Microsoft JhengHei"/>
+        <a:font script="Java" typeface="Javanese Text"/>
+        <a:font script="Lisu" typeface="Segoe UI"/>
+        <a:font script="Mymr" typeface="Myanmar Text"/>
+        <a:font script="Nkoo" typeface="Ebrima"/>
+        <a:font script="Olck" typeface="Nirmala UI"/>
+        <a:font script="Osma" typeface="Ebrima"/>
+        <a:font script="Phag" typeface="Phagspa"/>
+        <a:font script="Syrn" typeface="Estrangelo Edessa"/>
+        <a:font script="Syrj" typeface="Estrangelo Edessa"/>
+        <a:font script="Syre" typeface="Estrangelo Edessa"/>
+        <a:font script="Sora" typeface="Nirmala UI"/>
+        <a:font script="Tale" typeface="Microsoft Tai Le"/>
+        <a:font script="Talu" typeface="Microsoft New Tai Lue"/>
+        <a:font script="Tfng" typeface="Ebrima"/>
+      </a:majorFont>
+      <a:minorFont>
+        <a:latin typeface="Calibri" panose="020F0502020204030204"/>
+        <a:ea typeface=""/>
+        <a:cs typeface=""/>
+        <a:font script="Jpan" typeface="游ゴシック"/>
+        <a:font script="Hang" typeface="맑은 고딕"/>
+        <a:font script="Hans" typeface="等线"/>
+        <a:font script="Hant" typeface="新細明體"/>
+        <a:font script="Arab" typeface="Arial"/>
+        <a:font script="Hebr" typeface="Arial"/>
+        <a:font script="Thai" typeface="Cordia New"/>
+        <a:font script="Ethi" typeface="Nyala"/>
+        <a:font script="Beng" typeface="Vrinda"/>
+        <a:font script="Gujr" typeface="Shruti"/>
+        <a:font script="Khmr" typeface="DaunPenh"/>
+        <a:font script="Knda" typeface="Tunga"/>
+        <a:font script="Guru" typeface="Raavi"/>
+        <a:font script="Cans" typeface="Euphemia"/>
+        <a:font script="Cher" typeface="Plantagenet Cherokee"/>
+        <a:font script="Yiii" typeface="Microsoft Yi Baiti"/>
+        <a:font script="Tibt" typeface="Microsoft Himalaya"/>
+        <a:font script="Thaa" typeface="MV Boli"/>
+        <a:font script="Deva" typeface="Mangal"/>
+        <a:font script="Telu" typeface="Gautami"/>
+        <a:font script="Taml" typeface="Latha"/>
+        <a:font script="Syrc" typeface="Estrangelo Edessa"/>
+        <a:font script="Orya" typeface="Kalinga"/>
+        <a:font script="Mlym" typeface="Kartika"/>
+        <a:font script="Laoo" typeface="DokChampa"/>
+        <a:font script="Sinh" typeface="Iskoola Pota"/>
+        <a:font script="Mong" typeface="Mongolian Baiti"/>
+        <a:font script="Viet" typeface="Arial"/>
+        <a:font script="Uigh" typeface="Microsoft Uighur"/>
+        <a:font script="Geor" typeface="Sylfaen"/>
+        <a:font script="Armn" typeface="Arial"/>
+        <a:font script="Bugi" typeface="Leelawadee UI"/>
+        <a:font script="Bopo" typeface="Microsoft JhengHei"/>
+        <a:font script="Java" typeface="Javanese Text"/>
+        <a:font script="Lisu" typeface="Segoe UI"/>
+        <a:font script="Mymr" typeface="Myanmar Text"/>
+        <a:font script="Nkoo" typeface="Ebrima"/>
+        <a:font script="Olck" typeface="Nirmala UI"/>
+        <a:font script="Osma" typeface="Ebrima"/>
+        <a:font script="Phag" typeface="Phagspa"/>
+        <a:font script="Syrn" typeface="Estrangelo Edessa"/>
+        <a:font script="Syrj" typeface="Estrangelo Edessa"/>
+        <a:font script="Syre" typeface="Estrangelo Edessa"/>
+        <a:font script="Sora" typeface="Nirmala UI"/>
+        <a:font script="Tale" typeface="Microsoft Tai Le"/>
+        <a:font script="Talu" typeface="Microsoft New Tai Lue"/>
+        <a:font script="Tfng" typeface="Ebrima"/>
+      </a:minorFont>
+    </a:fontScheme>
+    <a:fmtScheme name="Стандартная">
+      <a:fillStyleLst>
+        <a:solidFill>
+          <a:schemeClr val="phClr"/>
+        </a:solidFill>
+        <a:gradFill rotWithShape="1">
+          <a:gsLst>
+            <a:gs pos="0">
+              <a:schemeClr val="phClr">
+                <a:lumMod val="110000"/>
+                <a:satMod val="105000"/>
+                <a:tint val="67000"/>
+              </a:schemeClr>
+            </a:gs>
+            <a:gs pos="50000">
+              <a:schemeClr val="phClr">
+                <a:lumMod val="105000"/>
+                <a:satMod val="103000"/>
+                <a:tint val="73000"/>
+              </a:schemeClr>
+            </a:gs>
+            <a:gs pos="100000">
+              <a:schemeClr val="phClr">
+                <a:lumMod val="105000"/>
+                <a:satMod val="109000"/>
+                <a:tint val="81000"/>
+              </a:schemeClr>
+            </a:gs>
+          </a:gsLst>
+          <a:lin ang="5400000" scaled="0"/>
+        </a:gradFill>
+        <a:gradFill rotWithShape="1">
+          <a:gsLst>
+            <a:gs pos="0">
+              <a:schemeClr val="phClr">
+                <a:satMod val="103000"/>
+                <a:lumMod val="102000"/>
+                <a:tint val="94000"/>
+              </a:schemeClr>
+            </a:gs>
+            <a:gs pos="50000">
+              <a:schemeClr val="phClr">
+                <a:satMod val="110000"/>
+                <a:lumMod val="100000"/>
+                <a:shade val="100000"/>
+              </a:schemeClr>
+            </a:gs>
+            <a:gs pos="100000">
+              <a:schemeClr val="phClr">
+                <a:lumMod val="99000"/>
+                <a:satMod val="120000"/>
+                <a:shade val="78000"/>
+              </a:schemeClr>
+            </a:gs>
+          </a:gsLst>
+          <a:lin ang="5400000" scaled="0"/>
+        </a:gradFill>
+      </a:fillStyleLst>
+      <a:lnStyleLst>
+        <a:ln w="6350" cap="flat" cmpd="sng" algn="ctr">
+          <a:solidFill>
+            <a:schemeClr val="phClr"/>
+          </a:solidFill>
+          <a:prstDash val="solid"/>
+          <a:miter lim="800000"/>
+        </a:ln>
+        <a:ln w="12700" cap="flat" cmpd="sng" algn="ctr">
+          <a:solidFill>
+            <a:schemeClr val="phClr"/>
+          </a:solidFill>
+          <a:prstDash val="solid"/>
+          <a:miter lim="800000"/>
+        </a:ln>
+        <a:ln w="19050" cap="flat" cmpd="sng" algn="ctr">
+          <a:solidFill>
+            <a:schemeClr val="phClr"/>
+          </a:solidFill>
+          <a:prstDash val="solid"/>
+          <a:miter lim="800000"/>
+        </a:ln>
+      </a:lnStyleLst>
+      <a:effectStyleLst>
+        <a:effectStyle>
+          <a:effectLst/>
+        </a:effectStyle>
+        <a:effectStyle>
+          <a:effectLst/>
+        </a:effectStyle>
+        <a:effectStyle>
+          <a:effectLst>
+            <a:outerShdw blurRad="57150" dist="19050" dir="5400000" algn="ctr" rotWithShape="0">
+              <a:srgbClr val="000000">
+                <a:alpha val="63000"/>
+              </a:srgbClr>
+            </a:outerShdw>
+          </a:effectLst>
+        </a:effectStyle>
+      </a:effectStyleLst>
+      <a:bgFillStyleLst>
+        <a:solidFill>
+          <a:schemeClr val="phClr"/>
+        </a:solidFill>
+        <a:solidFill>
+          <a:schemeClr val="phClr">
+            <a:tint val="95000"/>
+            <a:satMod val="170000"/>
+          </a:schemeClr>
+        </a:solidFill>
+        <a:gradFill rotWithShape="1">
+          <a:gsLst>
+            <a:gs pos="0">
+              <a:schemeClr val="phClr">
+                <a:tint val="93000"/>
+                <a:satMod val="150000"/>
+                <a:shade val="98000"/>
+                <a:lumMod val="102000"/>
+              </a:schemeClr>
+            </a:gs>
+            <a:gs pos="50000">
+              <a:schemeClr val="phClr">
+                <a:tint val="98000"/>
+                <a:satMod val="130000"/>
+                <a:shade val="90000"/>
+                <a:lumMod val="103000"/>
+              </a:schemeClr>
+            </a:gs>
+            <a:gs pos="100000">
+              <a:schemeClr val="phClr">
+                <a:shade val="63000"/>
+                <a:satMod val="120000"/>
+              </a:schemeClr>
+            </a:gs>
+          </a:gsLst>
+          <a:lin ang="5400000" scaled="0"/>
+        </a:gradFill>
+      </a:bgFillStyleLst>
+    </a:fmtScheme>
+  </a:themeElements>
+  <a:objectDefaults/>
+  <a:extraClrSchemeLst/>
+  <a:extLst>
+    <a:ext uri="{05A4C25C-085E-4340-85A3-A5531E510DB2}">
+      <thm15:themeFamily xmlns:thm15="http://schemas.microsoft.com/office/thememl/2012/main" name="Office Theme" id="{62F939B6-93AF-4DB8-9C6B-D6C7DFDC589F}" vid="{4A3C46E8-61CC-4603-A589-7422A47A8E4A}"/>
+    </a:ext>
+  </a:extLst>
+</a:theme>
 </file>
--- a/Презентация.pptx
+++ b/Презентация.pptx
@@ -209,7 +209,7 @@
           <a:p>
             <a:fld id="{75F1DFFD-0639-450F-A95D-6BC42EFC6563}" type="datetimeFigureOut">
               <a:rPr lang="ru-RU" smtClean="0"/>
-              <a:t>22.11.2023</a:t>
+              <a:t>01.12.2023</a:t>
             </a:fld>
             <a:endParaRPr lang="ru-RU"/>
           </a:p>
@@ -689,7 +689,7 @@
           <a:p>
             <a:fld id="{0F7B38E9-DBAE-4AA2-BF3B-13DCA674FB12}" type="datetimeFigureOut">
               <a:rPr lang="ru-RU" smtClean="0"/>
-              <a:t>22.11.2023</a:t>
+              <a:t>01.12.2023</a:t>
             </a:fld>
             <a:endParaRPr lang="ru-RU"/>
           </a:p>
@@ -857,7 +857,7 @@
           <a:p>
             <a:fld id="{0F7B38E9-DBAE-4AA2-BF3B-13DCA674FB12}" type="datetimeFigureOut">
               <a:rPr lang="ru-RU" smtClean="0"/>
-              <a:t>22.11.2023</a:t>
+              <a:t>01.12.2023</a:t>
             </a:fld>
             <a:endParaRPr lang="ru-RU"/>
           </a:p>
@@ -1035,7 +1035,7 @@
           <a:p>
             <a:fld id="{0F7B38E9-DBAE-4AA2-BF3B-13DCA674FB12}" type="datetimeFigureOut">
               <a:rPr lang="ru-RU" smtClean="0"/>
-              <a:t>22.11.2023</a:t>
+              <a:t>01.12.2023</a:t>
             </a:fld>
             <a:endParaRPr lang="ru-RU"/>
           </a:p>
@@ -1203,7 +1203,7 @@
           <a:p>
             <a:fld id="{0F7B38E9-DBAE-4AA2-BF3B-13DCA674FB12}" type="datetimeFigureOut">
               <a:rPr lang="ru-RU" smtClean="0"/>
-              <a:t>22.11.2023</a:t>
+              <a:t>01.12.2023</a:t>
             </a:fld>
             <a:endParaRPr lang="ru-RU"/>
           </a:p>
@@ -1448,7 +1448,7 @@
           <a:p>
             <a:fld id="{0F7B38E9-DBAE-4AA2-BF3B-13DCA674FB12}" type="datetimeFigureOut">
               <a:rPr lang="ru-RU" smtClean="0"/>
-              <a:t>22.11.2023</a:t>
+              <a:t>01.12.2023</a:t>
             </a:fld>
             <a:endParaRPr lang="ru-RU"/>
           </a:p>
@@ -1677,7 +1677,7 @@
           <a:p>
             <a:fld id="{0F7B38E9-DBAE-4AA2-BF3B-13DCA674FB12}" type="datetimeFigureOut">
               <a:rPr lang="ru-RU" smtClean="0"/>
-              <a:t>22.11.2023</a:t>
+              <a:t>01.12.2023</a:t>
             </a:fld>
             <a:endParaRPr lang="ru-RU"/>
           </a:p>
@@ -2041,7 +2041,7 @@
           <a:p>
             <a:fld id="{0F7B38E9-DBAE-4AA2-BF3B-13DCA674FB12}" type="datetimeFigureOut">
               <a:rPr lang="ru-RU" smtClean="0"/>
-              <a:t>22.11.2023</a:t>
+              <a:t>01.12.2023</a:t>
             </a:fld>
             <a:endParaRPr lang="ru-RU"/>
           </a:p>
@@ -2158,7 +2158,7 @@
           <a:p>
             <a:fld id="{0F7B38E9-DBAE-4AA2-BF3B-13DCA674FB12}" type="datetimeFigureOut">
               <a:rPr lang="ru-RU" smtClean="0"/>
-              <a:t>22.11.2023</a:t>
+              <a:t>01.12.2023</a:t>
             </a:fld>
             <a:endParaRPr lang="ru-RU"/>
           </a:p>
@@ -2253,7 +2253,7 @@
           <a:p>
             <a:fld id="{0F7B38E9-DBAE-4AA2-BF3B-13DCA674FB12}" type="datetimeFigureOut">
               <a:rPr lang="ru-RU" smtClean="0"/>
-              <a:t>22.11.2023</a:t>
+              <a:t>01.12.2023</a:t>
             </a:fld>
             <a:endParaRPr lang="ru-RU"/>
           </a:p>
@@ -2528,7 +2528,7 @@
           <a:p>
             <a:fld id="{0F7B38E9-DBAE-4AA2-BF3B-13DCA674FB12}" type="datetimeFigureOut">
               <a:rPr lang="ru-RU" smtClean="0"/>
-              <a:t>22.11.2023</a:t>
+              <a:t>01.12.2023</a:t>
             </a:fld>
             <a:endParaRPr lang="ru-RU"/>
           </a:p>
@@ -2780,7 +2780,7 @@
           <a:p>
             <a:fld id="{0F7B38E9-DBAE-4AA2-BF3B-13DCA674FB12}" type="datetimeFigureOut">
               <a:rPr lang="ru-RU" smtClean="0"/>
-              <a:t>22.11.2023</a:t>
+              <a:t>01.12.2023</a:t>
             </a:fld>
             <a:endParaRPr lang="ru-RU"/>
           </a:p>
@@ -2991,7 +2991,7 @@
           <a:p>
             <a:fld id="{0F7B38E9-DBAE-4AA2-BF3B-13DCA674FB12}" type="datetimeFigureOut">
               <a:rPr lang="ru-RU" smtClean="0"/>
-              <a:t>22.11.2023</a:t>
+              <a:t>01.12.2023</a:t>
             </a:fld>
             <a:endParaRPr lang="ru-RU"/>
           </a:p>
@@ -4255,6 +4255,10 @@
               <a:rPr lang="ru-RU" sz="3600" dirty="0"/>
               <a:t>2. Предоставление гражданам, юридическим лицам лесных участков, находящихся в государственной или муниципальной собственности</a:t>
             </a:r>
+            <a:r>
+              <a:rPr lang="ru-RU" dirty="0"/>
+              <a:t/>
+            </a:r>
             <a:br>
               <a:rPr lang="ru-RU" dirty="0"/>
             </a:br>
@@ -4318,7 +4322,7 @@
       </p:sp>
       <p:pic>
         <p:nvPicPr>
-          <p:cNvPr id="9" name="Рисунок 8"/>
+          <p:cNvPr id="5" name="Рисунок 4"/>
           <p:cNvPicPr>
             <a:picLocks noChangeAspect="1"/>
           </p:cNvPicPr>
@@ -4332,8 +4336,8 @@
         </p:blipFill>
         <p:spPr>
           <a:xfrm>
-            <a:off x="98478" y="1670538"/>
-            <a:ext cx="11995043" cy="4506425"/>
+            <a:off x="79569" y="1657073"/>
+            <a:ext cx="12032861" cy="4519890"/>
           </a:xfrm>
           <a:prstGeom prst="rect">
             <a:avLst/>
@@ -4399,59 +4403,33 @@
           </a:p>
         </p:txBody>
       </p:sp>
-      <p:sp>
-        <p:nvSpPr>
-          <p:cNvPr id="3" name="Объект 2">
+      <p:pic>
+        <p:nvPicPr>
+          <p:cNvPr id="4" name="Объект 3"/>
+          <p:cNvPicPr>
+            <a:picLocks noGrp="1" noChangeAspect="1"/>
+          </p:cNvPicPr>
+          <p:nvPr>
+            <p:ph idx="1"/>
+          </p:nvPr>
+        </p:nvPicPr>
+        <p:blipFill>
+          <a:blip r:embed="rId2">
             <a:extLst>
-              <a:ext uri="{FF2B5EF4-FFF2-40B4-BE49-F238E27FC236}">
-                <a16:creationId xmlns:a16="http://schemas.microsoft.com/office/drawing/2014/main" id="{2C360F3C-B40C-7484-BF80-9A7A1C8A11C5}"/>
+              <a:ext uri="{28A0092B-C50C-407E-A947-70E740481C1C}">
+                <a14:useLocalDpi xmlns:a14="http://schemas.microsoft.com/office/drawing/2010/main" val="0"/>
               </a:ext>
             </a:extLst>
-          </p:cNvPr>
-          <p:cNvSpPr>
-            <a:spLocks noGrp="1"/>
-          </p:cNvSpPr>
-          <p:nvPr>
-            <p:ph idx="1"/>
-          </p:nvPr>
-        </p:nvSpPr>
-        <p:spPr/>
-        <p:txBody>
-          <a:bodyPr/>
-          <a:lstStyle/>
-          <a:p>
-            <a:endParaRPr lang="ru-RU" dirty="0"/>
-          </a:p>
-        </p:txBody>
-      </p:sp>
-      <p:pic>
-        <p:nvPicPr>
-          <p:cNvPr id="5" name="Рисунок 4">
-            <a:extLst>
-              <a:ext uri="{FF2B5EF4-FFF2-40B4-BE49-F238E27FC236}">
-                <a16:creationId xmlns:a16="http://schemas.microsoft.com/office/drawing/2014/main" id="{9DA8D30D-47D4-0CDC-70B1-F3BEA74EF9A5}"/>
-              </a:ext>
-            </a:extLst>
-          </p:cNvPr>
-          <p:cNvPicPr>
-            <a:picLocks noChangeAspect="1"/>
-          </p:cNvPicPr>
-          <p:nvPr/>
-        </p:nvPicPr>
-        <p:blipFill>
-          <a:blip r:embed="rId2"/>
+          </a:blip>
           <a:stretch>
             <a:fillRect/>
           </a:stretch>
         </p:blipFill>
         <p:spPr>
           <a:xfrm>
-            <a:off x="288985" y="1825625"/>
-            <a:ext cx="11374437" cy="4267796"/>
+            <a:off x="206188" y="1690688"/>
+            <a:ext cx="13960850" cy="6019049"/>
           </a:xfrm>
-          <a:prstGeom prst="rect">
-            <a:avLst/>
-          </a:prstGeom>
         </p:spPr>
       </p:pic>
     </p:spTree>
@@ -4869,7 +4847,7 @@
   <a:themeElements>
     <a:clrScheme name="Стандартная">
       <a:dk1>
-        <a:sysClr val="windowText" lastClr="303030"/>
+        <a:sysClr val="windowText" lastClr="000000"/>
       </a:dk1>
       <a:lt1>
         <a:sysClr val="window" lastClr="FFFFFF"/>
@@ -5130,7 +5108,7 @@
   <a:themeElements>
     <a:clrScheme name="Стандартная">
       <a:dk1>
-        <a:sysClr val="windowText" lastClr="303030"/>
+        <a:sysClr val="windowText" lastClr="000000"/>
       </a:dk1>
       <a:lt1>
         <a:sysClr val="window" lastClr="FFFFFF"/>

--- a/Презентация.pptx
+++ b/Презентация.pptx
@@ -5,7 +5,7 @@
     <p:sldMasterId id="2147483648" r:id="rId1"/>
   </p:sldMasterIdLst>
   <p:notesMasterIdLst>
-    <p:notesMasterId r:id="rId15"/>
+    <p:notesMasterId r:id="rId14"/>
   </p:notesMasterIdLst>
   <p:sldIdLst>
     <p:sldId id="256" r:id="rId2"/>
@@ -13,14 +13,13 @@
     <p:sldId id="269" r:id="rId4"/>
     <p:sldId id="268" r:id="rId5"/>
     <p:sldId id="266" r:id="rId6"/>
-    <p:sldId id="270" r:id="rId7"/>
-    <p:sldId id="265" r:id="rId8"/>
-    <p:sldId id="258" r:id="rId9"/>
-    <p:sldId id="259" r:id="rId10"/>
-    <p:sldId id="267" r:id="rId11"/>
-    <p:sldId id="260" r:id="rId12"/>
-    <p:sldId id="263" r:id="rId13"/>
-    <p:sldId id="271" r:id="rId14"/>
+    <p:sldId id="265" r:id="rId7"/>
+    <p:sldId id="258" r:id="rId8"/>
+    <p:sldId id="259" r:id="rId9"/>
+    <p:sldId id="267" r:id="rId10"/>
+    <p:sldId id="260" r:id="rId11"/>
+    <p:sldId id="263" r:id="rId12"/>
+    <p:sldId id="271" r:id="rId13"/>
   </p:sldIdLst>
   <p:sldSz cx="12192000" cy="6858000"/>
   <p:notesSz cx="6858000" cy="9144000"/>
@@ -176,7 +175,7 @@
             </a:lvl1pPr>
           </a:lstStyle>
           <a:p>
-            <a:endParaRPr lang="ru-RU"/>
+            <a:endParaRPr lang="ru-RU" dirty="0"/>
           </a:p>
         </p:txBody>
       </p:sp>
@@ -211,7 +210,7 @@
               <a:rPr lang="ru-RU" smtClean="0"/>
               <a:t>01.12.2023</a:t>
             </a:fld>
-            <a:endParaRPr lang="ru-RU"/>
+            <a:endParaRPr lang="ru-RU" dirty="0"/>
           </a:p>
         </p:txBody>
       </p:sp>
@@ -244,7 +243,7 @@
           <a:bodyPr vert="horz" lIns="91440" tIns="45720" rIns="91440" bIns="45720" rtlCol="0" anchor="ctr"/>
           <a:lstStyle/>
           <a:p>
-            <a:endParaRPr lang="ru-RU"/>
+            <a:endParaRPr lang="ru-RU" dirty="0"/>
           </a:p>
         </p:txBody>
       </p:sp>
@@ -334,7 +333,7 @@
             </a:lvl1pPr>
           </a:lstStyle>
           <a:p>
-            <a:endParaRPr lang="ru-RU"/>
+            <a:endParaRPr lang="ru-RU" dirty="0"/>
           </a:p>
         </p:txBody>
       </p:sp>
@@ -369,7 +368,7 @@
               <a:rPr lang="ru-RU" smtClean="0"/>
               <a:t>‹#›</a:t>
             </a:fld>
-            <a:endParaRPr lang="ru-RU"/>
+            <a:endParaRPr lang="ru-RU" dirty="0"/>
           </a:p>
         </p:txBody>
       </p:sp>
@@ -541,9 +540,9 @@
           <a:p>
             <a:fld id="{E4E6046D-0659-4115-95D0-506687AD1516}" type="slidenum">
               <a:rPr lang="ru-RU" smtClean="0"/>
-              <a:t>7</a:t>
+              <a:t>6</a:t>
             </a:fld>
-            <a:endParaRPr lang="ru-RU"/>
+            <a:endParaRPr lang="ru-RU" dirty="0"/>
           </a:p>
         </p:txBody>
       </p:sp>
@@ -691,7 +690,7 @@
               <a:rPr lang="ru-RU" smtClean="0"/>
               <a:t>01.12.2023</a:t>
             </a:fld>
-            <a:endParaRPr lang="ru-RU"/>
+            <a:endParaRPr lang="ru-RU" dirty="0"/>
           </a:p>
         </p:txBody>
       </p:sp>
@@ -710,7 +709,7 @@
           <a:bodyPr/>
           <a:lstStyle/>
           <a:p>
-            <a:endParaRPr lang="ru-RU"/>
+            <a:endParaRPr lang="ru-RU" dirty="0"/>
           </a:p>
         </p:txBody>
       </p:sp>
@@ -733,7 +732,7 @@
               <a:rPr lang="ru-RU" smtClean="0"/>
               <a:t>‹#›</a:t>
             </a:fld>
-            <a:endParaRPr lang="ru-RU"/>
+            <a:endParaRPr lang="ru-RU" dirty="0"/>
           </a:p>
         </p:txBody>
       </p:sp>
@@ -859,7 +858,7 @@
               <a:rPr lang="ru-RU" smtClean="0"/>
               <a:t>01.12.2023</a:t>
             </a:fld>
-            <a:endParaRPr lang="ru-RU"/>
+            <a:endParaRPr lang="ru-RU" dirty="0"/>
           </a:p>
         </p:txBody>
       </p:sp>
@@ -878,7 +877,7 @@
           <a:bodyPr/>
           <a:lstStyle/>
           <a:p>
-            <a:endParaRPr lang="ru-RU"/>
+            <a:endParaRPr lang="ru-RU" dirty="0"/>
           </a:p>
         </p:txBody>
       </p:sp>
@@ -901,7 +900,7 @@
               <a:rPr lang="ru-RU" smtClean="0"/>
               <a:t>‹#›</a:t>
             </a:fld>
-            <a:endParaRPr lang="ru-RU"/>
+            <a:endParaRPr lang="ru-RU" dirty="0"/>
           </a:p>
         </p:txBody>
       </p:sp>
@@ -1037,7 +1036,7 @@
               <a:rPr lang="ru-RU" smtClean="0"/>
               <a:t>01.12.2023</a:t>
             </a:fld>
-            <a:endParaRPr lang="ru-RU"/>
+            <a:endParaRPr lang="ru-RU" dirty="0"/>
           </a:p>
         </p:txBody>
       </p:sp>
@@ -1056,7 +1055,7 @@
           <a:bodyPr/>
           <a:lstStyle/>
           <a:p>
-            <a:endParaRPr lang="ru-RU"/>
+            <a:endParaRPr lang="ru-RU" dirty="0"/>
           </a:p>
         </p:txBody>
       </p:sp>
@@ -1079,7 +1078,7 @@
               <a:rPr lang="ru-RU" smtClean="0"/>
               <a:t>‹#›</a:t>
             </a:fld>
-            <a:endParaRPr lang="ru-RU"/>
+            <a:endParaRPr lang="ru-RU" dirty="0"/>
           </a:p>
         </p:txBody>
       </p:sp>
@@ -1205,7 +1204,7 @@
               <a:rPr lang="ru-RU" smtClean="0"/>
               <a:t>01.12.2023</a:t>
             </a:fld>
-            <a:endParaRPr lang="ru-RU"/>
+            <a:endParaRPr lang="ru-RU" dirty="0"/>
           </a:p>
         </p:txBody>
       </p:sp>
@@ -1224,7 +1223,7 @@
           <a:bodyPr/>
           <a:lstStyle/>
           <a:p>
-            <a:endParaRPr lang="ru-RU"/>
+            <a:endParaRPr lang="ru-RU" dirty="0"/>
           </a:p>
         </p:txBody>
       </p:sp>
@@ -1247,7 +1246,7 @@
               <a:rPr lang="ru-RU" smtClean="0"/>
               <a:t>‹#›</a:t>
             </a:fld>
-            <a:endParaRPr lang="ru-RU"/>
+            <a:endParaRPr lang="ru-RU" dirty="0"/>
           </a:p>
         </p:txBody>
       </p:sp>
@@ -1450,7 +1449,7 @@
               <a:rPr lang="ru-RU" smtClean="0"/>
               <a:t>01.12.2023</a:t>
             </a:fld>
-            <a:endParaRPr lang="ru-RU"/>
+            <a:endParaRPr lang="ru-RU" dirty="0"/>
           </a:p>
         </p:txBody>
       </p:sp>
@@ -1469,7 +1468,7 @@
           <a:bodyPr/>
           <a:lstStyle/>
           <a:p>
-            <a:endParaRPr lang="ru-RU"/>
+            <a:endParaRPr lang="ru-RU" dirty="0"/>
           </a:p>
         </p:txBody>
       </p:sp>
@@ -1492,7 +1491,7 @@
               <a:rPr lang="ru-RU" smtClean="0"/>
               <a:t>‹#›</a:t>
             </a:fld>
-            <a:endParaRPr lang="ru-RU"/>
+            <a:endParaRPr lang="ru-RU" dirty="0"/>
           </a:p>
         </p:txBody>
       </p:sp>
@@ -1679,7 +1678,7 @@
               <a:rPr lang="ru-RU" smtClean="0"/>
               <a:t>01.12.2023</a:t>
             </a:fld>
-            <a:endParaRPr lang="ru-RU"/>
+            <a:endParaRPr lang="ru-RU" dirty="0"/>
           </a:p>
         </p:txBody>
       </p:sp>
@@ -1698,7 +1697,7 @@
           <a:bodyPr/>
           <a:lstStyle/>
           <a:p>
-            <a:endParaRPr lang="ru-RU"/>
+            <a:endParaRPr lang="ru-RU" dirty="0"/>
           </a:p>
         </p:txBody>
       </p:sp>
@@ -1721,7 +1720,7 @@
               <a:rPr lang="ru-RU" smtClean="0"/>
               <a:t>‹#›</a:t>
             </a:fld>
-            <a:endParaRPr lang="ru-RU"/>
+            <a:endParaRPr lang="ru-RU" dirty="0"/>
           </a:p>
         </p:txBody>
       </p:sp>
@@ -2043,7 +2042,7 @@
               <a:rPr lang="ru-RU" smtClean="0"/>
               <a:t>01.12.2023</a:t>
             </a:fld>
-            <a:endParaRPr lang="ru-RU"/>
+            <a:endParaRPr lang="ru-RU" dirty="0"/>
           </a:p>
         </p:txBody>
       </p:sp>
@@ -2062,7 +2061,7 @@
           <a:bodyPr/>
           <a:lstStyle/>
           <a:p>
-            <a:endParaRPr lang="ru-RU"/>
+            <a:endParaRPr lang="ru-RU" dirty="0"/>
           </a:p>
         </p:txBody>
       </p:sp>
@@ -2085,7 +2084,7 @@
               <a:rPr lang="ru-RU" smtClean="0"/>
               <a:t>‹#›</a:t>
             </a:fld>
-            <a:endParaRPr lang="ru-RU"/>
+            <a:endParaRPr lang="ru-RU" dirty="0"/>
           </a:p>
         </p:txBody>
       </p:sp>
@@ -2160,7 +2159,7 @@
               <a:rPr lang="ru-RU" smtClean="0"/>
               <a:t>01.12.2023</a:t>
             </a:fld>
-            <a:endParaRPr lang="ru-RU"/>
+            <a:endParaRPr lang="ru-RU" dirty="0"/>
           </a:p>
         </p:txBody>
       </p:sp>
@@ -2179,7 +2178,7 @@
           <a:bodyPr/>
           <a:lstStyle/>
           <a:p>
-            <a:endParaRPr lang="ru-RU"/>
+            <a:endParaRPr lang="ru-RU" dirty="0"/>
           </a:p>
         </p:txBody>
       </p:sp>
@@ -2202,7 +2201,7 @@
               <a:rPr lang="ru-RU" smtClean="0"/>
               <a:t>‹#›</a:t>
             </a:fld>
-            <a:endParaRPr lang="ru-RU"/>
+            <a:endParaRPr lang="ru-RU" dirty="0"/>
           </a:p>
         </p:txBody>
       </p:sp>
@@ -2255,7 +2254,7 @@
               <a:rPr lang="ru-RU" smtClean="0"/>
               <a:t>01.12.2023</a:t>
             </a:fld>
-            <a:endParaRPr lang="ru-RU"/>
+            <a:endParaRPr lang="ru-RU" dirty="0"/>
           </a:p>
         </p:txBody>
       </p:sp>
@@ -2274,7 +2273,7 @@
           <a:bodyPr/>
           <a:lstStyle/>
           <a:p>
-            <a:endParaRPr lang="ru-RU"/>
+            <a:endParaRPr lang="ru-RU" dirty="0"/>
           </a:p>
         </p:txBody>
       </p:sp>
@@ -2297,7 +2296,7 @@
               <a:rPr lang="ru-RU" smtClean="0"/>
               <a:t>‹#›</a:t>
             </a:fld>
-            <a:endParaRPr lang="ru-RU"/>
+            <a:endParaRPr lang="ru-RU" dirty="0"/>
           </a:p>
         </p:txBody>
       </p:sp>
@@ -2530,7 +2529,7 @@
               <a:rPr lang="ru-RU" smtClean="0"/>
               <a:t>01.12.2023</a:t>
             </a:fld>
-            <a:endParaRPr lang="ru-RU"/>
+            <a:endParaRPr lang="ru-RU" dirty="0"/>
           </a:p>
         </p:txBody>
       </p:sp>
@@ -2549,7 +2548,7 @@
           <a:bodyPr/>
           <a:lstStyle/>
           <a:p>
-            <a:endParaRPr lang="ru-RU"/>
+            <a:endParaRPr lang="ru-RU" dirty="0"/>
           </a:p>
         </p:txBody>
       </p:sp>
@@ -2572,7 +2571,7 @@
               <a:rPr lang="ru-RU" smtClean="0"/>
               <a:t>‹#›</a:t>
             </a:fld>
-            <a:endParaRPr lang="ru-RU"/>
+            <a:endParaRPr lang="ru-RU" dirty="0"/>
           </a:p>
         </p:txBody>
       </p:sp>
@@ -2694,7 +2693,7 @@
             </a:lvl9pPr>
           </a:lstStyle>
           <a:p>
-            <a:endParaRPr lang="ru-RU"/>
+            <a:endParaRPr lang="ru-RU" dirty="0"/>
           </a:p>
         </p:txBody>
       </p:sp>
@@ -2782,7 +2781,7 @@
               <a:rPr lang="ru-RU" smtClean="0"/>
               <a:t>01.12.2023</a:t>
             </a:fld>
-            <a:endParaRPr lang="ru-RU"/>
+            <a:endParaRPr lang="ru-RU" dirty="0"/>
           </a:p>
         </p:txBody>
       </p:sp>
@@ -2801,7 +2800,7 @@
           <a:bodyPr/>
           <a:lstStyle/>
           <a:p>
-            <a:endParaRPr lang="ru-RU"/>
+            <a:endParaRPr lang="ru-RU" dirty="0"/>
           </a:p>
         </p:txBody>
       </p:sp>
@@ -2824,7 +2823,7 @@
               <a:rPr lang="ru-RU" smtClean="0"/>
               <a:t>‹#›</a:t>
             </a:fld>
-            <a:endParaRPr lang="ru-RU"/>
+            <a:endParaRPr lang="ru-RU" dirty="0"/>
           </a:p>
         </p:txBody>
       </p:sp>
@@ -2993,7 +2992,7 @@
               <a:rPr lang="ru-RU" smtClean="0"/>
               <a:t>01.12.2023</a:t>
             </a:fld>
-            <a:endParaRPr lang="ru-RU"/>
+            <a:endParaRPr lang="ru-RU" dirty="0"/>
           </a:p>
         </p:txBody>
       </p:sp>
@@ -3030,7 +3029,7 @@
             </a:lvl1pPr>
           </a:lstStyle>
           <a:p>
-            <a:endParaRPr lang="ru-RU"/>
+            <a:endParaRPr lang="ru-RU" dirty="0"/>
           </a:p>
         </p:txBody>
       </p:sp>
@@ -3071,7 +3070,7 @@
               <a:rPr lang="ru-RU" smtClean="0"/>
               <a:t>‹#›</a:t>
             </a:fld>
-            <a:endParaRPr lang="ru-RU"/>
+            <a:endParaRPr lang="ru-RU" dirty="0"/>
           </a:p>
         </p:txBody>
       </p:sp>
@@ -3449,6 +3448,13 @@
   <p:clrMapOvr>
     <a:masterClrMapping/>
   </p:clrMapOvr>
+  <p:timing>
+    <p:tnLst>
+      <p:par>
+        <p:cTn id="1" dur="indefinite" restart="never" nodeType="tmRoot"/>
+      </p:par>
+    </p:tnLst>
+  </p:timing>
 </p:sld>
 </file>
 
@@ -3471,7 +3477,13 @@
       </p:grpSpPr>
       <p:sp>
         <p:nvSpPr>
-          <p:cNvPr id="2" name="Заголовок 1"/>
+          <p:cNvPr id="2" name="Заголовок 1">
+            <a:extLst>
+              <a:ext uri="{FF2B5EF4-FFF2-40B4-BE49-F238E27FC236}">
+                <a16:creationId xmlns:a16="http://schemas.microsoft.com/office/drawing/2014/main" id="{D8A27729-5451-50B7-7E48-414C711ED729}"/>
+              </a:ext>
+            </a:extLst>
+          </p:cNvPr>
           <p:cNvSpPr>
             <a:spLocks noGrp="1"/>
           </p:cNvSpPr>
@@ -3487,14 +3499,20 @@
             <a:pPr algn="ctr"/>
             <a:r>
               <a:rPr lang="ru-RU" dirty="0"/>
-              <a:t>Сценарий разработки</a:t>
-            </a:r>
-          </a:p>
-        </p:txBody>
-      </p:sp>
-      <p:sp>
-        <p:nvSpPr>
-          <p:cNvPr id="3" name="Объект 2"/>
+              <a:t>Входные данные</a:t>
+            </a:r>
+          </a:p>
+        </p:txBody>
+      </p:sp>
+      <p:sp>
+        <p:nvSpPr>
+          <p:cNvPr id="3" name="Объект 2">
+            <a:extLst>
+              <a:ext uri="{FF2B5EF4-FFF2-40B4-BE49-F238E27FC236}">
+                <a16:creationId xmlns:a16="http://schemas.microsoft.com/office/drawing/2014/main" id="{F8EBDBDF-6213-5485-B958-CCD6BCE73147}"/>
+              </a:ext>
+            </a:extLst>
+          </p:cNvPr>
           <p:cNvSpPr>
             <a:spLocks noGrp="1"/>
           </p:cNvSpPr>
@@ -3509,7 +3527,19 @@
           <a:p>
             <a:r>
               <a:rPr lang="ru-RU" dirty="0"/>
-              <a:t>С чего начну как разработчик.</a:t>
+              <a:t>Заявление на получение предварительного лесного участка</a:t>
+            </a:r>
+          </a:p>
+          <a:p>
+            <a:r>
+              <a:rPr lang="ru-RU" dirty="0"/>
+              <a:t>Заявление на утверждение лесного участка</a:t>
+            </a:r>
+          </a:p>
+          <a:p>
+            <a:r>
+              <a:rPr lang="ru-RU" dirty="0"/>
+              <a:t>Заявление на пользование ЛУ</a:t>
             </a:r>
           </a:p>
         </p:txBody>
@@ -3517,13 +3547,20 @@
     </p:spTree>
     <p:extLst>
       <p:ext uri="{BB962C8B-B14F-4D97-AF65-F5344CB8AC3E}">
-        <p14:creationId xmlns:p14="http://schemas.microsoft.com/office/powerpoint/2010/main" val="633527894"/>
+        <p14:creationId xmlns:p14="http://schemas.microsoft.com/office/powerpoint/2010/main" val="3520240573"/>
       </p:ext>
     </p:extLst>
   </p:cSld>
   <p:clrMapOvr>
     <a:masterClrMapping/>
   </p:clrMapOvr>
+  <p:timing>
+    <p:tnLst>
+      <p:par>
+        <p:cTn id="1" dur="indefinite" restart="never" nodeType="tmRoot"/>
+      </p:par>
+    </p:tnLst>
+  </p:timing>
 </p:sld>
 </file>
 
@@ -3549,7 +3586,7 @@
           <p:cNvPr id="2" name="Заголовок 1">
             <a:extLst>
               <a:ext uri="{FF2B5EF4-FFF2-40B4-BE49-F238E27FC236}">
-                <a16:creationId xmlns:a16="http://schemas.microsoft.com/office/drawing/2014/main" id="{D8A27729-5451-50B7-7E48-414C711ED729}"/>
+                <a16:creationId xmlns:a16="http://schemas.microsoft.com/office/drawing/2014/main" id="{AD142634-8CAF-6287-38B5-8D4672ABE5BC}"/>
               </a:ext>
             </a:extLst>
           </p:cNvPr>
@@ -3568,7 +3605,7 @@
             <a:pPr algn="ctr"/>
             <a:r>
               <a:rPr lang="ru-RU" dirty="0"/>
-              <a:t>Входные данные</a:t>
+              <a:t>Выходные данные</a:t>
             </a:r>
           </a:p>
         </p:txBody>
@@ -3578,7 +3615,7 @@
           <p:cNvPr id="3" name="Объект 2">
             <a:extLst>
               <a:ext uri="{FF2B5EF4-FFF2-40B4-BE49-F238E27FC236}">
-                <a16:creationId xmlns:a16="http://schemas.microsoft.com/office/drawing/2014/main" id="{F8EBDBDF-6213-5485-B958-CCD6BCE73147}"/>
+                <a16:creationId xmlns:a16="http://schemas.microsoft.com/office/drawing/2014/main" id="{01896C1D-163E-8187-9EEA-004C5DAED064}"/>
               </a:ext>
             </a:extLst>
           </p:cNvPr>
@@ -3596,19 +3633,19 @@
           <a:p>
             <a:r>
               <a:rPr lang="ru-RU" dirty="0"/>
-              <a:t>Заявление на получение предварительного лесного участка</a:t>
+              <a:t>Приказ о согласовании лесного участка</a:t>
             </a:r>
           </a:p>
           <a:p>
             <a:r>
               <a:rPr lang="ru-RU" dirty="0"/>
-              <a:t>Заявление на утверждение лесного участка</a:t>
+              <a:t>Приказ об утверждении проектной документации и государственном учете лесного участка в соответствии с проектной документацией на лесной участок для заготовки древесины</a:t>
             </a:r>
           </a:p>
           <a:p>
             <a:r>
               <a:rPr lang="ru-RU" dirty="0"/>
-              <a:t>Заявление на пользование ЛУ</a:t>
+              <a:t>Приказ о предоставлении земельного (лесного) участка в пользование</a:t>
             </a:r>
           </a:p>
         </p:txBody>
@@ -3616,13 +3653,20 @@
     </p:spTree>
     <p:extLst>
       <p:ext uri="{BB962C8B-B14F-4D97-AF65-F5344CB8AC3E}">
-        <p14:creationId xmlns:p14="http://schemas.microsoft.com/office/powerpoint/2010/main" val="3520240573"/>
+        <p14:creationId xmlns:p14="http://schemas.microsoft.com/office/powerpoint/2010/main" val="401418907"/>
       </p:ext>
     </p:extLst>
   </p:cSld>
   <p:clrMapOvr>
     <a:masterClrMapping/>
   </p:clrMapOvr>
+  <p:timing>
+    <p:tnLst>
+      <p:par>
+        <p:cTn id="1" dur="indefinite" restart="never" nodeType="tmRoot"/>
+      </p:par>
+    </p:tnLst>
+  </p:timing>
 </p:sld>
 </file>
 
@@ -3648,105 +3692,6 @@
           <p:cNvPr id="2" name="Заголовок 1">
             <a:extLst>
               <a:ext uri="{FF2B5EF4-FFF2-40B4-BE49-F238E27FC236}">
-                <a16:creationId xmlns:a16="http://schemas.microsoft.com/office/drawing/2014/main" id="{AD142634-8CAF-6287-38B5-8D4672ABE5BC}"/>
-              </a:ext>
-            </a:extLst>
-          </p:cNvPr>
-          <p:cNvSpPr>
-            <a:spLocks noGrp="1"/>
-          </p:cNvSpPr>
-          <p:nvPr>
-            <p:ph type="title"/>
-          </p:nvPr>
-        </p:nvSpPr>
-        <p:spPr/>
-        <p:txBody>
-          <a:bodyPr/>
-          <a:lstStyle/>
-          <a:p>
-            <a:pPr algn="ctr"/>
-            <a:r>
-              <a:rPr lang="ru-RU" dirty="0"/>
-              <a:t>Выходные данные</a:t>
-            </a:r>
-          </a:p>
-        </p:txBody>
-      </p:sp>
-      <p:sp>
-        <p:nvSpPr>
-          <p:cNvPr id="3" name="Объект 2">
-            <a:extLst>
-              <a:ext uri="{FF2B5EF4-FFF2-40B4-BE49-F238E27FC236}">
-                <a16:creationId xmlns:a16="http://schemas.microsoft.com/office/drawing/2014/main" id="{01896C1D-163E-8187-9EEA-004C5DAED064}"/>
-              </a:ext>
-            </a:extLst>
-          </p:cNvPr>
-          <p:cNvSpPr>
-            <a:spLocks noGrp="1"/>
-          </p:cNvSpPr>
-          <p:nvPr>
-            <p:ph idx="1"/>
-          </p:nvPr>
-        </p:nvSpPr>
-        <p:spPr/>
-        <p:txBody>
-          <a:bodyPr/>
-          <a:lstStyle/>
-          <a:p>
-            <a:r>
-              <a:rPr lang="ru-RU" dirty="0"/>
-              <a:t>Приказ о согласовании лесного участка</a:t>
-            </a:r>
-          </a:p>
-          <a:p>
-            <a:r>
-              <a:rPr lang="ru-RU" dirty="0"/>
-              <a:t>Приказ об утверждении проектной документации и государственном учете лесного участка в соответствии с проектной документацией на лесной участок для заготовки древесины</a:t>
-            </a:r>
-          </a:p>
-          <a:p>
-            <a:r>
-              <a:rPr lang="ru-RU" dirty="0"/>
-              <a:t>Приказ о предоставлении земельного (лесного) участка в пользование</a:t>
-            </a:r>
-          </a:p>
-        </p:txBody>
-      </p:sp>
-    </p:spTree>
-    <p:extLst>
-      <p:ext uri="{BB962C8B-B14F-4D97-AF65-F5344CB8AC3E}">
-        <p14:creationId xmlns:p14="http://schemas.microsoft.com/office/powerpoint/2010/main" val="401418907"/>
-      </p:ext>
-    </p:extLst>
-  </p:cSld>
-  <p:clrMapOvr>
-    <a:masterClrMapping/>
-  </p:clrMapOvr>
-</p:sld>
-</file>
-
-<file path=ppt/slides/slide13.xml><?xml version="1.0" encoding="utf-8"?>
-<p:sld xmlns:a="http://schemas.openxmlformats.org/drawingml/2006/main" xmlns:r="http://schemas.openxmlformats.org/officeDocument/2006/relationships" xmlns:p="http://schemas.openxmlformats.org/presentationml/2006/main">
-  <p:cSld>
-    <p:spTree>
-      <p:nvGrpSpPr>
-        <p:cNvPr id="1" name=""/>
-        <p:cNvGrpSpPr/>
-        <p:nvPr/>
-      </p:nvGrpSpPr>
-      <p:grpSpPr>
-        <a:xfrm>
-          <a:off x="0" y="0"/>
-          <a:ext cx="0" cy="0"/>
-          <a:chOff x="0" y="0"/>
-          <a:chExt cx="0" cy="0"/>
-        </a:xfrm>
-      </p:grpSpPr>
-      <p:sp>
-        <p:nvSpPr>
-          <p:cNvPr id="2" name="Заголовок 1">
-            <a:extLst>
-              <a:ext uri="{FF2B5EF4-FFF2-40B4-BE49-F238E27FC236}">
                 <a16:creationId xmlns:a16="http://schemas.microsoft.com/office/drawing/2014/main" id="{84BE1982-FFD6-C2DA-F769-1FE51082CDF3}"/>
               </a:ext>
             </a:extLst>
@@ -3792,7 +3737,7 @@
           <a:bodyPr/>
           <a:lstStyle/>
           <a:p>
-            <a:endParaRPr lang="ru-RU"/>
+            <a:endParaRPr lang="ru-RU" dirty="0"/>
           </a:p>
         </p:txBody>
       </p:sp>
@@ -3806,6 +3751,13 @@
   <p:clrMapOvr>
     <a:masterClrMapping/>
   </p:clrMapOvr>
+  <p:timing>
+    <p:tnLst>
+      <p:par>
+        <p:cTn id="1" dur="indefinite" restart="never" nodeType="tmRoot"/>
+      </p:par>
+    </p:tnLst>
+  </p:timing>
 </p:sld>
 </file>
 
@@ -3906,6 +3858,13 @@
   <p:clrMapOvr>
     <a:masterClrMapping/>
   </p:clrMapOvr>
+  <p:timing>
+    <p:tnLst>
+      <p:par>
+        <p:cTn id="1" dur="indefinite" restart="never" nodeType="tmRoot"/>
+      </p:par>
+    </p:tnLst>
+  </p:timing>
 </p:sld>
 </file>
 
@@ -3976,7 +3935,7 @@
           <a:bodyPr/>
           <a:lstStyle/>
           <a:p>
-            <a:endParaRPr lang="ru-RU"/>
+            <a:endParaRPr lang="ru-RU" dirty="0"/>
           </a:p>
         </p:txBody>
       </p:sp>
@@ -4020,6 +3979,13 @@
   <p:clrMapOvr>
     <a:masterClrMapping/>
   </p:clrMapOvr>
+  <p:timing>
+    <p:tnLst>
+      <p:par>
+        <p:cTn id="1" dur="indefinite" restart="never" nodeType="tmRoot"/>
+      </p:par>
+    </p:tnLst>
+  </p:timing>
 </p:sld>
 </file>
 
@@ -4202,6 +4168,13 @@
   <p:clrMapOvr>
     <a:masterClrMapping/>
   </p:clrMapOvr>
+  <p:timing>
+    <p:tnLst>
+      <p:par>
+        <p:cTn id="1" dur="indefinite" restart="never" nodeType="tmRoot"/>
+      </p:par>
+    </p:tnLst>
+  </p:timing>
 </p:sld>
 </file>
 
@@ -4240,8 +4213,8 @@
         </p:nvSpPr>
         <p:spPr>
           <a:xfrm>
-            <a:off x="240323" y="131544"/>
-            <a:ext cx="11875477" cy="1825625"/>
+            <a:off x="-154124" y="-65772"/>
+            <a:ext cx="12659889" cy="1825625"/>
           </a:xfrm>
         </p:spPr>
         <p:txBody>
@@ -4281,7 +4254,7 @@
           <a:bodyPr/>
           <a:lstStyle/>
           <a:p>
-            <a:endParaRPr lang="ru-RU"/>
+            <a:endParaRPr lang="ru-RU" dirty="0"/>
           </a:p>
         </p:txBody>
       </p:sp>
@@ -4293,15 +4266,15 @@
         </p:nvSpPr>
         <p:spPr>
           <a:xfrm>
-            <a:off x="6019800" y="6176963"/>
-            <a:ext cx="6096000" cy="646331"/>
+            <a:off x="10692062" y="4272677"/>
+            <a:ext cx="1503878" cy="2585323"/>
           </a:xfrm>
           <a:prstGeom prst="rect">
             <a:avLst/>
           </a:prstGeom>
         </p:spPr>
         <p:txBody>
-          <a:bodyPr>
+          <a:bodyPr wrap="square">
             <a:spAutoFit/>
           </a:bodyPr>
           <a:lstStyle/>
@@ -4322,7 +4295,7 @@
       </p:sp>
       <p:pic>
         <p:nvPicPr>
-          <p:cNvPr id="5" name="Рисунок 4"/>
+          <p:cNvPr id="6" name="Рисунок 5"/>
           <p:cNvPicPr>
             <a:picLocks noChangeAspect="1"/>
           </p:cNvPicPr>
@@ -4336,8 +4309,8 @@
         </p:blipFill>
         <p:spPr>
           <a:xfrm>
-            <a:off x="79569" y="1657073"/>
-            <a:ext cx="12032861" cy="4519890"/>
+            <a:off x="298938" y="1062742"/>
+            <a:ext cx="10207787" cy="5795258"/>
           </a:xfrm>
           <a:prstGeom prst="rect">
             <a:avLst/>
@@ -4354,6 +4327,13 @@
   <p:clrMapOvr>
     <a:masterClrMapping/>
   </p:clrMapOvr>
+  <p:timing>
+    <p:tnLst>
+      <p:par>
+        <p:cTn id="1" dur="indefinite" restart="never" nodeType="tmRoot"/>
+      </p:par>
+    </p:tnLst>
+  </p:timing>
 </p:sld>
 </file>
 
@@ -4379,94 +4359,6 @@
           <p:cNvPr id="2" name="Заголовок 1">
             <a:extLst>
               <a:ext uri="{FF2B5EF4-FFF2-40B4-BE49-F238E27FC236}">
-                <a16:creationId xmlns:a16="http://schemas.microsoft.com/office/drawing/2014/main" id="{3474D2AB-3BFD-4319-99DD-D85F1A7F69C2}"/>
-              </a:ext>
-            </a:extLst>
-          </p:cNvPr>
-          <p:cNvSpPr>
-            <a:spLocks noGrp="1"/>
-          </p:cNvSpPr>
-          <p:nvPr>
-            <p:ph type="title"/>
-          </p:nvPr>
-        </p:nvSpPr>
-        <p:spPr/>
-        <p:txBody>
-          <a:bodyPr/>
-          <a:lstStyle/>
-          <a:p>
-            <a:pPr algn="ctr"/>
-            <a:r>
-              <a:rPr lang="ru-RU" dirty="0"/>
-              <a:t>Бизнес процесс состоит из услуг.</a:t>
-            </a:r>
-          </a:p>
-        </p:txBody>
-      </p:sp>
-      <p:pic>
-        <p:nvPicPr>
-          <p:cNvPr id="4" name="Объект 3"/>
-          <p:cNvPicPr>
-            <a:picLocks noGrp="1" noChangeAspect="1"/>
-          </p:cNvPicPr>
-          <p:nvPr>
-            <p:ph idx="1"/>
-          </p:nvPr>
-        </p:nvPicPr>
-        <p:blipFill>
-          <a:blip r:embed="rId2">
-            <a:extLst>
-              <a:ext uri="{28A0092B-C50C-407E-A947-70E740481C1C}">
-                <a14:useLocalDpi xmlns:a14="http://schemas.microsoft.com/office/drawing/2010/main" val="0"/>
-              </a:ext>
-            </a:extLst>
-          </a:blip>
-          <a:stretch>
-            <a:fillRect/>
-          </a:stretch>
-        </p:blipFill>
-        <p:spPr>
-          <a:xfrm>
-            <a:off x="206188" y="1690688"/>
-            <a:ext cx="13960850" cy="6019049"/>
-          </a:xfrm>
-        </p:spPr>
-      </p:pic>
-    </p:spTree>
-    <p:extLst>
-      <p:ext uri="{BB962C8B-B14F-4D97-AF65-F5344CB8AC3E}">
-        <p14:creationId xmlns:p14="http://schemas.microsoft.com/office/powerpoint/2010/main" val="44624369"/>
-      </p:ext>
-    </p:extLst>
-  </p:cSld>
-  <p:clrMapOvr>
-    <a:masterClrMapping/>
-  </p:clrMapOvr>
-</p:sld>
-</file>
-
-<file path=ppt/slides/slide7.xml><?xml version="1.0" encoding="utf-8"?>
-<p:sld xmlns:a="http://schemas.openxmlformats.org/drawingml/2006/main" xmlns:r="http://schemas.openxmlformats.org/officeDocument/2006/relationships" xmlns:p="http://schemas.openxmlformats.org/presentationml/2006/main">
-  <p:cSld>
-    <p:spTree>
-      <p:nvGrpSpPr>
-        <p:cNvPr id="1" name=""/>
-        <p:cNvGrpSpPr/>
-        <p:nvPr/>
-      </p:nvGrpSpPr>
-      <p:grpSpPr>
-        <a:xfrm>
-          <a:off x="0" y="0"/>
-          <a:ext cx="0" cy="0"/>
-          <a:chOff x="0" y="0"/>
-          <a:chExt cx="0" cy="0"/>
-        </a:xfrm>
-      </p:grpSpPr>
-      <p:sp>
-        <p:nvSpPr>
-          <p:cNvPr id="2" name="Заголовок 1">
-            <a:extLst>
-              <a:ext uri="{FF2B5EF4-FFF2-40B4-BE49-F238E27FC236}">
                 <a16:creationId xmlns:a16="http://schemas.microsoft.com/office/drawing/2014/main" id="{6368A328-7488-0111-DFEE-0E9FA767C066}"/>
               </a:ext>
             </a:extLst>
@@ -4478,7 +4370,12 @@
             <p:ph type="title"/>
           </p:nvPr>
         </p:nvSpPr>
-        <p:spPr/>
+        <p:spPr>
+          <a:xfrm>
+            <a:off x="838199" y="170249"/>
+            <a:ext cx="10515600" cy="1325563"/>
+          </a:xfrm>
+        </p:spPr>
         <p:txBody>
           <a:bodyPr>
             <a:normAutofit/>
@@ -4487,11 +4384,19 @@
           <a:p>
             <a:pPr algn="ctr"/>
             <a:r>
-              <a:rPr lang="ru-RU" dirty="0"/>
+              <a:rPr lang="ru-RU" dirty="0">
+                <a:solidFill>
+                  <a:srgbClr val="FF0000"/>
+                </a:solidFill>
+              </a:rPr>
               <a:t>Предоставление Государственной услуги в ВИС Лесопользование (как будет</a:t>
             </a:r>
             <a:r>
-              <a:rPr lang="en-US" dirty="0"/>
+              <a:rPr lang="en-US" dirty="0">
+                <a:solidFill>
+                  <a:srgbClr val="FF0000"/>
+                </a:solidFill>
+              </a:rPr>
               <a:t>)</a:t>
             </a:r>
             <a:endParaRPr lang="ru-RU" dirty="0">
@@ -4517,7 +4422,7 @@
           <a:bodyPr/>
           <a:lstStyle/>
           <a:p>
-            <a:endParaRPr lang="ru-RU"/>
+            <a:endParaRPr lang="ru-RU" dirty="0"/>
           </a:p>
         </p:txBody>
       </p:sp>
@@ -4561,6 +4466,156 @@
   <p:clrMapOvr>
     <a:masterClrMapping/>
   </p:clrMapOvr>
+  <p:timing>
+    <p:tnLst>
+      <p:par>
+        <p:cTn id="1" dur="indefinite" restart="never" nodeType="tmRoot"/>
+      </p:par>
+    </p:tnLst>
+  </p:timing>
+</p:sld>
+</file>
+
+<file path=ppt/slides/slide7.xml><?xml version="1.0" encoding="utf-8"?>
+<p:sld xmlns:a="http://schemas.openxmlformats.org/drawingml/2006/main" xmlns:r="http://schemas.openxmlformats.org/officeDocument/2006/relationships" xmlns:p="http://schemas.openxmlformats.org/presentationml/2006/main">
+  <p:cSld>
+    <p:spTree>
+      <p:nvGrpSpPr>
+        <p:cNvPr id="1" name=""/>
+        <p:cNvGrpSpPr/>
+        <p:nvPr/>
+      </p:nvGrpSpPr>
+      <p:grpSpPr>
+        <a:xfrm>
+          <a:off x="0" y="0"/>
+          <a:ext cx="0" cy="0"/>
+          <a:chOff x="0" y="0"/>
+          <a:chExt cx="0" cy="0"/>
+        </a:xfrm>
+      </p:grpSpPr>
+      <p:sp>
+        <p:nvSpPr>
+          <p:cNvPr id="2" name="Заголовок 1">
+            <a:extLst>
+              <a:ext uri="{FF2B5EF4-FFF2-40B4-BE49-F238E27FC236}">
+                <a16:creationId xmlns:a16="http://schemas.microsoft.com/office/drawing/2014/main" id="{BF453941-33A6-C802-2C6A-C74E237C9D17}"/>
+              </a:ext>
+            </a:extLst>
+          </p:cNvPr>
+          <p:cNvSpPr>
+            <a:spLocks noGrp="1"/>
+          </p:cNvSpPr>
+          <p:nvPr>
+            <p:ph type="title"/>
+          </p:nvPr>
+        </p:nvSpPr>
+        <p:spPr/>
+        <p:txBody>
+          <a:bodyPr/>
+          <a:lstStyle/>
+          <a:p>
+            <a:pPr algn="ctr"/>
+            <a:r>
+              <a:rPr lang="ru-RU" dirty="0"/>
+              <a:t>Цель</a:t>
+            </a:r>
+          </a:p>
+        </p:txBody>
+      </p:sp>
+      <p:sp>
+        <p:nvSpPr>
+          <p:cNvPr id="3" name="Объект 2">
+            <a:extLst>
+              <a:ext uri="{FF2B5EF4-FFF2-40B4-BE49-F238E27FC236}">
+                <a16:creationId xmlns:a16="http://schemas.microsoft.com/office/drawing/2014/main" id="{F721782F-AA52-20F9-E2AB-B79A6BFA8004}"/>
+              </a:ext>
+            </a:extLst>
+          </p:cNvPr>
+          <p:cNvSpPr>
+            <a:spLocks noGrp="1"/>
+          </p:cNvSpPr>
+          <p:nvPr>
+            <p:ph idx="1"/>
+          </p:nvPr>
+        </p:nvSpPr>
+        <p:spPr>
+          <a:xfrm>
+            <a:off x="838200" y="1690688"/>
+            <a:ext cx="10515600" cy="4351338"/>
+          </a:xfrm>
+        </p:spPr>
+        <p:txBody>
+          <a:bodyPr>
+            <a:normAutofit/>
+          </a:bodyPr>
+          <a:lstStyle/>
+          <a:p>
+            <a:r>
+              <a:rPr lang="ru-RU" dirty="0">
+                <a:solidFill>
+                  <a:srgbClr val="303030"/>
+                </a:solidFill>
+                <a:effectLst/>
+                <a:ea typeface="Calibri" panose="020F0502020204030204" pitchFamily="34" charset="0"/>
+              </a:rPr>
+              <a:t>Сократить время для предоставления услуги и трудозатраты оператора ВИС Лесопользование, путем автоматизации регистрации заявлений и</a:t>
+            </a:r>
+            <a:r>
+              <a:rPr lang="en-US" dirty="0">
+                <a:solidFill>
+                  <a:srgbClr val="303030"/>
+                </a:solidFill>
+                <a:effectLst/>
+                <a:ea typeface="Calibri" panose="020F0502020204030204" pitchFamily="34" charset="0"/>
+              </a:rPr>
+              <a:t> </a:t>
+            </a:r>
+            <a:r>
+              <a:rPr lang="ru-RU" dirty="0">
+                <a:solidFill>
+                  <a:srgbClr val="303030"/>
+                </a:solidFill>
+                <a:effectLst/>
+                <a:ea typeface="Calibri" panose="020F0502020204030204" pitchFamily="34" charset="0"/>
+              </a:rPr>
+              <a:t>частичной автоматизации подписания итоговых документов в СЭД ПСО</a:t>
+            </a:r>
+            <a:r>
+              <a:rPr lang="ru-RU" dirty="0">
+                <a:solidFill>
+                  <a:srgbClr val="303030"/>
+                </a:solidFill>
+                <a:ea typeface="Calibri" panose="020F0502020204030204" pitchFamily="34" charset="0"/>
+              </a:rPr>
+              <a:t>.</a:t>
+            </a:r>
+            <a:endParaRPr lang="ru-RU" dirty="0">
+              <a:solidFill>
+                <a:srgbClr val="303030"/>
+              </a:solidFill>
+              <a:effectLst/>
+              <a:ea typeface="Calibri" panose="020F0502020204030204" pitchFamily="34" charset="0"/>
+            </a:endParaRPr>
+          </a:p>
+        </p:txBody>
+      </p:sp>
+    </p:spTree>
+    <p:extLst>
+      <p:ext uri="{BB962C8B-B14F-4D97-AF65-F5344CB8AC3E}">
+        <p14:creationId xmlns:p14="http://schemas.microsoft.com/office/powerpoint/2010/main" val="3833297341"/>
+      </p:ext>
+    </p:extLst>
+  </p:cSld>
+  <p:clrMapOvr>
+    <a:masterClrMapping/>
+  </p:clrMapOvr>
+  <p:timing>
+    <p:tnLst>
+      <p:par>
+        <p:cTn id="1" dur="indefinite" restart="never" nodeType="tmRoot"/>
+      </p:par>
+    </p:tnLst>
+  </p:timing>
 </p:sld>
 </file>
 
@@ -4586,7 +4641,7 @@
           <p:cNvPr id="2" name="Заголовок 1">
             <a:extLst>
               <a:ext uri="{FF2B5EF4-FFF2-40B4-BE49-F238E27FC236}">
-                <a16:creationId xmlns:a16="http://schemas.microsoft.com/office/drawing/2014/main" id="{BF453941-33A6-C802-2C6A-C74E237C9D17}"/>
+                <a16:creationId xmlns:a16="http://schemas.microsoft.com/office/drawing/2014/main" id="{AFEE9FF2-96E7-0868-9DE9-117876247596}"/>
               </a:ext>
             </a:extLst>
           </p:cNvPr>
@@ -4604,8 +4659,15 @@
           <a:p>
             <a:pPr algn="ctr"/>
             <a:r>
-              <a:rPr lang="ru-RU" dirty="0"/>
-              <a:t>Цель</a:t>
+              <a:rPr lang="ru-RU" dirty="0">
+                <a:solidFill>
+                  <a:schemeClr val="tx1">
+                    <a:lumMod val="95000"/>
+                    <a:lumOff val="5000"/>
+                  </a:schemeClr>
+                </a:solidFill>
+              </a:rPr>
+              <a:t>Задачи</a:t>
             </a:r>
           </a:p>
         </p:txBody>
@@ -4615,7 +4677,7 @@
           <p:cNvPr id="3" name="Объект 2">
             <a:extLst>
               <a:ext uri="{FF2B5EF4-FFF2-40B4-BE49-F238E27FC236}">
-                <a16:creationId xmlns:a16="http://schemas.microsoft.com/office/drawing/2014/main" id="{F721782F-AA52-20F9-E2AB-B79A6BFA8004}"/>
+                <a16:creationId xmlns:a16="http://schemas.microsoft.com/office/drawing/2014/main" id="{93E7766C-0A08-FEF6-9580-0459957FA465}"/>
               </a:ext>
             </a:extLst>
           </p:cNvPr>
@@ -4628,8 +4690,8 @@
         </p:nvSpPr>
         <p:spPr>
           <a:xfrm>
-            <a:off x="838200" y="1690688"/>
-            <a:ext cx="10515600" cy="4351338"/>
+            <a:off x="838200" y="1781021"/>
+            <a:ext cx="10756392" cy="4351338"/>
           </a:xfrm>
         </p:spPr>
         <p:txBody>
@@ -4638,65 +4700,71 @@
           </a:bodyPr>
           <a:lstStyle/>
           <a:p>
-            <a:r>
-              <a:rPr lang="ru-RU" dirty="0">
-                <a:solidFill>
-                  <a:srgbClr val="303030"/>
-                </a:solidFill>
-                <a:effectLst/>
-                <a:ea typeface="Calibri" panose="020F0502020204030204" pitchFamily="34" charset="0"/>
-              </a:rPr>
-              <a:t>Сократить время для предоставления услуги и трудозатраты оператора ВИС Лесопользование, путем автоматизации регистрации заявлений и</a:t>
-            </a:r>
-            <a:r>
-              <a:rPr lang="en-US" dirty="0">
-                <a:solidFill>
-                  <a:srgbClr val="303030"/>
-                </a:solidFill>
-                <a:effectLst/>
-                <a:ea typeface="Calibri" panose="020F0502020204030204" pitchFamily="34" charset="0"/>
-              </a:rPr>
-              <a:t> </a:t>
-            </a:r>
-            <a:r>
-              <a:rPr lang="ru-RU" dirty="0">
-                <a:solidFill>
-                  <a:srgbClr val="303030"/>
-                </a:solidFill>
-                <a:effectLst/>
-                <a:ea typeface="Calibri" panose="020F0502020204030204" pitchFamily="34" charset="0"/>
-              </a:rPr>
-              <a:t>частичной автоматизации подписания итоговых документов в СЭД ПСО</a:t>
-            </a:r>
-            <a:r>
-              <a:rPr lang="ru-RU" dirty="0">
-                <a:solidFill>
-                  <a:srgbClr val="303030"/>
-                </a:solidFill>
-                <a:ea typeface="Calibri" panose="020F0502020204030204" pitchFamily="34" charset="0"/>
-              </a:rPr>
-              <a:t>.</a:t>
-            </a:r>
-            <a:endParaRPr lang="ru-RU" dirty="0">
-              <a:solidFill>
-                <a:srgbClr val="303030"/>
-              </a:solidFill>
-              <a:effectLst/>
-              <a:ea typeface="Calibri" panose="020F0502020204030204" pitchFamily="34" charset="0"/>
-            </a:endParaRPr>
+            <a:pPr marL="0" indent="0">
+              <a:buNone/>
+            </a:pPr>
+            <a:r>
+              <a:rPr lang="ru-RU" dirty="0"/>
+              <a:t>1. Спроектировать структуру базы данных ВИС Лесопользования Свердловской Области</a:t>
+            </a:r>
+            <a:r>
+              <a:rPr lang="en-US" dirty="0"/>
+              <a:t>, </a:t>
+            </a:r>
+            <a:r>
+              <a:rPr lang="ru-RU" dirty="0"/>
+              <a:t>совместно с другими участниками команды.</a:t>
+            </a:r>
+          </a:p>
+          <a:p>
+            <a:pPr marL="0" indent="0">
+              <a:buNone/>
+            </a:pPr>
+            <a:r>
+              <a:rPr lang="ru-RU" dirty="0"/>
+              <a:t>2. Изучить структуру сообщений для отправки в СЭД ПСО.</a:t>
+            </a:r>
+          </a:p>
+          <a:p>
+            <a:pPr marL="0" indent="0">
+              <a:buNone/>
+            </a:pPr>
+            <a:r>
+              <a:rPr lang="ru-RU" dirty="0"/>
+              <a:t>3. Спроектировать интеграционный сервис.</a:t>
+            </a:r>
+          </a:p>
+          <a:p>
+            <a:pPr marL="0" indent="0">
+              <a:buNone/>
+            </a:pPr>
+            <a:r>
+              <a:rPr lang="ru-RU" dirty="0"/>
+              <a:t>4. Реализовать интеграционный  сервис.</a:t>
+            </a:r>
+          </a:p>
+          <a:p>
+            <a:endParaRPr lang="ru-RU" dirty="0"/>
           </a:p>
         </p:txBody>
       </p:sp>
     </p:spTree>
     <p:extLst>
       <p:ext uri="{BB962C8B-B14F-4D97-AF65-F5344CB8AC3E}">
-        <p14:creationId xmlns:p14="http://schemas.microsoft.com/office/powerpoint/2010/main" val="3833297341"/>
+        <p14:creationId xmlns:p14="http://schemas.microsoft.com/office/powerpoint/2010/main" val="2707282225"/>
       </p:ext>
     </p:extLst>
   </p:cSld>
   <p:clrMapOvr>
     <a:masterClrMapping/>
   </p:clrMapOvr>
+  <p:timing>
+    <p:tnLst>
+      <p:par>
+        <p:cTn id="1" dur="indefinite" restart="never" nodeType="tmRoot"/>
+      </p:par>
+    </p:tnLst>
+  </p:timing>
 </p:sld>
 </file>
 
@@ -4719,13 +4787,7 @@
       </p:grpSpPr>
       <p:sp>
         <p:nvSpPr>
-          <p:cNvPr id="2" name="Заголовок 1">
-            <a:extLst>
-              <a:ext uri="{FF2B5EF4-FFF2-40B4-BE49-F238E27FC236}">
-                <a16:creationId xmlns:a16="http://schemas.microsoft.com/office/drawing/2014/main" id="{AFEE9FF2-96E7-0868-9DE9-117876247596}"/>
-              </a:ext>
-            </a:extLst>
-          </p:cNvPr>
+          <p:cNvPr id="2" name="Заголовок 1"/>
           <p:cNvSpPr>
             <a:spLocks noGrp="1"/>
           </p:cNvSpPr>
@@ -4740,28 +4802,15 @@
           <a:p>
             <a:pPr algn="ctr"/>
             <a:r>
-              <a:rPr lang="ru-RU" dirty="0">
-                <a:solidFill>
-                  <a:schemeClr val="tx1">
-                    <a:lumMod val="95000"/>
-                    <a:lumOff val="5000"/>
-                  </a:schemeClr>
-                </a:solidFill>
-              </a:rPr>
-              <a:t>Задачи</a:t>
-            </a:r>
-          </a:p>
-        </p:txBody>
-      </p:sp>
-      <p:sp>
-        <p:nvSpPr>
-          <p:cNvPr id="3" name="Объект 2">
-            <a:extLst>
-              <a:ext uri="{FF2B5EF4-FFF2-40B4-BE49-F238E27FC236}">
-                <a16:creationId xmlns:a16="http://schemas.microsoft.com/office/drawing/2014/main" id="{93E7766C-0A08-FEF6-9580-0459957FA465}"/>
-              </a:ext>
-            </a:extLst>
-          </p:cNvPr>
+              <a:rPr lang="ru-RU" dirty="0"/>
+              <a:t>Сценарий разработки</a:t>
+            </a:r>
+          </a:p>
+        </p:txBody>
+      </p:sp>
+      <p:sp>
+        <p:nvSpPr>
+          <p:cNvPr id="3" name="Объект 2"/>
           <p:cNvSpPr>
             <a:spLocks noGrp="1"/>
           </p:cNvSpPr>
@@ -4769,76 +4818,35 @@
             <p:ph idx="1"/>
           </p:nvPr>
         </p:nvSpPr>
-        <p:spPr>
-          <a:xfrm>
-            <a:off x="838200" y="1781021"/>
-            <a:ext cx="10756392" cy="4351338"/>
-          </a:xfrm>
-        </p:spPr>
-        <p:txBody>
-          <a:bodyPr>
-            <a:normAutofit/>
-          </a:bodyPr>
-          <a:lstStyle/>
-          <a:p>
-            <a:pPr marL="0" indent="0">
-              <a:buNone/>
-            </a:pPr>
+        <p:spPr/>
+        <p:txBody>
+          <a:bodyPr/>
+          <a:lstStyle/>
+          <a:p>
             <a:r>
               <a:rPr lang="ru-RU" dirty="0"/>
-              <a:t>1. Спроектировать структуру базы данных ВИС Лесопользования Свердловской Области</a:t>
-            </a:r>
-            <a:r>
-              <a:rPr lang="en-US" dirty="0"/>
-              <a:t>, </a:t>
-            </a:r>
-            <a:r>
-              <a:rPr lang="ru-RU" dirty="0"/>
-              <a:t>совместно с другими участниками команды.</a:t>
-            </a:r>
-          </a:p>
-          <a:p>
-            <a:pPr marL="0" indent="0">
-              <a:buNone/>
-            </a:pPr>
-            <a:r>
-              <a:rPr lang="ru-RU" dirty="0"/>
-              <a:t>2. Изучить структуру сообщений для отправки в СЭД ПСО.</a:t>
-            </a:r>
-          </a:p>
-          <a:p>
-            <a:pPr marL="0" indent="0">
-              <a:buNone/>
-            </a:pPr>
-            <a:r>
-              <a:rPr lang="ru-RU" dirty="0"/>
-              <a:t>3. Спроектировать интеграционный сервис.</a:t>
-            </a:r>
-          </a:p>
-          <a:p>
-            <a:pPr marL="0" indent="0">
-              <a:buNone/>
-            </a:pPr>
-            <a:r>
-              <a:rPr lang="ru-RU" dirty="0"/>
-              <a:t>4. Реализовать интеграционный  сервис.</a:t>
-            </a:r>
-          </a:p>
-          <a:p>
-            <a:endParaRPr lang="ru-RU" dirty="0"/>
+              <a:t>С чего начну как разработчик.</a:t>
+            </a:r>
           </a:p>
         </p:txBody>
       </p:sp>
     </p:spTree>
     <p:extLst>
       <p:ext uri="{BB962C8B-B14F-4D97-AF65-F5344CB8AC3E}">
-        <p14:creationId xmlns:p14="http://schemas.microsoft.com/office/powerpoint/2010/main" val="2707282225"/>
+        <p14:creationId xmlns:p14="http://schemas.microsoft.com/office/powerpoint/2010/main" val="633527894"/>
       </p:ext>
     </p:extLst>
   </p:cSld>
   <p:clrMapOvr>
     <a:masterClrMapping/>
   </p:clrMapOvr>
+  <p:timing>
+    <p:tnLst>
+      <p:par>
+        <p:cTn id="1" dur="indefinite" restart="never" nodeType="tmRoot"/>
+      </p:par>
+    </p:tnLst>
+  </p:timing>
 </p:sld>
 </file>
 

--- a/Презентация.pptx
+++ b/Презентация.pptx
@@ -5,7 +5,7 @@
     <p:sldMasterId id="2147483648" r:id="rId1"/>
   </p:sldMasterIdLst>
   <p:notesMasterIdLst>
-    <p:notesMasterId r:id="rId14"/>
+    <p:notesMasterId r:id="rId15"/>
   </p:notesMasterIdLst>
   <p:sldIdLst>
     <p:sldId id="256" r:id="rId2"/>
@@ -13,13 +13,14 @@
     <p:sldId id="269" r:id="rId4"/>
     <p:sldId id="268" r:id="rId5"/>
     <p:sldId id="266" r:id="rId6"/>
-    <p:sldId id="265" r:id="rId7"/>
-    <p:sldId id="258" r:id="rId8"/>
-    <p:sldId id="259" r:id="rId9"/>
-    <p:sldId id="267" r:id="rId10"/>
-    <p:sldId id="260" r:id="rId11"/>
-    <p:sldId id="263" r:id="rId12"/>
-    <p:sldId id="271" r:id="rId13"/>
+    <p:sldId id="270" r:id="rId7"/>
+    <p:sldId id="265" r:id="rId8"/>
+    <p:sldId id="258" r:id="rId9"/>
+    <p:sldId id="259" r:id="rId10"/>
+    <p:sldId id="267" r:id="rId11"/>
+    <p:sldId id="260" r:id="rId12"/>
+    <p:sldId id="263" r:id="rId13"/>
+    <p:sldId id="271" r:id="rId14"/>
   </p:sldIdLst>
   <p:sldSz cx="12192000" cy="6858000"/>
   <p:notesSz cx="6858000" cy="9144000"/>
@@ -175,7 +176,7 @@
             </a:lvl1pPr>
           </a:lstStyle>
           <a:p>
-            <a:endParaRPr lang="ru-RU" dirty="0"/>
+            <a:endParaRPr lang="ru-RU"/>
           </a:p>
         </p:txBody>
       </p:sp>
@@ -208,9 +209,9 @@
           <a:p>
             <a:fld id="{75F1DFFD-0639-450F-A95D-6BC42EFC6563}" type="datetimeFigureOut">
               <a:rPr lang="ru-RU" smtClean="0"/>
-              <a:t>01.12.2023</a:t>
+              <a:t>27.11.2023</a:t>
             </a:fld>
-            <a:endParaRPr lang="ru-RU" dirty="0"/>
+            <a:endParaRPr lang="ru-RU"/>
           </a:p>
         </p:txBody>
       </p:sp>
@@ -243,7 +244,7 @@
           <a:bodyPr vert="horz" lIns="91440" tIns="45720" rIns="91440" bIns="45720" rtlCol="0" anchor="ctr"/>
           <a:lstStyle/>
           <a:p>
-            <a:endParaRPr lang="ru-RU" dirty="0"/>
+            <a:endParaRPr lang="ru-RU"/>
           </a:p>
         </p:txBody>
       </p:sp>
@@ -333,7 +334,7 @@
             </a:lvl1pPr>
           </a:lstStyle>
           <a:p>
-            <a:endParaRPr lang="ru-RU" dirty="0"/>
+            <a:endParaRPr lang="ru-RU"/>
           </a:p>
         </p:txBody>
       </p:sp>
@@ -368,7 +369,7 @@
               <a:rPr lang="ru-RU" smtClean="0"/>
               <a:t>‹#›</a:t>
             </a:fld>
-            <a:endParaRPr lang="ru-RU" dirty="0"/>
+            <a:endParaRPr lang="ru-RU"/>
           </a:p>
         </p:txBody>
       </p:sp>
@@ -540,9 +541,9 @@
           <a:p>
             <a:fld id="{E4E6046D-0659-4115-95D0-506687AD1516}" type="slidenum">
               <a:rPr lang="ru-RU" smtClean="0"/>
-              <a:t>6</a:t>
+              <a:t>7</a:t>
             </a:fld>
-            <a:endParaRPr lang="ru-RU" dirty="0"/>
+            <a:endParaRPr lang="ru-RU"/>
           </a:p>
         </p:txBody>
       </p:sp>
@@ -688,9 +689,9 @@
           <a:p>
             <a:fld id="{0F7B38E9-DBAE-4AA2-BF3B-13DCA674FB12}" type="datetimeFigureOut">
               <a:rPr lang="ru-RU" smtClean="0"/>
-              <a:t>01.12.2023</a:t>
+              <a:t>27.11.2023</a:t>
             </a:fld>
-            <a:endParaRPr lang="ru-RU" dirty="0"/>
+            <a:endParaRPr lang="ru-RU"/>
           </a:p>
         </p:txBody>
       </p:sp>
@@ -709,7 +710,7 @@
           <a:bodyPr/>
           <a:lstStyle/>
           <a:p>
-            <a:endParaRPr lang="ru-RU" dirty="0"/>
+            <a:endParaRPr lang="ru-RU"/>
           </a:p>
         </p:txBody>
       </p:sp>
@@ -732,7 +733,7 @@
               <a:rPr lang="ru-RU" smtClean="0"/>
               <a:t>‹#›</a:t>
             </a:fld>
-            <a:endParaRPr lang="ru-RU" dirty="0"/>
+            <a:endParaRPr lang="ru-RU"/>
           </a:p>
         </p:txBody>
       </p:sp>
@@ -856,9 +857,9 @@
           <a:p>
             <a:fld id="{0F7B38E9-DBAE-4AA2-BF3B-13DCA674FB12}" type="datetimeFigureOut">
               <a:rPr lang="ru-RU" smtClean="0"/>
-              <a:t>01.12.2023</a:t>
+              <a:t>27.11.2023</a:t>
             </a:fld>
-            <a:endParaRPr lang="ru-RU" dirty="0"/>
+            <a:endParaRPr lang="ru-RU"/>
           </a:p>
         </p:txBody>
       </p:sp>
@@ -877,7 +878,7 @@
           <a:bodyPr/>
           <a:lstStyle/>
           <a:p>
-            <a:endParaRPr lang="ru-RU" dirty="0"/>
+            <a:endParaRPr lang="ru-RU"/>
           </a:p>
         </p:txBody>
       </p:sp>
@@ -900,7 +901,7 @@
               <a:rPr lang="ru-RU" smtClean="0"/>
               <a:t>‹#›</a:t>
             </a:fld>
-            <a:endParaRPr lang="ru-RU" dirty="0"/>
+            <a:endParaRPr lang="ru-RU"/>
           </a:p>
         </p:txBody>
       </p:sp>
@@ -1034,9 +1035,9 @@
           <a:p>
             <a:fld id="{0F7B38E9-DBAE-4AA2-BF3B-13DCA674FB12}" type="datetimeFigureOut">
               <a:rPr lang="ru-RU" smtClean="0"/>
-              <a:t>01.12.2023</a:t>
+              <a:t>27.11.2023</a:t>
             </a:fld>
-            <a:endParaRPr lang="ru-RU" dirty="0"/>
+            <a:endParaRPr lang="ru-RU"/>
           </a:p>
         </p:txBody>
       </p:sp>
@@ -1055,7 +1056,7 @@
           <a:bodyPr/>
           <a:lstStyle/>
           <a:p>
-            <a:endParaRPr lang="ru-RU" dirty="0"/>
+            <a:endParaRPr lang="ru-RU"/>
           </a:p>
         </p:txBody>
       </p:sp>
@@ -1078,7 +1079,7 @@
               <a:rPr lang="ru-RU" smtClean="0"/>
               <a:t>‹#›</a:t>
             </a:fld>
-            <a:endParaRPr lang="ru-RU" dirty="0"/>
+            <a:endParaRPr lang="ru-RU"/>
           </a:p>
         </p:txBody>
       </p:sp>
@@ -1202,9 +1203,9 @@
           <a:p>
             <a:fld id="{0F7B38E9-DBAE-4AA2-BF3B-13DCA674FB12}" type="datetimeFigureOut">
               <a:rPr lang="ru-RU" smtClean="0"/>
-              <a:t>01.12.2023</a:t>
+              <a:t>27.11.2023</a:t>
             </a:fld>
-            <a:endParaRPr lang="ru-RU" dirty="0"/>
+            <a:endParaRPr lang="ru-RU"/>
           </a:p>
         </p:txBody>
       </p:sp>
@@ -1223,7 +1224,7 @@
           <a:bodyPr/>
           <a:lstStyle/>
           <a:p>
-            <a:endParaRPr lang="ru-RU" dirty="0"/>
+            <a:endParaRPr lang="ru-RU"/>
           </a:p>
         </p:txBody>
       </p:sp>
@@ -1246,7 +1247,7 @@
               <a:rPr lang="ru-RU" smtClean="0"/>
               <a:t>‹#›</a:t>
             </a:fld>
-            <a:endParaRPr lang="ru-RU" dirty="0"/>
+            <a:endParaRPr lang="ru-RU"/>
           </a:p>
         </p:txBody>
       </p:sp>
@@ -1447,9 +1448,9 @@
           <a:p>
             <a:fld id="{0F7B38E9-DBAE-4AA2-BF3B-13DCA674FB12}" type="datetimeFigureOut">
               <a:rPr lang="ru-RU" smtClean="0"/>
-              <a:t>01.12.2023</a:t>
+              <a:t>27.11.2023</a:t>
             </a:fld>
-            <a:endParaRPr lang="ru-RU" dirty="0"/>
+            <a:endParaRPr lang="ru-RU"/>
           </a:p>
         </p:txBody>
       </p:sp>
@@ -1468,7 +1469,7 @@
           <a:bodyPr/>
           <a:lstStyle/>
           <a:p>
-            <a:endParaRPr lang="ru-RU" dirty="0"/>
+            <a:endParaRPr lang="ru-RU"/>
           </a:p>
         </p:txBody>
       </p:sp>
@@ -1491,7 +1492,7 @@
               <a:rPr lang="ru-RU" smtClean="0"/>
               <a:t>‹#›</a:t>
             </a:fld>
-            <a:endParaRPr lang="ru-RU" dirty="0"/>
+            <a:endParaRPr lang="ru-RU"/>
           </a:p>
         </p:txBody>
       </p:sp>
@@ -1676,9 +1677,9 @@
           <a:p>
             <a:fld id="{0F7B38E9-DBAE-4AA2-BF3B-13DCA674FB12}" type="datetimeFigureOut">
               <a:rPr lang="ru-RU" smtClean="0"/>
-              <a:t>01.12.2023</a:t>
+              <a:t>27.11.2023</a:t>
             </a:fld>
-            <a:endParaRPr lang="ru-RU" dirty="0"/>
+            <a:endParaRPr lang="ru-RU"/>
           </a:p>
         </p:txBody>
       </p:sp>
@@ -1697,7 +1698,7 @@
           <a:bodyPr/>
           <a:lstStyle/>
           <a:p>
-            <a:endParaRPr lang="ru-RU" dirty="0"/>
+            <a:endParaRPr lang="ru-RU"/>
           </a:p>
         </p:txBody>
       </p:sp>
@@ -1720,7 +1721,7 @@
               <a:rPr lang="ru-RU" smtClean="0"/>
               <a:t>‹#›</a:t>
             </a:fld>
-            <a:endParaRPr lang="ru-RU" dirty="0"/>
+            <a:endParaRPr lang="ru-RU"/>
           </a:p>
         </p:txBody>
       </p:sp>
@@ -2040,9 +2041,9 @@
           <a:p>
             <a:fld id="{0F7B38E9-DBAE-4AA2-BF3B-13DCA674FB12}" type="datetimeFigureOut">
               <a:rPr lang="ru-RU" smtClean="0"/>
-              <a:t>01.12.2023</a:t>
+              <a:t>27.11.2023</a:t>
             </a:fld>
-            <a:endParaRPr lang="ru-RU" dirty="0"/>
+            <a:endParaRPr lang="ru-RU"/>
           </a:p>
         </p:txBody>
       </p:sp>
@@ -2061,7 +2062,7 @@
           <a:bodyPr/>
           <a:lstStyle/>
           <a:p>
-            <a:endParaRPr lang="ru-RU" dirty="0"/>
+            <a:endParaRPr lang="ru-RU"/>
           </a:p>
         </p:txBody>
       </p:sp>
@@ -2084,7 +2085,7 @@
               <a:rPr lang="ru-RU" smtClean="0"/>
               <a:t>‹#›</a:t>
             </a:fld>
-            <a:endParaRPr lang="ru-RU" dirty="0"/>
+            <a:endParaRPr lang="ru-RU"/>
           </a:p>
         </p:txBody>
       </p:sp>
@@ -2157,9 +2158,9 @@
           <a:p>
             <a:fld id="{0F7B38E9-DBAE-4AA2-BF3B-13DCA674FB12}" type="datetimeFigureOut">
               <a:rPr lang="ru-RU" smtClean="0"/>
-              <a:t>01.12.2023</a:t>
+              <a:t>27.11.2023</a:t>
             </a:fld>
-            <a:endParaRPr lang="ru-RU" dirty="0"/>
+            <a:endParaRPr lang="ru-RU"/>
           </a:p>
         </p:txBody>
       </p:sp>
@@ -2178,7 +2179,7 @@
           <a:bodyPr/>
           <a:lstStyle/>
           <a:p>
-            <a:endParaRPr lang="ru-RU" dirty="0"/>
+            <a:endParaRPr lang="ru-RU"/>
           </a:p>
         </p:txBody>
       </p:sp>
@@ -2201,7 +2202,7 @@
               <a:rPr lang="ru-RU" smtClean="0"/>
               <a:t>‹#›</a:t>
             </a:fld>
-            <a:endParaRPr lang="ru-RU" dirty="0"/>
+            <a:endParaRPr lang="ru-RU"/>
           </a:p>
         </p:txBody>
       </p:sp>
@@ -2252,9 +2253,9 @@
           <a:p>
             <a:fld id="{0F7B38E9-DBAE-4AA2-BF3B-13DCA674FB12}" type="datetimeFigureOut">
               <a:rPr lang="ru-RU" smtClean="0"/>
-              <a:t>01.12.2023</a:t>
+              <a:t>27.11.2023</a:t>
             </a:fld>
-            <a:endParaRPr lang="ru-RU" dirty="0"/>
+            <a:endParaRPr lang="ru-RU"/>
           </a:p>
         </p:txBody>
       </p:sp>
@@ -2273,7 +2274,7 @@
           <a:bodyPr/>
           <a:lstStyle/>
           <a:p>
-            <a:endParaRPr lang="ru-RU" dirty="0"/>
+            <a:endParaRPr lang="ru-RU"/>
           </a:p>
         </p:txBody>
       </p:sp>
@@ -2296,7 +2297,7 @@
               <a:rPr lang="ru-RU" smtClean="0"/>
               <a:t>‹#›</a:t>
             </a:fld>
-            <a:endParaRPr lang="ru-RU" dirty="0"/>
+            <a:endParaRPr lang="ru-RU"/>
           </a:p>
         </p:txBody>
       </p:sp>
@@ -2527,9 +2528,9 @@
           <a:p>
             <a:fld id="{0F7B38E9-DBAE-4AA2-BF3B-13DCA674FB12}" type="datetimeFigureOut">
               <a:rPr lang="ru-RU" smtClean="0"/>
-              <a:t>01.12.2023</a:t>
+              <a:t>27.11.2023</a:t>
             </a:fld>
-            <a:endParaRPr lang="ru-RU" dirty="0"/>
+            <a:endParaRPr lang="ru-RU"/>
           </a:p>
         </p:txBody>
       </p:sp>
@@ -2548,7 +2549,7 @@
           <a:bodyPr/>
           <a:lstStyle/>
           <a:p>
-            <a:endParaRPr lang="ru-RU" dirty="0"/>
+            <a:endParaRPr lang="ru-RU"/>
           </a:p>
         </p:txBody>
       </p:sp>
@@ -2571,7 +2572,7 @@
               <a:rPr lang="ru-RU" smtClean="0"/>
               <a:t>‹#›</a:t>
             </a:fld>
-            <a:endParaRPr lang="ru-RU" dirty="0"/>
+            <a:endParaRPr lang="ru-RU"/>
           </a:p>
         </p:txBody>
       </p:sp>
@@ -2693,7 +2694,7 @@
             </a:lvl9pPr>
           </a:lstStyle>
           <a:p>
-            <a:endParaRPr lang="ru-RU" dirty="0"/>
+            <a:endParaRPr lang="ru-RU"/>
           </a:p>
         </p:txBody>
       </p:sp>
@@ -2779,9 +2780,9 @@
           <a:p>
             <a:fld id="{0F7B38E9-DBAE-4AA2-BF3B-13DCA674FB12}" type="datetimeFigureOut">
               <a:rPr lang="ru-RU" smtClean="0"/>
-              <a:t>01.12.2023</a:t>
+              <a:t>27.11.2023</a:t>
             </a:fld>
-            <a:endParaRPr lang="ru-RU" dirty="0"/>
+            <a:endParaRPr lang="ru-RU"/>
           </a:p>
         </p:txBody>
       </p:sp>
@@ -2800,7 +2801,7 @@
           <a:bodyPr/>
           <a:lstStyle/>
           <a:p>
-            <a:endParaRPr lang="ru-RU" dirty="0"/>
+            <a:endParaRPr lang="ru-RU"/>
           </a:p>
         </p:txBody>
       </p:sp>
@@ -2823,7 +2824,7 @@
               <a:rPr lang="ru-RU" smtClean="0"/>
               <a:t>‹#›</a:t>
             </a:fld>
-            <a:endParaRPr lang="ru-RU" dirty="0"/>
+            <a:endParaRPr lang="ru-RU"/>
           </a:p>
         </p:txBody>
       </p:sp>
@@ -2990,9 +2991,9 @@
           <a:p>
             <a:fld id="{0F7B38E9-DBAE-4AA2-BF3B-13DCA674FB12}" type="datetimeFigureOut">
               <a:rPr lang="ru-RU" smtClean="0"/>
-              <a:t>01.12.2023</a:t>
+              <a:t>27.11.2023</a:t>
             </a:fld>
-            <a:endParaRPr lang="ru-RU" dirty="0"/>
+            <a:endParaRPr lang="ru-RU"/>
           </a:p>
         </p:txBody>
       </p:sp>
@@ -3029,7 +3030,7 @@
             </a:lvl1pPr>
           </a:lstStyle>
           <a:p>
-            <a:endParaRPr lang="ru-RU" dirty="0"/>
+            <a:endParaRPr lang="ru-RU"/>
           </a:p>
         </p:txBody>
       </p:sp>
@@ -3070,7 +3071,7 @@
               <a:rPr lang="ru-RU" smtClean="0"/>
               <a:t>‹#›</a:t>
             </a:fld>
-            <a:endParaRPr lang="ru-RU" dirty="0"/>
+            <a:endParaRPr lang="ru-RU"/>
           </a:p>
         </p:txBody>
       </p:sp>
@@ -3448,13 +3449,6 @@
   <p:clrMapOvr>
     <a:masterClrMapping/>
   </p:clrMapOvr>
-  <p:timing>
-    <p:tnLst>
-      <p:par>
-        <p:cTn id="1" dur="indefinite" restart="never" nodeType="tmRoot"/>
-      </p:par>
-    </p:tnLst>
-  </p:timing>
 </p:sld>
 </file>
 
@@ -3477,13 +3471,7 @@
       </p:grpSpPr>
       <p:sp>
         <p:nvSpPr>
-          <p:cNvPr id="2" name="Заголовок 1">
-            <a:extLst>
-              <a:ext uri="{FF2B5EF4-FFF2-40B4-BE49-F238E27FC236}">
-                <a16:creationId xmlns:a16="http://schemas.microsoft.com/office/drawing/2014/main" id="{D8A27729-5451-50B7-7E48-414C711ED729}"/>
-              </a:ext>
-            </a:extLst>
-          </p:cNvPr>
+          <p:cNvPr id="2" name="Заголовок 1"/>
           <p:cNvSpPr>
             <a:spLocks noGrp="1"/>
           </p:cNvSpPr>
@@ -3499,20 +3487,14 @@
             <a:pPr algn="ctr"/>
             <a:r>
               <a:rPr lang="ru-RU" dirty="0"/>
-              <a:t>Входные данные</a:t>
-            </a:r>
-          </a:p>
-        </p:txBody>
-      </p:sp>
-      <p:sp>
-        <p:nvSpPr>
-          <p:cNvPr id="3" name="Объект 2">
-            <a:extLst>
-              <a:ext uri="{FF2B5EF4-FFF2-40B4-BE49-F238E27FC236}">
-                <a16:creationId xmlns:a16="http://schemas.microsoft.com/office/drawing/2014/main" id="{F8EBDBDF-6213-5485-B958-CCD6BCE73147}"/>
-              </a:ext>
-            </a:extLst>
-          </p:cNvPr>
+              <a:t>Сценарий разработки</a:t>
+            </a:r>
+          </a:p>
+        </p:txBody>
+      </p:sp>
+      <p:sp>
+        <p:nvSpPr>
+          <p:cNvPr id="3" name="Объект 2"/>
           <p:cNvSpPr>
             <a:spLocks noGrp="1"/>
           </p:cNvSpPr>
@@ -3526,20 +3508,12 @@
           <a:lstStyle/>
           <a:p>
             <a:r>
-              <a:rPr lang="ru-RU" dirty="0"/>
-              <a:t>Заявление на получение предварительного лесного участка</a:t>
-            </a:r>
-          </a:p>
-          <a:p>
-            <a:r>
-              <a:rPr lang="ru-RU" dirty="0"/>
-              <a:t>Заявление на утверждение лесного участка</a:t>
-            </a:r>
-          </a:p>
-          <a:p>
-            <a:r>
-              <a:rPr lang="ru-RU" dirty="0"/>
-              <a:t>Заявление на пользование ЛУ</a:t>
+              <a:rPr lang="ru-RU" dirty="0">
+                <a:solidFill>
+                  <a:srgbClr val="FF0000"/>
+                </a:solidFill>
+              </a:rPr>
+              <a:t>С чего начну как разработчик.</a:t>
             </a:r>
           </a:p>
         </p:txBody>
@@ -3547,20 +3521,13 @@
     </p:spTree>
     <p:extLst>
       <p:ext uri="{BB962C8B-B14F-4D97-AF65-F5344CB8AC3E}">
-        <p14:creationId xmlns:p14="http://schemas.microsoft.com/office/powerpoint/2010/main" val="3520240573"/>
+        <p14:creationId xmlns:p14="http://schemas.microsoft.com/office/powerpoint/2010/main" val="633527894"/>
       </p:ext>
     </p:extLst>
   </p:cSld>
   <p:clrMapOvr>
     <a:masterClrMapping/>
   </p:clrMapOvr>
-  <p:timing>
-    <p:tnLst>
-      <p:par>
-        <p:cTn id="1" dur="indefinite" restart="never" nodeType="tmRoot"/>
-      </p:par>
-    </p:tnLst>
-  </p:timing>
 </p:sld>
 </file>
 
@@ -3586,7 +3553,7 @@
           <p:cNvPr id="2" name="Заголовок 1">
             <a:extLst>
               <a:ext uri="{FF2B5EF4-FFF2-40B4-BE49-F238E27FC236}">
-                <a16:creationId xmlns:a16="http://schemas.microsoft.com/office/drawing/2014/main" id="{AD142634-8CAF-6287-38B5-8D4672ABE5BC}"/>
+                <a16:creationId xmlns:a16="http://schemas.microsoft.com/office/drawing/2014/main" id="{D8A27729-5451-50B7-7E48-414C711ED729}"/>
               </a:ext>
             </a:extLst>
           </p:cNvPr>
@@ -3605,7 +3572,7 @@
             <a:pPr algn="ctr"/>
             <a:r>
               <a:rPr lang="ru-RU" dirty="0"/>
-              <a:t>Выходные данные</a:t>
+              <a:t>Входные данные</a:t>
             </a:r>
           </a:p>
         </p:txBody>
@@ -3615,7 +3582,7 @@
           <p:cNvPr id="3" name="Объект 2">
             <a:extLst>
               <a:ext uri="{FF2B5EF4-FFF2-40B4-BE49-F238E27FC236}">
-                <a16:creationId xmlns:a16="http://schemas.microsoft.com/office/drawing/2014/main" id="{01896C1D-163E-8187-9EEA-004C5DAED064}"/>
+                <a16:creationId xmlns:a16="http://schemas.microsoft.com/office/drawing/2014/main" id="{F8EBDBDF-6213-5485-B958-CCD6BCE73147}"/>
               </a:ext>
             </a:extLst>
           </p:cNvPr>
@@ -3633,19 +3600,19 @@
           <a:p>
             <a:r>
               <a:rPr lang="ru-RU" dirty="0"/>
-              <a:t>Приказ о согласовании лесного участка</a:t>
+              <a:t>Заявление на получение предварительного лесного участка</a:t>
             </a:r>
           </a:p>
           <a:p>
             <a:r>
               <a:rPr lang="ru-RU" dirty="0"/>
-              <a:t>Приказ об утверждении проектной документации и государственном учете лесного участка в соответствии с проектной документацией на лесной участок для заготовки древесины</a:t>
+              <a:t>Заявление на утверждение лесного участка</a:t>
             </a:r>
           </a:p>
           <a:p>
             <a:r>
               <a:rPr lang="ru-RU" dirty="0"/>
-              <a:t>Приказ о предоставлении земельного (лесного) участка в пользование</a:t>
+              <a:t>Заявление на пользование ЛУ</a:t>
             </a:r>
           </a:p>
         </p:txBody>
@@ -3653,20 +3620,13 @@
     </p:spTree>
     <p:extLst>
       <p:ext uri="{BB962C8B-B14F-4D97-AF65-F5344CB8AC3E}">
-        <p14:creationId xmlns:p14="http://schemas.microsoft.com/office/powerpoint/2010/main" val="401418907"/>
+        <p14:creationId xmlns:p14="http://schemas.microsoft.com/office/powerpoint/2010/main" val="3520240573"/>
       </p:ext>
     </p:extLst>
   </p:cSld>
   <p:clrMapOvr>
     <a:masterClrMapping/>
   </p:clrMapOvr>
-  <p:timing>
-    <p:tnLst>
-      <p:par>
-        <p:cTn id="1" dur="indefinite" restart="never" nodeType="tmRoot"/>
-      </p:par>
-    </p:tnLst>
-  </p:timing>
 </p:sld>
 </file>
 
@@ -3692,6 +3652,112 @@
           <p:cNvPr id="2" name="Заголовок 1">
             <a:extLst>
               <a:ext uri="{FF2B5EF4-FFF2-40B4-BE49-F238E27FC236}">
+                <a16:creationId xmlns:a16="http://schemas.microsoft.com/office/drawing/2014/main" id="{AD142634-8CAF-6287-38B5-8D4672ABE5BC}"/>
+              </a:ext>
+            </a:extLst>
+          </p:cNvPr>
+          <p:cNvSpPr>
+            <a:spLocks noGrp="1"/>
+          </p:cNvSpPr>
+          <p:nvPr>
+            <p:ph type="title"/>
+          </p:nvPr>
+        </p:nvSpPr>
+        <p:spPr/>
+        <p:txBody>
+          <a:bodyPr/>
+          <a:lstStyle/>
+          <a:p>
+            <a:pPr algn="ctr"/>
+            <a:r>
+              <a:rPr lang="ru-RU" dirty="0"/>
+              <a:t>Выходные данные</a:t>
+            </a:r>
+          </a:p>
+        </p:txBody>
+      </p:sp>
+      <p:sp>
+        <p:nvSpPr>
+          <p:cNvPr id="3" name="Объект 2">
+            <a:extLst>
+              <a:ext uri="{FF2B5EF4-FFF2-40B4-BE49-F238E27FC236}">
+                <a16:creationId xmlns:a16="http://schemas.microsoft.com/office/drawing/2014/main" id="{01896C1D-163E-8187-9EEA-004C5DAED064}"/>
+              </a:ext>
+            </a:extLst>
+          </p:cNvPr>
+          <p:cNvSpPr>
+            <a:spLocks noGrp="1"/>
+          </p:cNvSpPr>
+          <p:nvPr>
+            <p:ph idx="1"/>
+          </p:nvPr>
+        </p:nvSpPr>
+        <p:spPr/>
+        <p:txBody>
+          <a:bodyPr/>
+          <a:lstStyle/>
+          <a:p>
+            <a:r>
+              <a:rPr lang="ru-RU" dirty="0"/>
+              <a:t>Приказ о согласовании лесного участка</a:t>
+            </a:r>
+          </a:p>
+          <a:p>
+            <a:r>
+              <a:rPr lang="ru-RU" dirty="0"/>
+              <a:t>Приказ об утверждении проектной документации и государственном учете лесного участка в соответствии с проектной документацией на лесной участок для заготовки древесины</a:t>
+            </a:r>
+          </a:p>
+          <a:p>
+            <a:r>
+              <a:rPr lang="ru-RU" dirty="0"/>
+              <a:t>Приказ о предоставлении лесного участка в пользование</a:t>
+            </a:r>
+            <a:endParaRPr lang="en-US" dirty="0"/>
+          </a:p>
+          <a:p>
+            <a:r>
+              <a:rPr lang="ru-RU" dirty="0"/>
+              <a:t>Границы (полигон) предоставленного лесного участка</a:t>
+            </a:r>
+          </a:p>
+        </p:txBody>
+      </p:sp>
+    </p:spTree>
+    <p:extLst>
+      <p:ext uri="{BB962C8B-B14F-4D97-AF65-F5344CB8AC3E}">
+        <p14:creationId xmlns:p14="http://schemas.microsoft.com/office/powerpoint/2010/main" val="401418907"/>
+      </p:ext>
+    </p:extLst>
+  </p:cSld>
+  <p:clrMapOvr>
+    <a:masterClrMapping/>
+  </p:clrMapOvr>
+</p:sld>
+</file>
+
+<file path=ppt/slides/slide13.xml><?xml version="1.0" encoding="utf-8"?>
+<p:sld xmlns:a="http://schemas.openxmlformats.org/drawingml/2006/main" xmlns:r="http://schemas.openxmlformats.org/officeDocument/2006/relationships" xmlns:p="http://schemas.openxmlformats.org/presentationml/2006/main">
+  <p:cSld>
+    <p:spTree>
+      <p:nvGrpSpPr>
+        <p:cNvPr id="1" name=""/>
+        <p:cNvGrpSpPr/>
+        <p:nvPr/>
+      </p:nvGrpSpPr>
+      <p:grpSpPr>
+        <a:xfrm>
+          <a:off x="0" y="0"/>
+          <a:ext cx="0" cy="0"/>
+          <a:chOff x="0" y="0"/>
+          <a:chExt cx="0" cy="0"/>
+        </a:xfrm>
+      </p:grpSpPr>
+      <p:sp>
+        <p:nvSpPr>
+          <p:cNvPr id="2" name="Заголовок 1">
+            <a:extLst>
+              <a:ext uri="{FF2B5EF4-FFF2-40B4-BE49-F238E27FC236}">
                 <a16:creationId xmlns:a16="http://schemas.microsoft.com/office/drawing/2014/main" id="{84BE1982-FFD6-C2DA-F769-1FE51082CDF3}"/>
               </a:ext>
             </a:extLst>
@@ -3737,7 +3803,7 @@
           <a:bodyPr/>
           <a:lstStyle/>
           <a:p>
-            <a:endParaRPr lang="ru-RU" dirty="0"/>
+            <a:endParaRPr lang="ru-RU"/>
           </a:p>
         </p:txBody>
       </p:sp>
@@ -3751,13 +3817,6 @@
   <p:clrMapOvr>
     <a:masterClrMapping/>
   </p:clrMapOvr>
-  <p:timing>
-    <p:tnLst>
-      <p:par>
-        <p:cTn id="1" dur="indefinite" restart="never" nodeType="tmRoot"/>
-      </p:par>
-    </p:tnLst>
-  </p:timing>
 </p:sld>
 </file>
 
@@ -3858,13 +3917,6 @@
   <p:clrMapOvr>
     <a:masterClrMapping/>
   </p:clrMapOvr>
-  <p:timing>
-    <p:tnLst>
-      <p:par>
-        <p:cTn id="1" dur="indefinite" restart="never" nodeType="tmRoot"/>
-      </p:par>
-    </p:tnLst>
-  </p:timing>
 </p:sld>
 </file>
 
@@ -3935,7 +3987,7 @@
           <a:bodyPr/>
           <a:lstStyle/>
           <a:p>
-            <a:endParaRPr lang="ru-RU" dirty="0"/>
+            <a:endParaRPr lang="ru-RU"/>
           </a:p>
         </p:txBody>
       </p:sp>
@@ -3979,13 +4031,6 @@
   <p:clrMapOvr>
     <a:masterClrMapping/>
   </p:clrMapOvr>
-  <p:timing>
-    <p:tnLst>
-      <p:par>
-        <p:cTn id="1" dur="indefinite" restart="never" nodeType="tmRoot"/>
-      </p:par>
-    </p:tnLst>
-  </p:timing>
 </p:sld>
 </file>
 
@@ -4168,13 +4213,6 @@
   <p:clrMapOvr>
     <a:masterClrMapping/>
   </p:clrMapOvr>
-  <p:timing>
-    <p:tnLst>
-      <p:par>
-        <p:cTn id="1" dur="indefinite" restart="never" nodeType="tmRoot"/>
-      </p:par>
-    </p:tnLst>
-  </p:timing>
 </p:sld>
 </file>
 
@@ -4213,8 +4251,8 @@
         </p:nvSpPr>
         <p:spPr>
           <a:xfrm>
-            <a:off x="-154124" y="-65772"/>
-            <a:ext cx="12659889" cy="1825625"/>
+            <a:off x="240323" y="131544"/>
+            <a:ext cx="11875477" cy="1825625"/>
           </a:xfrm>
         </p:spPr>
         <p:txBody>
@@ -4227,10 +4265,6 @@
             <a:r>
               <a:rPr lang="ru-RU" sz="3600" dirty="0"/>
               <a:t>2. Предоставление гражданам, юридическим лицам лесных участков, находящихся в государственной или муниципальной собственности</a:t>
-            </a:r>
-            <a:r>
-              <a:rPr lang="ru-RU" dirty="0"/>
-              <a:t/>
             </a:r>
             <a:br>
               <a:rPr lang="ru-RU" dirty="0"/>
@@ -4254,7 +4288,7 @@
           <a:bodyPr/>
           <a:lstStyle/>
           <a:p>
-            <a:endParaRPr lang="ru-RU" dirty="0"/>
+            <a:endParaRPr lang="ru-RU"/>
           </a:p>
         </p:txBody>
       </p:sp>
@@ -4266,15 +4300,15 @@
         </p:nvSpPr>
         <p:spPr>
           <a:xfrm>
-            <a:off x="10692062" y="4272677"/>
-            <a:ext cx="1503878" cy="2585323"/>
+            <a:off x="6019800" y="6176963"/>
+            <a:ext cx="6096000" cy="646331"/>
           </a:xfrm>
           <a:prstGeom prst="rect">
             <a:avLst/>
           </a:prstGeom>
         </p:spPr>
         <p:txBody>
-          <a:bodyPr wrap="square">
+          <a:bodyPr>
             <a:spAutoFit/>
           </a:bodyPr>
           <a:lstStyle/>
@@ -4295,7 +4329,7 @@
       </p:sp>
       <p:pic>
         <p:nvPicPr>
-          <p:cNvPr id="6" name="Рисунок 5"/>
+          <p:cNvPr id="9" name="Рисунок 8"/>
           <p:cNvPicPr>
             <a:picLocks noChangeAspect="1"/>
           </p:cNvPicPr>
@@ -4309,8 +4343,8 @@
         </p:blipFill>
         <p:spPr>
           <a:xfrm>
-            <a:off x="298938" y="1062742"/>
-            <a:ext cx="10207787" cy="5795258"/>
+            <a:off x="98478" y="1670538"/>
+            <a:ext cx="11995043" cy="4506425"/>
           </a:xfrm>
           <a:prstGeom prst="rect">
             <a:avLst/>
@@ -4327,13 +4361,6 @@
   <p:clrMapOvr>
     <a:masterClrMapping/>
   </p:clrMapOvr>
-  <p:timing>
-    <p:tnLst>
-      <p:par>
-        <p:cTn id="1" dur="indefinite" restart="never" nodeType="tmRoot"/>
-      </p:par>
-    </p:tnLst>
-  </p:timing>
 </p:sld>
 </file>
 
@@ -4359,6 +4386,120 @@
           <p:cNvPr id="2" name="Заголовок 1">
             <a:extLst>
               <a:ext uri="{FF2B5EF4-FFF2-40B4-BE49-F238E27FC236}">
+                <a16:creationId xmlns:a16="http://schemas.microsoft.com/office/drawing/2014/main" id="{3474D2AB-3BFD-4319-99DD-D85F1A7F69C2}"/>
+              </a:ext>
+            </a:extLst>
+          </p:cNvPr>
+          <p:cNvSpPr>
+            <a:spLocks noGrp="1"/>
+          </p:cNvSpPr>
+          <p:nvPr>
+            <p:ph type="title"/>
+          </p:nvPr>
+        </p:nvSpPr>
+        <p:spPr/>
+        <p:txBody>
+          <a:bodyPr/>
+          <a:lstStyle/>
+          <a:p>
+            <a:pPr algn="ctr"/>
+            <a:r>
+              <a:rPr lang="ru-RU" dirty="0"/>
+              <a:t>Бизнес процесс состоит из услуг.</a:t>
+            </a:r>
+          </a:p>
+        </p:txBody>
+      </p:sp>
+      <p:sp>
+        <p:nvSpPr>
+          <p:cNvPr id="3" name="Объект 2">
+            <a:extLst>
+              <a:ext uri="{FF2B5EF4-FFF2-40B4-BE49-F238E27FC236}">
+                <a16:creationId xmlns:a16="http://schemas.microsoft.com/office/drawing/2014/main" id="{2C360F3C-B40C-7484-BF80-9A7A1C8A11C5}"/>
+              </a:ext>
+            </a:extLst>
+          </p:cNvPr>
+          <p:cNvSpPr>
+            <a:spLocks noGrp="1"/>
+          </p:cNvSpPr>
+          <p:nvPr>
+            <p:ph idx="1"/>
+          </p:nvPr>
+        </p:nvSpPr>
+        <p:spPr/>
+        <p:txBody>
+          <a:bodyPr/>
+          <a:lstStyle/>
+          <a:p>
+            <a:endParaRPr lang="ru-RU" dirty="0"/>
+          </a:p>
+        </p:txBody>
+      </p:sp>
+      <p:pic>
+        <p:nvPicPr>
+          <p:cNvPr id="5" name="Рисунок 4">
+            <a:extLst>
+              <a:ext uri="{FF2B5EF4-FFF2-40B4-BE49-F238E27FC236}">
+                <a16:creationId xmlns:a16="http://schemas.microsoft.com/office/drawing/2014/main" id="{9DA8D30D-47D4-0CDC-70B1-F3BEA74EF9A5}"/>
+              </a:ext>
+            </a:extLst>
+          </p:cNvPr>
+          <p:cNvPicPr>
+            <a:picLocks noChangeAspect="1"/>
+          </p:cNvPicPr>
+          <p:nvPr/>
+        </p:nvPicPr>
+        <p:blipFill>
+          <a:blip r:embed="rId2"/>
+          <a:stretch>
+            <a:fillRect/>
+          </a:stretch>
+        </p:blipFill>
+        <p:spPr>
+          <a:xfrm>
+            <a:off x="288985" y="1825625"/>
+            <a:ext cx="11374437" cy="4267796"/>
+          </a:xfrm>
+          <a:prstGeom prst="rect">
+            <a:avLst/>
+          </a:prstGeom>
+        </p:spPr>
+      </p:pic>
+    </p:spTree>
+    <p:extLst>
+      <p:ext uri="{BB962C8B-B14F-4D97-AF65-F5344CB8AC3E}">
+        <p14:creationId xmlns:p14="http://schemas.microsoft.com/office/powerpoint/2010/main" val="44624369"/>
+      </p:ext>
+    </p:extLst>
+  </p:cSld>
+  <p:clrMapOvr>
+    <a:masterClrMapping/>
+  </p:clrMapOvr>
+</p:sld>
+</file>
+
+<file path=ppt/slides/slide7.xml><?xml version="1.0" encoding="utf-8"?>
+<p:sld xmlns:a="http://schemas.openxmlformats.org/drawingml/2006/main" xmlns:r="http://schemas.openxmlformats.org/officeDocument/2006/relationships" xmlns:p="http://schemas.openxmlformats.org/presentationml/2006/main">
+  <p:cSld>
+    <p:spTree>
+      <p:nvGrpSpPr>
+        <p:cNvPr id="1" name=""/>
+        <p:cNvGrpSpPr/>
+        <p:nvPr/>
+      </p:nvGrpSpPr>
+      <p:grpSpPr>
+        <a:xfrm>
+          <a:off x="0" y="0"/>
+          <a:ext cx="0" cy="0"/>
+          <a:chOff x="0" y="0"/>
+          <a:chExt cx="0" cy="0"/>
+        </a:xfrm>
+      </p:grpSpPr>
+      <p:sp>
+        <p:nvSpPr>
+          <p:cNvPr id="2" name="Заголовок 1">
+            <a:extLst>
+              <a:ext uri="{FF2B5EF4-FFF2-40B4-BE49-F238E27FC236}">
                 <a16:creationId xmlns:a16="http://schemas.microsoft.com/office/drawing/2014/main" id="{6368A328-7488-0111-DFEE-0E9FA767C066}"/>
               </a:ext>
             </a:extLst>
@@ -4370,12 +4511,7 @@
             <p:ph type="title"/>
           </p:nvPr>
         </p:nvSpPr>
-        <p:spPr>
-          <a:xfrm>
-            <a:off x="838199" y="170249"/>
-            <a:ext cx="10515600" cy="1325563"/>
-          </a:xfrm>
-        </p:spPr>
+        <p:spPr/>
         <p:txBody>
           <a:bodyPr>
             <a:normAutofit/>
@@ -4384,19 +4520,11 @@
           <a:p>
             <a:pPr algn="ctr"/>
             <a:r>
-              <a:rPr lang="ru-RU" dirty="0">
-                <a:solidFill>
-                  <a:srgbClr val="FF0000"/>
-                </a:solidFill>
-              </a:rPr>
+              <a:rPr lang="ru-RU" dirty="0"/>
               <a:t>Предоставление Государственной услуги в ВИС Лесопользование (как будет</a:t>
             </a:r>
             <a:r>
-              <a:rPr lang="en-US" dirty="0">
-                <a:solidFill>
-                  <a:srgbClr val="FF0000"/>
-                </a:solidFill>
-              </a:rPr>
+              <a:rPr lang="en-US" dirty="0"/>
               <a:t>)</a:t>
             </a:r>
             <a:endParaRPr lang="ru-RU" dirty="0">
@@ -4422,7 +4550,7 @@
           <a:bodyPr/>
           <a:lstStyle/>
           <a:p>
-            <a:endParaRPr lang="ru-RU" dirty="0"/>
+            <a:endParaRPr lang="ru-RU"/>
           </a:p>
         </p:txBody>
       </p:sp>
@@ -4466,156 +4594,6 @@
   <p:clrMapOvr>
     <a:masterClrMapping/>
   </p:clrMapOvr>
-  <p:timing>
-    <p:tnLst>
-      <p:par>
-        <p:cTn id="1" dur="indefinite" restart="never" nodeType="tmRoot"/>
-      </p:par>
-    </p:tnLst>
-  </p:timing>
-</p:sld>
-</file>
-
-<file path=ppt/slides/slide7.xml><?xml version="1.0" encoding="utf-8"?>
-<p:sld xmlns:a="http://schemas.openxmlformats.org/drawingml/2006/main" xmlns:r="http://schemas.openxmlformats.org/officeDocument/2006/relationships" xmlns:p="http://schemas.openxmlformats.org/presentationml/2006/main">
-  <p:cSld>
-    <p:spTree>
-      <p:nvGrpSpPr>
-        <p:cNvPr id="1" name=""/>
-        <p:cNvGrpSpPr/>
-        <p:nvPr/>
-      </p:nvGrpSpPr>
-      <p:grpSpPr>
-        <a:xfrm>
-          <a:off x="0" y="0"/>
-          <a:ext cx="0" cy="0"/>
-          <a:chOff x="0" y="0"/>
-          <a:chExt cx="0" cy="0"/>
-        </a:xfrm>
-      </p:grpSpPr>
-      <p:sp>
-        <p:nvSpPr>
-          <p:cNvPr id="2" name="Заголовок 1">
-            <a:extLst>
-              <a:ext uri="{FF2B5EF4-FFF2-40B4-BE49-F238E27FC236}">
-                <a16:creationId xmlns:a16="http://schemas.microsoft.com/office/drawing/2014/main" id="{BF453941-33A6-C802-2C6A-C74E237C9D17}"/>
-              </a:ext>
-            </a:extLst>
-          </p:cNvPr>
-          <p:cNvSpPr>
-            <a:spLocks noGrp="1"/>
-          </p:cNvSpPr>
-          <p:nvPr>
-            <p:ph type="title"/>
-          </p:nvPr>
-        </p:nvSpPr>
-        <p:spPr/>
-        <p:txBody>
-          <a:bodyPr/>
-          <a:lstStyle/>
-          <a:p>
-            <a:pPr algn="ctr"/>
-            <a:r>
-              <a:rPr lang="ru-RU" dirty="0"/>
-              <a:t>Цель</a:t>
-            </a:r>
-          </a:p>
-        </p:txBody>
-      </p:sp>
-      <p:sp>
-        <p:nvSpPr>
-          <p:cNvPr id="3" name="Объект 2">
-            <a:extLst>
-              <a:ext uri="{FF2B5EF4-FFF2-40B4-BE49-F238E27FC236}">
-                <a16:creationId xmlns:a16="http://schemas.microsoft.com/office/drawing/2014/main" id="{F721782F-AA52-20F9-E2AB-B79A6BFA8004}"/>
-              </a:ext>
-            </a:extLst>
-          </p:cNvPr>
-          <p:cNvSpPr>
-            <a:spLocks noGrp="1"/>
-          </p:cNvSpPr>
-          <p:nvPr>
-            <p:ph idx="1"/>
-          </p:nvPr>
-        </p:nvSpPr>
-        <p:spPr>
-          <a:xfrm>
-            <a:off x="838200" y="1690688"/>
-            <a:ext cx="10515600" cy="4351338"/>
-          </a:xfrm>
-        </p:spPr>
-        <p:txBody>
-          <a:bodyPr>
-            <a:normAutofit/>
-          </a:bodyPr>
-          <a:lstStyle/>
-          <a:p>
-            <a:r>
-              <a:rPr lang="ru-RU" dirty="0">
-                <a:solidFill>
-                  <a:srgbClr val="303030"/>
-                </a:solidFill>
-                <a:effectLst/>
-                <a:ea typeface="Calibri" panose="020F0502020204030204" pitchFamily="34" charset="0"/>
-              </a:rPr>
-              <a:t>Сократить время для предоставления услуги и трудозатраты оператора ВИС Лесопользование, путем автоматизации регистрации заявлений и</a:t>
-            </a:r>
-            <a:r>
-              <a:rPr lang="en-US" dirty="0">
-                <a:solidFill>
-                  <a:srgbClr val="303030"/>
-                </a:solidFill>
-                <a:effectLst/>
-                <a:ea typeface="Calibri" panose="020F0502020204030204" pitchFamily="34" charset="0"/>
-              </a:rPr>
-              <a:t> </a:t>
-            </a:r>
-            <a:r>
-              <a:rPr lang="ru-RU" dirty="0">
-                <a:solidFill>
-                  <a:srgbClr val="303030"/>
-                </a:solidFill>
-                <a:effectLst/>
-                <a:ea typeface="Calibri" panose="020F0502020204030204" pitchFamily="34" charset="0"/>
-              </a:rPr>
-              <a:t>частичной автоматизации подписания итоговых документов в СЭД ПСО</a:t>
-            </a:r>
-            <a:r>
-              <a:rPr lang="ru-RU" dirty="0">
-                <a:solidFill>
-                  <a:srgbClr val="303030"/>
-                </a:solidFill>
-                <a:ea typeface="Calibri" panose="020F0502020204030204" pitchFamily="34" charset="0"/>
-              </a:rPr>
-              <a:t>.</a:t>
-            </a:r>
-            <a:endParaRPr lang="ru-RU" dirty="0">
-              <a:solidFill>
-                <a:srgbClr val="303030"/>
-              </a:solidFill>
-              <a:effectLst/>
-              <a:ea typeface="Calibri" panose="020F0502020204030204" pitchFamily="34" charset="0"/>
-            </a:endParaRPr>
-          </a:p>
-        </p:txBody>
-      </p:sp>
-    </p:spTree>
-    <p:extLst>
-      <p:ext uri="{BB962C8B-B14F-4D97-AF65-F5344CB8AC3E}">
-        <p14:creationId xmlns:p14="http://schemas.microsoft.com/office/powerpoint/2010/main" val="3833297341"/>
-      </p:ext>
-    </p:extLst>
-  </p:cSld>
-  <p:clrMapOvr>
-    <a:masterClrMapping/>
-  </p:clrMapOvr>
-  <p:timing>
-    <p:tnLst>
-      <p:par>
-        <p:cTn id="1" dur="indefinite" restart="never" nodeType="tmRoot"/>
-      </p:par>
-    </p:tnLst>
-  </p:timing>
 </p:sld>
 </file>
 
@@ -4641,7 +4619,7 @@
           <p:cNvPr id="2" name="Заголовок 1">
             <a:extLst>
               <a:ext uri="{FF2B5EF4-FFF2-40B4-BE49-F238E27FC236}">
-                <a16:creationId xmlns:a16="http://schemas.microsoft.com/office/drawing/2014/main" id="{AFEE9FF2-96E7-0868-9DE9-117876247596}"/>
+                <a16:creationId xmlns:a16="http://schemas.microsoft.com/office/drawing/2014/main" id="{BF453941-33A6-C802-2C6A-C74E237C9D17}"/>
               </a:ext>
             </a:extLst>
           </p:cNvPr>
@@ -4659,15 +4637,8 @@
           <a:p>
             <a:pPr algn="ctr"/>
             <a:r>
-              <a:rPr lang="ru-RU" dirty="0">
-                <a:solidFill>
-                  <a:schemeClr val="tx1">
-                    <a:lumMod val="95000"/>
-                    <a:lumOff val="5000"/>
-                  </a:schemeClr>
-                </a:solidFill>
-              </a:rPr>
-              <a:t>Задачи</a:t>
+              <a:rPr lang="ru-RU" dirty="0"/>
+              <a:t>Цель</a:t>
             </a:r>
           </a:p>
         </p:txBody>
@@ -4677,7 +4648,7 @@
           <p:cNvPr id="3" name="Объект 2">
             <a:extLst>
               <a:ext uri="{FF2B5EF4-FFF2-40B4-BE49-F238E27FC236}">
-                <a16:creationId xmlns:a16="http://schemas.microsoft.com/office/drawing/2014/main" id="{93E7766C-0A08-FEF6-9580-0459957FA465}"/>
+                <a16:creationId xmlns:a16="http://schemas.microsoft.com/office/drawing/2014/main" id="{F721782F-AA52-20F9-E2AB-B79A6BFA8004}"/>
               </a:ext>
             </a:extLst>
           </p:cNvPr>
@@ -4690,8 +4661,8 @@
         </p:nvSpPr>
         <p:spPr>
           <a:xfrm>
-            <a:off x="838200" y="1781021"/>
-            <a:ext cx="10756392" cy="4351338"/>
+            <a:off x="838200" y="1690688"/>
+            <a:ext cx="10515600" cy="4351338"/>
           </a:xfrm>
         </p:spPr>
         <p:txBody>
@@ -4700,71 +4671,65 @@
           </a:bodyPr>
           <a:lstStyle/>
           <a:p>
-            <a:pPr marL="0" indent="0">
-              <a:buNone/>
-            </a:pPr>
-            <a:r>
-              <a:rPr lang="ru-RU" dirty="0"/>
-              <a:t>1. Спроектировать структуру базы данных ВИС Лесопользования Свердловской Области</a:t>
-            </a:r>
-            <a:r>
-              <a:rPr lang="en-US" dirty="0"/>
-              <a:t>, </a:t>
-            </a:r>
-            <a:r>
-              <a:rPr lang="ru-RU" dirty="0"/>
-              <a:t>совместно с другими участниками команды.</a:t>
-            </a:r>
-          </a:p>
-          <a:p>
-            <a:pPr marL="0" indent="0">
-              <a:buNone/>
-            </a:pPr>
-            <a:r>
-              <a:rPr lang="ru-RU" dirty="0"/>
-              <a:t>2. Изучить структуру сообщений для отправки в СЭД ПСО.</a:t>
-            </a:r>
-          </a:p>
-          <a:p>
-            <a:pPr marL="0" indent="0">
-              <a:buNone/>
-            </a:pPr>
-            <a:r>
-              <a:rPr lang="ru-RU" dirty="0"/>
-              <a:t>3. Спроектировать интеграционный сервис.</a:t>
-            </a:r>
-          </a:p>
-          <a:p>
-            <a:pPr marL="0" indent="0">
-              <a:buNone/>
-            </a:pPr>
-            <a:r>
-              <a:rPr lang="ru-RU" dirty="0"/>
-              <a:t>4. Реализовать интеграционный  сервис.</a:t>
-            </a:r>
-          </a:p>
-          <a:p>
-            <a:endParaRPr lang="ru-RU" dirty="0"/>
+            <a:r>
+              <a:rPr lang="ru-RU" dirty="0">
+                <a:solidFill>
+                  <a:srgbClr val="303030"/>
+                </a:solidFill>
+                <a:effectLst/>
+                <a:ea typeface="Calibri" panose="020F0502020204030204" pitchFamily="34" charset="0"/>
+              </a:rPr>
+              <a:t>Сократить время для предоставления услуги и трудозатраты оператора ВИС Лесопользование, путем автоматизации регистрации заявлений и</a:t>
+            </a:r>
+            <a:r>
+              <a:rPr lang="en-US" dirty="0">
+                <a:solidFill>
+                  <a:srgbClr val="303030"/>
+                </a:solidFill>
+                <a:effectLst/>
+                <a:ea typeface="Calibri" panose="020F0502020204030204" pitchFamily="34" charset="0"/>
+              </a:rPr>
+              <a:t> </a:t>
+            </a:r>
+            <a:r>
+              <a:rPr lang="ru-RU" dirty="0">
+                <a:solidFill>
+                  <a:srgbClr val="303030"/>
+                </a:solidFill>
+                <a:effectLst/>
+                <a:ea typeface="Calibri" panose="020F0502020204030204" pitchFamily="34" charset="0"/>
+              </a:rPr>
+              <a:t>частичной автоматизации подписания итоговых документов в СЭД ПСО</a:t>
+            </a:r>
+            <a:r>
+              <a:rPr lang="ru-RU" dirty="0">
+                <a:solidFill>
+                  <a:srgbClr val="303030"/>
+                </a:solidFill>
+                <a:ea typeface="Calibri" panose="020F0502020204030204" pitchFamily="34" charset="0"/>
+              </a:rPr>
+              <a:t>.</a:t>
+            </a:r>
+            <a:endParaRPr lang="ru-RU" dirty="0">
+              <a:solidFill>
+                <a:srgbClr val="303030"/>
+              </a:solidFill>
+              <a:effectLst/>
+              <a:ea typeface="Calibri" panose="020F0502020204030204" pitchFamily="34" charset="0"/>
+            </a:endParaRPr>
           </a:p>
         </p:txBody>
       </p:sp>
     </p:spTree>
     <p:extLst>
       <p:ext uri="{BB962C8B-B14F-4D97-AF65-F5344CB8AC3E}">
-        <p14:creationId xmlns:p14="http://schemas.microsoft.com/office/powerpoint/2010/main" val="2707282225"/>
+        <p14:creationId xmlns:p14="http://schemas.microsoft.com/office/powerpoint/2010/main" val="3833297341"/>
       </p:ext>
     </p:extLst>
   </p:cSld>
   <p:clrMapOvr>
     <a:masterClrMapping/>
   </p:clrMapOvr>
-  <p:timing>
-    <p:tnLst>
-      <p:par>
-        <p:cTn id="1" dur="indefinite" restart="never" nodeType="tmRoot"/>
-      </p:par>
-    </p:tnLst>
-  </p:timing>
 </p:sld>
 </file>
 
@@ -4787,7 +4752,13 @@
       </p:grpSpPr>
       <p:sp>
         <p:nvSpPr>
-          <p:cNvPr id="2" name="Заголовок 1"/>
+          <p:cNvPr id="2" name="Заголовок 1">
+            <a:extLst>
+              <a:ext uri="{FF2B5EF4-FFF2-40B4-BE49-F238E27FC236}">
+                <a16:creationId xmlns:a16="http://schemas.microsoft.com/office/drawing/2014/main" id="{AFEE9FF2-96E7-0868-9DE9-117876247596}"/>
+              </a:ext>
+            </a:extLst>
+          </p:cNvPr>
           <p:cNvSpPr>
             <a:spLocks noGrp="1"/>
           </p:cNvSpPr>
@@ -4802,51 +4773,105 @@
           <a:p>
             <a:pPr algn="ctr"/>
             <a:r>
+              <a:rPr lang="ru-RU" dirty="0">
+                <a:solidFill>
+                  <a:schemeClr val="tx1">
+                    <a:lumMod val="95000"/>
+                    <a:lumOff val="5000"/>
+                  </a:schemeClr>
+                </a:solidFill>
+              </a:rPr>
+              <a:t>Задачи</a:t>
+            </a:r>
+          </a:p>
+        </p:txBody>
+      </p:sp>
+      <p:sp>
+        <p:nvSpPr>
+          <p:cNvPr id="3" name="Объект 2">
+            <a:extLst>
+              <a:ext uri="{FF2B5EF4-FFF2-40B4-BE49-F238E27FC236}">
+                <a16:creationId xmlns:a16="http://schemas.microsoft.com/office/drawing/2014/main" id="{93E7766C-0A08-FEF6-9580-0459957FA465}"/>
+              </a:ext>
+            </a:extLst>
+          </p:cNvPr>
+          <p:cNvSpPr>
+            <a:spLocks noGrp="1"/>
+          </p:cNvSpPr>
+          <p:nvPr>
+            <p:ph idx="1"/>
+          </p:nvPr>
+        </p:nvSpPr>
+        <p:spPr>
+          <a:xfrm>
+            <a:off x="838200" y="1781021"/>
+            <a:ext cx="10756392" cy="4351338"/>
+          </a:xfrm>
+        </p:spPr>
+        <p:txBody>
+          <a:bodyPr>
+            <a:normAutofit/>
+          </a:bodyPr>
+          <a:lstStyle/>
+          <a:p>
+            <a:pPr marL="0" indent="0">
+              <a:buNone/>
+            </a:pPr>
+            <a:r>
               <a:rPr lang="ru-RU" dirty="0"/>
-              <a:t>Сценарий разработки</a:t>
-            </a:r>
-          </a:p>
-        </p:txBody>
-      </p:sp>
-      <p:sp>
-        <p:nvSpPr>
-          <p:cNvPr id="3" name="Объект 2"/>
-          <p:cNvSpPr>
-            <a:spLocks noGrp="1"/>
-          </p:cNvSpPr>
-          <p:nvPr>
-            <p:ph idx="1"/>
-          </p:nvPr>
-        </p:nvSpPr>
-        <p:spPr/>
-        <p:txBody>
-          <a:bodyPr/>
-          <a:lstStyle/>
-          <a:p>
+              <a:t>1. Спроектировать структуру базы данных ВИС Лесопользования Свердловской Области</a:t>
+            </a:r>
+            <a:r>
+              <a:rPr lang="en-US" dirty="0"/>
+              <a:t>, </a:t>
+            </a:r>
             <a:r>
               <a:rPr lang="ru-RU" dirty="0"/>
-              <a:t>С чего начну как разработчик.</a:t>
-            </a:r>
+              <a:t>совместно с другими участниками команды.</a:t>
+            </a:r>
+          </a:p>
+          <a:p>
+            <a:pPr marL="0" indent="0">
+              <a:buNone/>
+            </a:pPr>
+            <a:r>
+              <a:rPr lang="ru-RU" dirty="0"/>
+              <a:t>2. Изучить структуру сообщений для отправки в СЭД ПСО.</a:t>
+            </a:r>
+          </a:p>
+          <a:p>
+            <a:pPr marL="0" indent="0">
+              <a:buNone/>
+            </a:pPr>
+            <a:r>
+              <a:rPr lang="ru-RU" dirty="0"/>
+              <a:t>3. Спроектировать интеграционный сервис.</a:t>
+            </a:r>
+          </a:p>
+          <a:p>
+            <a:pPr marL="0" indent="0">
+              <a:buNone/>
+            </a:pPr>
+            <a:r>
+              <a:rPr lang="ru-RU" dirty="0"/>
+              <a:t>4. Реализовать интеграционный  сервис.</a:t>
+            </a:r>
+          </a:p>
+          <a:p>
+            <a:endParaRPr lang="ru-RU" dirty="0"/>
           </a:p>
         </p:txBody>
       </p:sp>
     </p:spTree>
     <p:extLst>
       <p:ext uri="{BB962C8B-B14F-4D97-AF65-F5344CB8AC3E}">
-        <p14:creationId xmlns:p14="http://schemas.microsoft.com/office/powerpoint/2010/main" val="633527894"/>
+        <p14:creationId xmlns:p14="http://schemas.microsoft.com/office/powerpoint/2010/main" val="2707282225"/>
       </p:ext>
     </p:extLst>
   </p:cSld>
   <p:clrMapOvr>
     <a:masterClrMapping/>
   </p:clrMapOvr>
-  <p:timing>
-    <p:tnLst>
-      <p:par>
-        <p:cTn id="1" dur="indefinite" restart="never" nodeType="tmRoot"/>
-      </p:par>
-    </p:tnLst>
-  </p:timing>
 </p:sld>
 </file>
 
@@ -4855,7 +4880,7 @@
   <a:themeElements>
     <a:clrScheme name="Стандартная">
       <a:dk1>
-        <a:sysClr val="windowText" lastClr="000000"/>
+        <a:sysClr val="windowText" lastClr="303030"/>
       </a:dk1>
       <a:lt1>
         <a:sysClr val="window" lastClr="FFFFFF"/>
@@ -5116,7 +5141,7 @@
   <a:themeElements>
     <a:clrScheme name="Стандартная">
       <a:dk1>
-        <a:sysClr val="windowText" lastClr="000000"/>
+        <a:sysClr val="windowText" lastClr="303030"/>
       </a:dk1>
       <a:lt1>
         <a:sysClr val="window" lastClr="FFFFFF"/>

--- a/Презентация.pptx
+++ b/Презентация.pptx
@@ -13,7 +13,7 @@
     <p:sldId id="269" r:id="rId4"/>
     <p:sldId id="268" r:id="rId5"/>
     <p:sldId id="266" r:id="rId6"/>
-    <p:sldId id="270" r:id="rId7"/>
+    <p:sldId id="272" r:id="rId7"/>
     <p:sldId id="265" r:id="rId8"/>
     <p:sldId id="258" r:id="rId9"/>
     <p:sldId id="259" r:id="rId10"/>
@@ -176,7 +176,7 @@
             </a:lvl1pPr>
           </a:lstStyle>
           <a:p>
-            <a:endParaRPr lang="ru-RU"/>
+            <a:endParaRPr lang="ru-RU" dirty="0"/>
           </a:p>
         </p:txBody>
       </p:sp>
@@ -209,9 +209,9 @@
           <a:p>
             <a:fld id="{75F1DFFD-0639-450F-A95D-6BC42EFC6563}" type="datetimeFigureOut">
               <a:rPr lang="ru-RU" smtClean="0"/>
-              <a:t>27.11.2023</a:t>
+              <a:t>07.12.2023</a:t>
             </a:fld>
-            <a:endParaRPr lang="ru-RU"/>
+            <a:endParaRPr lang="ru-RU" dirty="0"/>
           </a:p>
         </p:txBody>
       </p:sp>
@@ -244,7 +244,7 @@
           <a:bodyPr vert="horz" lIns="91440" tIns="45720" rIns="91440" bIns="45720" rtlCol="0" anchor="ctr"/>
           <a:lstStyle/>
           <a:p>
-            <a:endParaRPr lang="ru-RU"/>
+            <a:endParaRPr lang="ru-RU" dirty="0"/>
           </a:p>
         </p:txBody>
       </p:sp>
@@ -334,7 +334,7 @@
             </a:lvl1pPr>
           </a:lstStyle>
           <a:p>
-            <a:endParaRPr lang="ru-RU"/>
+            <a:endParaRPr lang="ru-RU" dirty="0"/>
           </a:p>
         </p:txBody>
       </p:sp>
@@ -369,7 +369,7 @@
               <a:rPr lang="ru-RU" smtClean="0"/>
               <a:t>‹#›</a:t>
             </a:fld>
-            <a:endParaRPr lang="ru-RU"/>
+            <a:endParaRPr lang="ru-RU" dirty="0"/>
           </a:p>
         </p:txBody>
       </p:sp>
@@ -543,7 +543,7 @@
               <a:rPr lang="ru-RU" smtClean="0"/>
               <a:t>7</a:t>
             </a:fld>
-            <a:endParaRPr lang="ru-RU"/>
+            <a:endParaRPr lang="ru-RU" dirty="0"/>
           </a:p>
         </p:txBody>
       </p:sp>
@@ -689,9 +689,9 @@
           <a:p>
             <a:fld id="{0F7B38E9-DBAE-4AA2-BF3B-13DCA674FB12}" type="datetimeFigureOut">
               <a:rPr lang="ru-RU" smtClean="0"/>
-              <a:t>27.11.2023</a:t>
+              <a:t>07.12.2023</a:t>
             </a:fld>
-            <a:endParaRPr lang="ru-RU"/>
+            <a:endParaRPr lang="ru-RU" dirty="0"/>
           </a:p>
         </p:txBody>
       </p:sp>
@@ -710,7 +710,7 @@
           <a:bodyPr/>
           <a:lstStyle/>
           <a:p>
-            <a:endParaRPr lang="ru-RU"/>
+            <a:endParaRPr lang="ru-RU" dirty="0"/>
           </a:p>
         </p:txBody>
       </p:sp>
@@ -733,7 +733,7 @@
               <a:rPr lang="ru-RU" smtClean="0"/>
               <a:t>‹#›</a:t>
             </a:fld>
-            <a:endParaRPr lang="ru-RU"/>
+            <a:endParaRPr lang="ru-RU" dirty="0"/>
           </a:p>
         </p:txBody>
       </p:sp>
@@ -857,9 +857,9 @@
           <a:p>
             <a:fld id="{0F7B38E9-DBAE-4AA2-BF3B-13DCA674FB12}" type="datetimeFigureOut">
               <a:rPr lang="ru-RU" smtClean="0"/>
-              <a:t>27.11.2023</a:t>
+              <a:t>07.12.2023</a:t>
             </a:fld>
-            <a:endParaRPr lang="ru-RU"/>
+            <a:endParaRPr lang="ru-RU" dirty="0"/>
           </a:p>
         </p:txBody>
       </p:sp>
@@ -878,7 +878,7 @@
           <a:bodyPr/>
           <a:lstStyle/>
           <a:p>
-            <a:endParaRPr lang="ru-RU"/>
+            <a:endParaRPr lang="ru-RU" dirty="0"/>
           </a:p>
         </p:txBody>
       </p:sp>
@@ -901,7 +901,7 @@
               <a:rPr lang="ru-RU" smtClean="0"/>
               <a:t>‹#›</a:t>
             </a:fld>
-            <a:endParaRPr lang="ru-RU"/>
+            <a:endParaRPr lang="ru-RU" dirty="0"/>
           </a:p>
         </p:txBody>
       </p:sp>
@@ -1035,9 +1035,9 @@
           <a:p>
             <a:fld id="{0F7B38E9-DBAE-4AA2-BF3B-13DCA674FB12}" type="datetimeFigureOut">
               <a:rPr lang="ru-RU" smtClean="0"/>
-              <a:t>27.11.2023</a:t>
+              <a:t>07.12.2023</a:t>
             </a:fld>
-            <a:endParaRPr lang="ru-RU"/>
+            <a:endParaRPr lang="ru-RU" dirty="0"/>
           </a:p>
         </p:txBody>
       </p:sp>
@@ -1056,7 +1056,7 @@
           <a:bodyPr/>
           <a:lstStyle/>
           <a:p>
-            <a:endParaRPr lang="ru-RU"/>
+            <a:endParaRPr lang="ru-RU" dirty="0"/>
           </a:p>
         </p:txBody>
       </p:sp>
@@ -1079,7 +1079,7 @@
               <a:rPr lang="ru-RU" smtClean="0"/>
               <a:t>‹#›</a:t>
             </a:fld>
-            <a:endParaRPr lang="ru-RU"/>
+            <a:endParaRPr lang="ru-RU" dirty="0"/>
           </a:p>
         </p:txBody>
       </p:sp>
@@ -1203,9 +1203,9 @@
           <a:p>
             <a:fld id="{0F7B38E9-DBAE-4AA2-BF3B-13DCA674FB12}" type="datetimeFigureOut">
               <a:rPr lang="ru-RU" smtClean="0"/>
-              <a:t>27.11.2023</a:t>
+              <a:t>07.12.2023</a:t>
             </a:fld>
-            <a:endParaRPr lang="ru-RU"/>
+            <a:endParaRPr lang="ru-RU" dirty="0"/>
           </a:p>
         </p:txBody>
       </p:sp>
@@ -1224,7 +1224,7 @@
           <a:bodyPr/>
           <a:lstStyle/>
           <a:p>
-            <a:endParaRPr lang="ru-RU"/>
+            <a:endParaRPr lang="ru-RU" dirty="0"/>
           </a:p>
         </p:txBody>
       </p:sp>
@@ -1247,7 +1247,7 @@
               <a:rPr lang="ru-RU" smtClean="0"/>
               <a:t>‹#›</a:t>
             </a:fld>
-            <a:endParaRPr lang="ru-RU"/>
+            <a:endParaRPr lang="ru-RU" dirty="0"/>
           </a:p>
         </p:txBody>
       </p:sp>
@@ -1448,9 +1448,9 @@
           <a:p>
             <a:fld id="{0F7B38E9-DBAE-4AA2-BF3B-13DCA674FB12}" type="datetimeFigureOut">
               <a:rPr lang="ru-RU" smtClean="0"/>
-              <a:t>27.11.2023</a:t>
+              <a:t>07.12.2023</a:t>
             </a:fld>
-            <a:endParaRPr lang="ru-RU"/>
+            <a:endParaRPr lang="ru-RU" dirty="0"/>
           </a:p>
         </p:txBody>
       </p:sp>
@@ -1469,7 +1469,7 @@
           <a:bodyPr/>
           <a:lstStyle/>
           <a:p>
-            <a:endParaRPr lang="ru-RU"/>
+            <a:endParaRPr lang="ru-RU" dirty="0"/>
           </a:p>
         </p:txBody>
       </p:sp>
@@ -1492,7 +1492,7 @@
               <a:rPr lang="ru-RU" smtClean="0"/>
               <a:t>‹#›</a:t>
             </a:fld>
-            <a:endParaRPr lang="ru-RU"/>
+            <a:endParaRPr lang="ru-RU" dirty="0"/>
           </a:p>
         </p:txBody>
       </p:sp>
@@ -1677,9 +1677,9 @@
           <a:p>
             <a:fld id="{0F7B38E9-DBAE-4AA2-BF3B-13DCA674FB12}" type="datetimeFigureOut">
               <a:rPr lang="ru-RU" smtClean="0"/>
-              <a:t>27.11.2023</a:t>
+              <a:t>07.12.2023</a:t>
             </a:fld>
-            <a:endParaRPr lang="ru-RU"/>
+            <a:endParaRPr lang="ru-RU" dirty="0"/>
           </a:p>
         </p:txBody>
       </p:sp>
@@ -1698,7 +1698,7 @@
           <a:bodyPr/>
           <a:lstStyle/>
           <a:p>
-            <a:endParaRPr lang="ru-RU"/>
+            <a:endParaRPr lang="ru-RU" dirty="0"/>
           </a:p>
         </p:txBody>
       </p:sp>
@@ -1721,7 +1721,7 @@
               <a:rPr lang="ru-RU" smtClean="0"/>
               <a:t>‹#›</a:t>
             </a:fld>
-            <a:endParaRPr lang="ru-RU"/>
+            <a:endParaRPr lang="ru-RU" dirty="0"/>
           </a:p>
         </p:txBody>
       </p:sp>
@@ -2041,9 +2041,9 @@
           <a:p>
             <a:fld id="{0F7B38E9-DBAE-4AA2-BF3B-13DCA674FB12}" type="datetimeFigureOut">
               <a:rPr lang="ru-RU" smtClean="0"/>
-              <a:t>27.11.2023</a:t>
+              <a:t>07.12.2023</a:t>
             </a:fld>
-            <a:endParaRPr lang="ru-RU"/>
+            <a:endParaRPr lang="ru-RU" dirty="0"/>
           </a:p>
         </p:txBody>
       </p:sp>
@@ -2062,7 +2062,7 @@
           <a:bodyPr/>
           <a:lstStyle/>
           <a:p>
-            <a:endParaRPr lang="ru-RU"/>
+            <a:endParaRPr lang="ru-RU" dirty="0"/>
           </a:p>
         </p:txBody>
       </p:sp>
@@ -2085,7 +2085,7 @@
               <a:rPr lang="ru-RU" smtClean="0"/>
               <a:t>‹#›</a:t>
             </a:fld>
-            <a:endParaRPr lang="ru-RU"/>
+            <a:endParaRPr lang="ru-RU" dirty="0"/>
           </a:p>
         </p:txBody>
       </p:sp>
@@ -2158,9 +2158,9 @@
           <a:p>
             <a:fld id="{0F7B38E9-DBAE-4AA2-BF3B-13DCA674FB12}" type="datetimeFigureOut">
               <a:rPr lang="ru-RU" smtClean="0"/>
-              <a:t>27.11.2023</a:t>
+              <a:t>07.12.2023</a:t>
             </a:fld>
-            <a:endParaRPr lang="ru-RU"/>
+            <a:endParaRPr lang="ru-RU" dirty="0"/>
           </a:p>
         </p:txBody>
       </p:sp>
@@ -2179,7 +2179,7 @@
           <a:bodyPr/>
           <a:lstStyle/>
           <a:p>
-            <a:endParaRPr lang="ru-RU"/>
+            <a:endParaRPr lang="ru-RU" dirty="0"/>
           </a:p>
         </p:txBody>
       </p:sp>
@@ -2202,7 +2202,7 @@
               <a:rPr lang="ru-RU" smtClean="0"/>
               <a:t>‹#›</a:t>
             </a:fld>
-            <a:endParaRPr lang="ru-RU"/>
+            <a:endParaRPr lang="ru-RU" dirty="0"/>
           </a:p>
         </p:txBody>
       </p:sp>
@@ -2253,9 +2253,9 @@
           <a:p>
             <a:fld id="{0F7B38E9-DBAE-4AA2-BF3B-13DCA674FB12}" type="datetimeFigureOut">
               <a:rPr lang="ru-RU" smtClean="0"/>
-              <a:t>27.11.2023</a:t>
+              <a:t>07.12.2023</a:t>
             </a:fld>
-            <a:endParaRPr lang="ru-RU"/>
+            <a:endParaRPr lang="ru-RU" dirty="0"/>
           </a:p>
         </p:txBody>
       </p:sp>
@@ -2274,7 +2274,7 @@
           <a:bodyPr/>
           <a:lstStyle/>
           <a:p>
-            <a:endParaRPr lang="ru-RU"/>
+            <a:endParaRPr lang="ru-RU" dirty="0"/>
           </a:p>
         </p:txBody>
       </p:sp>
@@ -2297,7 +2297,7 @@
               <a:rPr lang="ru-RU" smtClean="0"/>
               <a:t>‹#›</a:t>
             </a:fld>
-            <a:endParaRPr lang="ru-RU"/>
+            <a:endParaRPr lang="ru-RU" dirty="0"/>
           </a:p>
         </p:txBody>
       </p:sp>
@@ -2528,9 +2528,9 @@
           <a:p>
             <a:fld id="{0F7B38E9-DBAE-4AA2-BF3B-13DCA674FB12}" type="datetimeFigureOut">
               <a:rPr lang="ru-RU" smtClean="0"/>
-              <a:t>27.11.2023</a:t>
+              <a:t>07.12.2023</a:t>
             </a:fld>
-            <a:endParaRPr lang="ru-RU"/>
+            <a:endParaRPr lang="ru-RU" dirty="0"/>
           </a:p>
         </p:txBody>
       </p:sp>
@@ -2549,7 +2549,7 @@
           <a:bodyPr/>
           <a:lstStyle/>
           <a:p>
-            <a:endParaRPr lang="ru-RU"/>
+            <a:endParaRPr lang="ru-RU" dirty="0"/>
           </a:p>
         </p:txBody>
       </p:sp>
@@ -2572,7 +2572,7 @@
               <a:rPr lang="ru-RU" smtClean="0"/>
               <a:t>‹#›</a:t>
             </a:fld>
-            <a:endParaRPr lang="ru-RU"/>
+            <a:endParaRPr lang="ru-RU" dirty="0"/>
           </a:p>
         </p:txBody>
       </p:sp>
@@ -2694,7 +2694,7 @@
             </a:lvl9pPr>
           </a:lstStyle>
           <a:p>
-            <a:endParaRPr lang="ru-RU"/>
+            <a:endParaRPr lang="ru-RU" dirty="0"/>
           </a:p>
         </p:txBody>
       </p:sp>
@@ -2780,9 +2780,9 @@
           <a:p>
             <a:fld id="{0F7B38E9-DBAE-4AA2-BF3B-13DCA674FB12}" type="datetimeFigureOut">
               <a:rPr lang="ru-RU" smtClean="0"/>
-              <a:t>27.11.2023</a:t>
+              <a:t>07.12.2023</a:t>
             </a:fld>
-            <a:endParaRPr lang="ru-RU"/>
+            <a:endParaRPr lang="ru-RU" dirty="0"/>
           </a:p>
         </p:txBody>
       </p:sp>
@@ -2801,7 +2801,7 @@
           <a:bodyPr/>
           <a:lstStyle/>
           <a:p>
-            <a:endParaRPr lang="ru-RU"/>
+            <a:endParaRPr lang="ru-RU" dirty="0"/>
           </a:p>
         </p:txBody>
       </p:sp>
@@ -2824,7 +2824,7 @@
               <a:rPr lang="ru-RU" smtClean="0"/>
               <a:t>‹#›</a:t>
             </a:fld>
-            <a:endParaRPr lang="ru-RU"/>
+            <a:endParaRPr lang="ru-RU" dirty="0"/>
           </a:p>
         </p:txBody>
       </p:sp>
@@ -2991,9 +2991,9 @@
           <a:p>
             <a:fld id="{0F7B38E9-DBAE-4AA2-BF3B-13DCA674FB12}" type="datetimeFigureOut">
               <a:rPr lang="ru-RU" smtClean="0"/>
-              <a:t>27.11.2023</a:t>
+              <a:t>07.12.2023</a:t>
             </a:fld>
-            <a:endParaRPr lang="ru-RU"/>
+            <a:endParaRPr lang="ru-RU" dirty="0"/>
           </a:p>
         </p:txBody>
       </p:sp>
@@ -3030,7 +3030,7 @@
             </a:lvl1pPr>
           </a:lstStyle>
           <a:p>
-            <a:endParaRPr lang="ru-RU"/>
+            <a:endParaRPr lang="ru-RU" dirty="0"/>
           </a:p>
         </p:txBody>
       </p:sp>
@@ -3071,7 +3071,7 @@
               <a:rPr lang="ru-RU" smtClean="0"/>
               <a:t>‹#›</a:t>
             </a:fld>
-            <a:endParaRPr lang="ru-RU"/>
+            <a:endParaRPr lang="ru-RU" dirty="0"/>
           </a:p>
         </p:txBody>
       </p:sp>
@@ -3449,6 +3449,13 @@
   <p:clrMapOvr>
     <a:masterClrMapping/>
   </p:clrMapOvr>
+  <p:timing>
+    <p:tnLst>
+      <p:par>
+        <p:cTn id="1" dur="indefinite" restart="never" nodeType="tmRoot"/>
+      </p:par>
+    </p:tnLst>
+  </p:timing>
 </p:sld>
 </file>
 
@@ -3508,11 +3515,7 @@
           <a:lstStyle/>
           <a:p>
             <a:r>
-              <a:rPr lang="ru-RU" dirty="0">
-                <a:solidFill>
-                  <a:srgbClr val="FF0000"/>
-                </a:solidFill>
-              </a:rPr>
+              <a:rPr lang="ru-RU" dirty="0"/>
               <a:t>С чего начну как разработчик.</a:t>
             </a:r>
           </a:p>
@@ -3528,6 +3531,13 @@
   <p:clrMapOvr>
     <a:masterClrMapping/>
   </p:clrMapOvr>
+  <p:timing>
+    <p:tnLst>
+      <p:par>
+        <p:cTn id="1" dur="indefinite" restart="never" nodeType="tmRoot"/>
+      </p:par>
+    </p:tnLst>
+  </p:timing>
 </p:sld>
 </file>
 
@@ -3627,6 +3637,13 @@
   <p:clrMapOvr>
     <a:masterClrMapping/>
   </p:clrMapOvr>
+  <p:timing>
+    <p:tnLst>
+      <p:par>
+        <p:cTn id="1" dur="indefinite" restart="never" nodeType="tmRoot"/>
+      </p:par>
+    </p:tnLst>
+  </p:timing>
 </p:sld>
 </file>
 
@@ -3711,14 +3728,7 @@
           <a:p>
             <a:r>
               <a:rPr lang="ru-RU" dirty="0"/>
-              <a:t>Приказ о предоставлении лесного участка в пользование</a:t>
-            </a:r>
-            <a:endParaRPr lang="en-US" dirty="0"/>
-          </a:p>
-          <a:p>
-            <a:r>
-              <a:rPr lang="ru-RU" dirty="0"/>
-              <a:t>Границы (полигон) предоставленного лесного участка</a:t>
+              <a:t>Приказ о предоставлении земельного (лесного) участка в пользование</a:t>
             </a:r>
           </a:p>
         </p:txBody>
@@ -3733,6 +3743,13 @@
   <p:clrMapOvr>
     <a:masterClrMapping/>
   </p:clrMapOvr>
+  <p:timing>
+    <p:tnLst>
+      <p:par>
+        <p:cTn id="1" dur="indefinite" restart="never" nodeType="tmRoot"/>
+      </p:par>
+    </p:tnLst>
+  </p:timing>
 </p:sld>
 </file>
 
@@ -3803,7 +3820,7 @@
           <a:bodyPr/>
           <a:lstStyle/>
           <a:p>
-            <a:endParaRPr lang="ru-RU"/>
+            <a:endParaRPr lang="ru-RU" dirty="0"/>
           </a:p>
         </p:txBody>
       </p:sp>
@@ -3817,6 +3834,13 @@
   <p:clrMapOvr>
     <a:masterClrMapping/>
   </p:clrMapOvr>
+  <p:timing>
+    <p:tnLst>
+      <p:par>
+        <p:cTn id="1" dur="indefinite" restart="never" nodeType="tmRoot"/>
+      </p:par>
+    </p:tnLst>
+  </p:timing>
 </p:sld>
 </file>
 
@@ -3917,6 +3941,13 @@
   <p:clrMapOvr>
     <a:masterClrMapping/>
   </p:clrMapOvr>
+  <p:timing>
+    <p:tnLst>
+      <p:par>
+        <p:cTn id="1" dur="indefinite" restart="never" nodeType="tmRoot"/>
+      </p:par>
+    </p:tnLst>
+  </p:timing>
 </p:sld>
 </file>
 
@@ -3987,7 +4018,7 @@
           <a:bodyPr/>
           <a:lstStyle/>
           <a:p>
-            <a:endParaRPr lang="ru-RU"/>
+            <a:endParaRPr lang="ru-RU" dirty="0"/>
           </a:p>
         </p:txBody>
       </p:sp>
@@ -4031,6 +4062,13 @@
   <p:clrMapOvr>
     <a:masterClrMapping/>
   </p:clrMapOvr>
+  <p:timing>
+    <p:tnLst>
+      <p:par>
+        <p:cTn id="1" dur="indefinite" restart="never" nodeType="tmRoot"/>
+      </p:par>
+    </p:tnLst>
+  </p:timing>
 </p:sld>
 </file>
 
@@ -4077,8 +4115,17 @@
             <a:pPr algn="ctr"/>
             <a:r>
               <a:rPr lang="ru-RU" sz="3600" dirty="0"/>
-              <a:t>Требуемые бизнес процессы для цифровизации</a:t>
-            </a:r>
+              <a:t>Требуемые бизнес процессы для </a:t>
+            </a:r>
+            <a:r>
+              <a:rPr lang="ru-RU" sz="3600" dirty="0" err="1" smtClean="0"/>
+              <a:t>цифровизации</a:t>
+            </a:r>
+            <a:r>
+              <a:rPr lang="ru-RU" sz="3600" dirty="0" smtClean="0"/>
+              <a:t>, частичной автоматизации</a:t>
+            </a:r>
+            <a:endParaRPr lang="ru-RU" sz="3600" dirty="0"/>
           </a:p>
         </p:txBody>
       </p:sp>
@@ -4213,6 +4260,13 @@
   <p:clrMapOvr>
     <a:masterClrMapping/>
   </p:clrMapOvr>
+  <p:timing>
+    <p:tnLst>
+      <p:par>
+        <p:cTn id="1" dur="indefinite" restart="never" nodeType="tmRoot"/>
+      </p:par>
+    </p:tnLst>
+  </p:timing>
 </p:sld>
 </file>
 
@@ -4251,8 +4305,8 @@
         </p:nvSpPr>
         <p:spPr>
           <a:xfrm>
-            <a:off x="240323" y="131544"/>
-            <a:ext cx="11875477" cy="1825625"/>
+            <a:off x="-154124" y="-65772"/>
+            <a:ext cx="12659889" cy="1825625"/>
           </a:xfrm>
         </p:spPr>
         <p:txBody>
@@ -4265,6 +4319,10 @@
             <a:r>
               <a:rPr lang="ru-RU" sz="3600" dirty="0"/>
               <a:t>2. Предоставление гражданам, юридическим лицам лесных участков, находящихся в государственной или муниципальной собственности</a:t>
+            </a:r>
+            <a:r>
+              <a:rPr lang="ru-RU" dirty="0"/>
+              <a:t/>
             </a:r>
             <a:br>
               <a:rPr lang="ru-RU" dirty="0"/>
@@ -4288,7 +4346,7 @@
           <a:bodyPr/>
           <a:lstStyle/>
           <a:p>
-            <a:endParaRPr lang="ru-RU"/>
+            <a:endParaRPr lang="ru-RU" dirty="0"/>
           </a:p>
         </p:txBody>
       </p:sp>
@@ -4300,15 +4358,15 @@
         </p:nvSpPr>
         <p:spPr>
           <a:xfrm>
-            <a:off x="6019800" y="6176963"/>
-            <a:ext cx="6096000" cy="646331"/>
+            <a:off x="10692062" y="4272677"/>
+            <a:ext cx="1503878" cy="2585323"/>
           </a:xfrm>
           <a:prstGeom prst="rect">
             <a:avLst/>
           </a:prstGeom>
         </p:spPr>
         <p:txBody>
-          <a:bodyPr>
+          <a:bodyPr wrap="square">
             <a:spAutoFit/>
           </a:bodyPr>
           <a:lstStyle/>
@@ -4329,7 +4387,7 @@
       </p:sp>
       <p:pic>
         <p:nvPicPr>
-          <p:cNvPr id="9" name="Рисунок 8"/>
+          <p:cNvPr id="6" name="Рисунок 5"/>
           <p:cNvPicPr>
             <a:picLocks noChangeAspect="1"/>
           </p:cNvPicPr>
@@ -4343,8 +4401,8 @@
         </p:blipFill>
         <p:spPr>
           <a:xfrm>
-            <a:off x="98478" y="1670538"/>
-            <a:ext cx="11995043" cy="4506425"/>
+            <a:off x="298938" y="1062742"/>
+            <a:ext cx="10207787" cy="5795258"/>
           </a:xfrm>
           <a:prstGeom prst="rect">
             <a:avLst/>
@@ -4361,6 +4419,13 @@
   <p:clrMapOvr>
     <a:masterClrMapping/>
   </p:clrMapOvr>
+  <p:timing>
+    <p:tnLst>
+      <p:par>
+        <p:cTn id="1" dur="indefinite" restart="never" nodeType="tmRoot"/>
+      </p:par>
+    </p:tnLst>
+  </p:timing>
 </p:sld>
 </file>
 
@@ -4383,13 +4448,7 @@
       </p:grpSpPr>
       <p:sp>
         <p:nvSpPr>
-          <p:cNvPr id="2" name="Заголовок 1">
-            <a:extLst>
-              <a:ext uri="{FF2B5EF4-FFF2-40B4-BE49-F238E27FC236}">
-                <a16:creationId xmlns:a16="http://schemas.microsoft.com/office/drawing/2014/main" id="{3474D2AB-3BFD-4319-99DD-D85F1A7F69C2}"/>
-              </a:ext>
-            </a:extLst>
-          </p:cNvPr>
+          <p:cNvPr id="2" name="Заголовок 1"/>
           <p:cNvSpPr>
             <a:spLocks noGrp="1"/>
           </p:cNvSpPr>
@@ -4402,23 +4461,17 @@
           <a:bodyPr/>
           <a:lstStyle/>
           <a:p>
-            <a:pPr algn="ctr"/>
-            <a:r>
-              <a:rPr lang="ru-RU" dirty="0"/>
-              <a:t>Бизнес процесс состоит из услуг.</a:t>
-            </a:r>
-          </a:p>
-        </p:txBody>
-      </p:sp>
-      <p:sp>
-        <p:nvSpPr>
-          <p:cNvPr id="3" name="Объект 2">
-            <a:extLst>
-              <a:ext uri="{FF2B5EF4-FFF2-40B4-BE49-F238E27FC236}">
-                <a16:creationId xmlns:a16="http://schemas.microsoft.com/office/drawing/2014/main" id="{2C360F3C-B40C-7484-BF80-9A7A1C8A11C5}"/>
-              </a:ext>
-            </a:extLst>
-          </p:cNvPr>
+            <a:r>
+              <a:rPr lang="ru-RU" dirty="0" smtClean="0"/>
+              <a:t>Узкие места бизнес-процесса.</a:t>
+            </a:r>
+            <a:endParaRPr lang="ru-RU" dirty="0"/>
+          </a:p>
+        </p:txBody>
+      </p:sp>
+      <p:sp>
+        <p:nvSpPr>
+          <p:cNvPr id="3" name="Объект 2"/>
           <p:cNvSpPr>
             <a:spLocks noGrp="1"/>
           </p:cNvSpPr>
@@ -4435,40 +4488,10 @@
           </a:p>
         </p:txBody>
       </p:sp>
-      <p:pic>
-        <p:nvPicPr>
-          <p:cNvPr id="5" name="Рисунок 4">
-            <a:extLst>
-              <a:ext uri="{FF2B5EF4-FFF2-40B4-BE49-F238E27FC236}">
-                <a16:creationId xmlns:a16="http://schemas.microsoft.com/office/drawing/2014/main" id="{9DA8D30D-47D4-0CDC-70B1-F3BEA74EF9A5}"/>
-              </a:ext>
-            </a:extLst>
-          </p:cNvPr>
-          <p:cNvPicPr>
-            <a:picLocks noChangeAspect="1"/>
-          </p:cNvPicPr>
-          <p:nvPr/>
-        </p:nvPicPr>
-        <p:blipFill>
-          <a:blip r:embed="rId2"/>
-          <a:stretch>
-            <a:fillRect/>
-          </a:stretch>
-        </p:blipFill>
-        <p:spPr>
-          <a:xfrm>
-            <a:off x="288985" y="1825625"/>
-            <a:ext cx="11374437" cy="4267796"/>
-          </a:xfrm>
-          <a:prstGeom prst="rect">
-            <a:avLst/>
-          </a:prstGeom>
-        </p:spPr>
-      </p:pic>
     </p:spTree>
     <p:extLst>
       <p:ext uri="{BB962C8B-B14F-4D97-AF65-F5344CB8AC3E}">
-        <p14:creationId xmlns:p14="http://schemas.microsoft.com/office/powerpoint/2010/main" val="44624369"/>
+        <p14:creationId xmlns:p14="http://schemas.microsoft.com/office/powerpoint/2010/main" val="463957891"/>
       </p:ext>
     </p:extLst>
   </p:cSld>
@@ -4511,7 +4534,12 @@
             <p:ph type="title"/>
           </p:nvPr>
         </p:nvSpPr>
-        <p:spPr/>
+        <p:spPr>
+          <a:xfrm>
+            <a:off x="838199" y="170249"/>
+            <a:ext cx="10515600" cy="1325563"/>
+          </a:xfrm>
+        </p:spPr>
         <p:txBody>
           <a:bodyPr>
             <a:normAutofit/>
@@ -4520,11 +4548,19 @@
           <a:p>
             <a:pPr algn="ctr"/>
             <a:r>
-              <a:rPr lang="ru-RU" dirty="0"/>
+              <a:rPr lang="ru-RU" dirty="0">
+                <a:solidFill>
+                  <a:srgbClr val="FF0000"/>
+                </a:solidFill>
+              </a:rPr>
               <a:t>Предоставление Государственной услуги в ВИС Лесопользование (как будет</a:t>
             </a:r>
             <a:r>
-              <a:rPr lang="en-US" dirty="0"/>
+              <a:rPr lang="en-US" dirty="0">
+                <a:solidFill>
+                  <a:srgbClr val="FF0000"/>
+                </a:solidFill>
+              </a:rPr>
               <a:t>)</a:t>
             </a:r>
             <a:endParaRPr lang="ru-RU" dirty="0">
@@ -4550,7 +4586,7 @@
           <a:bodyPr/>
           <a:lstStyle/>
           <a:p>
-            <a:endParaRPr lang="ru-RU"/>
+            <a:endParaRPr lang="ru-RU" dirty="0"/>
           </a:p>
         </p:txBody>
       </p:sp>
@@ -4594,6 +4630,13 @@
   <p:clrMapOvr>
     <a:masterClrMapping/>
   </p:clrMapOvr>
+  <p:timing>
+    <p:tnLst>
+      <p:par>
+        <p:cTn id="1" dur="indefinite" restart="never" nodeType="tmRoot"/>
+      </p:par>
+    </p:tnLst>
+  </p:timing>
 </p:sld>
 </file>
 
@@ -4730,6 +4773,13 @@
   <p:clrMapOvr>
     <a:masterClrMapping/>
   </p:clrMapOvr>
+  <p:timing>
+    <p:tnLst>
+      <p:par>
+        <p:cTn id="1" dur="indefinite" restart="never" nodeType="tmRoot"/>
+      </p:par>
+    </p:tnLst>
+  </p:timing>
 </p:sld>
 </file>
 
@@ -4872,6 +4922,13 @@
   <p:clrMapOvr>
     <a:masterClrMapping/>
   </p:clrMapOvr>
+  <p:timing>
+    <p:tnLst>
+      <p:par>
+        <p:cTn id="1" dur="indefinite" restart="never" nodeType="tmRoot"/>
+      </p:par>
+    </p:tnLst>
+  </p:timing>
 </p:sld>
 </file>
 
@@ -4880,7 +4937,7 @@
   <a:themeElements>
     <a:clrScheme name="Стандартная">
       <a:dk1>
-        <a:sysClr val="windowText" lastClr="303030"/>
+        <a:sysClr val="windowText" lastClr="000000"/>
       </a:dk1>
       <a:lt1>
         <a:sysClr val="window" lastClr="FFFFFF"/>
@@ -5141,7 +5198,7 @@
   <a:themeElements>
     <a:clrScheme name="Стандартная">
       <a:dk1>
-        <a:sysClr val="windowText" lastClr="303030"/>
+        <a:sysClr val="windowText" lastClr="000000"/>
       </a:dk1>
       <a:lt1>
         <a:sysClr val="window" lastClr="FFFFFF"/>

--- a/Презентация.pptx
+++ b/Презентация.pptx
@@ -209,7 +209,7 @@
           <a:p>
             <a:fld id="{75F1DFFD-0639-450F-A95D-6BC42EFC6563}" type="datetimeFigureOut">
               <a:rPr lang="ru-RU" smtClean="0"/>
-              <a:t>07.12.2023</a:t>
+              <a:t>11.12.2023</a:t>
             </a:fld>
             <a:endParaRPr lang="ru-RU" dirty="0"/>
           </a:p>
@@ -689,7 +689,7 @@
           <a:p>
             <a:fld id="{0F7B38E9-DBAE-4AA2-BF3B-13DCA674FB12}" type="datetimeFigureOut">
               <a:rPr lang="ru-RU" smtClean="0"/>
-              <a:t>07.12.2023</a:t>
+              <a:t>11.12.2023</a:t>
             </a:fld>
             <a:endParaRPr lang="ru-RU" dirty="0"/>
           </a:p>
@@ -857,7 +857,7 @@
           <a:p>
             <a:fld id="{0F7B38E9-DBAE-4AA2-BF3B-13DCA674FB12}" type="datetimeFigureOut">
               <a:rPr lang="ru-RU" smtClean="0"/>
-              <a:t>07.12.2023</a:t>
+              <a:t>11.12.2023</a:t>
             </a:fld>
             <a:endParaRPr lang="ru-RU" dirty="0"/>
           </a:p>
@@ -1035,7 +1035,7 @@
           <a:p>
             <a:fld id="{0F7B38E9-DBAE-4AA2-BF3B-13DCA674FB12}" type="datetimeFigureOut">
               <a:rPr lang="ru-RU" smtClean="0"/>
-              <a:t>07.12.2023</a:t>
+              <a:t>11.12.2023</a:t>
             </a:fld>
             <a:endParaRPr lang="ru-RU" dirty="0"/>
           </a:p>
@@ -1203,7 +1203,7 @@
           <a:p>
             <a:fld id="{0F7B38E9-DBAE-4AA2-BF3B-13DCA674FB12}" type="datetimeFigureOut">
               <a:rPr lang="ru-RU" smtClean="0"/>
-              <a:t>07.12.2023</a:t>
+              <a:t>11.12.2023</a:t>
             </a:fld>
             <a:endParaRPr lang="ru-RU" dirty="0"/>
           </a:p>
@@ -1448,7 +1448,7 @@
           <a:p>
             <a:fld id="{0F7B38E9-DBAE-4AA2-BF3B-13DCA674FB12}" type="datetimeFigureOut">
               <a:rPr lang="ru-RU" smtClean="0"/>
-              <a:t>07.12.2023</a:t>
+              <a:t>11.12.2023</a:t>
             </a:fld>
             <a:endParaRPr lang="ru-RU" dirty="0"/>
           </a:p>
@@ -1677,7 +1677,7 @@
           <a:p>
             <a:fld id="{0F7B38E9-DBAE-4AA2-BF3B-13DCA674FB12}" type="datetimeFigureOut">
               <a:rPr lang="ru-RU" smtClean="0"/>
-              <a:t>07.12.2023</a:t>
+              <a:t>11.12.2023</a:t>
             </a:fld>
             <a:endParaRPr lang="ru-RU" dirty="0"/>
           </a:p>
@@ -2041,7 +2041,7 @@
           <a:p>
             <a:fld id="{0F7B38E9-DBAE-4AA2-BF3B-13DCA674FB12}" type="datetimeFigureOut">
               <a:rPr lang="ru-RU" smtClean="0"/>
-              <a:t>07.12.2023</a:t>
+              <a:t>11.12.2023</a:t>
             </a:fld>
             <a:endParaRPr lang="ru-RU" dirty="0"/>
           </a:p>
@@ -2158,7 +2158,7 @@
           <a:p>
             <a:fld id="{0F7B38E9-DBAE-4AA2-BF3B-13DCA674FB12}" type="datetimeFigureOut">
               <a:rPr lang="ru-RU" smtClean="0"/>
-              <a:t>07.12.2023</a:t>
+              <a:t>11.12.2023</a:t>
             </a:fld>
             <a:endParaRPr lang="ru-RU" dirty="0"/>
           </a:p>
@@ -2253,7 +2253,7 @@
           <a:p>
             <a:fld id="{0F7B38E9-DBAE-4AA2-BF3B-13DCA674FB12}" type="datetimeFigureOut">
               <a:rPr lang="ru-RU" smtClean="0"/>
-              <a:t>07.12.2023</a:t>
+              <a:t>11.12.2023</a:t>
             </a:fld>
             <a:endParaRPr lang="ru-RU" dirty="0"/>
           </a:p>
@@ -2528,7 +2528,7 @@
           <a:p>
             <a:fld id="{0F7B38E9-DBAE-4AA2-BF3B-13DCA674FB12}" type="datetimeFigureOut">
               <a:rPr lang="ru-RU" smtClean="0"/>
-              <a:t>07.12.2023</a:t>
+              <a:t>11.12.2023</a:t>
             </a:fld>
             <a:endParaRPr lang="ru-RU" dirty="0"/>
           </a:p>
@@ -2780,7 +2780,7 @@
           <a:p>
             <a:fld id="{0F7B38E9-DBAE-4AA2-BF3B-13DCA674FB12}" type="datetimeFigureOut">
               <a:rPr lang="ru-RU" smtClean="0"/>
-              <a:t>07.12.2023</a:t>
+              <a:t>11.12.2023</a:t>
             </a:fld>
             <a:endParaRPr lang="ru-RU" dirty="0"/>
           </a:p>
@@ -2991,7 +2991,7 @@
           <a:p>
             <a:fld id="{0F7B38E9-DBAE-4AA2-BF3B-13DCA674FB12}" type="datetimeFigureOut">
               <a:rPr lang="ru-RU" smtClean="0"/>
-              <a:t>07.12.2023</a:t>
+              <a:t>11.12.2023</a:t>
             </a:fld>
             <a:endParaRPr lang="ru-RU" dirty="0"/>
           </a:p>
@@ -3449,13 +3449,6 @@
   <p:clrMapOvr>
     <a:masterClrMapping/>
   </p:clrMapOvr>
-  <p:timing>
-    <p:tnLst>
-      <p:par>
-        <p:cTn id="1" dur="indefinite" restart="never" nodeType="tmRoot"/>
-      </p:par>
-    </p:tnLst>
-  </p:timing>
 </p:sld>
 </file>
 
@@ -3531,13 +3524,6 @@
   <p:clrMapOvr>
     <a:masterClrMapping/>
   </p:clrMapOvr>
-  <p:timing>
-    <p:tnLst>
-      <p:par>
-        <p:cTn id="1" dur="indefinite" restart="never" nodeType="tmRoot"/>
-      </p:par>
-    </p:tnLst>
-  </p:timing>
 </p:sld>
 </file>
 
@@ -3637,13 +3623,6 @@
   <p:clrMapOvr>
     <a:masterClrMapping/>
   </p:clrMapOvr>
-  <p:timing>
-    <p:tnLst>
-      <p:par>
-        <p:cTn id="1" dur="indefinite" restart="never" nodeType="tmRoot"/>
-      </p:par>
-    </p:tnLst>
-  </p:timing>
 </p:sld>
 </file>
 
@@ -3743,13 +3722,6 @@
   <p:clrMapOvr>
     <a:masterClrMapping/>
   </p:clrMapOvr>
-  <p:timing>
-    <p:tnLst>
-      <p:par>
-        <p:cTn id="1" dur="indefinite" restart="never" nodeType="tmRoot"/>
-      </p:par>
-    </p:tnLst>
-  </p:timing>
 </p:sld>
 </file>
 
@@ -3834,13 +3806,6 @@
   <p:clrMapOvr>
     <a:masterClrMapping/>
   </p:clrMapOvr>
-  <p:timing>
-    <p:tnLst>
-      <p:par>
-        <p:cTn id="1" dur="indefinite" restart="never" nodeType="tmRoot"/>
-      </p:par>
-    </p:tnLst>
-  </p:timing>
 </p:sld>
 </file>
 
@@ -3941,13 +3906,6 @@
   <p:clrMapOvr>
     <a:masterClrMapping/>
   </p:clrMapOvr>
-  <p:timing>
-    <p:tnLst>
-      <p:par>
-        <p:cTn id="1" dur="indefinite" restart="never" nodeType="tmRoot"/>
-      </p:par>
-    </p:tnLst>
-  </p:timing>
 </p:sld>
 </file>
 
@@ -4062,13 +4020,6 @@
   <p:clrMapOvr>
     <a:masterClrMapping/>
   </p:clrMapOvr>
-  <p:timing>
-    <p:tnLst>
-      <p:par>
-        <p:cTn id="1" dur="indefinite" restart="never" nodeType="tmRoot"/>
-      </p:par>
-    </p:tnLst>
-  </p:timing>
 </p:sld>
 </file>
 
@@ -4118,14 +4069,13 @@
               <a:t>Требуемые бизнес процессы для </a:t>
             </a:r>
             <a:r>
-              <a:rPr lang="ru-RU" sz="3600" dirty="0" err="1" smtClean="0"/>
+              <a:rPr lang="ru-RU" sz="3600" dirty="0" err="1"/>
               <a:t>цифровизации</a:t>
             </a:r>
             <a:r>
-              <a:rPr lang="ru-RU" sz="3600" dirty="0" smtClean="0"/>
+              <a:rPr lang="ru-RU" sz="3600" dirty="0"/>
               <a:t>, частичной автоматизации</a:t>
             </a:r>
-            <a:endParaRPr lang="ru-RU" sz="3600" dirty="0"/>
           </a:p>
         </p:txBody>
       </p:sp>
@@ -4260,13 +4210,6 @@
   <p:clrMapOvr>
     <a:masterClrMapping/>
   </p:clrMapOvr>
-  <p:timing>
-    <p:tnLst>
-      <p:par>
-        <p:cTn id="1" dur="indefinite" restart="never" nodeType="tmRoot"/>
-      </p:par>
-    </p:tnLst>
-  </p:timing>
 </p:sld>
 </file>
 
@@ -4319,10 +4262,6 @@
             <a:r>
               <a:rPr lang="ru-RU" sz="3600" dirty="0"/>
               <a:t>2. Предоставление гражданам, юридическим лицам лесных участков, находящихся в государственной или муниципальной собственности</a:t>
-            </a:r>
-            <a:r>
-              <a:rPr lang="ru-RU" dirty="0"/>
-              <a:t/>
             </a:r>
             <a:br>
               <a:rPr lang="ru-RU" dirty="0"/>
@@ -4419,13 +4358,6 @@
   <p:clrMapOvr>
     <a:masterClrMapping/>
   </p:clrMapOvr>
-  <p:timing>
-    <p:tnLst>
-      <p:par>
-        <p:cTn id="1" dur="indefinite" restart="never" nodeType="tmRoot"/>
-      </p:par>
-    </p:tnLst>
-  </p:timing>
 </p:sld>
 </file>
 
@@ -4462,10 +4394,9 @@
           <a:lstStyle/>
           <a:p>
             <a:r>
-              <a:rPr lang="ru-RU" dirty="0" smtClean="0"/>
+              <a:rPr lang="ru-RU" dirty="0"/>
               <a:t>Узкие места бизнес-процесса.</a:t>
             </a:r>
-            <a:endParaRPr lang="ru-RU" dirty="0"/>
           </a:p>
         </p:txBody>
       </p:sp>
@@ -4484,7 +4415,28 @@
           <a:bodyPr/>
           <a:lstStyle/>
           <a:p>
-            <a:endParaRPr lang="ru-RU" dirty="0"/>
+            <a:r>
+              <a:rPr lang="ru-RU" dirty="0"/>
+              <a:t>Подача заявлений,</a:t>
+            </a:r>
+          </a:p>
+          <a:p>
+            <a:r>
+              <a:rPr lang="ru-RU" dirty="0"/>
+              <a:t>Уведомление заявителя,</a:t>
+            </a:r>
+          </a:p>
+          <a:p>
+            <a:r>
+              <a:rPr lang="ru-RU" dirty="0"/>
+              <a:t>Получение кадастрового номера,</a:t>
+            </a:r>
+          </a:p>
+          <a:p>
+            <a:r>
+              <a:rPr lang="ru-RU" dirty="0"/>
+              <a:t>Отслеживание статуса заявления.</a:t>
+            </a:r>
           </a:p>
         </p:txBody>
       </p:sp>
@@ -4630,13 +4582,6 @@
   <p:clrMapOvr>
     <a:masterClrMapping/>
   </p:clrMapOvr>
-  <p:timing>
-    <p:tnLst>
-      <p:par>
-        <p:cTn id="1" dur="indefinite" restart="never" nodeType="tmRoot"/>
-      </p:par>
-    </p:tnLst>
-  </p:timing>
 </p:sld>
 </file>
 
@@ -4722,17 +4667,16 @@
                 <a:effectLst/>
                 <a:ea typeface="Calibri" panose="020F0502020204030204" pitchFamily="34" charset="0"/>
               </a:rPr>
-              <a:t>Сократить время для предоставления услуги и трудозатраты оператора ВИС Лесопользование, путем автоматизации регистрации заявлений и</a:t>
-            </a:r>
-            <a:r>
-              <a:rPr lang="en-US" dirty="0">
+              <a:t>Сократить время для предоставления услуги и трудозатраты</a:t>
+            </a:r>
+            <a:r>
+              <a:rPr lang="ru-RU" dirty="0">
                 <a:solidFill>
                   <a:srgbClr val="303030"/>
                 </a:solidFill>
-                <a:effectLst/>
                 <a:ea typeface="Calibri" panose="020F0502020204030204" pitchFamily="34" charset="0"/>
               </a:rPr>
-              <a:t> </a:t>
+              <a:t> заявителя и</a:t>
             </a:r>
             <a:r>
               <a:rPr lang="ru-RU" dirty="0">
@@ -4742,24 +4686,8 @@
                 <a:effectLst/>
                 <a:ea typeface="Calibri" panose="020F0502020204030204" pitchFamily="34" charset="0"/>
               </a:rPr>
-              <a:t>частичной автоматизации подписания итоговых документов в СЭД ПСО</a:t>
-            </a:r>
-            <a:r>
-              <a:rPr lang="ru-RU" dirty="0">
-                <a:solidFill>
-                  <a:srgbClr val="303030"/>
-                </a:solidFill>
-                <a:ea typeface="Calibri" panose="020F0502020204030204" pitchFamily="34" charset="0"/>
-              </a:rPr>
-              <a:t>.</a:t>
-            </a:r>
-            <a:endParaRPr lang="ru-RU" dirty="0">
-              <a:solidFill>
-                <a:srgbClr val="303030"/>
-              </a:solidFill>
-              <a:effectLst/>
-              <a:ea typeface="Calibri" panose="020F0502020204030204" pitchFamily="34" charset="0"/>
-            </a:endParaRPr>
+              <a:t> оператора ВИС Лесопользование.</a:t>
+            </a:r>
           </a:p>
         </p:txBody>
       </p:sp>
@@ -4773,13 +4701,6 @@
   <p:clrMapOvr>
     <a:masterClrMapping/>
   </p:clrMapOvr>
-  <p:timing>
-    <p:tnLst>
-      <p:par>
-        <p:cTn id="1" dur="indefinite" restart="never" nodeType="tmRoot"/>
-      </p:par>
-    </p:tnLst>
-  </p:timing>
 </p:sld>
 </file>
 
@@ -4864,12 +4785,23 @@
           </a:bodyPr>
           <a:lstStyle/>
           <a:p>
-            <a:pPr marL="0" indent="0">
-              <a:buNone/>
+            <a:pPr marL="514350" indent="-514350">
+              <a:buFont typeface="+mj-lt"/>
+              <a:buAutoNum type="arabicPeriod"/>
             </a:pPr>
             <a:r>
               <a:rPr lang="ru-RU" dirty="0"/>
-              <a:t>1. Спроектировать структуру базы данных ВИС Лесопользования Свердловской Области</a:t>
+              <a:t>Изучить описание объекта закупки,</a:t>
+            </a:r>
+          </a:p>
+          <a:p>
+            <a:pPr marL="514350" indent="-514350">
+              <a:buFont typeface="+mj-lt"/>
+              <a:buAutoNum type="arabicPeriod"/>
+            </a:pPr>
+            <a:r>
+              <a:rPr lang="ru-RU" dirty="0"/>
+              <a:t>Спроектировать структуру базы данных</a:t>
             </a:r>
             <a:r>
               <a:rPr lang="en-US" dirty="0"/>
@@ -4881,33 +4813,48 @@
             </a:r>
           </a:p>
           <a:p>
-            <a:pPr marL="0" indent="0">
-              <a:buNone/>
+            <a:pPr marL="514350" indent="-514350">
+              <a:buFont typeface="+mj-lt"/>
+              <a:buAutoNum type="arabicPeriod"/>
             </a:pPr>
             <a:r>
               <a:rPr lang="ru-RU" dirty="0"/>
-              <a:t>2. Изучить структуру сообщений для отправки в СЭД ПСО.</a:t>
-            </a:r>
-          </a:p>
-          <a:p>
-            <a:pPr marL="0" indent="0">
-              <a:buNone/>
+              <a:t>Создать схему базы данных.</a:t>
+            </a:r>
+          </a:p>
+          <a:p>
+            <a:pPr marL="514350" indent="-514350">
+              <a:buFont typeface="+mj-lt"/>
+              <a:buAutoNum type="arabicPeriod"/>
             </a:pPr>
             <a:r>
               <a:rPr lang="ru-RU" dirty="0"/>
-              <a:t>3. Спроектировать интеграционный сервис.</a:t>
-            </a:r>
-          </a:p>
-          <a:p>
-            <a:pPr marL="0" indent="0">
-              <a:buNone/>
+              <a:t>Спроектировать серверное приложение</a:t>
+            </a:r>
+            <a:r>
+              <a:rPr lang="en-US" dirty="0"/>
+              <a:t>, </a:t>
+            </a:r>
+            <a:r>
+              <a:rPr lang="ru-RU" dirty="0"/>
+              <a:t>совместно с другими участниками команды</a:t>
+            </a:r>
+          </a:p>
+          <a:p>
+            <a:pPr marL="514350" indent="-514350">
+              <a:buFont typeface="+mj-lt"/>
+              <a:buAutoNum type="arabicPeriod"/>
             </a:pPr>
             <a:r>
               <a:rPr lang="ru-RU" dirty="0"/>
-              <a:t>4. Реализовать интеграционный  сервис.</a:t>
-            </a:r>
-          </a:p>
-          <a:p>
+              <a:t>Реализовать серверное приложение.</a:t>
+            </a:r>
+          </a:p>
+          <a:p>
+            <a:pPr marL="514350" indent="-514350">
+              <a:buFont typeface="+mj-lt"/>
+              <a:buAutoNum type="arabicPeriod"/>
+            </a:pPr>
             <a:endParaRPr lang="ru-RU" dirty="0"/>
           </a:p>
         </p:txBody>
@@ -4922,13 +4869,6 @@
   <p:clrMapOvr>
     <a:masterClrMapping/>
   </p:clrMapOvr>
-  <p:timing>
-    <p:tnLst>
-      <p:par>
-        <p:cTn id="1" dur="indefinite" restart="never" nodeType="tmRoot"/>
-      </p:par>
-    </p:tnLst>
-  </p:timing>
 </p:sld>
 </file>
 
@@ -4937,7 +4877,7 @@
   <a:themeElements>
     <a:clrScheme name="Стандартная">
       <a:dk1>
-        <a:sysClr val="windowText" lastClr="000000"/>
+        <a:sysClr val="windowText" lastClr="303030"/>
       </a:dk1>
       <a:lt1>
         <a:sysClr val="window" lastClr="FFFFFF"/>
@@ -5198,7 +5138,7 @@
   <a:themeElements>
     <a:clrScheme name="Стандартная">
       <a:dk1>
-        <a:sysClr val="windowText" lastClr="000000"/>
+        <a:sysClr val="windowText" lastClr="303030"/>
       </a:dk1>
       <a:lt1>
         <a:sysClr val="window" lastClr="FFFFFF"/>

--- a/Презентация.pptx
+++ b/Презентация.pptx
@@ -209,7 +209,7 @@
           <a:p>
             <a:fld id="{75F1DFFD-0639-450F-A95D-6BC42EFC6563}" type="datetimeFigureOut">
               <a:rPr lang="ru-RU" smtClean="0"/>
-              <a:t>11.12.2023</a:t>
+              <a:t>08.12.2023</a:t>
             </a:fld>
             <a:endParaRPr lang="ru-RU" dirty="0"/>
           </a:p>
@@ -689,7 +689,7 @@
           <a:p>
             <a:fld id="{0F7B38E9-DBAE-4AA2-BF3B-13DCA674FB12}" type="datetimeFigureOut">
               <a:rPr lang="ru-RU" smtClean="0"/>
-              <a:t>11.12.2023</a:t>
+              <a:t>08.12.2023</a:t>
             </a:fld>
             <a:endParaRPr lang="ru-RU" dirty="0"/>
           </a:p>
@@ -857,7 +857,7 @@
           <a:p>
             <a:fld id="{0F7B38E9-DBAE-4AA2-BF3B-13DCA674FB12}" type="datetimeFigureOut">
               <a:rPr lang="ru-RU" smtClean="0"/>
-              <a:t>11.12.2023</a:t>
+              <a:t>08.12.2023</a:t>
             </a:fld>
             <a:endParaRPr lang="ru-RU" dirty="0"/>
           </a:p>
@@ -1035,7 +1035,7 @@
           <a:p>
             <a:fld id="{0F7B38E9-DBAE-4AA2-BF3B-13DCA674FB12}" type="datetimeFigureOut">
               <a:rPr lang="ru-RU" smtClean="0"/>
-              <a:t>11.12.2023</a:t>
+              <a:t>08.12.2023</a:t>
             </a:fld>
             <a:endParaRPr lang="ru-RU" dirty="0"/>
           </a:p>
@@ -1203,7 +1203,7 @@
           <a:p>
             <a:fld id="{0F7B38E9-DBAE-4AA2-BF3B-13DCA674FB12}" type="datetimeFigureOut">
               <a:rPr lang="ru-RU" smtClean="0"/>
-              <a:t>11.12.2023</a:t>
+              <a:t>08.12.2023</a:t>
             </a:fld>
             <a:endParaRPr lang="ru-RU" dirty="0"/>
           </a:p>
@@ -1448,7 +1448,7 @@
           <a:p>
             <a:fld id="{0F7B38E9-DBAE-4AA2-BF3B-13DCA674FB12}" type="datetimeFigureOut">
               <a:rPr lang="ru-RU" smtClean="0"/>
-              <a:t>11.12.2023</a:t>
+              <a:t>08.12.2023</a:t>
             </a:fld>
             <a:endParaRPr lang="ru-RU" dirty="0"/>
           </a:p>
@@ -1677,7 +1677,7 @@
           <a:p>
             <a:fld id="{0F7B38E9-DBAE-4AA2-BF3B-13DCA674FB12}" type="datetimeFigureOut">
               <a:rPr lang="ru-RU" smtClean="0"/>
-              <a:t>11.12.2023</a:t>
+              <a:t>08.12.2023</a:t>
             </a:fld>
             <a:endParaRPr lang="ru-RU" dirty="0"/>
           </a:p>
@@ -2041,7 +2041,7 @@
           <a:p>
             <a:fld id="{0F7B38E9-DBAE-4AA2-BF3B-13DCA674FB12}" type="datetimeFigureOut">
               <a:rPr lang="ru-RU" smtClean="0"/>
-              <a:t>11.12.2023</a:t>
+              <a:t>08.12.2023</a:t>
             </a:fld>
             <a:endParaRPr lang="ru-RU" dirty="0"/>
           </a:p>
@@ -2158,7 +2158,7 @@
           <a:p>
             <a:fld id="{0F7B38E9-DBAE-4AA2-BF3B-13DCA674FB12}" type="datetimeFigureOut">
               <a:rPr lang="ru-RU" smtClean="0"/>
-              <a:t>11.12.2023</a:t>
+              <a:t>08.12.2023</a:t>
             </a:fld>
             <a:endParaRPr lang="ru-RU" dirty="0"/>
           </a:p>
@@ -2253,7 +2253,7 @@
           <a:p>
             <a:fld id="{0F7B38E9-DBAE-4AA2-BF3B-13DCA674FB12}" type="datetimeFigureOut">
               <a:rPr lang="ru-RU" smtClean="0"/>
-              <a:t>11.12.2023</a:t>
+              <a:t>08.12.2023</a:t>
             </a:fld>
             <a:endParaRPr lang="ru-RU" dirty="0"/>
           </a:p>
@@ -2528,7 +2528,7 @@
           <a:p>
             <a:fld id="{0F7B38E9-DBAE-4AA2-BF3B-13DCA674FB12}" type="datetimeFigureOut">
               <a:rPr lang="ru-RU" smtClean="0"/>
-              <a:t>11.12.2023</a:t>
+              <a:t>08.12.2023</a:t>
             </a:fld>
             <a:endParaRPr lang="ru-RU" dirty="0"/>
           </a:p>
@@ -2780,7 +2780,7 @@
           <a:p>
             <a:fld id="{0F7B38E9-DBAE-4AA2-BF3B-13DCA674FB12}" type="datetimeFigureOut">
               <a:rPr lang="ru-RU" smtClean="0"/>
-              <a:t>11.12.2023</a:t>
+              <a:t>08.12.2023</a:t>
             </a:fld>
             <a:endParaRPr lang="ru-RU" dirty="0"/>
           </a:p>
@@ -2991,7 +2991,7 @@
           <a:p>
             <a:fld id="{0F7B38E9-DBAE-4AA2-BF3B-13DCA674FB12}" type="datetimeFigureOut">
               <a:rPr lang="ru-RU" smtClean="0"/>
-              <a:t>11.12.2023</a:t>
+              <a:t>08.12.2023</a:t>
             </a:fld>
             <a:endParaRPr lang="ru-RU" dirty="0"/>
           </a:p>
@@ -3449,6 +3449,13 @@
   <p:clrMapOvr>
     <a:masterClrMapping/>
   </p:clrMapOvr>
+  <p:timing>
+    <p:tnLst>
+      <p:par>
+        <p:cTn id="1" dur="indefinite" restart="never" nodeType="tmRoot"/>
+      </p:par>
+    </p:tnLst>
+  </p:timing>
 </p:sld>
 </file>
 
@@ -3524,6 +3531,13 @@
   <p:clrMapOvr>
     <a:masterClrMapping/>
   </p:clrMapOvr>
+  <p:timing>
+    <p:tnLst>
+      <p:par>
+        <p:cTn id="1" dur="indefinite" restart="never" nodeType="tmRoot"/>
+      </p:par>
+    </p:tnLst>
+  </p:timing>
 </p:sld>
 </file>
 
@@ -3623,6 +3637,13 @@
   <p:clrMapOvr>
     <a:masterClrMapping/>
   </p:clrMapOvr>
+  <p:timing>
+    <p:tnLst>
+      <p:par>
+        <p:cTn id="1" dur="indefinite" restart="never" nodeType="tmRoot"/>
+      </p:par>
+    </p:tnLst>
+  </p:timing>
 </p:sld>
 </file>
 
@@ -3722,6 +3743,13 @@
   <p:clrMapOvr>
     <a:masterClrMapping/>
   </p:clrMapOvr>
+  <p:timing>
+    <p:tnLst>
+      <p:par>
+        <p:cTn id="1" dur="indefinite" restart="never" nodeType="tmRoot"/>
+      </p:par>
+    </p:tnLst>
+  </p:timing>
 </p:sld>
 </file>
 
@@ -3806,6 +3834,13 @@
   <p:clrMapOvr>
     <a:masterClrMapping/>
   </p:clrMapOvr>
+  <p:timing>
+    <p:tnLst>
+      <p:par>
+        <p:cTn id="1" dur="indefinite" restart="never" nodeType="tmRoot"/>
+      </p:par>
+    </p:tnLst>
+  </p:timing>
 </p:sld>
 </file>
 
@@ -3906,6 +3941,13 @@
   <p:clrMapOvr>
     <a:masterClrMapping/>
   </p:clrMapOvr>
+  <p:timing>
+    <p:tnLst>
+      <p:par>
+        <p:cTn id="1" dur="indefinite" restart="never" nodeType="tmRoot"/>
+      </p:par>
+    </p:tnLst>
+  </p:timing>
 </p:sld>
 </file>
 
@@ -4020,6 +4062,13 @@
   <p:clrMapOvr>
     <a:masterClrMapping/>
   </p:clrMapOvr>
+  <p:timing>
+    <p:tnLst>
+      <p:par>
+        <p:cTn id="1" dur="indefinite" restart="never" nodeType="tmRoot"/>
+      </p:par>
+    </p:tnLst>
+  </p:timing>
 </p:sld>
 </file>
 
@@ -4069,13 +4118,14 @@
               <a:t>Требуемые бизнес процессы для </a:t>
             </a:r>
             <a:r>
-              <a:rPr lang="ru-RU" sz="3600" dirty="0" err="1"/>
+              <a:rPr lang="ru-RU" sz="3600" dirty="0" err="1" smtClean="0"/>
               <a:t>цифровизации</a:t>
             </a:r>
             <a:r>
-              <a:rPr lang="ru-RU" sz="3600" dirty="0"/>
+              <a:rPr lang="ru-RU" sz="3600" dirty="0" smtClean="0"/>
               <a:t>, частичной автоматизации</a:t>
             </a:r>
+            <a:endParaRPr lang="ru-RU" sz="3600" dirty="0"/>
           </a:p>
         </p:txBody>
       </p:sp>
@@ -4210,6 +4260,13 @@
   <p:clrMapOvr>
     <a:masterClrMapping/>
   </p:clrMapOvr>
+  <p:timing>
+    <p:tnLst>
+      <p:par>
+        <p:cTn id="1" dur="indefinite" restart="never" nodeType="tmRoot"/>
+      </p:par>
+    </p:tnLst>
+  </p:timing>
 </p:sld>
 </file>
 
@@ -4262,6 +4319,10 @@
             <a:r>
               <a:rPr lang="ru-RU" sz="3600" dirty="0"/>
               <a:t>2. Предоставление гражданам, юридическим лицам лесных участков, находящихся в государственной или муниципальной собственности</a:t>
+            </a:r>
+            <a:r>
+              <a:rPr lang="ru-RU" dirty="0"/>
+              <a:t/>
             </a:r>
             <a:br>
               <a:rPr lang="ru-RU" dirty="0"/>
@@ -4358,6 +4419,13 @@
   <p:clrMapOvr>
     <a:masterClrMapping/>
   </p:clrMapOvr>
+  <p:timing>
+    <p:tnLst>
+      <p:par>
+        <p:cTn id="1" dur="indefinite" restart="never" nodeType="tmRoot"/>
+      </p:par>
+    </p:tnLst>
+  </p:timing>
 </p:sld>
 </file>
 
@@ -4394,9 +4462,10 @@
           <a:lstStyle/>
           <a:p>
             <a:r>
-              <a:rPr lang="ru-RU" dirty="0"/>
+              <a:rPr lang="ru-RU" dirty="0" smtClean="0"/>
               <a:t>Узкие места бизнес-процесса.</a:t>
             </a:r>
+            <a:endParaRPr lang="ru-RU" dirty="0"/>
           </a:p>
         </p:txBody>
       </p:sp>
@@ -4415,28 +4484,37 @@
           <a:bodyPr/>
           <a:lstStyle/>
           <a:p>
-            <a:r>
-              <a:rPr lang="ru-RU" dirty="0"/>
+            <a:pPr marL="514350" indent="-514350">
+              <a:buFont typeface="+mj-lt"/>
+              <a:buAutoNum type="arabicPeriod"/>
+            </a:pPr>
+            <a:r>
+              <a:rPr lang="ru-RU" dirty="0" smtClean="0"/>
               <a:t>Подача заявлений,</a:t>
             </a:r>
           </a:p>
           <a:p>
-            <a:r>
-              <a:rPr lang="ru-RU" dirty="0"/>
-              <a:t>Уведомление заявителя,</a:t>
-            </a:r>
-          </a:p>
-          <a:p>
-            <a:r>
-              <a:rPr lang="ru-RU" dirty="0"/>
-              <a:t>Получение кадастрового номера,</a:t>
-            </a:r>
-          </a:p>
-          <a:p>
-            <a:r>
-              <a:rPr lang="ru-RU" dirty="0"/>
-              <a:t>Отслеживание статуса заявления.</a:t>
-            </a:r>
+            <a:pPr marL="514350" indent="-514350">
+              <a:buFont typeface="+mj-lt"/>
+              <a:buAutoNum type="arabicPeriod"/>
+            </a:pPr>
+            <a:r>
+              <a:rPr lang="ru-RU" dirty="0" smtClean="0"/>
+              <a:t>Отслеживание статусов заявлений,</a:t>
+            </a:r>
+          </a:p>
+          <a:p>
+            <a:pPr marL="514350" indent="-514350">
+              <a:buFont typeface="+mj-lt"/>
+              <a:buAutoNum type="arabicPeriod"/>
+            </a:pPr>
+            <a:r>
+              <a:rPr lang="ru-RU" dirty="0" smtClean="0"/>
+              <a:t>Уведомление заявителя.</a:t>
+            </a:r>
+          </a:p>
+          <a:p>
+            <a:endParaRPr lang="ru-RU" dirty="0"/>
           </a:p>
         </p:txBody>
       </p:sp>
@@ -4582,6 +4660,13 @@
   <p:clrMapOvr>
     <a:masterClrMapping/>
   </p:clrMapOvr>
+  <p:timing>
+    <p:tnLst>
+      <p:par>
+        <p:cTn id="1" dur="indefinite" restart="never" nodeType="tmRoot"/>
+      </p:par>
+    </p:tnLst>
+  </p:timing>
 </p:sld>
 </file>
 
@@ -4667,16 +4752,17 @@
                 <a:effectLst/>
                 <a:ea typeface="Calibri" panose="020F0502020204030204" pitchFamily="34" charset="0"/>
               </a:rPr>
-              <a:t>Сократить время для предоставления услуги и трудозатраты</a:t>
-            </a:r>
-            <a:r>
-              <a:rPr lang="ru-RU" dirty="0">
+              <a:t>Сократить время для предоставления услуги и трудозатраты оператора ВИС </a:t>
+            </a:r>
+            <a:r>
+              <a:rPr lang="ru-RU" dirty="0" smtClean="0">
                 <a:solidFill>
                   <a:srgbClr val="303030"/>
                 </a:solidFill>
+                <a:effectLst/>
                 <a:ea typeface="Calibri" panose="020F0502020204030204" pitchFamily="34" charset="0"/>
               </a:rPr>
-              <a:t> заявителя и</a:t>
+              <a:t>Лесопользование, </a:t>
             </a:r>
             <a:r>
               <a:rPr lang="ru-RU" dirty="0">
@@ -4686,8 +4772,44 @@
                 <a:effectLst/>
                 <a:ea typeface="Calibri" panose="020F0502020204030204" pitchFamily="34" charset="0"/>
               </a:rPr>
-              <a:t> оператора ВИС Лесопользование.</a:t>
-            </a:r>
+              <a:t>путем автоматизации регистрации заявлений и</a:t>
+            </a:r>
+            <a:r>
+              <a:rPr lang="en-US" dirty="0">
+                <a:solidFill>
+                  <a:srgbClr val="303030"/>
+                </a:solidFill>
+                <a:effectLst/>
+                <a:ea typeface="Calibri" panose="020F0502020204030204" pitchFamily="34" charset="0"/>
+              </a:rPr>
+              <a:t> </a:t>
+            </a:r>
+            <a:r>
+              <a:rPr lang="ru-RU" dirty="0">
+                <a:solidFill>
+                  <a:srgbClr val="303030"/>
+                </a:solidFill>
+                <a:effectLst/>
+                <a:ea typeface="Calibri" panose="020F0502020204030204" pitchFamily="34" charset="0"/>
+              </a:rPr>
+              <a:t>частичной автоматизации подписания итоговых документов в СЭД ПСО</a:t>
+            </a:r>
+            <a:r>
+              <a:rPr lang="ru-RU" dirty="0">
+                <a:solidFill>
+                  <a:srgbClr val="303030"/>
+                </a:solidFill>
+                <a:ea typeface="Calibri" panose="020F0502020204030204" pitchFamily="34" charset="0"/>
+              </a:rPr>
+              <a:t>.</a:t>
+            </a:r>
+            <a:endParaRPr lang="ru-RU" dirty="0">
+              <a:solidFill>
+                <a:srgbClr val="303030"/>
+              </a:solidFill>
+              <a:effectLst/>
+              <a:ea typeface="Calibri" panose="020F0502020204030204" pitchFamily="34" charset="0"/>
+            </a:endParaRPr>
           </a:p>
         </p:txBody>
       </p:sp>
@@ -4701,6 +4823,13 @@
   <p:clrMapOvr>
     <a:masterClrMapping/>
   </p:clrMapOvr>
+  <p:timing>
+    <p:tnLst>
+      <p:par>
+        <p:cTn id="1" dur="indefinite" restart="never" nodeType="tmRoot"/>
+      </p:par>
+    </p:tnLst>
+  </p:timing>
 </p:sld>
 </file>
 
@@ -4785,23 +4914,12 @@
           </a:bodyPr>
           <a:lstStyle/>
           <a:p>
-            <a:pPr marL="514350" indent="-514350">
-              <a:buFont typeface="+mj-lt"/>
-              <a:buAutoNum type="arabicPeriod"/>
+            <a:pPr marL="0" indent="0">
+              <a:buNone/>
             </a:pPr>
             <a:r>
               <a:rPr lang="ru-RU" dirty="0"/>
-              <a:t>Изучить описание объекта закупки,</a:t>
-            </a:r>
-          </a:p>
-          <a:p>
-            <a:pPr marL="514350" indent="-514350">
-              <a:buFont typeface="+mj-lt"/>
-              <a:buAutoNum type="arabicPeriod"/>
-            </a:pPr>
-            <a:r>
-              <a:rPr lang="ru-RU" dirty="0"/>
-              <a:t>Спроектировать структуру базы данных</a:t>
+              <a:t>1. Спроектировать структуру базы данных ВИС Лесопользования Свердловской Области</a:t>
             </a:r>
             <a:r>
               <a:rPr lang="en-US" dirty="0"/>
@@ -4813,48 +4931,33 @@
             </a:r>
           </a:p>
           <a:p>
-            <a:pPr marL="514350" indent="-514350">
-              <a:buFont typeface="+mj-lt"/>
-              <a:buAutoNum type="arabicPeriod"/>
+            <a:pPr marL="0" indent="0">
+              <a:buNone/>
             </a:pPr>
             <a:r>
               <a:rPr lang="ru-RU" dirty="0"/>
-              <a:t>Создать схему базы данных.</a:t>
-            </a:r>
-          </a:p>
-          <a:p>
-            <a:pPr marL="514350" indent="-514350">
-              <a:buFont typeface="+mj-lt"/>
-              <a:buAutoNum type="arabicPeriod"/>
+              <a:t>2. Изучить структуру сообщений для отправки в СЭД ПСО.</a:t>
+            </a:r>
+          </a:p>
+          <a:p>
+            <a:pPr marL="0" indent="0">
+              <a:buNone/>
             </a:pPr>
             <a:r>
               <a:rPr lang="ru-RU" dirty="0"/>
-              <a:t>Спроектировать серверное приложение</a:t>
-            </a:r>
-            <a:r>
-              <a:rPr lang="en-US" dirty="0"/>
-              <a:t>, </a:t>
-            </a:r>
+              <a:t>3. Спроектировать интеграционный сервис.</a:t>
+            </a:r>
+          </a:p>
+          <a:p>
+            <a:pPr marL="0" indent="0">
+              <a:buNone/>
+            </a:pPr>
             <a:r>
               <a:rPr lang="ru-RU" dirty="0"/>
-              <a:t>совместно с другими участниками команды</a:t>
-            </a:r>
-          </a:p>
-          <a:p>
-            <a:pPr marL="514350" indent="-514350">
-              <a:buFont typeface="+mj-lt"/>
-              <a:buAutoNum type="arabicPeriod"/>
-            </a:pPr>
-            <a:r>
-              <a:rPr lang="ru-RU" dirty="0"/>
-              <a:t>Реализовать серверное приложение.</a:t>
-            </a:r>
-          </a:p>
-          <a:p>
-            <a:pPr marL="514350" indent="-514350">
-              <a:buFont typeface="+mj-lt"/>
-              <a:buAutoNum type="arabicPeriod"/>
-            </a:pPr>
+              <a:t>4. Реализовать интеграционный  сервис.</a:t>
+            </a:r>
+          </a:p>
+          <a:p>
             <a:endParaRPr lang="ru-RU" dirty="0"/>
           </a:p>
         </p:txBody>
@@ -4869,6 +4972,13 @@
   <p:clrMapOvr>
     <a:masterClrMapping/>
   </p:clrMapOvr>
+  <p:timing>
+    <p:tnLst>
+      <p:par>
+        <p:cTn id="1" dur="indefinite" restart="never" nodeType="tmRoot"/>
+      </p:par>
+    </p:tnLst>
+  </p:timing>
 </p:sld>
 </file>
 
@@ -4877,7 +4987,7 @@
   <a:themeElements>
     <a:clrScheme name="Стандартная">
       <a:dk1>
-        <a:sysClr val="windowText" lastClr="303030"/>
+        <a:sysClr val="windowText" lastClr="000000"/>
       </a:dk1>
       <a:lt1>
         <a:sysClr val="window" lastClr="FFFFFF"/>
@@ -5138,7 +5248,7 @@
   <a:themeElements>
     <a:clrScheme name="Стандартная">
       <a:dk1>
-        <a:sysClr val="windowText" lastClr="303030"/>
+        <a:sysClr val="windowText" lastClr="000000"/>
       </a:dk1>
       <a:lt1>
         <a:sysClr val="window" lastClr="FFFFFF"/>

--- a/Презентация.pptx
+++ b/Презентация.pptx
@@ -13,8 +13,8 @@
     <p:sldId id="269" r:id="rId4"/>
     <p:sldId id="268" r:id="rId5"/>
     <p:sldId id="266" r:id="rId6"/>
-    <p:sldId id="272" r:id="rId7"/>
-    <p:sldId id="265" r:id="rId8"/>
+    <p:sldId id="273" r:id="rId7"/>
+    <p:sldId id="272" r:id="rId8"/>
     <p:sldId id="258" r:id="rId9"/>
     <p:sldId id="259" r:id="rId10"/>
     <p:sldId id="267" r:id="rId11"/>
@@ -209,7 +209,7 @@
           <a:p>
             <a:fld id="{75F1DFFD-0639-450F-A95D-6BC42EFC6563}" type="datetimeFigureOut">
               <a:rPr lang="ru-RU" smtClean="0"/>
-              <a:t>08.12.2023</a:t>
+              <a:t>15.12.2023</a:t>
             </a:fld>
             <a:endParaRPr lang="ru-RU" dirty="0"/>
           </a:p>
@@ -476,90 +476,6 @@
 </p:notesMaster>
 </file>
 
-<file path=ppt/notesSlides/notesSlide1.xml><?xml version="1.0" encoding="utf-8"?>
-<p:notes xmlns:a="http://schemas.openxmlformats.org/drawingml/2006/main" xmlns:r="http://schemas.openxmlformats.org/officeDocument/2006/relationships" xmlns:p="http://schemas.openxmlformats.org/presentationml/2006/main">
-  <p:cSld>
-    <p:spTree>
-      <p:nvGrpSpPr>
-        <p:cNvPr id="1" name=""/>
-        <p:cNvGrpSpPr/>
-        <p:nvPr/>
-      </p:nvGrpSpPr>
-      <p:grpSpPr>
-        <a:xfrm>
-          <a:off x="0" y="0"/>
-          <a:ext cx="0" cy="0"/>
-          <a:chOff x="0" y="0"/>
-          <a:chExt cx="0" cy="0"/>
-        </a:xfrm>
-      </p:grpSpPr>
-      <p:sp>
-        <p:nvSpPr>
-          <p:cNvPr id="2" name="Образ слайда 1"/>
-          <p:cNvSpPr>
-            <a:spLocks noGrp="1" noRot="1" noChangeAspect="1"/>
-          </p:cNvSpPr>
-          <p:nvPr>
-            <p:ph type="sldImg"/>
-          </p:nvPr>
-        </p:nvSpPr>
-        <p:spPr/>
-      </p:sp>
-      <p:sp>
-        <p:nvSpPr>
-          <p:cNvPr id="3" name="Заметки 2"/>
-          <p:cNvSpPr>
-            <a:spLocks noGrp="1"/>
-          </p:cNvSpPr>
-          <p:nvPr>
-            <p:ph type="body" idx="1"/>
-          </p:nvPr>
-        </p:nvSpPr>
-        <p:spPr/>
-        <p:txBody>
-          <a:bodyPr/>
-          <a:lstStyle/>
-          <a:p>
-            <a:endParaRPr lang="ru-RU" dirty="0"/>
-          </a:p>
-        </p:txBody>
-      </p:sp>
-      <p:sp>
-        <p:nvSpPr>
-          <p:cNvPr id="4" name="Номер слайда 3"/>
-          <p:cNvSpPr>
-            <a:spLocks noGrp="1"/>
-          </p:cNvSpPr>
-          <p:nvPr>
-            <p:ph type="sldNum" sz="quarter" idx="5"/>
-          </p:nvPr>
-        </p:nvSpPr>
-        <p:spPr/>
-        <p:txBody>
-          <a:bodyPr/>
-          <a:lstStyle/>
-          <a:p>
-            <a:fld id="{E4E6046D-0659-4115-95D0-506687AD1516}" type="slidenum">
-              <a:rPr lang="ru-RU" smtClean="0"/>
-              <a:t>7</a:t>
-            </a:fld>
-            <a:endParaRPr lang="ru-RU" dirty="0"/>
-          </a:p>
-        </p:txBody>
-      </p:sp>
-    </p:spTree>
-    <p:extLst>
-      <p:ext uri="{BB962C8B-B14F-4D97-AF65-F5344CB8AC3E}">
-        <p14:creationId xmlns:p14="http://schemas.microsoft.com/office/powerpoint/2010/main" val="3543799578"/>
-      </p:ext>
-    </p:extLst>
-  </p:cSld>
-  <p:clrMapOvr>
-    <a:masterClrMapping/>
-  </p:clrMapOvr>
-</p:notes>
-</file>
-
 <file path=ppt/slideLayouts/slideLayout1.xml><?xml version="1.0" encoding="utf-8"?>
 <p:sldLayout xmlns:a="http://schemas.openxmlformats.org/drawingml/2006/main" xmlns:r="http://schemas.openxmlformats.org/officeDocument/2006/relationships" xmlns:p="http://schemas.openxmlformats.org/presentationml/2006/main" type="title" preserve="1">
   <p:cSld name="Титульный слайд">
@@ -689,7 +605,7 @@
           <a:p>
             <a:fld id="{0F7B38E9-DBAE-4AA2-BF3B-13DCA674FB12}" type="datetimeFigureOut">
               <a:rPr lang="ru-RU" smtClean="0"/>
-              <a:t>08.12.2023</a:t>
+              <a:t>15.12.2023</a:t>
             </a:fld>
             <a:endParaRPr lang="ru-RU" dirty="0"/>
           </a:p>
@@ -857,7 +773,7 @@
           <a:p>
             <a:fld id="{0F7B38E9-DBAE-4AA2-BF3B-13DCA674FB12}" type="datetimeFigureOut">
               <a:rPr lang="ru-RU" smtClean="0"/>
-              <a:t>08.12.2023</a:t>
+              <a:t>15.12.2023</a:t>
             </a:fld>
             <a:endParaRPr lang="ru-RU" dirty="0"/>
           </a:p>
@@ -1035,7 +951,7 @@
           <a:p>
             <a:fld id="{0F7B38E9-DBAE-4AA2-BF3B-13DCA674FB12}" type="datetimeFigureOut">
               <a:rPr lang="ru-RU" smtClean="0"/>
-              <a:t>08.12.2023</a:t>
+              <a:t>15.12.2023</a:t>
             </a:fld>
             <a:endParaRPr lang="ru-RU" dirty="0"/>
           </a:p>
@@ -1203,7 +1119,7 @@
           <a:p>
             <a:fld id="{0F7B38E9-DBAE-4AA2-BF3B-13DCA674FB12}" type="datetimeFigureOut">
               <a:rPr lang="ru-RU" smtClean="0"/>
-              <a:t>08.12.2023</a:t>
+              <a:t>15.12.2023</a:t>
             </a:fld>
             <a:endParaRPr lang="ru-RU" dirty="0"/>
           </a:p>
@@ -1448,7 +1364,7 @@
           <a:p>
             <a:fld id="{0F7B38E9-DBAE-4AA2-BF3B-13DCA674FB12}" type="datetimeFigureOut">
               <a:rPr lang="ru-RU" smtClean="0"/>
-              <a:t>08.12.2023</a:t>
+              <a:t>15.12.2023</a:t>
             </a:fld>
             <a:endParaRPr lang="ru-RU" dirty="0"/>
           </a:p>
@@ -1677,7 +1593,7 @@
           <a:p>
             <a:fld id="{0F7B38E9-DBAE-4AA2-BF3B-13DCA674FB12}" type="datetimeFigureOut">
               <a:rPr lang="ru-RU" smtClean="0"/>
-              <a:t>08.12.2023</a:t>
+              <a:t>15.12.2023</a:t>
             </a:fld>
             <a:endParaRPr lang="ru-RU" dirty="0"/>
           </a:p>
@@ -2041,7 +1957,7 @@
           <a:p>
             <a:fld id="{0F7B38E9-DBAE-4AA2-BF3B-13DCA674FB12}" type="datetimeFigureOut">
               <a:rPr lang="ru-RU" smtClean="0"/>
-              <a:t>08.12.2023</a:t>
+              <a:t>15.12.2023</a:t>
             </a:fld>
             <a:endParaRPr lang="ru-RU" dirty="0"/>
           </a:p>
@@ -2158,7 +2074,7 @@
           <a:p>
             <a:fld id="{0F7B38E9-DBAE-4AA2-BF3B-13DCA674FB12}" type="datetimeFigureOut">
               <a:rPr lang="ru-RU" smtClean="0"/>
-              <a:t>08.12.2023</a:t>
+              <a:t>15.12.2023</a:t>
             </a:fld>
             <a:endParaRPr lang="ru-RU" dirty="0"/>
           </a:p>
@@ -2253,7 +2169,7 @@
           <a:p>
             <a:fld id="{0F7B38E9-DBAE-4AA2-BF3B-13DCA674FB12}" type="datetimeFigureOut">
               <a:rPr lang="ru-RU" smtClean="0"/>
-              <a:t>08.12.2023</a:t>
+              <a:t>15.12.2023</a:t>
             </a:fld>
             <a:endParaRPr lang="ru-RU" dirty="0"/>
           </a:p>
@@ -2528,7 +2444,7 @@
           <a:p>
             <a:fld id="{0F7B38E9-DBAE-4AA2-BF3B-13DCA674FB12}" type="datetimeFigureOut">
               <a:rPr lang="ru-RU" smtClean="0"/>
-              <a:t>08.12.2023</a:t>
+              <a:t>15.12.2023</a:t>
             </a:fld>
             <a:endParaRPr lang="ru-RU" dirty="0"/>
           </a:p>
@@ -2780,7 +2696,7 @@
           <a:p>
             <a:fld id="{0F7B38E9-DBAE-4AA2-BF3B-13DCA674FB12}" type="datetimeFigureOut">
               <a:rPr lang="ru-RU" smtClean="0"/>
-              <a:t>08.12.2023</a:t>
+              <a:t>15.12.2023</a:t>
             </a:fld>
             <a:endParaRPr lang="ru-RU" dirty="0"/>
           </a:p>
@@ -2991,7 +2907,7 @@
           <a:p>
             <a:fld id="{0F7B38E9-DBAE-4AA2-BF3B-13DCA674FB12}" type="datetimeFigureOut">
               <a:rPr lang="ru-RU" smtClean="0"/>
-              <a:t>08.12.2023</a:t>
+              <a:t>15.12.2023</a:t>
             </a:fld>
             <a:endParaRPr lang="ru-RU" dirty="0"/>
           </a:p>
@@ -4341,25 +4257,37 @@
             <p:ph idx="1"/>
           </p:nvPr>
         </p:nvSpPr>
-        <p:spPr/>
-        <p:txBody>
-          <a:bodyPr/>
-          <a:lstStyle/>
-          <a:p>
+        <p:spPr>
+          <a:xfrm>
+            <a:off x="759069" y="1500309"/>
+            <a:ext cx="10515600" cy="4351338"/>
+          </a:xfrm>
+        </p:spPr>
+        <p:txBody>
+          <a:bodyPr/>
+          <a:lstStyle/>
+          <a:p>
+            <a:pPr marL="0" indent="0">
+              <a:buNone/>
+            </a:pPr>
+            <a:r>
+              <a:rPr lang="ru-RU" dirty="0" smtClean="0"/>
+              <a:t>Схема бизнес-процесса представлена на следующем слайде.</a:t>
+            </a:r>
             <a:endParaRPr lang="ru-RU" dirty="0"/>
           </a:p>
         </p:txBody>
       </p:sp>
       <p:sp>
         <p:nvSpPr>
-          <p:cNvPr id="8" name="Прямоугольник 7"/>
+          <p:cNvPr id="9" name="Прямоугольник 8"/>
           <p:cNvSpPr/>
           <p:nvPr/>
         </p:nvSpPr>
         <p:spPr>
           <a:xfrm>
-            <a:off x="10692062" y="4272677"/>
-            <a:ext cx="1503878" cy="2585323"/>
+            <a:off x="651320" y="5851647"/>
+            <a:ext cx="11049000" cy="646331"/>
           </a:xfrm>
           <a:prstGeom prst="rect">
             <a:avLst/>
@@ -4372,43 +4300,33 @@
           <a:lstStyle/>
           <a:p>
             <a:r>
+              <a:rPr lang="ru-RU" dirty="0"/>
+              <a:t>Ссылка на лесной кодекс – порядок предоставления гражданам лесных </a:t>
+            </a:r>
+            <a:r>
+              <a:rPr lang="ru-RU" dirty="0" smtClean="0"/>
+              <a:t>участков: </a:t>
+            </a:r>
+            <a:r>
               <a:rPr lang="en-US" dirty="0">
-                <a:solidFill>
-                  <a:srgbClr val="0087CC"/>
-                </a:solidFill>
-                <a:latin typeface="Source Sans 3"/>
-                <a:hlinkClick r:id="rId2" tooltip="https://www.consultant.ru/document/cons_doc_LAW_64299/61aba3ad8fc2e2f947e1a7f3730526848501ffe2/"/>
+                <a:hlinkClick r:id="rId2"/>
               </a:rPr>
-              <a:t>https://www.consultant.ru/document/cons_doc_LAW_64299/61aba3ad8fc2e2f947e1a7f3730526848501ffe2/</a:t>
+              <a:t>https://www.consultant.ru/document/cons_doc_LAW_64299/61aba3ad8fc2e2f947e1a7f3730526848501ffe2</a:t>
+            </a:r>
+            <a:r>
+              <a:rPr lang="en-US" dirty="0" smtClean="0">
+                <a:hlinkClick r:id="rId2"/>
+              </a:rPr>
+              <a:t>/</a:t>
+            </a:r>
+            <a:r>
+              <a:rPr lang="ru-RU" dirty="0" smtClean="0"/>
+              <a:t> </a:t>
             </a:r>
             <a:endParaRPr lang="ru-RU" dirty="0"/>
           </a:p>
         </p:txBody>
       </p:sp>
-      <p:pic>
-        <p:nvPicPr>
-          <p:cNvPr id="6" name="Рисунок 5"/>
-          <p:cNvPicPr>
-            <a:picLocks noChangeAspect="1"/>
-          </p:cNvPicPr>
-          <p:nvPr/>
-        </p:nvPicPr>
-        <p:blipFill>
-          <a:blip r:embed="rId3"/>
-          <a:stretch>
-            <a:fillRect/>
-          </a:stretch>
-        </p:blipFill>
-        <p:spPr>
-          <a:xfrm>
-            <a:off x="298938" y="1062742"/>
-            <a:ext cx="10207787" cy="5795258"/>
-          </a:xfrm>
-          <a:prstGeom prst="rect">
-            <a:avLst/>
-          </a:prstGeom>
-        </p:spPr>
-      </p:pic>
     </p:spTree>
     <p:extLst>
       <p:ext uri="{BB962C8B-B14F-4D97-AF65-F5344CB8AC3E}">
@@ -4461,11 +4379,7 @@
           <a:bodyPr/>
           <a:lstStyle/>
           <a:p>
-            <a:r>
-              <a:rPr lang="ru-RU" dirty="0" smtClean="0"/>
-              <a:t>Узкие места бизнес-процесса.</a:t>
-            </a:r>
-            <a:endParaRPr lang="ru-RU" dirty="0"/>
+            <a:endParaRPr lang="ru-RU"/>
           </a:p>
         </p:txBody>
       </p:sp>
@@ -4484,44 +4398,38 @@
           <a:bodyPr/>
           <a:lstStyle/>
           <a:p>
-            <a:pPr marL="514350" indent="-514350">
-              <a:buFont typeface="+mj-lt"/>
-              <a:buAutoNum type="arabicPeriod"/>
-            </a:pPr>
-            <a:r>
-              <a:rPr lang="ru-RU" dirty="0" smtClean="0"/>
-              <a:t>Подача заявлений,</a:t>
-            </a:r>
-          </a:p>
-          <a:p>
-            <a:pPr marL="514350" indent="-514350">
-              <a:buFont typeface="+mj-lt"/>
-              <a:buAutoNum type="arabicPeriod"/>
-            </a:pPr>
-            <a:r>
-              <a:rPr lang="ru-RU" dirty="0" smtClean="0"/>
-              <a:t>Отслеживание статусов заявлений,</a:t>
-            </a:r>
-          </a:p>
-          <a:p>
-            <a:pPr marL="514350" indent="-514350">
-              <a:buFont typeface="+mj-lt"/>
-              <a:buAutoNum type="arabicPeriod"/>
-            </a:pPr>
-            <a:r>
-              <a:rPr lang="ru-RU" dirty="0" smtClean="0"/>
-              <a:t>Уведомление заявителя.</a:t>
-            </a:r>
-          </a:p>
-          <a:p>
-            <a:endParaRPr lang="ru-RU" dirty="0"/>
-          </a:p>
-        </p:txBody>
-      </p:sp>
+            <a:endParaRPr lang="ru-RU"/>
+          </a:p>
+        </p:txBody>
+      </p:sp>
+      <p:pic>
+        <p:nvPicPr>
+          <p:cNvPr id="4" name="Рисунок 3"/>
+          <p:cNvPicPr>
+            <a:picLocks noChangeAspect="1"/>
+          </p:cNvPicPr>
+          <p:nvPr/>
+        </p:nvPicPr>
+        <p:blipFill>
+          <a:blip r:embed="rId2"/>
+          <a:stretch>
+            <a:fillRect/>
+          </a:stretch>
+        </p:blipFill>
+        <p:spPr>
+          <a:xfrm>
+            <a:off x="85139" y="0"/>
+            <a:ext cx="12106861" cy="6858000"/>
+          </a:xfrm>
+          <a:prstGeom prst="rect">
+            <a:avLst/>
+          </a:prstGeom>
+        </p:spPr>
+      </p:pic>
     </p:spTree>
     <p:extLst>
       <p:ext uri="{BB962C8B-B14F-4D97-AF65-F5344CB8AC3E}">
-        <p14:creationId xmlns:p14="http://schemas.microsoft.com/office/powerpoint/2010/main" val="463957891"/>
+        <p14:creationId xmlns:p14="http://schemas.microsoft.com/office/powerpoint/2010/main" val="1125391397"/>
       </p:ext>
     </p:extLst>
   </p:cSld>
@@ -4550,13 +4458,7 @@
       </p:grpSpPr>
       <p:sp>
         <p:nvSpPr>
-          <p:cNvPr id="2" name="Заголовок 1">
-            <a:extLst>
-              <a:ext uri="{FF2B5EF4-FFF2-40B4-BE49-F238E27FC236}">
-                <a16:creationId xmlns:a16="http://schemas.microsoft.com/office/drawing/2014/main" id="{6368A328-7488-0111-DFEE-0E9FA767C066}"/>
-              </a:ext>
-            </a:extLst>
-          </p:cNvPr>
+          <p:cNvPr id="2" name="Заголовок 1"/>
           <p:cNvSpPr>
             <a:spLocks noGrp="1"/>
           </p:cNvSpPr>
@@ -4564,40 +4466,16 @@
             <p:ph type="title"/>
           </p:nvPr>
         </p:nvSpPr>
-        <p:spPr>
-          <a:xfrm>
-            <a:off x="838199" y="170249"/>
-            <a:ext cx="10515600" cy="1325563"/>
-          </a:xfrm>
-        </p:spPr>
-        <p:txBody>
-          <a:bodyPr>
-            <a:normAutofit/>
-          </a:bodyPr>
-          <a:lstStyle/>
-          <a:p>
-            <a:pPr algn="ctr"/>
-            <a:r>
-              <a:rPr lang="ru-RU" dirty="0">
-                <a:solidFill>
-                  <a:srgbClr val="FF0000"/>
-                </a:solidFill>
-              </a:rPr>
-              <a:t>Предоставление Государственной услуги в ВИС Лесопользование (как будет</a:t>
-            </a:r>
-            <a:r>
-              <a:rPr lang="en-US" dirty="0">
-                <a:solidFill>
-                  <a:srgbClr val="FF0000"/>
-                </a:solidFill>
-              </a:rPr>
-              <a:t>)</a:t>
-            </a:r>
-            <a:endParaRPr lang="ru-RU" dirty="0">
-              <a:solidFill>
-                <a:srgbClr val="FF0000"/>
-              </a:solidFill>
-            </a:endParaRPr>
+        <p:spPr/>
+        <p:txBody>
+          <a:bodyPr/>
+          <a:lstStyle/>
+          <a:p>
+            <a:r>
+              <a:rPr lang="ru-RU" dirty="0" smtClean="0"/>
+              <a:t>Узкие места бизнес-процесса.</a:t>
+            </a:r>
+            <a:endParaRPr lang="ru-RU" dirty="0"/>
           </a:p>
         </p:txBody>
       </p:sp>
@@ -4616,57 +4494,50 @@
           <a:bodyPr/>
           <a:lstStyle/>
           <a:p>
+            <a:pPr marL="514350" indent="-514350">
+              <a:buFont typeface="+mj-lt"/>
+              <a:buAutoNum type="arabicPeriod"/>
+            </a:pPr>
+            <a:r>
+              <a:rPr lang="ru-RU" dirty="0" smtClean="0"/>
+              <a:t>Подача заявлений,</a:t>
+            </a:r>
+          </a:p>
+          <a:p>
+            <a:pPr marL="514350" indent="-514350">
+              <a:buFont typeface="+mj-lt"/>
+              <a:buAutoNum type="arabicPeriod"/>
+            </a:pPr>
+            <a:r>
+              <a:rPr lang="ru-RU" dirty="0" smtClean="0"/>
+              <a:t>Отслеживание статусов заявлений,</a:t>
+            </a:r>
+          </a:p>
+          <a:p>
+            <a:pPr marL="514350" indent="-514350">
+              <a:buFont typeface="+mj-lt"/>
+              <a:buAutoNum type="arabicPeriod"/>
+            </a:pPr>
+            <a:r>
+              <a:rPr lang="ru-RU" dirty="0" smtClean="0"/>
+              <a:t>Уведомление заявителя.</a:t>
+            </a:r>
+          </a:p>
+          <a:p>
             <a:endParaRPr lang="ru-RU" dirty="0"/>
           </a:p>
         </p:txBody>
       </p:sp>
-      <p:pic>
-        <p:nvPicPr>
-          <p:cNvPr id="6" name="Рисунок 5">
-            <a:extLst>
-              <a:ext uri="{FF2B5EF4-FFF2-40B4-BE49-F238E27FC236}">
-                <a16:creationId xmlns:a16="http://schemas.microsoft.com/office/drawing/2014/main" id="{64FB8215-3C2F-C795-AFD0-E85D24F45393}"/>
-              </a:ext>
-            </a:extLst>
-          </p:cNvPr>
-          <p:cNvPicPr>
-            <a:picLocks noChangeAspect="1"/>
-          </p:cNvPicPr>
-          <p:nvPr/>
-        </p:nvPicPr>
-        <p:blipFill>
-          <a:blip r:embed="rId3"/>
-          <a:stretch>
-            <a:fillRect/>
-          </a:stretch>
-        </p:blipFill>
-        <p:spPr>
-          <a:xfrm>
-            <a:off x="134250" y="1605750"/>
-            <a:ext cx="11923499" cy="5188242"/>
-          </a:xfrm>
-          <a:prstGeom prst="rect">
-            <a:avLst/>
-          </a:prstGeom>
-        </p:spPr>
-      </p:pic>
     </p:spTree>
     <p:extLst>
       <p:ext uri="{BB962C8B-B14F-4D97-AF65-F5344CB8AC3E}">
-        <p14:creationId xmlns:p14="http://schemas.microsoft.com/office/powerpoint/2010/main" val="3390970608"/>
+        <p14:creationId xmlns:p14="http://schemas.microsoft.com/office/powerpoint/2010/main" val="463957891"/>
       </p:ext>
     </p:extLst>
   </p:cSld>
   <p:clrMapOvr>
     <a:masterClrMapping/>
   </p:clrMapOvr>
-  <p:timing>
-    <p:tnLst>
-      <p:par>
-        <p:cTn id="1" dur="indefinite" restart="never" nodeType="tmRoot"/>
-      </p:par>
-    </p:tnLst>
-  </p:timing>
 </p:sld>
 </file>
 

--- a/Презентация.pptx
+++ b/Презентация.pptx
@@ -209,7 +209,7 @@
           <a:p>
             <a:fld id="{75F1DFFD-0639-450F-A95D-6BC42EFC6563}" type="datetimeFigureOut">
               <a:rPr lang="ru-RU" smtClean="0"/>
-              <a:t>15.12.2023</a:t>
+              <a:t>16.12.2023</a:t>
             </a:fld>
             <a:endParaRPr lang="ru-RU" dirty="0"/>
           </a:p>
@@ -605,7 +605,7 @@
           <a:p>
             <a:fld id="{0F7B38E9-DBAE-4AA2-BF3B-13DCA674FB12}" type="datetimeFigureOut">
               <a:rPr lang="ru-RU" smtClean="0"/>
-              <a:t>15.12.2023</a:t>
+              <a:t>16.12.2023</a:t>
             </a:fld>
             <a:endParaRPr lang="ru-RU" dirty="0"/>
           </a:p>
@@ -773,7 +773,7 @@
           <a:p>
             <a:fld id="{0F7B38E9-DBAE-4AA2-BF3B-13DCA674FB12}" type="datetimeFigureOut">
               <a:rPr lang="ru-RU" smtClean="0"/>
-              <a:t>15.12.2023</a:t>
+              <a:t>16.12.2023</a:t>
             </a:fld>
             <a:endParaRPr lang="ru-RU" dirty="0"/>
           </a:p>
@@ -951,7 +951,7 @@
           <a:p>
             <a:fld id="{0F7B38E9-DBAE-4AA2-BF3B-13DCA674FB12}" type="datetimeFigureOut">
               <a:rPr lang="ru-RU" smtClean="0"/>
-              <a:t>15.12.2023</a:t>
+              <a:t>16.12.2023</a:t>
             </a:fld>
             <a:endParaRPr lang="ru-RU" dirty="0"/>
           </a:p>
@@ -1119,7 +1119,7 @@
           <a:p>
             <a:fld id="{0F7B38E9-DBAE-4AA2-BF3B-13DCA674FB12}" type="datetimeFigureOut">
               <a:rPr lang="ru-RU" smtClean="0"/>
-              <a:t>15.12.2023</a:t>
+              <a:t>16.12.2023</a:t>
             </a:fld>
             <a:endParaRPr lang="ru-RU" dirty="0"/>
           </a:p>
@@ -1364,7 +1364,7 @@
           <a:p>
             <a:fld id="{0F7B38E9-DBAE-4AA2-BF3B-13DCA674FB12}" type="datetimeFigureOut">
               <a:rPr lang="ru-RU" smtClean="0"/>
-              <a:t>15.12.2023</a:t>
+              <a:t>16.12.2023</a:t>
             </a:fld>
             <a:endParaRPr lang="ru-RU" dirty="0"/>
           </a:p>
@@ -1593,7 +1593,7 @@
           <a:p>
             <a:fld id="{0F7B38E9-DBAE-4AA2-BF3B-13DCA674FB12}" type="datetimeFigureOut">
               <a:rPr lang="ru-RU" smtClean="0"/>
-              <a:t>15.12.2023</a:t>
+              <a:t>16.12.2023</a:t>
             </a:fld>
             <a:endParaRPr lang="ru-RU" dirty="0"/>
           </a:p>
@@ -1957,7 +1957,7 @@
           <a:p>
             <a:fld id="{0F7B38E9-DBAE-4AA2-BF3B-13DCA674FB12}" type="datetimeFigureOut">
               <a:rPr lang="ru-RU" smtClean="0"/>
-              <a:t>15.12.2023</a:t>
+              <a:t>16.12.2023</a:t>
             </a:fld>
             <a:endParaRPr lang="ru-RU" dirty="0"/>
           </a:p>
@@ -2074,7 +2074,7 @@
           <a:p>
             <a:fld id="{0F7B38E9-DBAE-4AA2-BF3B-13DCA674FB12}" type="datetimeFigureOut">
               <a:rPr lang="ru-RU" smtClean="0"/>
-              <a:t>15.12.2023</a:t>
+              <a:t>16.12.2023</a:t>
             </a:fld>
             <a:endParaRPr lang="ru-RU" dirty="0"/>
           </a:p>
@@ -2169,7 +2169,7 @@
           <a:p>
             <a:fld id="{0F7B38E9-DBAE-4AA2-BF3B-13DCA674FB12}" type="datetimeFigureOut">
               <a:rPr lang="ru-RU" smtClean="0"/>
-              <a:t>15.12.2023</a:t>
+              <a:t>16.12.2023</a:t>
             </a:fld>
             <a:endParaRPr lang="ru-RU" dirty="0"/>
           </a:p>
@@ -2444,7 +2444,7 @@
           <a:p>
             <a:fld id="{0F7B38E9-DBAE-4AA2-BF3B-13DCA674FB12}" type="datetimeFigureOut">
               <a:rPr lang="ru-RU" smtClean="0"/>
-              <a:t>15.12.2023</a:t>
+              <a:t>16.12.2023</a:t>
             </a:fld>
             <a:endParaRPr lang="ru-RU" dirty="0"/>
           </a:p>
@@ -2696,7 +2696,7 @@
           <a:p>
             <a:fld id="{0F7B38E9-DBAE-4AA2-BF3B-13DCA674FB12}" type="datetimeFigureOut">
               <a:rPr lang="ru-RU" smtClean="0"/>
-              <a:t>15.12.2023</a:t>
+              <a:t>16.12.2023</a:t>
             </a:fld>
             <a:endParaRPr lang="ru-RU" dirty="0"/>
           </a:p>
@@ -2907,7 +2907,7 @@
           <a:p>
             <a:fld id="{0F7B38E9-DBAE-4AA2-BF3B-13DCA674FB12}" type="datetimeFigureOut">
               <a:rPr lang="ru-RU" smtClean="0"/>
-              <a:t>15.12.2023</a:t>
+              <a:t>16.12.2023</a:t>
             </a:fld>
             <a:endParaRPr lang="ru-RU" dirty="0"/>
           </a:p>
@@ -3365,13 +3365,6 @@
   <p:clrMapOvr>
     <a:masterClrMapping/>
   </p:clrMapOvr>
-  <p:timing>
-    <p:tnLst>
-      <p:par>
-        <p:cTn id="1" dur="indefinite" restart="never" nodeType="tmRoot"/>
-      </p:par>
-    </p:tnLst>
-  </p:timing>
 </p:sld>
 </file>
 
@@ -3447,13 +3440,6 @@
   <p:clrMapOvr>
     <a:masterClrMapping/>
   </p:clrMapOvr>
-  <p:timing>
-    <p:tnLst>
-      <p:par>
-        <p:cTn id="1" dur="indefinite" restart="never" nodeType="tmRoot"/>
-      </p:par>
-    </p:tnLst>
-  </p:timing>
 </p:sld>
 </file>
 
@@ -3553,13 +3539,6 @@
   <p:clrMapOvr>
     <a:masterClrMapping/>
   </p:clrMapOvr>
-  <p:timing>
-    <p:tnLst>
-      <p:par>
-        <p:cTn id="1" dur="indefinite" restart="never" nodeType="tmRoot"/>
-      </p:par>
-    </p:tnLst>
-  </p:timing>
 </p:sld>
 </file>
 
@@ -3659,13 +3638,6 @@
   <p:clrMapOvr>
     <a:masterClrMapping/>
   </p:clrMapOvr>
-  <p:timing>
-    <p:tnLst>
-      <p:par>
-        <p:cTn id="1" dur="indefinite" restart="never" nodeType="tmRoot"/>
-      </p:par>
-    </p:tnLst>
-  </p:timing>
 </p:sld>
 </file>
 
@@ -3750,13 +3722,6 @@
   <p:clrMapOvr>
     <a:masterClrMapping/>
   </p:clrMapOvr>
-  <p:timing>
-    <p:tnLst>
-      <p:par>
-        <p:cTn id="1" dur="indefinite" restart="never" nodeType="tmRoot"/>
-      </p:par>
-    </p:tnLst>
-  </p:timing>
 </p:sld>
 </file>
 
@@ -3857,13 +3822,6 @@
   <p:clrMapOvr>
     <a:masterClrMapping/>
   </p:clrMapOvr>
-  <p:timing>
-    <p:tnLst>
-      <p:par>
-        <p:cTn id="1" dur="indefinite" restart="never" nodeType="tmRoot"/>
-      </p:par>
-    </p:tnLst>
-  </p:timing>
 </p:sld>
 </file>
 
@@ -3978,13 +3936,6 @@
   <p:clrMapOvr>
     <a:masterClrMapping/>
   </p:clrMapOvr>
-  <p:timing>
-    <p:tnLst>
-      <p:par>
-        <p:cTn id="1" dur="indefinite" restart="never" nodeType="tmRoot"/>
-      </p:par>
-    </p:tnLst>
-  </p:timing>
 </p:sld>
 </file>
 
@@ -4034,14 +3985,13 @@
               <a:t>Требуемые бизнес процессы для </a:t>
             </a:r>
             <a:r>
-              <a:rPr lang="ru-RU" sz="3600" dirty="0" err="1" smtClean="0"/>
+              <a:rPr lang="ru-RU" sz="3600" dirty="0" err="1"/>
               <a:t>цифровизации</a:t>
             </a:r>
             <a:r>
-              <a:rPr lang="ru-RU" sz="3600" dirty="0" smtClean="0"/>
+              <a:rPr lang="ru-RU" sz="3600" dirty="0"/>
               <a:t>, частичной автоматизации</a:t>
             </a:r>
-            <a:endParaRPr lang="ru-RU" sz="3600" dirty="0"/>
           </a:p>
         </p:txBody>
       </p:sp>
@@ -4176,13 +4126,6 @@
   <p:clrMapOvr>
     <a:masterClrMapping/>
   </p:clrMapOvr>
-  <p:timing>
-    <p:tnLst>
-      <p:par>
-        <p:cTn id="1" dur="indefinite" restart="never" nodeType="tmRoot"/>
-      </p:par>
-    </p:tnLst>
-  </p:timing>
 </p:sld>
 </file>
 
@@ -4236,10 +4179,6 @@
               <a:rPr lang="ru-RU" sz="3600" dirty="0"/>
               <a:t>2. Предоставление гражданам, юридическим лицам лесных участков, находящихся в государственной или муниципальной собственности</a:t>
             </a:r>
-            <a:r>
-              <a:rPr lang="ru-RU" dirty="0"/>
-              <a:t/>
-            </a:r>
             <a:br>
               <a:rPr lang="ru-RU" dirty="0"/>
             </a:br>
@@ -4271,10 +4210,9 @@
               <a:buNone/>
             </a:pPr>
             <a:r>
-              <a:rPr lang="ru-RU" dirty="0" smtClean="0"/>
+              <a:rPr lang="ru-RU" dirty="0"/>
               <a:t>Схема бизнес-процесса представлена на следующем слайде.</a:t>
             </a:r>
-            <a:endParaRPr lang="ru-RU" dirty="0"/>
           </a:p>
         </p:txBody>
       </p:sp>
@@ -4301,29 +4239,18 @@
           <a:p>
             <a:r>
               <a:rPr lang="ru-RU" dirty="0"/>
-              <a:t>Ссылка на лесной кодекс – порядок предоставления гражданам лесных </a:t>
-            </a:r>
-            <a:r>
-              <a:rPr lang="ru-RU" dirty="0" smtClean="0"/>
-              <a:t>участков: </a:t>
+              <a:t>Ссылка на лесной кодекс – порядок предоставления гражданам лесных участков: </a:t>
             </a:r>
             <a:r>
               <a:rPr lang="en-US" dirty="0">
                 <a:hlinkClick r:id="rId2"/>
               </a:rPr>
-              <a:t>https://www.consultant.ru/document/cons_doc_LAW_64299/61aba3ad8fc2e2f947e1a7f3730526848501ffe2</a:t>
-            </a:r>
-            <a:r>
-              <a:rPr lang="en-US" dirty="0" smtClean="0">
-                <a:hlinkClick r:id="rId2"/>
-              </a:rPr>
-              <a:t>/</a:t>
-            </a:r>
-            <a:r>
-              <a:rPr lang="ru-RU" dirty="0" smtClean="0"/>
+              <a:t>https://www.consultant.ru/document/cons_doc_LAW_64299/61aba3ad8fc2e2f947e1a7f3730526848501ffe2/</a:t>
+            </a:r>
+            <a:r>
+              <a:rPr lang="ru-RU" dirty="0"/>
               <a:t> </a:t>
             </a:r>
-            <a:endParaRPr lang="ru-RU" dirty="0"/>
           </a:p>
         </p:txBody>
       </p:sp>
@@ -4337,13 +4264,6 @@
   <p:clrMapOvr>
     <a:masterClrMapping/>
   </p:clrMapOvr>
-  <p:timing>
-    <p:tnLst>
-      <p:par>
-        <p:cTn id="1" dur="indefinite" restart="never" nodeType="tmRoot"/>
-      </p:par>
-    </p:tnLst>
-  </p:timing>
 </p:sld>
 </file>
 
@@ -4472,10 +4392,9 @@
           <a:lstStyle/>
           <a:p>
             <a:r>
-              <a:rPr lang="ru-RU" dirty="0" smtClean="0"/>
+              <a:rPr lang="ru-RU" dirty="0"/>
               <a:t>Узкие места бизнес-процесса.</a:t>
             </a:r>
-            <a:endParaRPr lang="ru-RU" dirty="0"/>
           </a:p>
         </p:txBody>
       </p:sp>
@@ -4499,7 +4418,7 @@
               <a:buAutoNum type="arabicPeriod"/>
             </a:pPr>
             <a:r>
-              <a:rPr lang="ru-RU" dirty="0" smtClean="0"/>
+              <a:rPr lang="ru-RU" dirty="0"/>
               <a:t>Подача заявлений,</a:t>
             </a:r>
           </a:p>
@@ -4509,7 +4428,7 @@
               <a:buAutoNum type="arabicPeriod"/>
             </a:pPr>
             <a:r>
-              <a:rPr lang="ru-RU" dirty="0" smtClean="0"/>
+              <a:rPr lang="ru-RU" dirty="0"/>
               <a:t>Отслеживание статусов заявлений,</a:t>
             </a:r>
           </a:p>
@@ -4519,7 +4438,7 @@
               <a:buAutoNum type="arabicPeriod"/>
             </a:pPr>
             <a:r>
-              <a:rPr lang="ru-RU" dirty="0" smtClean="0"/>
+              <a:rPr lang="ru-RU" dirty="0"/>
               <a:t>Уведомление заявителя.</a:t>
             </a:r>
           </a:p>
@@ -4623,27 +4542,7 @@
                 <a:effectLst/>
                 <a:ea typeface="Calibri" panose="020F0502020204030204" pitchFamily="34" charset="0"/>
               </a:rPr>
-              <a:t>Сократить время для предоставления услуги и трудозатраты оператора ВИС </a:t>
-            </a:r>
-            <a:r>
-              <a:rPr lang="ru-RU" dirty="0" smtClean="0">
-                <a:solidFill>
-                  <a:srgbClr val="303030"/>
-                </a:solidFill>
-                <a:effectLst/>
-                <a:ea typeface="Calibri" panose="020F0502020204030204" pitchFamily="34" charset="0"/>
-              </a:rPr>
-              <a:t>Лесопользование, </a:t>
-            </a:r>
-            <a:r>
-              <a:rPr lang="ru-RU" dirty="0">
-                <a:solidFill>
-                  <a:srgbClr val="303030"/>
-                </a:solidFill>
-                <a:effectLst/>
-                <a:ea typeface="Calibri" panose="020F0502020204030204" pitchFamily="34" charset="0"/>
-              </a:rPr>
-              <a:t>путем автоматизации регистрации заявлений и</a:t>
+              <a:t>Сократить время для предоставления услуги и трудозатраты оператора ВИС Лесопользование, путем автоматизации регистрации заявлений и</a:t>
             </a:r>
             <a:r>
               <a:rPr lang="en-US" dirty="0">
@@ -4694,13 +4593,6 @@
   <p:clrMapOvr>
     <a:masterClrMapping/>
   </p:clrMapOvr>
-  <p:timing>
-    <p:tnLst>
-      <p:par>
-        <p:cTn id="1" dur="indefinite" restart="never" nodeType="tmRoot"/>
-      </p:par>
-    </p:tnLst>
-  </p:timing>
 </p:sld>
 </file>
 
@@ -4843,13 +4735,6 @@
   <p:clrMapOvr>
     <a:masterClrMapping/>
   </p:clrMapOvr>
-  <p:timing>
-    <p:tnLst>
-      <p:par>
-        <p:cTn id="1" dur="indefinite" restart="never" nodeType="tmRoot"/>
-      </p:par>
-    </p:tnLst>
-  </p:timing>
 </p:sld>
 </file>
 
@@ -4858,7 +4743,7 @@
   <a:themeElements>
     <a:clrScheme name="Стандартная">
       <a:dk1>
-        <a:sysClr val="windowText" lastClr="000000"/>
+        <a:sysClr val="windowText" lastClr="303030"/>
       </a:dk1>
       <a:lt1>
         <a:sysClr val="window" lastClr="FFFFFF"/>
@@ -5119,7 +5004,7 @@
   <a:themeElements>
     <a:clrScheme name="Стандартная">
       <a:dk1>
-        <a:sysClr val="windowText" lastClr="000000"/>
+        <a:sysClr val="windowText" lastClr="303030"/>
       </a:dk1>
       <a:lt1>
         <a:sysClr val="window" lastClr="FFFFFF"/>

--- a/Презентация.pptx
+++ b/Презентация.pptx
@@ -209,7 +209,7 @@
           <a:p>
             <a:fld id="{75F1DFFD-0639-450F-A95D-6BC42EFC6563}" type="datetimeFigureOut">
               <a:rPr lang="ru-RU" smtClean="0"/>
-              <a:t>16.12.2023</a:t>
+              <a:t>17.12.2023</a:t>
             </a:fld>
             <a:endParaRPr lang="ru-RU" dirty="0"/>
           </a:p>
@@ -605,7 +605,7 @@
           <a:p>
             <a:fld id="{0F7B38E9-DBAE-4AA2-BF3B-13DCA674FB12}" type="datetimeFigureOut">
               <a:rPr lang="ru-RU" smtClean="0"/>
-              <a:t>16.12.2023</a:t>
+              <a:t>17.12.2023</a:t>
             </a:fld>
             <a:endParaRPr lang="ru-RU" dirty="0"/>
           </a:p>
@@ -773,7 +773,7 @@
           <a:p>
             <a:fld id="{0F7B38E9-DBAE-4AA2-BF3B-13DCA674FB12}" type="datetimeFigureOut">
               <a:rPr lang="ru-RU" smtClean="0"/>
-              <a:t>16.12.2023</a:t>
+              <a:t>17.12.2023</a:t>
             </a:fld>
             <a:endParaRPr lang="ru-RU" dirty="0"/>
           </a:p>
@@ -951,7 +951,7 @@
           <a:p>
             <a:fld id="{0F7B38E9-DBAE-4AA2-BF3B-13DCA674FB12}" type="datetimeFigureOut">
               <a:rPr lang="ru-RU" smtClean="0"/>
-              <a:t>16.12.2023</a:t>
+              <a:t>17.12.2023</a:t>
             </a:fld>
             <a:endParaRPr lang="ru-RU" dirty="0"/>
           </a:p>
@@ -1119,7 +1119,7 @@
           <a:p>
             <a:fld id="{0F7B38E9-DBAE-4AA2-BF3B-13DCA674FB12}" type="datetimeFigureOut">
               <a:rPr lang="ru-RU" smtClean="0"/>
-              <a:t>16.12.2023</a:t>
+              <a:t>17.12.2023</a:t>
             </a:fld>
             <a:endParaRPr lang="ru-RU" dirty="0"/>
           </a:p>
@@ -1364,7 +1364,7 @@
           <a:p>
             <a:fld id="{0F7B38E9-DBAE-4AA2-BF3B-13DCA674FB12}" type="datetimeFigureOut">
               <a:rPr lang="ru-RU" smtClean="0"/>
-              <a:t>16.12.2023</a:t>
+              <a:t>17.12.2023</a:t>
             </a:fld>
             <a:endParaRPr lang="ru-RU" dirty="0"/>
           </a:p>
@@ -1593,7 +1593,7 @@
           <a:p>
             <a:fld id="{0F7B38E9-DBAE-4AA2-BF3B-13DCA674FB12}" type="datetimeFigureOut">
               <a:rPr lang="ru-RU" smtClean="0"/>
-              <a:t>16.12.2023</a:t>
+              <a:t>17.12.2023</a:t>
             </a:fld>
             <a:endParaRPr lang="ru-RU" dirty="0"/>
           </a:p>
@@ -1957,7 +1957,7 @@
           <a:p>
             <a:fld id="{0F7B38E9-DBAE-4AA2-BF3B-13DCA674FB12}" type="datetimeFigureOut">
               <a:rPr lang="ru-RU" smtClean="0"/>
-              <a:t>16.12.2023</a:t>
+              <a:t>17.12.2023</a:t>
             </a:fld>
             <a:endParaRPr lang="ru-RU" dirty="0"/>
           </a:p>
@@ -2074,7 +2074,7 @@
           <a:p>
             <a:fld id="{0F7B38E9-DBAE-4AA2-BF3B-13DCA674FB12}" type="datetimeFigureOut">
               <a:rPr lang="ru-RU" smtClean="0"/>
-              <a:t>16.12.2023</a:t>
+              <a:t>17.12.2023</a:t>
             </a:fld>
             <a:endParaRPr lang="ru-RU" dirty="0"/>
           </a:p>
@@ -2169,7 +2169,7 @@
           <a:p>
             <a:fld id="{0F7B38E9-DBAE-4AA2-BF3B-13DCA674FB12}" type="datetimeFigureOut">
               <a:rPr lang="ru-RU" smtClean="0"/>
-              <a:t>16.12.2023</a:t>
+              <a:t>17.12.2023</a:t>
             </a:fld>
             <a:endParaRPr lang="ru-RU" dirty="0"/>
           </a:p>
@@ -2444,7 +2444,7 @@
           <a:p>
             <a:fld id="{0F7B38E9-DBAE-4AA2-BF3B-13DCA674FB12}" type="datetimeFigureOut">
               <a:rPr lang="ru-RU" smtClean="0"/>
-              <a:t>16.12.2023</a:t>
+              <a:t>17.12.2023</a:t>
             </a:fld>
             <a:endParaRPr lang="ru-RU" dirty="0"/>
           </a:p>
@@ -2696,7 +2696,7 @@
           <a:p>
             <a:fld id="{0F7B38E9-DBAE-4AA2-BF3B-13DCA674FB12}" type="datetimeFigureOut">
               <a:rPr lang="ru-RU" smtClean="0"/>
-              <a:t>16.12.2023</a:t>
+              <a:t>17.12.2023</a:t>
             </a:fld>
             <a:endParaRPr lang="ru-RU" dirty="0"/>
           </a:p>
@@ -2907,7 +2907,7 @@
           <a:p>
             <a:fld id="{0F7B38E9-DBAE-4AA2-BF3B-13DCA674FB12}" type="datetimeFigureOut">
               <a:rPr lang="ru-RU" smtClean="0"/>
-              <a:t>16.12.2023</a:t>
+              <a:t>17.12.2023</a:t>
             </a:fld>
             <a:endParaRPr lang="ru-RU" dirty="0"/>
           </a:p>
@@ -3512,19 +3512,27 @@
           <a:p>
             <a:r>
               <a:rPr lang="ru-RU" dirty="0"/>
-              <a:t>Заявление на получение предварительного лесного участка</a:t>
+              <a:t>Заявление на получение предварительного  согласования лесного участка</a:t>
             </a:r>
           </a:p>
           <a:p>
             <a:r>
               <a:rPr lang="ru-RU" dirty="0"/>
-              <a:t>Заявление на утверждение лесного участка</a:t>
-            </a:r>
-          </a:p>
-          <a:p>
+              <a:t>Заявление на утверждение</a:t>
+            </a:r>
+            <a:r>
+              <a:rPr lang="en-US" dirty="0"/>
+              <a:t> </a:t>
+            </a:r>
             <a:r>
               <a:rPr lang="ru-RU" dirty="0"/>
-              <a:t>Заявление на пользование ЛУ</a:t>
+              <a:t>проектной документации пользования лесным участком</a:t>
+            </a:r>
+          </a:p>
+          <a:p>
+            <a:r>
+              <a:rPr lang="ru-RU" dirty="0"/>
+              <a:t>Заявление на предоставление лесного участка в пользование</a:t>
             </a:r>
           </a:p>
         </p:txBody>
@@ -4386,7 +4394,12 @@
             <p:ph type="title"/>
           </p:nvPr>
         </p:nvSpPr>
-        <p:spPr/>
+        <p:spPr>
+          <a:xfrm>
+            <a:off x="722376" y="365125"/>
+            <a:ext cx="10631424" cy="1325563"/>
+          </a:xfrm>
+        </p:spPr>
         <p:txBody>
           <a:bodyPr/>
           <a:lstStyle/>

--- a/Презентация.pptx
+++ b/Презентация.pptx
@@ -5,22 +5,24 @@
     <p:sldMasterId id="2147483648" r:id="rId1"/>
   </p:sldMasterIdLst>
   <p:notesMasterIdLst>
-    <p:notesMasterId r:id="rId15"/>
+    <p:notesMasterId r:id="rId17"/>
   </p:notesMasterIdLst>
   <p:sldIdLst>
-    <p:sldId id="256" r:id="rId2"/>
-    <p:sldId id="257" r:id="rId3"/>
-    <p:sldId id="269" r:id="rId4"/>
-    <p:sldId id="268" r:id="rId5"/>
-    <p:sldId id="266" r:id="rId6"/>
-    <p:sldId id="273" r:id="rId7"/>
-    <p:sldId id="272" r:id="rId8"/>
-    <p:sldId id="258" r:id="rId9"/>
-    <p:sldId id="259" r:id="rId10"/>
-    <p:sldId id="267" r:id="rId11"/>
-    <p:sldId id="260" r:id="rId12"/>
-    <p:sldId id="263" r:id="rId13"/>
-    <p:sldId id="271" r:id="rId14"/>
+    <p:sldId id="277" r:id="rId2"/>
+    <p:sldId id="256" r:id="rId3"/>
+    <p:sldId id="257" r:id="rId4"/>
+    <p:sldId id="269" r:id="rId5"/>
+    <p:sldId id="268" r:id="rId6"/>
+    <p:sldId id="266" r:id="rId7"/>
+    <p:sldId id="274" r:id="rId8"/>
+    <p:sldId id="275" r:id="rId9"/>
+    <p:sldId id="276" r:id="rId10"/>
+    <p:sldId id="272" r:id="rId11"/>
+    <p:sldId id="258" r:id="rId12"/>
+    <p:sldId id="259" r:id="rId13"/>
+    <p:sldId id="260" r:id="rId14"/>
+    <p:sldId id="263" r:id="rId15"/>
+    <p:sldId id="271" r:id="rId16"/>
   </p:sldIdLst>
   <p:sldSz cx="12192000" cy="6858000"/>
   <p:notesSz cx="6858000" cy="9144000"/>
@@ -474,6 +476,259 @@
     </a:lvl9pPr>
   </p:notesStyle>
 </p:notesMaster>
+</file>
+
+<file path=ppt/notesSlides/notesSlide1.xml><?xml version="1.0" encoding="utf-8"?>
+<p:notes xmlns:a="http://schemas.openxmlformats.org/drawingml/2006/main" xmlns:r="http://schemas.openxmlformats.org/officeDocument/2006/relationships" xmlns:p="http://schemas.openxmlformats.org/presentationml/2006/main">
+  <p:cSld>
+    <p:spTree>
+      <p:nvGrpSpPr>
+        <p:cNvPr id="1" name=""/>
+        <p:cNvGrpSpPr/>
+        <p:nvPr/>
+      </p:nvGrpSpPr>
+      <p:grpSpPr>
+        <a:xfrm>
+          <a:off x="0" y="0"/>
+          <a:ext cx="0" cy="0"/>
+          <a:chOff x="0" y="0"/>
+          <a:chExt cx="0" cy="0"/>
+        </a:xfrm>
+      </p:grpSpPr>
+      <p:sp>
+        <p:nvSpPr>
+          <p:cNvPr id="2" name="Образ слайда 1"/>
+          <p:cNvSpPr>
+            <a:spLocks noGrp="1" noRot="1" noChangeAspect="1"/>
+          </p:cNvSpPr>
+          <p:nvPr>
+            <p:ph type="sldImg"/>
+          </p:nvPr>
+        </p:nvSpPr>
+        <p:spPr/>
+      </p:sp>
+      <p:sp>
+        <p:nvSpPr>
+          <p:cNvPr id="3" name="Заметки 2"/>
+          <p:cNvSpPr>
+            <a:spLocks noGrp="1"/>
+          </p:cNvSpPr>
+          <p:nvPr>
+            <p:ph type="body" idx="1"/>
+          </p:nvPr>
+        </p:nvSpPr>
+        <p:spPr/>
+        <p:txBody>
+          <a:bodyPr/>
+          <a:lstStyle/>
+          <a:p>
+            <a:endParaRPr lang="ru-RU"/>
+          </a:p>
+        </p:txBody>
+      </p:sp>
+      <p:sp>
+        <p:nvSpPr>
+          <p:cNvPr id="4" name="Номер слайда 3"/>
+          <p:cNvSpPr>
+            <a:spLocks noGrp="1"/>
+          </p:cNvSpPr>
+          <p:nvPr>
+            <p:ph type="sldNum" sz="quarter" idx="10"/>
+          </p:nvPr>
+        </p:nvSpPr>
+        <p:spPr/>
+        <p:txBody>
+          <a:bodyPr/>
+          <a:lstStyle/>
+          <a:p>
+            <a:fld id="{06F59EBD-2944-4F83-9BDB-40179331FFB1}" type="slidenum">
+              <a:rPr lang="ru-RU" smtClean="0"/>
+              <a:pPr/>
+              <a:t>1</a:t>
+            </a:fld>
+            <a:endParaRPr lang="ru-RU"/>
+          </a:p>
+        </p:txBody>
+      </p:sp>
+    </p:spTree>
+    <p:extLst>
+      <p:ext uri="{BB962C8B-B14F-4D97-AF65-F5344CB8AC3E}">
+        <p14:creationId xmlns:p14="http://schemas.microsoft.com/office/powerpoint/2010/main" val="4192961725"/>
+      </p:ext>
+    </p:extLst>
+  </p:cSld>
+  <p:clrMapOvr>
+    <a:masterClrMapping/>
+  </p:clrMapOvr>
+</p:notes>
+</file>
+
+<file path=ppt/notesSlides/notesSlide2.xml><?xml version="1.0" encoding="utf-8"?>
+<p:notes xmlns:a="http://schemas.openxmlformats.org/drawingml/2006/main" xmlns:r="http://schemas.openxmlformats.org/officeDocument/2006/relationships" xmlns:p="http://schemas.openxmlformats.org/presentationml/2006/main">
+  <p:cSld>
+    <p:spTree>
+      <p:nvGrpSpPr>
+        <p:cNvPr id="1" name=""/>
+        <p:cNvGrpSpPr/>
+        <p:nvPr/>
+      </p:nvGrpSpPr>
+      <p:grpSpPr>
+        <a:xfrm>
+          <a:off x="0" y="0"/>
+          <a:ext cx="0" cy="0"/>
+          <a:chOff x="0" y="0"/>
+          <a:chExt cx="0" cy="0"/>
+        </a:xfrm>
+      </p:grpSpPr>
+      <p:sp>
+        <p:nvSpPr>
+          <p:cNvPr id="2" name="Образ слайда 1"/>
+          <p:cNvSpPr>
+            <a:spLocks noGrp="1" noRot="1" noChangeAspect="1"/>
+          </p:cNvSpPr>
+          <p:nvPr>
+            <p:ph type="sldImg"/>
+          </p:nvPr>
+        </p:nvSpPr>
+        <p:spPr/>
+      </p:sp>
+      <p:sp>
+        <p:nvSpPr>
+          <p:cNvPr id="3" name="Заметки 2"/>
+          <p:cNvSpPr>
+            <a:spLocks noGrp="1"/>
+          </p:cNvSpPr>
+          <p:nvPr>
+            <p:ph type="body" idx="1"/>
+          </p:nvPr>
+        </p:nvSpPr>
+        <p:spPr/>
+        <p:txBody>
+          <a:bodyPr/>
+          <a:lstStyle/>
+          <a:p>
+            <a:endParaRPr lang="ru-RU" dirty="0"/>
+          </a:p>
+        </p:txBody>
+      </p:sp>
+      <p:sp>
+        <p:nvSpPr>
+          <p:cNvPr id="4" name="Номер слайда 3"/>
+          <p:cNvSpPr>
+            <a:spLocks noGrp="1"/>
+          </p:cNvSpPr>
+          <p:nvPr>
+            <p:ph type="sldNum" sz="quarter" idx="5"/>
+          </p:nvPr>
+        </p:nvSpPr>
+        <p:spPr/>
+        <p:txBody>
+          <a:bodyPr/>
+          <a:lstStyle/>
+          <a:p>
+            <a:fld id="{E4E6046D-0659-4115-95D0-506687AD1516}" type="slidenum">
+              <a:rPr lang="ru-RU" smtClean="0"/>
+              <a:t>7</a:t>
+            </a:fld>
+            <a:endParaRPr lang="ru-RU" dirty="0"/>
+          </a:p>
+        </p:txBody>
+      </p:sp>
+    </p:spTree>
+    <p:extLst>
+      <p:ext uri="{BB962C8B-B14F-4D97-AF65-F5344CB8AC3E}">
+        <p14:creationId xmlns:p14="http://schemas.microsoft.com/office/powerpoint/2010/main" val="2146037869"/>
+      </p:ext>
+    </p:extLst>
+  </p:cSld>
+  <p:clrMapOvr>
+    <a:masterClrMapping/>
+  </p:clrMapOvr>
+</p:notes>
+</file>
+
+<file path=ppt/notesSlides/notesSlide3.xml><?xml version="1.0" encoding="utf-8"?>
+<p:notes xmlns:a="http://schemas.openxmlformats.org/drawingml/2006/main" xmlns:r="http://schemas.openxmlformats.org/officeDocument/2006/relationships" xmlns:p="http://schemas.openxmlformats.org/presentationml/2006/main">
+  <p:cSld>
+    <p:spTree>
+      <p:nvGrpSpPr>
+        <p:cNvPr id="1" name=""/>
+        <p:cNvGrpSpPr/>
+        <p:nvPr/>
+      </p:nvGrpSpPr>
+      <p:grpSpPr>
+        <a:xfrm>
+          <a:off x="0" y="0"/>
+          <a:ext cx="0" cy="0"/>
+          <a:chOff x="0" y="0"/>
+          <a:chExt cx="0" cy="0"/>
+        </a:xfrm>
+      </p:grpSpPr>
+      <p:sp>
+        <p:nvSpPr>
+          <p:cNvPr id="2" name="Образ слайда 1"/>
+          <p:cNvSpPr>
+            <a:spLocks noGrp="1" noRot="1" noChangeAspect="1"/>
+          </p:cNvSpPr>
+          <p:nvPr>
+            <p:ph type="sldImg"/>
+          </p:nvPr>
+        </p:nvSpPr>
+        <p:spPr/>
+      </p:sp>
+      <p:sp>
+        <p:nvSpPr>
+          <p:cNvPr id="3" name="Заметки 2"/>
+          <p:cNvSpPr>
+            <a:spLocks noGrp="1"/>
+          </p:cNvSpPr>
+          <p:nvPr>
+            <p:ph type="body" idx="1"/>
+          </p:nvPr>
+        </p:nvSpPr>
+        <p:spPr/>
+        <p:txBody>
+          <a:bodyPr/>
+          <a:lstStyle/>
+          <a:p>
+            <a:endParaRPr lang="ru-RU" dirty="0"/>
+          </a:p>
+        </p:txBody>
+      </p:sp>
+      <p:sp>
+        <p:nvSpPr>
+          <p:cNvPr id="4" name="Номер слайда 3"/>
+          <p:cNvSpPr>
+            <a:spLocks noGrp="1"/>
+          </p:cNvSpPr>
+          <p:nvPr>
+            <p:ph type="sldNum" sz="quarter" idx="5"/>
+          </p:nvPr>
+        </p:nvSpPr>
+        <p:spPr/>
+        <p:txBody>
+          <a:bodyPr/>
+          <a:lstStyle/>
+          <a:p>
+            <a:fld id="{E4E6046D-0659-4115-95D0-506687AD1516}" type="slidenum">
+              <a:rPr lang="ru-RU" smtClean="0"/>
+              <a:t>8</a:t>
+            </a:fld>
+            <a:endParaRPr lang="ru-RU" dirty="0"/>
+          </a:p>
+        </p:txBody>
+      </p:sp>
+    </p:spTree>
+    <p:extLst>
+      <p:ext uri="{BB962C8B-B14F-4D97-AF65-F5344CB8AC3E}">
+        <p14:creationId xmlns:p14="http://schemas.microsoft.com/office/powerpoint/2010/main" val="2388391620"/>
+      </p:ext>
+    </p:extLst>
+  </p:cSld>
+  <p:clrMapOvr>
+    <a:masterClrMapping/>
+  </p:clrMapOvr>
+</p:notes>
 </file>
 
 <file path=ppt/slideLayouts/slideLayout1.xml><?xml version="1.0" encoding="utf-8"?>
@@ -3314,51 +3569,578 @@
       </p:grpSpPr>
       <p:sp>
         <p:nvSpPr>
-          <p:cNvPr id="2" name="Заголовок 1"/>
-          <p:cNvSpPr>
-            <a:spLocks noGrp="1"/>
-          </p:cNvSpPr>
-          <p:nvPr>
-            <p:ph type="ctrTitle"/>
-          </p:nvPr>
-        </p:nvSpPr>
-        <p:spPr/>
+          <p:cNvPr id="3" name="Подзаголовок 2"/>
+          <p:cNvSpPr>
+            <a:spLocks noGrp="1"/>
+          </p:cNvSpPr>
+          <p:nvPr>
+            <p:ph type="subTitle" idx="1"/>
+          </p:nvPr>
+        </p:nvSpPr>
+        <p:spPr>
+          <a:xfrm>
+            <a:off x="8251319" y="4272672"/>
+            <a:ext cx="3940681" cy="2169318"/>
+          </a:xfrm>
+        </p:spPr>
         <p:txBody>
           <a:bodyPr>
             <a:normAutofit/>
           </a:bodyPr>
           <a:lstStyle/>
           <a:p>
-            <a:r>
-              <a:rPr lang="ru-RU" sz="4000" dirty="0"/>
-              <a:t>Оформление права пользования лесным участком отдела учета земель и организации использования лесов </a:t>
-            </a:r>
-          </a:p>
-        </p:txBody>
-      </p:sp>
-      <p:sp>
-        <p:nvSpPr>
-          <p:cNvPr id="3" name="Подзаголовок 2"/>
-          <p:cNvSpPr>
-            <a:spLocks noGrp="1"/>
-          </p:cNvSpPr>
-          <p:nvPr>
-            <p:ph type="subTitle" idx="1"/>
-          </p:nvPr>
-        </p:nvSpPr>
-        <p:spPr/>
-        <p:txBody>
-          <a:bodyPr/>
-          <a:lstStyle/>
-          <a:p>
-            <a:endParaRPr lang="ru-RU" dirty="0"/>
+            <a:pPr>
+              <a:lnSpc>
+                <a:spcPct val="120000"/>
+              </a:lnSpc>
+              <a:spcBef>
+                <a:spcPts val="0"/>
+              </a:spcBef>
+            </a:pPr>
+            <a:r>
+              <a:rPr lang="ru-RU" sz="1600" dirty="0"/>
+              <a:t>Выполнил:</a:t>
+            </a:r>
+          </a:p>
+          <a:p>
+            <a:pPr>
+              <a:lnSpc>
+                <a:spcPct val="120000"/>
+              </a:lnSpc>
+              <a:spcBef>
+                <a:spcPts val="0"/>
+              </a:spcBef>
+            </a:pPr>
+            <a:r>
+              <a:rPr lang="ru-RU" sz="1600" dirty="0"/>
+              <a:t>студент группы</a:t>
+            </a:r>
+            <a:r>
+              <a:rPr lang="en-US" sz="1600" dirty="0"/>
+              <a:t> </a:t>
+            </a:r>
+            <a:r>
+              <a:rPr lang="ru-RU" sz="1600" b="1" dirty="0"/>
+              <a:t>ПИ-20.01</a:t>
+            </a:r>
+            <a:endParaRPr lang="en-US" sz="1600" b="1" dirty="0"/>
+          </a:p>
+          <a:p>
+            <a:pPr>
+              <a:lnSpc>
+                <a:spcPct val="120000"/>
+              </a:lnSpc>
+              <a:spcBef>
+                <a:spcPts val="0"/>
+              </a:spcBef>
+            </a:pPr>
+            <a:r>
+              <a:rPr lang="ru-RU" sz="1600" b="1" dirty="0"/>
+              <a:t>Каспшицкий А.А.</a:t>
+            </a:r>
+          </a:p>
+          <a:p>
+            <a:pPr>
+              <a:lnSpc>
+                <a:spcPct val="120000"/>
+              </a:lnSpc>
+              <a:spcBef>
+                <a:spcPts val="0"/>
+              </a:spcBef>
+            </a:pPr>
+            <a:r>
+              <a:rPr lang="ru-RU" sz="1600" dirty="0"/>
+              <a:t>Руководитель от </a:t>
+            </a:r>
+            <a:r>
+              <a:rPr lang="ru-RU" sz="1600" dirty="0" err="1"/>
+              <a:t>ТюмГУ</a:t>
+            </a:r>
+            <a:r>
+              <a:rPr lang="ru-RU" sz="1600" dirty="0"/>
+              <a:t>:</a:t>
+            </a:r>
+          </a:p>
+          <a:p>
+            <a:pPr>
+              <a:lnSpc>
+                <a:spcPct val="120000"/>
+              </a:lnSpc>
+              <a:spcBef>
+                <a:spcPts val="0"/>
+              </a:spcBef>
+            </a:pPr>
+            <a:r>
+              <a:rPr lang="ru-RU" sz="1600" b="1" dirty="0"/>
+              <a:t>Профессор (</a:t>
+            </a:r>
+            <a:r>
+              <a:rPr lang="ru-RU" sz="1600" b="1" dirty="0" err="1"/>
+              <a:t>д.н</a:t>
+            </a:r>
+            <a:r>
+              <a:rPr lang="ru-RU" sz="1600" b="1" dirty="0"/>
+              <a:t>.) Ивашко А.Г.</a:t>
+            </a:r>
+          </a:p>
+          <a:p>
+            <a:pPr>
+              <a:lnSpc>
+                <a:spcPct val="120000"/>
+              </a:lnSpc>
+              <a:spcBef>
+                <a:spcPts val="0"/>
+              </a:spcBef>
+            </a:pPr>
+            <a:r>
+              <a:rPr lang="ru-RU" sz="1600" dirty="0"/>
+              <a:t>Руководитель от предприятия: </a:t>
+            </a:r>
+          </a:p>
+          <a:p>
+            <a:pPr>
+              <a:lnSpc>
+                <a:spcPct val="120000"/>
+              </a:lnSpc>
+              <a:spcBef>
+                <a:spcPts val="0"/>
+              </a:spcBef>
+            </a:pPr>
+            <a:r>
+              <a:rPr lang="ru-RU" sz="1600" b="1" dirty="0"/>
+              <a:t>Ткаченко И.Н.</a:t>
+            </a:r>
+          </a:p>
+          <a:p>
+            <a:pPr>
+              <a:spcBef>
+                <a:spcPts val="0"/>
+              </a:spcBef>
+            </a:pPr>
+            <a:endParaRPr lang="ru-RU" sz="1600" dirty="0">
+              <a:latin typeface="Times New Roman" pitchFamily="18" charset="0"/>
+              <a:cs typeface="Times New Roman" pitchFamily="18" charset="0"/>
+            </a:endParaRPr>
+          </a:p>
+        </p:txBody>
+      </p:sp>
+      <p:sp>
+        <p:nvSpPr>
+          <p:cNvPr id="5" name="TextBox 4"/>
+          <p:cNvSpPr txBox="1"/>
+          <p:nvPr/>
+        </p:nvSpPr>
+        <p:spPr>
+          <a:xfrm>
+            <a:off x="1585643" y="201881"/>
+            <a:ext cx="9205121" cy="2062103"/>
+          </a:xfrm>
+          <a:prstGeom prst="rect">
+            <a:avLst/>
+          </a:prstGeom>
+          <a:noFill/>
+        </p:spPr>
+        <p:txBody>
+          <a:bodyPr wrap="square" rtlCol="0">
+            <a:spAutoFit/>
+          </a:bodyPr>
+          <a:lstStyle/>
+          <a:p>
+            <a:pPr algn="ctr"/>
+            <a:r>
+              <a:rPr lang="ru-RU" sz="1600" dirty="0"/>
+              <a:t>МИНИСТЕРСТВО НАУКИ И ВЫСШЕГО ОБРАЗОВАНИЯ </a:t>
+            </a:r>
+          </a:p>
+          <a:p>
+            <a:pPr algn="ctr"/>
+            <a:r>
+              <a:rPr lang="ru-RU" sz="1600" dirty="0"/>
+              <a:t>РОССИЙСКОЙ ФЕДЕРАЦИИ</a:t>
+            </a:r>
+          </a:p>
+          <a:p>
+            <a:pPr algn="ctr"/>
+            <a:r>
+              <a:rPr lang="ru-RU" sz="1600" dirty="0"/>
+              <a:t>Федеральное государственное автономное образовательное учреждение</a:t>
+            </a:r>
+          </a:p>
+          <a:p>
+            <a:pPr algn="ctr"/>
+            <a:r>
+              <a:rPr lang="ru-RU" sz="1600" dirty="0"/>
+              <a:t>высшего образования</a:t>
+            </a:r>
+          </a:p>
+          <a:p>
+            <a:pPr algn="ctr"/>
+            <a:r>
+              <a:rPr lang="ru-RU" sz="1600" dirty="0"/>
+              <a:t>«ТЮМЕНСКИЙ ГОСУДАРСТВЕННЫЙ УНИВЕРСИТЕТ»</a:t>
+            </a:r>
+          </a:p>
+          <a:p>
+            <a:pPr algn="ctr"/>
+            <a:r>
+              <a:rPr lang="ru-RU" sz="1600" dirty="0"/>
+              <a:t>ИНСТИТУТ МАТЕМАТИКИ И КОМПЬЮТЕРНЫХ НАУК</a:t>
+            </a:r>
+          </a:p>
+          <a:p>
+            <a:pPr algn="ctr"/>
+            <a:r>
+              <a:rPr lang="ru-RU" sz="1600" dirty="0"/>
+              <a:t>Кафедра программной и системной инженерии</a:t>
+            </a:r>
+          </a:p>
+          <a:p>
+            <a:pPr algn="ctr"/>
+            <a:r>
+              <a:rPr lang="ru-RU" sz="1600" dirty="0"/>
+              <a:t>Базовая кафедра автоматизации бизнес-процессов на платформе 1С:Предприятие</a:t>
+            </a:r>
+            <a:endParaRPr lang="ru-RU" dirty="0">
+              <a:latin typeface="Times New Roman" pitchFamily="18" charset="0"/>
+              <a:cs typeface="Times New Roman" pitchFamily="18" charset="0"/>
+            </a:endParaRPr>
+          </a:p>
+        </p:txBody>
+      </p:sp>
+      <p:sp>
+        <p:nvSpPr>
+          <p:cNvPr id="6" name="Прямоугольник 5"/>
+          <p:cNvSpPr/>
+          <p:nvPr/>
+        </p:nvSpPr>
+        <p:spPr>
+          <a:xfrm>
+            <a:off x="3192304" y="2314831"/>
+            <a:ext cx="6096000" cy="2062103"/>
+          </a:xfrm>
+          <a:prstGeom prst="rect">
+            <a:avLst/>
+          </a:prstGeom>
+          <a:noFill/>
+        </p:spPr>
+        <p:txBody>
+          <a:bodyPr wrap="square">
+            <a:spAutoFit/>
+          </a:bodyPr>
+          <a:lstStyle/>
+          <a:p>
+            <a:r>
+              <a:rPr lang="ru-RU" sz="1600" cap="all" dirty="0"/>
+              <a:t> </a:t>
+            </a:r>
+            <a:endParaRPr lang="ru-RU" sz="1600" dirty="0"/>
+          </a:p>
+          <a:p>
+            <a:pPr algn="ctr"/>
+            <a:r>
+              <a:rPr lang="ru-RU" sz="1600" dirty="0"/>
+              <a:t>ОТЧЕТ</a:t>
+            </a:r>
+          </a:p>
+          <a:p>
+            <a:pPr algn="ctr"/>
+            <a:r>
+              <a:rPr lang="ru-RU" sz="1600" dirty="0"/>
+              <a:t>О РЕЗУЛЬТАТАХ ИНДИВИДУАЛЬНОЙ </a:t>
+            </a:r>
+          </a:p>
+          <a:p>
+            <a:pPr algn="ctr"/>
+            <a:r>
+              <a:rPr lang="ru-RU" sz="1600" dirty="0"/>
+              <a:t>ТЕХНОЛОГИЧЕСКОЙ ПРАКТИКИ</a:t>
+            </a:r>
+          </a:p>
+          <a:p>
+            <a:pPr algn="ctr"/>
+            <a:r>
+              <a:rPr lang="ru-RU" sz="1600" dirty="0"/>
+              <a:t>(ПРОЕКТНО-ТЕХНОЛОГИЧЕСКАЯ)</a:t>
+            </a:r>
+          </a:p>
+          <a:p>
+            <a:pPr algn="ctr"/>
+            <a:r>
+              <a:rPr lang="ru-RU" sz="1600" dirty="0"/>
+              <a:t> </a:t>
+            </a:r>
+          </a:p>
+          <a:p>
+            <a:pPr algn="ctr"/>
+            <a:r>
+              <a:rPr lang="ru-RU" sz="1600" dirty="0"/>
+              <a:t>Место прохождения практики</a:t>
+            </a:r>
+            <a:endParaRPr lang="en-US" sz="1600" dirty="0"/>
+          </a:p>
+          <a:p>
+            <a:pPr algn="ctr"/>
+            <a:r>
+              <a:rPr lang="ru-RU" sz="1600" dirty="0"/>
+              <a:t>ООО «Техноком»</a:t>
+            </a:r>
+          </a:p>
+        </p:txBody>
+      </p:sp>
+      <p:sp>
+        <p:nvSpPr>
+          <p:cNvPr id="7" name="Rectangle 1"/>
+          <p:cNvSpPr>
+            <a:spLocks noChangeArrowheads="1"/>
+          </p:cNvSpPr>
+          <p:nvPr/>
+        </p:nvSpPr>
+        <p:spPr bwMode="auto">
+          <a:xfrm>
+            <a:off x="4802659" y="6427742"/>
+            <a:ext cx="2217285" cy="338554"/>
+          </a:xfrm>
+          <a:prstGeom prst="rect">
+            <a:avLst/>
+          </a:prstGeom>
+          <a:noFill/>
+          <a:ln>
+            <a:noFill/>
+          </a:ln>
+          <a:effectLst/>
+          <a:extLst>
+            <a:ext uri="{909E8E84-426E-40DD-AFC4-6F175D3DCCD1}">
+              <a14:hiddenFill xmlns:a14="http://schemas.microsoft.com/office/drawing/2010/main">
+                <a:solidFill>
+                  <a:schemeClr val="accent1"/>
+                </a:solidFill>
+              </a14:hiddenFill>
+            </a:ext>
+            <a:ext uri="{91240B29-F687-4F45-9708-019B960494DF}">
+              <a14:hiddenLine xmlns:a14="http://schemas.microsoft.com/office/drawing/2010/main" w="9525">
+                <a:solidFill>
+                  <a:schemeClr val="tx1"/>
+                </a:solidFill>
+                <a:miter lim="800000"/>
+                <a:headEnd/>
+                <a:tailEnd/>
+              </a14:hiddenLine>
+            </a:ext>
+            <a:ext uri="{AF507438-7753-43E0-B8FC-AC1667EBCBE1}">
+              <a14:hiddenEffects xmlns:a14="http://schemas.microsoft.com/office/drawing/2010/main">
+                <a:effectLst>
+                  <a:outerShdw dist="35921" dir="2700000" algn="ctr" rotWithShape="0">
+                    <a:schemeClr val="bg2"/>
+                  </a:outerShdw>
+                </a:effectLst>
+              </a14:hiddenEffects>
+            </a:ext>
+          </a:extLst>
+        </p:spPr>
+        <p:txBody>
+          <a:bodyPr vert="horz" wrap="square" lIns="91440" tIns="45720" rIns="91440" bIns="45720" numCol="1" anchor="ctr" anchorCtr="0" compatLnSpc="1">
+            <a:prstTxWarp prst="textNoShape">
+              <a:avLst/>
+            </a:prstTxWarp>
+            <a:spAutoFit/>
+          </a:bodyPr>
+          <a:lstStyle>
+            <a:lvl1pPr eaLnBrk="0" fontAlgn="base" hangingPunct="0">
+              <a:spcBef>
+                <a:spcPct val="0"/>
+              </a:spcBef>
+              <a:spcAft>
+                <a:spcPct val="0"/>
+              </a:spcAft>
+              <a:tabLst>
+                <a:tab pos="2970213" algn="ctr"/>
+                <a:tab pos="5940425" algn="r"/>
+              </a:tabLst>
+              <a:defRPr>
+                <a:solidFill>
+                  <a:schemeClr val="tx1"/>
+                </a:solidFill>
+                <a:latin typeface="Arial" panose="020B0604020202020204" pitchFamily="34" charset="0"/>
+              </a:defRPr>
+            </a:lvl1pPr>
+            <a:lvl2pPr eaLnBrk="0" fontAlgn="base" hangingPunct="0">
+              <a:spcBef>
+                <a:spcPct val="0"/>
+              </a:spcBef>
+              <a:spcAft>
+                <a:spcPct val="0"/>
+              </a:spcAft>
+              <a:tabLst>
+                <a:tab pos="2970213" algn="ctr"/>
+                <a:tab pos="5940425" algn="r"/>
+              </a:tabLst>
+              <a:defRPr>
+                <a:solidFill>
+                  <a:schemeClr val="tx1"/>
+                </a:solidFill>
+                <a:latin typeface="Arial" panose="020B0604020202020204" pitchFamily="34" charset="0"/>
+              </a:defRPr>
+            </a:lvl2pPr>
+            <a:lvl3pPr eaLnBrk="0" fontAlgn="base" hangingPunct="0">
+              <a:spcBef>
+                <a:spcPct val="0"/>
+              </a:spcBef>
+              <a:spcAft>
+                <a:spcPct val="0"/>
+              </a:spcAft>
+              <a:tabLst>
+                <a:tab pos="2970213" algn="ctr"/>
+                <a:tab pos="5940425" algn="r"/>
+              </a:tabLst>
+              <a:defRPr>
+                <a:solidFill>
+                  <a:schemeClr val="tx1"/>
+                </a:solidFill>
+                <a:latin typeface="Arial" panose="020B0604020202020204" pitchFamily="34" charset="0"/>
+              </a:defRPr>
+            </a:lvl3pPr>
+            <a:lvl4pPr eaLnBrk="0" fontAlgn="base" hangingPunct="0">
+              <a:spcBef>
+                <a:spcPct val="0"/>
+              </a:spcBef>
+              <a:spcAft>
+                <a:spcPct val="0"/>
+              </a:spcAft>
+              <a:tabLst>
+                <a:tab pos="2970213" algn="ctr"/>
+                <a:tab pos="5940425" algn="r"/>
+              </a:tabLst>
+              <a:defRPr>
+                <a:solidFill>
+                  <a:schemeClr val="tx1"/>
+                </a:solidFill>
+                <a:latin typeface="Arial" panose="020B0604020202020204" pitchFamily="34" charset="0"/>
+              </a:defRPr>
+            </a:lvl4pPr>
+            <a:lvl5pPr eaLnBrk="0" fontAlgn="base" hangingPunct="0">
+              <a:spcBef>
+                <a:spcPct val="0"/>
+              </a:spcBef>
+              <a:spcAft>
+                <a:spcPct val="0"/>
+              </a:spcAft>
+              <a:tabLst>
+                <a:tab pos="2970213" algn="ctr"/>
+                <a:tab pos="5940425" algn="r"/>
+              </a:tabLst>
+              <a:defRPr>
+                <a:solidFill>
+                  <a:schemeClr val="tx1"/>
+                </a:solidFill>
+                <a:latin typeface="Arial" panose="020B0604020202020204" pitchFamily="34" charset="0"/>
+              </a:defRPr>
+            </a:lvl5pPr>
+            <a:lvl6pPr eaLnBrk="0" fontAlgn="base" hangingPunct="0">
+              <a:spcBef>
+                <a:spcPct val="0"/>
+              </a:spcBef>
+              <a:spcAft>
+                <a:spcPct val="0"/>
+              </a:spcAft>
+              <a:tabLst>
+                <a:tab pos="2970213" algn="ctr"/>
+                <a:tab pos="5940425" algn="r"/>
+              </a:tabLst>
+              <a:defRPr>
+                <a:solidFill>
+                  <a:schemeClr val="tx1"/>
+                </a:solidFill>
+                <a:latin typeface="Arial" panose="020B0604020202020204" pitchFamily="34" charset="0"/>
+              </a:defRPr>
+            </a:lvl6pPr>
+            <a:lvl7pPr eaLnBrk="0" fontAlgn="base" hangingPunct="0">
+              <a:spcBef>
+                <a:spcPct val="0"/>
+              </a:spcBef>
+              <a:spcAft>
+                <a:spcPct val="0"/>
+              </a:spcAft>
+              <a:tabLst>
+                <a:tab pos="2970213" algn="ctr"/>
+                <a:tab pos="5940425" algn="r"/>
+              </a:tabLst>
+              <a:defRPr>
+                <a:solidFill>
+                  <a:schemeClr val="tx1"/>
+                </a:solidFill>
+                <a:latin typeface="Arial" panose="020B0604020202020204" pitchFamily="34" charset="0"/>
+              </a:defRPr>
+            </a:lvl7pPr>
+            <a:lvl8pPr eaLnBrk="0" fontAlgn="base" hangingPunct="0">
+              <a:spcBef>
+                <a:spcPct val="0"/>
+              </a:spcBef>
+              <a:spcAft>
+                <a:spcPct val="0"/>
+              </a:spcAft>
+              <a:tabLst>
+                <a:tab pos="2970213" algn="ctr"/>
+                <a:tab pos="5940425" algn="r"/>
+              </a:tabLst>
+              <a:defRPr>
+                <a:solidFill>
+                  <a:schemeClr val="tx1"/>
+                </a:solidFill>
+                <a:latin typeface="Arial" panose="020B0604020202020204" pitchFamily="34" charset="0"/>
+              </a:defRPr>
+            </a:lvl8pPr>
+            <a:lvl9pPr eaLnBrk="0" fontAlgn="base" hangingPunct="0">
+              <a:spcBef>
+                <a:spcPct val="0"/>
+              </a:spcBef>
+              <a:spcAft>
+                <a:spcPct val="0"/>
+              </a:spcAft>
+              <a:tabLst>
+                <a:tab pos="2970213" algn="ctr"/>
+                <a:tab pos="5940425" algn="r"/>
+              </a:tabLst>
+              <a:defRPr>
+                <a:solidFill>
+                  <a:schemeClr val="tx1"/>
+                </a:solidFill>
+                <a:latin typeface="Arial" panose="020B0604020202020204" pitchFamily="34" charset="0"/>
+              </a:defRPr>
+            </a:lvl9pPr>
+          </a:lstStyle>
+          <a:p>
+            <a:pPr marL="0" marR="0" lvl="0" indent="450850" defTabSz="914400" rtl="0" eaLnBrk="0" fontAlgn="base" latinLnBrk="0" hangingPunct="0">
+              <a:lnSpc>
+                <a:spcPct val="100000"/>
+              </a:lnSpc>
+              <a:spcBef>
+                <a:spcPct val="0"/>
+              </a:spcBef>
+              <a:spcAft>
+                <a:spcPct val="0"/>
+              </a:spcAft>
+              <a:buClrTx/>
+              <a:buSzTx/>
+              <a:buFontTx/>
+              <a:buNone/>
+              <a:tabLst>
+                <a:tab pos="2970213" algn="ctr"/>
+                <a:tab pos="5940425" algn="r"/>
+              </a:tabLst>
+            </a:pPr>
+            <a:r>
+              <a:rPr lang="ru-RU" altLang="ru-RU" sz="1600" dirty="0">
+                <a:latin typeface="+mn-lt"/>
+              </a:rPr>
+              <a:t>Тюмень-2023</a:t>
+            </a:r>
           </a:p>
         </p:txBody>
       </p:sp>
     </p:spTree>
     <p:extLst>
       <p:ext uri="{BB962C8B-B14F-4D97-AF65-F5344CB8AC3E}">
-        <p14:creationId xmlns:p14="http://schemas.microsoft.com/office/powerpoint/2010/main" val="2830343465"/>
+        <p14:creationId xmlns:p14="http://schemas.microsoft.com/office/powerpoint/2010/main" val="1977958880"/>
       </p:ext>
     </p:extLst>
   </p:cSld>
@@ -3395,45 +4177,76 @@
             <p:ph type="title"/>
           </p:nvPr>
         </p:nvSpPr>
+        <p:spPr>
+          <a:xfrm>
+            <a:off x="722376" y="365125"/>
+            <a:ext cx="10631424" cy="1325563"/>
+          </a:xfrm>
+        </p:spPr>
+        <p:txBody>
+          <a:bodyPr/>
+          <a:lstStyle/>
+          <a:p>
+            <a:r>
+              <a:rPr lang="ru-RU" dirty="0"/>
+              <a:t>Узкие места бизнес-процесса.</a:t>
+            </a:r>
+          </a:p>
+        </p:txBody>
+      </p:sp>
+      <p:sp>
+        <p:nvSpPr>
+          <p:cNvPr id="3" name="Объект 2"/>
+          <p:cNvSpPr>
+            <a:spLocks noGrp="1"/>
+          </p:cNvSpPr>
+          <p:nvPr>
+            <p:ph idx="1"/>
+          </p:nvPr>
+        </p:nvSpPr>
         <p:spPr/>
         <p:txBody>
           <a:bodyPr/>
           <a:lstStyle/>
           <a:p>
-            <a:pPr algn="ctr"/>
+            <a:pPr marL="514350" indent="-514350">
+              <a:buFont typeface="+mj-lt"/>
+              <a:buAutoNum type="arabicPeriod"/>
+            </a:pPr>
             <a:r>
               <a:rPr lang="ru-RU" dirty="0"/>
-              <a:t>Сценарий разработки</a:t>
-            </a:r>
-          </a:p>
-        </p:txBody>
-      </p:sp>
-      <p:sp>
-        <p:nvSpPr>
-          <p:cNvPr id="3" name="Объект 2"/>
-          <p:cNvSpPr>
-            <a:spLocks noGrp="1"/>
-          </p:cNvSpPr>
-          <p:nvPr>
-            <p:ph idx="1"/>
-          </p:nvPr>
-        </p:nvSpPr>
-        <p:spPr/>
-        <p:txBody>
-          <a:bodyPr/>
-          <a:lstStyle/>
-          <a:p>
+              <a:t>Подача заявлений,</a:t>
+            </a:r>
+          </a:p>
+          <a:p>
+            <a:pPr marL="514350" indent="-514350">
+              <a:buFont typeface="+mj-lt"/>
+              <a:buAutoNum type="arabicPeriod"/>
+            </a:pPr>
             <a:r>
               <a:rPr lang="ru-RU" dirty="0"/>
-              <a:t>С чего начну как разработчик.</a:t>
-            </a:r>
+              <a:t>Отслеживание статусов заявлений,</a:t>
+            </a:r>
+          </a:p>
+          <a:p>
+            <a:pPr marL="514350" indent="-514350">
+              <a:buFont typeface="+mj-lt"/>
+              <a:buAutoNum type="arabicPeriod"/>
+            </a:pPr>
+            <a:r>
+              <a:rPr lang="ru-RU" dirty="0"/>
+              <a:t>Уведомление заявителя.</a:t>
+            </a:r>
+          </a:p>
+          <a:p>
+            <a:endParaRPr lang="ru-RU" dirty="0"/>
           </a:p>
         </p:txBody>
       </p:sp>
     </p:spTree>
     <p:extLst>
       <p:ext uri="{BB962C8B-B14F-4D97-AF65-F5344CB8AC3E}">
-        <p14:creationId xmlns:p14="http://schemas.microsoft.com/office/powerpoint/2010/main" val="633527894"/>
+        <p14:creationId xmlns:p14="http://schemas.microsoft.com/office/powerpoint/2010/main" val="463957891"/>
       </p:ext>
     </p:extLst>
   </p:cSld>
@@ -3465,7 +4278,7 @@
           <p:cNvPr id="2" name="Заголовок 1">
             <a:extLst>
               <a:ext uri="{FF2B5EF4-FFF2-40B4-BE49-F238E27FC236}">
-                <a16:creationId xmlns:a16="http://schemas.microsoft.com/office/drawing/2014/main" id="{D8A27729-5451-50B7-7E48-414C711ED729}"/>
+                <a16:creationId xmlns:a16="http://schemas.microsoft.com/office/drawing/2014/main" id="{BF453941-33A6-C802-2C6A-C74E237C9D17}"/>
               </a:ext>
             </a:extLst>
           </p:cNvPr>
@@ -3484,7 +4297,7 @@
             <a:pPr algn="ctr"/>
             <a:r>
               <a:rPr lang="ru-RU" dirty="0"/>
-              <a:t>Входные данные</a:t>
+              <a:t>Цель</a:t>
             </a:r>
           </a:p>
         </p:txBody>
@@ -3494,7 +4307,7 @@
           <p:cNvPr id="3" name="Объект 2">
             <a:extLst>
               <a:ext uri="{FF2B5EF4-FFF2-40B4-BE49-F238E27FC236}">
-                <a16:creationId xmlns:a16="http://schemas.microsoft.com/office/drawing/2014/main" id="{F8EBDBDF-6213-5485-B958-CCD6BCE73147}"/>
+                <a16:creationId xmlns:a16="http://schemas.microsoft.com/office/drawing/2014/main" id="{F721782F-AA52-20F9-E2AB-B79A6BFA8004}"/>
               </a:ext>
             </a:extLst>
           </p:cNvPr>
@@ -3505,42 +4318,71 @@
             <p:ph idx="1"/>
           </p:nvPr>
         </p:nvSpPr>
-        <p:spPr/>
-        <p:txBody>
-          <a:bodyPr/>
-          <a:lstStyle/>
-          <a:p>
-            <a:r>
-              <a:rPr lang="ru-RU" dirty="0"/>
-              <a:t>Заявление на получение предварительного  согласования лесного участка</a:t>
-            </a:r>
-          </a:p>
-          <a:p>
-            <a:r>
-              <a:rPr lang="ru-RU" dirty="0"/>
-              <a:t>Заявление на утверждение</a:t>
-            </a:r>
-            <a:r>
-              <a:rPr lang="en-US" dirty="0"/>
+        <p:spPr>
+          <a:xfrm>
+            <a:off x="838200" y="1690688"/>
+            <a:ext cx="10515600" cy="4351338"/>
+          </a:xfrm>
+        </p:spPr>
+        <p:txBody>
+          <a:bodyPr>
+            <a:normAutofit/>
+          </a:bodyPr>
+          <a:lstStyle/>
+          <a:p>
+            <a:r>
+              <a:rPr lang="ru-RU" dirty="0">
+                <a:solidFill>
+                  <a:srgbClr val="303030"/>
+                </a:solidFill>
+                <a:effectLst/>
+                <a:ea typeface="Calibri" panose="020F0502020204030204" pitchFamily="34" charset="0"/>
+              </a:rPr>
+              <a:t>Сократить время для предоставления услуги и трудозатраты оператора ВИС Лесопользование, путем автоматизации регистрации заявлений и</a:t>
+            </a:r>
+            <a:r>
+              <a:rPr lang="en-US" dirty="0">
+                <a:solidFill>
+                  <a:srgbClr val="303030"/>
+                </a:solidFill>
+                <a:effectLst/>
+                <a:ea typeface="Calibri" panose="020F0502020204030204" pitchFamily="34" charset="0"/>
+              </a:rPr>
               <a:t> </a:t>
             </a:r>
             <a:r>
-              <a:rPr lang="ru-RU" dirty="0"/>
-              <a:t>проектной документации пользования лесным участком</a:t>
-            </a:r>
-          </a:p>
-          <a:p>
-            <a:r>
-              <a:rPr lang="ru-RU" dirty="0"/>
-              <a:t>Заявление на предоставление лесного участка в пользование</a:t>
-            </a:r>
+              <a:rPr lang="ru-RU" dirty="0">
+                <a:solidFill>
+                  <a:srgbClr val="303030"/>
+                </a:solidFill>
+                <a:effectLst/>
+                <a:ea typeface="Calibri" panose="020F0502020204030204" pitchFamily="34" charset="0"/>
+              </a:rPr>
+              <a:t>частичной автоматизации подписания итоговых документов в СЭД ПСО</a:t>
+            </a:r>
+            <a:r>
+              <a:rPr lang="ru-RU" dirty="0">
+                <a:solidFill>
+                  <a:srgbClr val="303030"/>
+                </a:solidFill>
+                <a:ea typeface="Calibri" panose="020F0502020204030204" pitchFamily="34" charset="0"/>
+              </a:rPr>
+              <a:t>.</a:t>
+            </a:r>
+            <a:endParaRPr lang="ru-RU" dirty="0">
+              <a:solidFill>
+                <a:srgbClr val="303030"/>
+              </a:solidFill>
+              <a:effectLst/>
+              <a:ea typeface="Calibri" panose="020F0502020204030204" pitchFamily="34" charset="0"/>
+            </a:endParaRPr>
           </a:p>
         </p:txBody>
       </p:sp>
     </p:spTree>
     <p:extLst>
       <p:ext uri="{BB962C8B-B14F-4D97-AF65-F5344CB8AC3E}">
-        <p14:creationId xmlns:p14="http://schemas.microsoft.com/office/powerpoint/2010/main" val="3520240573"/>
+        <p14:creationId xmlns:p14="http://schemas.microsoft.com/office/powerpoint/2010/main" val="3833297341"/>
       </p:ext>
     </p:extLst>
   </p:cSld>
@@ -3572,7 +4414,7 @@
           <p:cNvPr id="2" name="Заголовок 1">
             <a:extLst>
               <a:ext uri="{FF2B5EF4-FFF2-40B4-BE49-F238E27FC236}">
-                <a16:creationId xmlns:a16="http://schemas.microsoft.com/office/drawing/2014/main" id="{AD142634-8CAF-6287-38B5-8D4672ABE5BC}"/>
+                <a16:creationId xmlns:a16="http://schemas.microsoft.com/office/drawing/2014/main" id="{AFEE9FF2-96E7-0868-9DE9-117876247596}"/>
               </a:ext>
             </a:extLst>
           </p:cNvPr>
@@ -3590,8 +4432,15 @@
           <a:p>
             <a:pPr algn="ctr"/>
             <a:r>
-              <a:rPr lang="ru-RU" dirty="0"/>
-              <a:t>Выходные данные</a:t>
+              <a:rPr lang="ru-RU" dirty="0">
+                <a:solidFill>
+                  <a:schemeClr val="tx1">
+                    <a:lumMod val="95000"/>
+                    <a:lumOff val="5000"/>
+                  </a:schemeClr>
+                </a:solidFill>
+              </a:rPr>
+              <a:t>Задачи</a:t>
             </a:r>
           </a:p>
         </p:txBody>
@@ -3601,7 +4450,7 @@
           <p:cNvPr id="3" name="Объект 2">
             <a:extLst>
               <a:ext uri="{FF2B5EF4-FFF2-40B4-BE49-F238E27FC236}">
-                <a16:creationId xmlns:a16="http://schemas.microsoft.com/office/drawing/2014/main" id="{01896C1D-163E-8187-9EEA-004C5DAED064}"/>
+                <a16:creationId xmlns:a16="http://schemas.microsoft.com/office/drawing/2014/main" id="{93E7766C-0A08-FEF6-9580-0459957FA465}"/>
               </a:ext>
             </a:extLst>
           </p:cNvPr>
@@ -3612,34 +4461,122 @@
             <p:ph idx="1"/>
           </p:nvPr>
         </p:nvSpPr>
-        <p:spPr/>
-        <p:txBody>
-          <a:bodyPr/>
-          <a:lstStyle/>
-          <a:p>
-            <a:r>
-              <a:rPr lang="ru-RU" dirty="0"/>
-              <a:t>Приказ о согласовании лесного участка</a:t>
-            </a:r>
-          </a:p>
-          <a:p>
-            <a:r>
-              <a:rPr lang="ru-RU" dirty="0"/>
-              <a:t>Приказ об утверждении проектной документации и государственном учете лесного участка в соответствии с проектной документацией на лесной участок для заготовки древесины</a:t>
-            </a:r>
-          </a:p>
-          <a:p>
-            <a:r>
-              <a:rPr lang="ru-RU" dirty="0"/>
-              <a:t>Приказ о предоставлении земельного (лесного) участка в пользование</a:t>
-            </a:r>
+        <p:spPr>
+          <a:xfrm>
+            <a:off x="838200" y="1771877"/>
+            <a:ext cx="10756392" cy="4351338"/>
+          </a:xfrm>
+        </p:spPr>
+        <p:txBody>
+          <a:bodyPr>
+            <a:normAutofit fontScale="92500" lnSpcReduction="10000"/>
+          </a:bodyPr>
+          <a:lstStyle/>
+          <a:p>
+            <a:pPr marL="914400" lvl="1" indent="-457200" algn="just">
+              <a:lnSpc>
+                <a:spcPct val="150000"/>
+              </a:lnSpc>
+              <a:buFont typeface="+mj-lt"/>
+              <a:buAutoNum type="arabicPeriod"/>
+            </a:pPr>
+            <a:r>
+              <a:rPr lang="ru-RU" sz="2800" dirty="0">
+                <a:effectLst/>
+                <a:ea typeface="Times New Roman" panose="02020603050405020304" pitchFamily="18" charset="0"/>
+              </a:rPr>
+              <a:t>Изучить модель данных ВИС Лесопользования Свердловской Области</a:t>
+            </a:r>
+          </a:p>
+          <a:p>
+            <a:pPr marL="914400" lvl="1" indent="-457200" algn="just">
+              <a:lnSpc>
+                <a:spcPct val="150000"/>
+              </a:lnSpc>
+              <a:buFont typeface="+mj-lt"/>
+              <a:buAutoNum type="arabicPeriod"/>
+            </a:pPr>
+            <a:r>
+              <a:rPr lang="ru-RU" sz="2800" dirty="0">
+                <a:effectLst/>
+                <a:ea typeface="Times New Roman" panose="02020603050405020304" pitchFamily="18" charset="0"/>
+              </a:rPr>
+              <a:t>Изучить структуру сообщений для обмена сообщениями с СЭД ПСО</a:t>
+            </a:r>
+          </a:p>
+          <a:p>
+            <a:pPr marL="914400" lvl="1" indent="-457200" algn="just">
+              <a:lnSpc>
+                <a:spcPct val="150000"/>
+              </a:lnSpc>
+              <a:buFont typeface="+mj-lt"/>
+              <a:buAutoNum type="arabicPeriod"/>
+            </a:pPr>
+            <a:r>
+              <a:rPr lang="ru-RU" sz="2800" dirty="0">
+                <a:effectLst/>
+                <a:ea typeface="Times New Roman" panose="02020603050405020304" pitchFamily="18" charset="0"/>
+              </a:rPr>
+              <a:t>Спроектировать сервис для генерации и отправки сообщений</a:t>
+            </a:r>
+          </a:p>
+          <a:p>
+            <a:pPr marL="914400" lvl="1" indent="-457200" algn="just">
+              <a:lnSpc>
+                <a:spcPct val="150000"/>
+              </a:lnSpc>
+              <a:buFont typeface="+mj-lt"/>
+              <a:buAutoNum type="arabicPeriod"/>
+            </a:pPr>
+            <a:r>
+              <a:rPr lang="ru-RU" sz="2800" dirty="0">
+                <a:effectLst/>
+                <a:ea typeface="Times New Roman" panose="02020603050405020304" pitchFamily="18" charset="0"/>
+              </a:rPr>
+              <a:t>Реализовать сервис для генерации и отправки пакетов</a:t>
+            </a:r>
+          </a:p>
+          <a:p>
+            <a:pPr marL="914400" lvl="1" indent="-457200" algn="just">
+              <a:lnSpc>
+                <a:spcPct val="150000"/>
+              </a:lnSpc>
+              <a:buFont typeface="+mj-lt"/>
+              <a:buAutoNum type="arabicPeriod"/>
+            </a:pPr>
+            <a:r>
+              <a:rPr lang="ru-RU" sz="2800" dirty="0">
+                <a:effectLst/>
+                <a:ea typeface="Times New Roman" panose="02020603050405020304" pitchFamily="18" charset="0"/>
+              </a:rPr>
+              <a:t>Спроектировать сервис для обработки ответных сообщений</a:t>
+            </a:r>
+          </a:p>
+          <a:p>
+            <a:pPr marL="914400" lvl="1" indent="-457200" algn="just">
+              <a:lnSpc>
+                <a:spcPct val="150000"/>
+              </a:lnSpc>
+              <a:buFont typeface="+mj-lt"/>
+              <a:buAutoNum type="arabicPeriod"/>
+            </a:pPr>
+            <a:r>
+              <a:rPr lang="ru-RU" sz="2800" dirty="0">
+                <a:effectLst/>
+                <a:ea typeface="Times New Roman" panose="02020603050405020304" pitchFamily="18" charset="0"/>
+              </a:rPr>
+              <a:t>Реализовать сервис для обработки ответных сообщений</a:t>
+            </a:r>
+          </a:p>
+          <a:p>
+            <a:endParaRPr lang="ru-RU" dirty="0"/>
           </a:p>
         </p:txBody>
       </p:sp>
     </p:spTree>
     <p:extLst>
       <p:ext uri="{BB962C8B-B14F-4D97-AF65-F5344CB8AC3E}">
-        <p14:creationId xmlns:p14="http://schemas.microsoft.com/office/powerpoint/2010/main" val="401418907"/>
+        <p14:creationId xmlns:p14="http://schemas.microsoft.com/office/powerpoint/2010/main" val="2707282225"/>
       </p:ext>
     </p:extLst>
   </p:cSld>
@@ -3671,6 +4608,212 @@
           <p:cNvPr id="2" name="Заголовок 1">
             <a:extLst>
               <a:ext uri="{FF2B5EF4-FFF2-40B4-BE49-F238E27FC236}">
+                <a16:creationId xmlns:a16="http://schemas.microsoft.com/office/drawing/2014/main" id="{D8A27729-5451-50B7-7E48-414C711ED729}"/>
+              </a:ext>
+            </a:extLst>
+          </p:cNvPr>
+          <p:cNvSpPr>
+            <a:spLocks noGrp="1"/>
+          </p:cNvSpPr>
+          <p:nvPr>
+            <p:ph type="title"/>
+          </p:nvPr>
+        </p:nvSpPr>
+        <p:spPr/>
+        <p:txBody>
+          <a:bodyPr/>
+          <a:lstStyle/>
+          <a:p>
+            <a:pPr algn="ctr"/>
+            <a:r>
+              <a:rPr lang="ru-RU" dirty="0"/>
+              <a:t>Входные данные</a:t>
+            </a:r>
+          </a:p>
+        </p:txBody>
+      </p:sp>
+      <p:sp>
+        <p:nvSpPr>
+          <p:cNvPr id="3" name="Объект 2">
+            <a:extLst>
+              <a:ext uri="{FF2B5EF4-FFF2-40B4-BE49-F238E27FC236}">
+                <a16:creationId xmlns:a16="http://schemas.microsoft.com/office/drawing/2014/main" id="{F8EBDBDF-6213-5485-B958-CCD6BCE73147}"/>
+              </a:ext>
+            </a:extLst>
+          </p:cNvPr>
+          <p:cNvSpPr>
+            <a:spLocks noGrp="1"/>
+          </p:cNvSpPr>
+          <p:nvPr>
+            <p:ph idx="1"/>
+          </p:nvPr>
+        </p:nvSpPr>
+        <p:spPr/>
+        <p:txBody>
+          <a:bodyPr/>
+          <a:lstStyle/>
+          <a:p>
+            <a:r>
+              <a:rPr lang="ru-RU" dirty="0"/>
+              <a:t>Заявление на получение предварительного  согласования лесного участка</a:t>
+            </a:r>
+          </a:p>
+          <a:p>
+            <a:r>
+              <a:rPr lang="ru-RU" dirty="0"/>
+              <a:t>Заявление на утверждение</a:t>
+            </a:r>
+            <a:r>
+              <a:rPr lang="en-US" dirty="0"/>
+              <a:t> </a:t>
+            </a:r>
+            <a:r>
+              <a:rPr lang="ru-RU" dirty="0"/>
+              <a:t>проектной документации пользования лесным участком</a:t>
+            </a:r>
+          </a:p>
+          <a:p>
+            <a:r>
+              <a:rPr lang="ru-RU" dirty="0"/>
+              <a:t>Заявление на предоставление лесного участка в пользование</a:t>
+            </a:r>
+          </a:p>
+        </p:txBody>
+      </p:sp>
+    </p:spTree>
+    <p:extLst>
+      <p:ext uri="{BB962C8B-B14F-4D97-AF65-F5344CB8AC3E}">
+        <p14:creationId xmlns:p14="http://schemas.microsoft.com/office/powerpoint/2010/main" val="3520240573"/>
+      </p:ext>
+    </p:extLst>
+  </p:cSld>
+  <p:clrMapOvr>
+    <a:masterClrMapping/>
+  </p:clrMapOvr>
+</p:sld>
+</file>
+
+<file path=ppt/slides/slide14.xml><?xml version="1.0" encoding="utf-8"?>
+<p:sld xmlns:a="http://schemas.openxmlformats.org/drawingml/2006/main" xmlns:r="http://schemas.openxmlformats.org/officeDocument/2006/relationships" xmlns:p="http://schemas.openxmlformats.org/presentationml/2006/main">
+  <p:cSld>
+    <p:spTree>
+      <p:nvGrpSpPr>
+        <p:cNvPr id="1" name=""/>
+        <p:cNvGrpSpPr/>
+        <p:nvPr/>
+      </p:nvGrpSpPr>
+      <p:grpSpPr>
+        <a:xfrm>
+          <a:off x="0" y="0"/>
+          <a:ext cx="0" cy="0"/>
+          <a:chOff x="0" y="0"/>
+          <a:chExt cx="0" cy="0"/>
+        </a:xfrm>
+      </p:grpSpPr>
+      <p:sp>
+        <p:nvSpPr>
+          <p:cNvPr id="2" name="Заголовок 1">
+            <a:extLst>
+              <a:ext uri="{FF2B5EF4-FFF2-40B4-BE49-F238E27FC236}">
+                <a16:creationId xmlns:a16="http://schemas.microsoft.com/office/drawing/2014/main" id="{AD142634-8CAF-6287-38B5-8D4672ABE5BC}"/>
+              </a:ext>
+            </a:extLst>
+          </p:cNvPr>
+          <p:cNvSpPr>
+            <a:spLocks noGrp="1"/>
+          </p:cNvSpPr>
+          <p:nvPr>
+            <p:ph type="title"/>
+          </p:nvPr>
+        </p:nvSpPr>
+        <p:spPr/>
+        <p:txBody>
+          <a:bodyPr/>
+          <a:lstStyle/>
+          <a:p>
+            <a:pPr algn="ctr"/>
+            <a:r>
+              <a:rPr lang="ru-RU" dirty="0"/>
+              <a:t>Выходные данные</a:t>
+            </a:r>
+          </a:p>
+        </p:txBody>
+      </p:sp>
+      <p:sp>
+        <p:nvSpPr>
+          <p:cNvPr id="3" name="Объект 2">
+            <a:extLst>
+              <a:ext uri="{FF2B5EF4-FFF2-40B4-BE49-F238E27FC236}">
+                <a16:creationId xmlns:a16="http://schemas.microsoft.com/office/drawing/2014/main" id="{01896C1D-163E-8187-9EEA-004C5DAED064}"/>
+              </a:ext>
+            </a:extLst>
+          </p:cNvPr>
+          <p:cNvSpPr>
+            <a:spLocks noGrp="1"/>
+          </p:cNvSpPr>
+          <p:nvPr>
+            <p:ph idx="1"/>
+          </p:nvPr>
+        </p:nvSpPr>
+        <p:spPr/>
+        <p:txBody>
+          <a:bodyPr/>
+          <a:lstStyle/>
+          <a:p>
+            <a:r>
+              <a:rPr lang="ru-RU" dirty="0"/>
+              <a:t>Приказ о согласовании лесного участка</a:t>
+            </a:r>
+          </a:p>
+          <a:p>
+            <a:r>
+              <a:rPr lang="ru-RU" dirty="0"/>
+              <a:t>Приказ об утверждении проектной документации и государственном учете лесного участка в соответствии с проектной документацией на лесной участок для заготовки древесины</a:t>
+            </a:r>
+          </a:p>
+          <a:p>
+            <a:r>
+              <a:rPr lang="ru-RU" dirty="0"/>
+              <a:t>Приказ о предоставлении земельного (лесного) участка в пользование</a:t>
+            </a:r>
+          </a:p>
+        </p:txBody>
+      </p:sp>
+    </p:spTree>
+    <p:extLst>
+      <p:ext uri="{BB962C8B-B14F-4D97-AF65-F5344CB8AC3E}">
+        <p14:creationId xmlns:p14="http://schemas.microsoft.com/office/powerpoint/2010/main" val="401418907"/>
+      </p:ext>
+    </p:extLst>
+  </p:cSld>
+  <p:clrMapOvr>
+    <a:masterClrMapping/>
+  </p:clrMapOvr>
+</p:sld>
+</file>
+
+<file path=ppt/slides/slide15.xml><?xml version="1.0" encoding="utf-8"?>
+<p:sld xmlns:a="http://schemas.openxmlformats.org/drawingml/2006/main" xmlns:r="http://schemas.openxmlformats.org/officeDocument/2006/relationships" xmlns:p="http://schemas.openxmlformats.org/presentationml/2006/main">
+  <p:cSld>
+    <p:spTree>
+      <p:nvGrpSpPr>
+        <p:cNvPr id="1" name=""/>
+        <p:cNvGrpSpPr/>
+        <p:nvPr/>
+      </p:nvGrpSpPr>
+      <p:grpSpPr>
+        <a:xfrm>
+          <a:off x="0" y="0"/>
+          <a:ext cx="0" cy="0"/>
+          <a:chOff x="0" y="0"/>
+          <a:chExt cx="0" cy="0"/>
+        </a:xfrm>
+      </p:grpSpPr>
+      <p:sp>
+        <p:nvSpPr>
+          <p:cNvPr id="2" name="Заголовок 1">
+            <a:extLst>
+              <a:ext uri="{FF2B5EF4-FFF2-40B4-BE49-F238E27FC236}">
                 <a16:creationId xmlns:a16="http://schemas.microsoft.com/office/drawing/2014/main" id="{84BE1982-FFD6-C2DA-F769-1FE51082CDF3}"/>
               </a:ext>
             </a:extLst>
@@ -3716,7 +4859,22 @@
           <a:bodyPr/>
           <a:lstStyle/>
           <a:p>
-            <a:endParaRPr lang="ru-RU" dirty="0"/>
+            <a:r>
+              <a:rPr lang="ru-RU" dirty="0"/>
+              <a:t>Уменьшение трудозатрат заявителя, при подаче заявления</a:t>
+            </a:r>
+          </a:p>
+          <a:p>
+            <a:r>
+              <a:rPr lang="ru-RU" dirty="0"/>
+              <a:t>Уменьшение времени для предоставления услуги</a:t>
+            </a:r>
+          </a:p>
+          <a:p>
+            <a:r>
+              <a:rPr lang="ru-RU" dirty="0"/>
+              <a:t>Снижение нагрузки на оператора при обработке заявлений</a:t>
+            </a:r>
           </a:p>
         </p:txBody>
       </p:sp>
@@ -3752,6 +4910,65 @@
       </p:grpSpPr>
       <p:sp>
         <p:nvSpPr>
+          <p:cNvPr id="2" name="Заголовок 1"/>
+          <p:cNvSpPr>
+            <a:spLocks noGrp="1"/>
+          </p:cNvSpPr>
+          <p:nvPr>
+            <p:ph type="ctrTitle"/>
+          </p:nvPr>
+        </p:nvSpPr>
+        <p:spPr>
+          <a:xfrm>
+            <a:off x="1524000" y="1716723"/>
+            <a:ext cx="9144000" cy="2387600"/>
+          </a:xfrm>
+        </p:spPr>
+        <p:txBody>
+          <a:bodyPr>
+            <a:normAutofit/>
+          </a:bodyPr>
+          <a:lstStyle/>
+          <a:p>
+            <a:r>
+              <a:rPr lang="ru-RU" sz="4000" dirty="0"/>
+              <a:t>Оформление права пользования лесным участком отдела учета земель и организации использования лесов </a:t>
+            </a:r>
+          </a:p>
+        </p:txBody>
+      </p:sp>
+    </p:spTree>
+    <p:extLst>
+      <p:ext uri="{BB962C8B-B14F-4D97-AF65-F5344CB8AC3E}">
+        <p14:creationId xmlns:p14="http://schemas.microsoft.com/office/powerpoint/2010/main" val="2830343465"/>
+      </p:ext>
+    </p:extLst>
+  </p:cSld>
+  <p:clrMapOvr>
+    <a:masterClrMapping/>
+  </p:clrMapOvr>
+</p:sld>
+</file>
+
+<file path=ppt/slides/slide3.xml><?xml version="1.0" encoding="utf-8"?>
+<p:sld xmlns:a="http://schemas.openxmlformats.org/drawingml/2006/main" xmlns:r="http://schemas.openxmlformats.org/officeDocument/2006/relationships" xmlns:p="http://schemas.openxmlformats.org/presentationml/2006/main">
+  <p:cSld>
+    <p:spTree>
+      <p:nvGrpSpPr>
+        <p:cNvPr id="1" name=""/>
+        <p:cNvGrpSpPr/>
+        <p:nvPr/>
+      </p:nvGrpSpPr>
+      <p:grpSpPr>
+        <a:xfrm>
+          <a:off x="0" y="0"/>
+          <a:ext cx="0" cy="0"/>
+          <a:chOff x="0" y="0"/>
+          <a:chExt cx="0" cy="0"/>
+        </a:xfrm>
+      </p:grpSpPr>
+      <p:sp>
+        <p:nvSpPr>
           <p:cNvPr id="2" name="Заголовок 1">
             <a:extLst>
               <a:ext uri="{FF2B5EF4-FFF2-40B4-BE49-F238E27FC236}">
@@ -3833,7 +5050,7 @@
 </p:sld>
 </file>
 
-<file path=ppt/slides/slide3.xml><?xml version="1.0" encoding="utf-8"?>
+<file path=ppt/slides/slide4.xml><?xml version="1.0" encoding="utf-8"?>
 <p:sld xmlns:a="http://schemas.openxmlformats.org/drawingml/2006/main" xmlns:r="http://schemas.openxmlformats.org/officeDocument/2006/relationships" xmlns:p="http://schemas.openxmlformats.org/presentationml/2006/main">
   <p:cSld>
     <p:spTree>
@@ -3947,196 +5164,6 @@
 </p:sld>
 </file>
 
-<file path=ppt/slides/slide4.xml><?xml version="1.0" encoding="utf-8"?>
-<p:sld xmlns:a="http://schemas.openxmlformats.org/drawingml/2006/main" xmlns:r="http://schemas.openxmlformats.org/officeDocument/2006/relationships" xmlns:p="http://schemas.openxmlformats.org/presentationml/2006/main">
-  <p:cSld>
-    <p:spTree>
-      <p:nvGrpSpPr>
-        <p:cNvPr id="1" name=""/>
-        <p:cNvGrpSpPr/>
-        <p:nvPr/>
-      </p:nvGrpSpPr>
-      <p:grpSpPr>
-        <a:xfrm>
-          <a:off x="0" y="0"/>
-          <a:ext cx="0" cy="0"/>
-          <a:chOff x="0" y="0"/>
-          <a:chExt cx="0" cy="0"/>
-        </a:xfrm>
-      </p:grpSpPr>
-      <p:sp>
-        <p:nvSpPr>
-          <p:cNvPr id="2" name="Заголовок 1">
-            <a:extLst>
-              <a:ext uri="{FF2B5EF4-FFF2-40B4-BE49-F238E27FC236}">
-                <a16:creationId xmlns:a16="http://schemas.microsoft.com/office/drawing/2014/main" id="{086BE15B-8548-694F-A330-EA138F0F2288}"/>
-              </a:ext>
-            </a:extLst>
-          </p:cNvPr>
-          <p:cNvSpPr>
-            <a:spLocks noGrp="1"/>
-          </p:cNvSpPr>
-          <p:nvPr>
-            <p:ph type="title"/>
-          </p:nvPr>
-        </p:nvSpPr>
-        <p:spPr/>
-        <p:txBody>
-          <a:bodyPr>
-            <a:normAutofit/>
-          </a:bodyPr>
-          <a:lstStyle/>
-          <a:p>
-            <a:pPr algn="ctr"/>
-            <a:r>
-              <a:rPr lang="ru-RU" sz="3600" dirty="0"/>
-              <a:t>Требуемые бизнес процессы для </a:t>
-            </a:r>
-            <a:r>
-              <a:rPr lang="ru-RU" sz="3600" dirty="0" err="1"/>
-              <a:t>цифровизации</a:t>
-            </a:r>
-            <a:r>
-              <a:rPr lang="ru-RU" sz="3600" dirty="0"/>
-              <a:t>, частичной автоматизации</a:t>
-            </a:r>
-          </a:p>
-        </p:txBody>
-      </p:sp>
-      <p:sp>
-        <p:nvSpPr>
-          <p:cNvPr id="3" name="Объект 2">
-            <a:extLst>
-              <a:ext uri="{FF2B5EF4-FFF2-40B4-BE49-F238E27FC236}">
-                <a16:creationId xmlns:a16="http://schemas.microsoft.com/office/drawing/2014/main" id="{7A2C98BE-99C7-CE74-9107-BA46E635E1A5}"/>
-              </a:ext>
-            </a:extLst>
-          </p:cNvPr>
-          <p:cNvSpPr>
-            <a:spLocks noGrp="1"/>
-          </p:cNvSpPr>
-          <p:nvPr>
-            <p:ph idx="1"/>
-          </p:nvPr>
-        </p:nvSpPr>
-        <p:spPr/>
-        <p:txBody>
-          <a:bodyPr>
-            <a:normAutofit fontScale="62500" lnSpcReduction="20000"/>
-          </a:bodyPr>
-          <a:lstStyle/>
-          <a:p>
-            <a:pPr marL="0" indent="0">
-              <a:buNone/>
-            </a:pPr>
-            <a:r>
-              <a:rPr lang="ru-RU" dirty="0"/>
-              <a:t>1.	оформление права пользования лесным участком отдела учета земель и организации использования лесов,</a:t>
-            </a:r>
-          </a:p>
-          <a:p>
-            <a:pPr marL="0" indent="0">
-              <a:buNone/>
-            </a:pPr>
-            <a:r>
-              <a:rPr lang="ru-RU" dirty="0"/>
-              <a:t>2.	</a:t>
-            </a:r>
-            <a:r>
-              <a:rPr lang="ru-RU" b="1" dirty="0"/>
-              <a:t>оформление права пользования лесным участком отдела организации лесопользования, лесовосстановления и государственной экспертизы проектов освоения лесов,</a:t>
-            </a:r>
-          </a:p>
-          <a:p>
-            <a:pPr marL="0" indent="0">
-              <a:buNone/>
-            </a:pPr>
-            <a:r>
-              <a:rPr lang="ru-RU" dirty="0"/>
-              <a:t>3.	проведение государственной экспертизы проектов освоения лесов, расположенных на землях лесного фонда,</a:t>
-            </a:r>
-          </a:p>
-          <a:p>
-            <a:pPr marL="0" indent="0">
-              <a:buNone/>
-            </a:pPr>
-            <a:r>
-              <a:rPr lang="ru-RU" dirty="0"/>
-              <a:t>4.	согласование проекта рекультивации нарушенных земель/проекта лесовосстановления,</a:t>
-            </a:r>
-          </a:p>
-          <a:p>
-            <a:pPr marL="0" indent="0">
-              <a:buNone/>
-            </a:pPr>
-            <a:r>
-              <a:rPr lang="ru-RU" dirty="0"/>
-              <a:t>5.	прием лесной деклараций и отчетов об использовании лесов,</a:t>
-            </a:r>
-          </a:p>
-          <a:p>
-            <a:pPr marL="0" indent="0">
-              <a:buNone/>
-            </a:pPr>
-            <a:r>
-              <a:rPr lang="ru-RU" dirty="0"/>
-              <a:t>6.	формирование акта о лесном пожаре,</a:t>
-            </a:r>
-          </a:p>
-          <a:p>
-            <a:pPr marL="0" indent="0">
-              <a:buNone/>
-            </a:pPr>
-            <a:r>
-              <a:rPr lang="ru-RU" dirty="0"/>
-              <a:t>7.	утверждение акта лесопатологического обследования,</a:t>
-            </a:r>
-          </a:p>
-          <a:p>
-            <a:pPr marL="0" indent="0">
-              <a:buNone/>
-            </a:pPr>
-            <a:r>
-              <a:rPr lang="ru-RU" dirty="0"/>
-              <a:t>8.	предоставление выписки из государственного лесного реестра,</a:t>
-            </a:r>
-          </a:p>
-          <a:p>
-            <a:pPr marL="0" indent="0">
-              <a:buNone/>
-            </a:pPr>
-            <a:r>
-              <a:rPr lang="ru-RU" dirty="0"/>
-              <a:t>9.	выдача разрешений на выполнение работ по геологическому изучению недр на землях лесного фонда, а также на использование лесных участков в соответствии со статьями 39.33, 39.36 Земельного кодекса РФ,</a:t>
-            </a:r>
-          </a:p>
-          <a:p>
-            <a:pPr marL="0" indent="0">
-              <a:buNone/>
-            </a:pPr>
-            <a:r>
-              <a:rPr lang="ru-RU" dirty="0"/>
-              <a:t>10.	Информирование населения о введении особых противопожарных режимов и классов пожарной опасности по условиям погоды,</a:t>
-            </a:r>
-          </a:p>
-          <a:p>
-            <a:endParaRPr lang="ru-RU" dirty="0"/>
-          </a:p>
-        </p:txBody>
-      </p:sp>
-    </p:spTree>
-    <p:extLst>
-      <p:ext uri="{BB962C8B-B14F-4D97-AF65-F5344CB8AC3E}">
-        <p14:creationId xmlns:p14="http://schemas.microsoft.com/office/powerpoint/2010/main" val="2170251311"/>
-      </p:ext>
-    </p:extLst>
-  </p:cSld>
-  <p:clrMapOvr>
-    <a:masterClrMapping/>
-  </p:clrMapOvr>
-</p:sld>
-</file>
-
 <file path=ppt/slides/slide5.xml><?xml version="1.0" encoding="utf-8"?>
 <p:sld xmlns:a="http://schemas.openxmlformats.org/drawingml/2006/main" xmlns:r="http://schemas.openxmlformats.org/officeDocument/2006/relationships" xmlns:p="http://schemas.openxmlformats.org/presentationml/2006/main">
   <p:cSld>
@@ -4159,7 +5186,7 @@
           <p:cNvPr id="2" name="Заголовок 1">
             <a:extLst>
               <a:ext uri="{FF2B5EF4-FFF2-40B4-BE49-F238E27FC236}">
-                <a16:creationId xmlns:a16="http://schemas.microsoft.com/office/drawing/2014/main" id="{56EB7D04-94E1-53D1-0595-404137901F02}"/>
+                <a16:creationId xmlns:a16="http://schemas.microsoft.com/office/drawing/2014/main" id="{086BE15B-8548-694F-A330-EA138F0F2288}"/>
               </a:ext>
             </a:extLst>
           </p:cNvPr>
@@ -4170,102 +5197,154 @@
             <p:ph type="title"/>
           </p:nvPr>
         </p:nvSpPr>
-        <p:spPr>
-          <a:xfrm>
-            <a:off x="-154124" y="-65772"/>
-            <a:ext cx="12659889" cy="1825625"/>
-          </a:xfrm>
-        </p:spPr>
+        <p:spPr/>
         <p:txBody>
           <a:bodyPr>
-            <a:normAutofit fontScale="90000"/>
+            <a:normAutofit/>
           </a:bodyPr>
           <a:lstStyle/>
           <a:p>
             <a:pPr algn="ctr"/>
             <a:r>
               <a:rPr lang="ru-RU" sz="3600" dirty="0"/>
-              <a:t>2. Предоставление гражданам, юридическим лицам лесных участков, находящихся в государственной или муниципальной собственности</a:t>
-            </a:r>
-            <a:br>
+              <a:t>Требуемые бизнес процессы для </a:t>
+            </a:r>
+            <a:r>
+              <a:rPr lang="ru-RU" sz="3600" dirty="0" err="1"/>
+              <a:t>цифровизации</a:t>
+            </a:r>
+            <a:r>
+              <a:rPr lang="ru-RU" sz="3600" dirty="0"/>
+              <a:t>, частичной автоматизации</a:t>
+            </a:r>
+          </a:p>
+        </p:txBody>
+      </p:sp>
+      <p:sp>
+        <p:nvSpPr>
+          <p:cNvPr id="3" name="Объект 2">
+            <a:extLst>
+              <a:ext uri="{FF2B5EF4-FFF2-40B4-BE49-F238E27FC236}">
+                <a16:creationId xmlns:a16="http://schemas.microsoft.com/office/drawing/2014/main" id="{7A2C98BE-99C7-CE74-9107-BA46E635E1A5}"/>
+              </a:ext>
+            </a:extLst>
+          </p:cNvPr>
+          <p:cNvSpPr>
+            <a:spLocks noGrp="1"/>
+          </p:cNvSpPr>
+          <p:nvPr>
+            <p:ph idx="1"/>
+          </p:nvPr>
+        </p:nvSpPr>
+        <p:spPr/>
+        <p:txBody>
+          <a:bodyPr>
+            <a:normAutofit fontScale="62500" lnSpcReduction="20000"/>
+          </a:bodyPr>
+          <a:lstStyle/>
+          <a:p>
+            <a:pPr marL="0" indent="0">
+              <a:buNone/>
+            </a:pPr>
+            <a:r>
               <a:rPr lang="ru-RU" dirty="0"/>
-            </a:br>
+              <a:t>1.	оформление права пользования лесным участком отдела учета земель и организации использования лесов,</a:t>
+            </a:r>
+          </a:p>
+          <a:p>
+            <a:pPr marL="0" indent="0">
+              <a:buNone/>
+            </a:pPr>
+            <a:r>
+              <a:rPr lang="ru-RU" dirty="0"/>
+              <a:t>2.	</a:t>
+            </a:r>
+            <a:r>
+              <a:rPr lang="ru-RU" b="1" dirty="0"/>
+              <a:t>оформление права пользования лесным участком отдела организации лесопользования, лесовосстановления и государственной экспертизы проектов освоения лесов,</a:t>
+            </a:r>
+          </a:p>
+          <a:p>
+            <a:pPr marL="0" indent="0">
+              <a:buNone/>
+            </a:pPr>
+            <a:r>
+              <a:rPr lang="ru-RU" dirty="0"/>
+              <a:t>3.	проведение государственной экспертизы проектов освоения лесов, расположенных на землях лесного фонда,</a:t>
+            </a:r>
+          </a:p>
+          <a:p>
+            <a:pPr marL="0" indent="0">
+              <a:buNone/>
+            </a:pPr>
+            <a:r>
+              <a:rPr lang="ru-RU" dirty="0"/>
+              <a:t>4.	согласование проекта рекультивации нарушенных земель/проекта лесовосстановления,</a:t>
+            </a:r>
+          </a:p>
+          <a:p>
+            <a:pPr marL="0" indent="0">
+              <a:buNone/>
+            </a:pPr>
+            <a:r>
+              <a:rPr lang="ru-RU" dirty="0"/>
+              <a:t>5.	прием лесной деклараций и отчетов об использовании лесов,</a:t>
+            </a:r>
+          </a:p>
+          <a:p>
+            <a:pPr marL="0" indent="0">
+              <a:buNone/>
+            </a:pPr>
+            <a:r>
+              <a:rPr lang="ru-RU" dirty="0"/>
+              <a:t>6.	формирование акта о лесном пожаре,</a:t>
+            </a:r>
+          </a:p>
+          <a:p>
+            <a:pPr marL="0" indent="0">
+              <a:buNone/>
+            </a:pPr>
+            <a:r>
+              <a:rPr lang="ru-RU" dirty="0"/>
+              <a:t>7.	утверждение акта лесопатологического обследования,</a:t>
+            </a:r>
+          </a:p>
+          <a:p>
+            <a:pPr marL="0" indent="0">
+              <a:buNone/>
+            </a:pPr>
+            <a:r>
+              <a:rPr lang="ru-RU" dirty="0"/>
+              <a:t>8.	предоставление выписки из государственного лесного реестра,</a:t>
+            </a:r>
+          </a:p>
+          <a:p>
+            <a:pPr marL="0" indent="0">
+              <a:buNone/>
+            </a:pPr>
+            <a:r>
+              <a:rPr lang="ru-RU" dirty="0"/>
+              <a:t>9.	выдача разрешений на выполнение работ по геологическому изучению недр на землях лесного фонда, а также на использование лесных участков в соответствии со статьями 39.33, 39.36 Земельного кодекса РФ,</a:t>
+            </a:r>
+          </a:p>
+          <a:p>
+            <a:pPr marL="0" indent="0">
+              <a:buNone/>
+            </a:pPr>
+            <a:r>
+              <a:rPr lang="ru-RU" dirty="0"/>
+              <a:t>10.	Информирование населения о введении особых противопожарных режимов и классов пожарной опасности по условиям погоды,</a:t>
+            </a:r>
+          </a:p>
+          <a:p>
             <a:endParaRPr lang="ru-RU" dirty="0"/>
-          </a:p>
-        </p:txBody>
-      </p:sp>
-      <p:sp>
-        <p:nvSpPr>
-          <p:cNvPr id="3" name="Объект 2"/>
-          <p:cNvSpPr>
-            <a:spLocks noGrp="1"/>
-          </p:cNvSpPr>
-          <p:nvPr>
-            <p:ph idx="1"/>
-          </p:nvPr>
-        </p:nvSpPr>
-        <p:spPr>
-          <a:xfrm>
-            <a:off x="759069" y="1500309"/>
-            <a:ext cx="10515600" cy="4351338"/>
-          </a:xfrm>
-        </p:spPr>
-        <p:txBody>
-          <a:bodyPr/>
-          <a:lstStyle/>
-          <a:p>
-            <a:pPr marL="0" indent="0">
-              <a:buNone/>
-            </a:pPr>
-            <a:r>
-              <a:rPr lang="ru-RU" dirty="0"/>
-              <a:t>Схема бизнес-процесса представлена на следующем слайде.</a:t>
-            </a:r>
-          </a:p>
-        </p:txBody>
-      </p:sp>
-      <p:sp>
-        <p:nvSpPr>
-          <p:cNvPr id="9" name="Прямоугольник 8"/>
-          <p:cNvSpPr/>
-          <p:nvPr/>
-        </p:nvSpPr>
-        <p:spPr>
-          <a:xfrm>
-            <a:off x="651320" y="5851647"/>
-            <a:ext cx="11049000" cy="646331"/>
-          </a:xfrm>
-          <a:prstGeom prst="rect">
-            <a:avLst/>
-          </a:prstGeom>
-        </p:spPr>
-        <p:txBody>
-          <a:bodyPr wrap="square">
-            <a:spAutoFit/>
-          </a:bodyPr>
-          <a:lstStyle/>
-          <a:p>
-            <a:r>
-              <a:rPr lang="ru-RU" dirty="0"/>
-              <a:t>Ссылка на лесной кодекс – порядок предоставления гражданам лесных участков: </a:t>
-            </a:r>
-            <a:r>
-              <a:rPr lang="en-US" dirty="0">
-                <a:hlinkClick r:id="rId2"/>
-              </a:rPr>
-              <a:t>https://www.consultant.ru/document/cons_doc_LAW_64299/61aba3ad8fc2e2f947e1a7f3730526848501ffe2/</a:t>
-            </a:r>
-            <a:r>
-              <a:rPr lang="ru-RU" dirty="0"/>
-              <a:t> </a:t>
-            </a:r>
           </a:p>
         </p:txBody>
       </p:sp>
     </p:spTree>
     <p:extLst>
       <p:ext uri="{BB962C8B-B14F-4D97-AF65-F5344CB8AC3E}">
-        <p14:creationId xmlns:p14="http://schemas.microsoft.com/office/powerpoint/2010/main" val="3563244621"/>
+        <p14:creationId xmlns:p14="http://schemas.microsoft.com/office/powerpoint/2010/main" val="2170251311"/>
       </p:ext>
     </p:extLst>
   </p:cSld>
@@ -4292,47 +5371,15 @@
           <a:chExt cx="0" cy="0"/>
         </a:xfrm>
       </p:grpSpPr>
-      <p:sp>
-        <p:nvSpPr>
-          <p:cNvPr id="2" name="Заголовок 1"/>
-          <p:cNvSpPr>
-            <a:spLocks noGrp="1"/>
-          </p:cNvSpPr>
-          <p:nvPr>
-            <p:ph type="title"/>
-          </p:nvPr>
-        </p:nvSpPr>
-        <p:spPr/>
-        <p:txBody>
-          <a:bodyPr/>
-          <a:lstStyle/>
-          <a:p>
-            <a:endParaRPr lang="ru-RU"/>
-          </a:p>
-        </p:txBody>
-      </p:sp>
-      <p:sp>
-        <p:nvSpPr>
-          <p:cNvPr id="3" name="Объект 2"/>
-          <p:cNvSpPr>
-            <a:spLocks noGrp="1"/>
-          </p:cNvSpPr>
-          <p:nvPr>
-            <p:ph idx="1"/>
-          </p:nvPr>
-        </p:nvSpPr>
-        <p:spPr/>
-        <p:txBody>
-          <a:bodyPr/>
-          <a:lstStyle/>
-          <a:p>
-            <a:endParaRPr lang="ru-RU"/>
-          </a:p>
-        </p:txBody>
-      </p:sp>
       <p:pic>
         <p:nvPicPr>
-          <p:cNvPr id="4" name="Рисунок 3"/>
+          <p:cNvPr id="4" name="Рисунок 3">
+            <a:extLst>
+              <a:ext uri="{FF2B5EF4-FFF2-40B4-BE49-F238E27FC236}">
+                <a16:creationId xmlns:a16="http://schemas.microsoft.com/office/drawing/2014/main" id="{325A7128-71F8-BE2B-68FE-836ADCFAA710}"/>
+              </a:ext>
+            </a:extLst>
+          </p:cNvPr>
           <p:cNvPicPr>
             <a:picLocks noChangeAspect="1"/>
           </p:cNvPicPr>
@@ -4346,18 +5393,96 @@
         </p:blipFill>
         <p:spPr>
           <a:xfrm>
-            <a:off x="85139" y="0"/>
-            <a:ext cx="12106861" cy="6858000"/>
+            <a:off x="112571" y="1268067"/>
+            <a:ext cx="9726373" cy="5509559"/>
           </a:xfrm>
           <a:prstGeom prst="rect">
             <a:avLst/>
           </a:prstGeom>
         </p:spPr>
       </p:pic>
+      <p:sp>
+        <p:nvSpPr>
+          <p:cNvPr id="2" name="Заголовок 1">
+            <a:extLst>
+              <a:ext uri="{FF2B5EF4-FFF2-40B4-BE49-F238E27FC236}">
+                <a16:creationId xmlns:a16="http://schemas.microsoft.com/office/drawing/2014/main" id="{56EB7D04-94E1-53D1-0595-404137901F02}"/>
+              </a:ext>
+            </a:extLst>
+          </p:cNvPr>
+          <p:cNvSpPr>
+            <a:spLocks noGrp="1"/>
+          </p:cNvSpPr>
+          <p:nvPr>
+            <p:ph type="title"/>
+          </p:nvPr>
+        </p:nvSpPr>
+        <p:spPr>
+          <a:xfrm>
+            <a:off x="-154124" y="-65772"/>
+            <a:ext cx="12659889" cy="1825625"/>
+          </a:xfrm>
+        </p:spPr>
+        <p:txBody>
+          <a:bodyPr>
+            <a:normAutofit fontScale="90000"/>
+          </a:bodyPr>
+          <a:lstStyle/>
+          <a:p>
+            <a:pPr algn="ctr"/>
+            <a:r>
+              <a:rPr lang="ru-RU" sz="3600" dirty="0"/>
+              <a:t>2. Предоставление гражданам, юридическим лицам лесных участков, находящихся в государственной или муниципальной собственности</a:t>
+            </a:r>
+            <a:br>
+              <a:rPr lang="ru-RU" dirty="0"/>
+            </a:br>
+            <a:endParaRPr lang="ru-RU" dirty="0"/>
+          </a:p>
+        </p:txBody>
+      </p:sp>
+      <p:sp>
+        <p:nvSpPr>
+          <p:cNvPr id="9" name="Прямоугольник 8"/>
+          <p:cNvSpPr/>
+          <p:nvPr/>
+        </p:nvSpPr>
+        <p:spPr>
+          <a:xfrm>
+            <a:off x="9838944" y="3915304"/>
+            <a:ext cx="2382584" cy="2862322"/>
+          </a:xfrm>
+          <a:prstGeom prst="rect">
+            <a:avLst/>
+          </a:prstGeom>
+        </p:spPr>
+        <p:txBody>
+          <a:bodyPr wrap="square">
+            <a:spAutoFit/>
+          </a:bodyPr>
+          <a:lstStyle/>
+          <a:p>
+            <a:r>
+              <a:rPr lang="ru-RU" dirty="0"/>
+              <a:t>Ссылка на лесной кодекс – порядок предоставления гражданам лесных участков: </a:t>
+            </a:r>
+            <a:r>
+              <a:rPr lang="en-US" dirty="0">
+                <a:hlinkClick r:id="rId3"/>
+              </a:rPr>
+              <a:t>https://www.consultant.ru/document/cons_doc_LAW_64299/61aba3ad8fc2e2f947e1a7f3730526848501ffe2/</a:t>
+            </a:r>
+            <a:r>
+              <a:rPr lang="ru-RU" dirty="0"/>
+              <a:t> </a:t>
+            </a:r>
+          </a:p>
+        </p:txBody>
+      </p:sp>
     </p:spTree>
     <p:extLst>
       <p:ext uri="{BB962C8B-B14F-4D97-AF65-F5344CB8AC3E}">
-        <p14:creationId xmlns:p14="http://schemas.microsoft.com/office/powerpoint/2010/main" val="1125391397"/>
+        <p14:creationId xmlns:p14="http://schemas.microsoft.com/office/powerpoint/2010/main" val="3563244621"/>
       </p:ext>
     </p:extLst>
   </p:cSld>
@@ -4384,20 +5509,56 @@
           <a:chExt cx="0" cy="0"/>
         </a:xfrm>
       </p:grpSpPr>
-      <p:sp>
-        <p:nvSpPr>
-          <p:cNvPr id="2" name="Заголовок 1"/>
-          <p:cNvSpPr>
-            <a:spLocks noGrp="1"/>
-          </p:cNvSpPr>
-          <p:nvPr>
-            <p:ph type="title"/>
-          </p:nvPr>
-        </p:nvSpPr>
+      <p:pic>
+        <p:nvPicPr>
+          <p:cNvPr id="11" name="Рисунок 10">
+            <a:extLst>
+              <a:ext uri="{FF2B5EF4-FFF2-40B4-BE49-F238E27FC236}">
+                <a16:creationId xmlns:a16="http://schemas.microsoft.com/office/drawing/2014/main" id="{D30EE0F1-55FA-F557-06EE-0E03855897C3}"/>
+              </a:ext>
+            </a:extLst>
+          </p:cNvPr>
+          <p:cNvPicPr>
+            <a:picLocks noChangeAspect="1"/>
+          </p:cNvPicPr>
+          <p:nvPr/>
+        </p:nvPicPr>
+        <p:blipFill>
+          <a:blip r:embed="rId3"/>
+          <a:stretch>
+            <a:fillRect/>
+          </a:stretch>
+        </p:blipFill>
         <p:spPr>
           <a:xfrm>
-            <a:off x="722376" y="365125"/>
-            <a:ext cx="10631424" cy="1325563"/>
+            <a:off x="6798225" y="327025"/>
+            <a:ext cx="5319884" cy="6454908"/>
+          </a:xfrm>
+          <a:prstGeom prst="rect">
+            <a:avLst/>
+          </a:prstGeom>
+        </p:spPr>
+      </p:pic>
+      <p:sp>
+        <p:nvSpPr>
+          <p:cNvPr id="2" name="Заголовок 1">
+            <a:extLst>
+              <a:ext uri="{FF2B5EF4-FFF2-40B4-BE49-F238E27FC236}">
+                <a16:creationId xmlns:a16="http://schemas.microsoft.com/office/drawing/2014/main" id="{EDAB2C2B-EBAA-9A0A-FE78-1D1386277E6C}"/>
+              </a:ext>
+            </a:extLst>
+          </p:cNvPr>
+          <p:cNvSpPr>
+            <a:spLocks noGrp="1"/>
+          </p:cNvSpPr>
+          <p:nvPr>
+            <p:ph type="title"/>
+          </p:nvPr>
+        </p:nvSpPr>
+        <p:spPr>
+          <a:xfrm>
+            <a:off x="304800" y="327025"/>
+            <a:ext cx="11582400" cy="1325563"/>
           </a:xfrm>
         </p:spPr>
         <p:txBody>
@@ -4406,64 +5567,45 @@
           <a:p>
             <a:r>
               <a:rPr lang="ru-RU" dirty="0"/>
-              <a:t>Узкие места бизнес-процесса.</a:t>
-            </a:r>
-          </a:p>
-        </p:txBody>
-      </p:sp>
-      <p:sp>
-        <p:nvSpPr>
-          <p:cNvPr id="3" name="Объект 2"/>
-          <p:cNvSpPr>
-            <a:spLocks noGrp="1"/>
-          </p:cNvSpPr>
-          <p:nvPr>
-            <p:ph idx="1"/>
-          </p:nvPr>
-        </p:nvSpPr>
-        <p:spPr/>
-        <p:txBody>
-          <a:bodyPr/>
-          <a:lstStyle/>
-          <a:p>
-            <a:pPr marL="514350" indent="-514350">
-              <a:buFont typeface="+mj-lt"/>
-              <a:buAutoNum type="arabicPeriod"/>
-            </a:pPr>
-            <a:r>
-              <a:rPr lang="ru-RU" dirty="0"/>
-              <a:t>Подача заявлений,</a:t>
-            </a:r>
-          </a:p>
-          <a:p>
-            <a:pPr marL="514350" indent="-514350">
-              <a:buFont typeface="+mj-lt"/>
-              <a:buAutoNum type="arabicPeriod"/>
-            </a:pPr>
-            <a:r>
-              <a:rPr lang="ru-RU" dirty="0"/>
-              <a:t>Отслеживание статусов заявлений,</a:t>
-            </a:r>
-          </a:p>
-          <a:p>
-            <a:pPr marL="514350" indent="-514350">
-              <a:buFont typeface="+mj-lt"/>
-              <a:buAutoNum type="arabicPeriod"/>
-            </a:pPr>
-            <a:r>
-              <a:rPr lang="ru-RU" dirty="0"/>
-              <a:t>Уведомление заявителя.</a:t>
-            </a:r>
-          </a:p>
-          <a:p>
-            <a:endParaRPr lang="ru-RU" dirty="0"/>
-          </a:p>
-        </p:txBody>
-      </p:sp>
+              <a:t>Предварительно согласование лесного участка</a:t>
+            </a:r>
+          </a:p>
+        </p:txBody>
+      </p:sp>
+      <p:pic>
+        <p:nvPicPr>
+          <p:cNvPr id="13" name="Рисунок 12">
+            <a:extLst>
+              <a:ext uri="{FF2B5EF4-FFF2-40B4-BE49-F238E27FC236}">
+                <a16:creationId xmlns:a16="http://schemas.microsoft.com/office/drawing/2014/main" id="{4189A07D-5357-6A7E-ECF1-794FEFEC3E1E}"/>
+              </a:ext>
+            </a:extLst>
+          </p:cNvPr>
+          <p:cNvPicPr>
+            <a:picLocks noChangeAspect="1"/>
+          </p:cNvPicPr>
+          <p:nvPr/>
+        </p:nvPicPr>
+        <p:blipFill>
+          <a:blip r:embed="rId4"/>
+          <a:stretch>
+            <a:fillRect/>
+          </a:stretch>
+        </p:blipFill>
+        <p:spPr>
+          <a:xfrm>
+            <a:off x="70746" y="1373297"/>
+            <a:ext cx="6727479" cy="5315539"/>
+          </a:xfrm>
+          <a:prstGeom prst="rect">
+            <a:avLst/>
+          </a:prstGeom>
+        </p:spPr>
+      </p:pic>
     </p:spTree>
     <p:extLst>
       <p:ext uri="{BB962C8B-B14F-4D97-AF65-F5344CB8AC3E}">
-        <p14:creationId xmlns:p14="http://schemas.microsoft.com/office/powerpoint/2010/main" val="463957891"/>
+        <p14:creationId xmlns:p14="http://schemas.microsoft.com/office/powerpoint/2010/main" val="3457485576"/>
       </p:ext>
     </p:extLst>
   </p:cSld>
@@ -4495,7 +5637,7 @@
           <p:cNvPr id="2" name="Заголовок 1">
             <a:extLst>
               <a:ext uri="{FF2B5EF4-FFF2-40B4-BE49-F238E27FC236}">
-                <a16:creationId xmlns:a16="http://schemas.microsoft.com/office/drawing/2014/main" id="{BF453941-33A6-C802-2C6A-C74E237C9D17}"/>
+                <a16:creationId xmlns:a16="http://schemas.microsoft.com/office/drawing/2014/main" id="{5FFFF340-C945-EFD2-980B-146BD5BB8909}"/>
               </a:ext>
             </a:extLst>
           </p:cNvPr>
@@ -4511,95 +5653,77 @@
           <a:bodyPr/>
           <a:lstStyle/>
           <a:p>
-            <a:pPr algn="ctr"/>
             <a:r>
               <a:rPr lang="ru-RU" dirty="0"/>
-              <a:t>Цель</a:t>
-            </a:r>
-          </a:p>
-        </p:txBody>
-      </p:sp>
-      <p:sp>
-        <p:nvSpPr>
-          <p:cNvPr id="3" name="Объект 2">
+              <a:t>Утверждение ПДЛУ</a:t>
+            </a:r>
+          </a:p>
+        </p:txBody>
+      </p:sp>
+      <p:pic>
+        <p:nvPicPr>
+          <p:cNvPr id="7" name="Рисунок 6">
             <a:extLst>
               <a:ext uri="{FF2B5EF4-FFF2-40B4-BE49-F238E27FC236}">
-                <a16:creationId xmlns:a16="http://schemas.microsoft.com/office/drawing/2014/main" id="{F721782F-AA52-20F9-E2AB-B79A6BFA8004}"/>
+                <a16:creationId xmlns:a16="http://schemas.microsoft.com/office/drawing/2014/main" id="{F048E2A7-FC2F-23B0-7AEC-3531DE8A2423}"/>
               </a:ext>
             </a:extLst>
           </p:cNvPr>
-          <p:cNvSpPr>
-            <a:spLocks noGrp="1"/>
-          </p:cNvSpPr>
-          <p:nvPr>
-            <p:ph idx="1"/>
-          </p:nvPr>
-        </p:nvSpPr>
+          <p:cNvPicPr>
+            <a:picLocks noChangeAspect="1"/>
+          </p:cNvPicPr>
+          <p:nvPr/>
+        </p:nvPicPr>
+        <p:blipFill>
+          <a:blip r:embed="rId3"/>
+          <a:stretch>
+            <a:fillRect/>
+          </a:stretch>
+        </p:blipFill>
         <p:spPr>
           <a:xfrm>
-            <a:off x="838200" y="1690688"/>
-            <a:ext cx="10515600" cy="4351338"/>
+            <a:off x="91521" y="1809216"/>
+            <a:ext cx="7251126" cy="4406899"/>
           </a:xfrm>
+          <a:prstGeom prst="rect">
+            <a:avLst/>
+          </a:prstGeom>
         </p:spPr>
-        <p:txBody>
-          <a:bodyPr>
-            <a:normAutofit/>
-          </a:bodyPr>
-          <a:lstStyle/>
-          <a:p>
-            <a:r>
-              <a:rPr lang="ru-RU" dirty="0">
-                <a:solidFill>
-                  <a:srgbClr val="303030"/>
-                </a:solidFill>
-                <a:effectLst/>
-                <a:ea typeface="Calibri" panose="020F0502020204030204" pitchFamily="34" charset="0"/>
-              </a:rPr>
-              <a:t>Сократить время для предоставления услуги и трудозатраты оператора ВИС Лесопользование, путем автоматизации регистрации заявлений и</a:t>
-            </a:r>
-            <a:r>
-              <a:rPr lang="en-US" dirty="0">
-                <a:solidFill>
-                  <a:srgbClr val="303030"/>
-                </a:solidFill>
-                <a:effectLst/>
-                <a:ea typeface="Calibri" panose="020F0502020204030204" pitchFamily="34" charset="0"/>
-              </a:rPr>
-              <a:t> </a:t>
-            </a:r>
-            <a:r>
-              <a:rPr lang="ru-RU" dirty="0">
-                <a:solidFill>
-                  <a:srgbClr val="303030"/>
-                </a:solidFill>
-                <a:effectLst/>
-                <a:ea typeface="Calibri" panose="020F0502020204030204" pitchFamily="34" charset="0"/>
-              </a:rPr>
-              <a:t>частичной автоматизации подписания итоговых документов в СЭД ПСО</a:t>
-            </a:r>
-            <a:r>
-              <a:rPr lang="ru-RU" dirty="0">
-                <a:solidFill>
-                  <a:srgbClr val="303030"/>
-                </a:solidFill>
-                <a:ea typeface="Calibri" panose="020F0502020204030204" pitchFamily="34" charset="0"/>
-              </a:rPr>
-              <a:t>.</a:t>
-            </a:r>
-            <a:endParaRPr lang="ru-RU" dirty="0">
-              <a:solidFill>
-                <a:srgbClr val="303030"/>
-              </a:solidFill>
-              <a:effectLst/>
-              <a:ea typeface="Calibri" panose="020F0502020204030204" pitchFamily="34" charset="0"/>
-            </a:endParaRPr>
-          </a:p>
-        </p:txBody>
-      </p:sp>
+      </p:pic>
+      <p:pic>
+        <p:nvPicPr>
+          <p:cNvPr id="11" name="Рисунок 10">
+            <a:extLst>
+              <a:ext uri="{FF2B5EF4-FFF2-40B4-BE49-F238E27FC236}">
+                <a16:creationId xmlns:a16="http://schemas.microsoft.com/office/drawing/2014/main" id="{4FBEA8E5-1485-9D37-A2BA-D5305E29814D}"/>
+              </a:ext>
+            </a:extLst>
+          </p:cNvPr>
+          <p:cNvPicPr>
+            <a:picLocks noChangeAspect="1"/>
+          </p:cNvPicPr>
+          <p:nvPr/>
+        </p:nvPicPr>
+        <p:blipFill>
+          <a:blip r:embed="rId4"/>
+          <a:stretch>
+            <a:fillRect/>
+          </a:stretch>
+        </p:blipFill>
+        <p:spPr>
+          <a:xfrm>
+            <a:off x="7342647" y="246597"/>
+            <a:ext cx="4849354" cy="6576768"/>
+          </a:xfrm>
+          <a:prstGeom prst="rect">
+            <a:avLst/>
+          </a:prstGeom>
+        </p:spPr>
+      </p:pic>
     </p:spTree>
     <p:extLst>
       <p:ext uri="{BB962C8B-B14F-4D97-AF65-F5344CB8AC3E}">
-        <p14:creationId xmlns:p14="http://schemas.microsoft.com/office/powerpoint/2010/main" val="3833297341"/>
+        <p14:creationId xmlns:p14="http://schemas.microsoft.com/office/powerpoint/2010/main" val="1036187336"/>
       </p:ext>
     </p:extLst>
   </p:cSld>
@@ -4631,7 +5755,7 @@
           <p:cNvPr id="2" name="Заголовок 1">
             <a:extLst>
               <a:ext uri="{FF2B5EF4-FFF2-40B4-BE49-F238E27FC236}">
-                <a16:creationId xmlns:a16="http://schemas.microsoft.com/office/drawing/2014/main" id="{AFEE9FF2-96E7-0868-9DE9-117876247596}"/>
+                <a16:creationId xmlns:a16="http://schemas.microsoft.com/office/drawing/2014/main" id="{CF635EC6-73E4-0103-018A-DAB97BCF592A}"/>
               </a:ext>
             </a:extLst>
           </p:cNvPr>
@@ -4642,22 +5766,21 @@
             <p:ph type="title"/>
           </p:nvPr>
         </p:nvSpPr>
-        <p:spPr/>
-        <p:txBody>
-          <a:bodyPr/>
-          <a:lstStyle/>
-          <a:p>
-            <a:pPr algn="ctr"/>
-            <a:r>
-              <a:rPr lang="ru-RU" dirty="0">
-                <a:solidFill>
-                  <a:schemeClr val="tx1">
-                    <a:lumMod val="95000"/>
-                    <a:lumOff val="5000"/>
-                  </a:schemeClr>
-                </a:solidFill>
-              </a:rPr>
-              <a:t>Задачи</a:t>
+        <p:spPr>
+          <a:xfrm>
+            <a:off x="838200" y="365125"/>
+            <a:ext cx="6650736" cy="1325563"/>
+          </a:xfrm>
+        </p:spPr>
+        <p:txBody>
+          <a:bodyPr>
+            <a:normAutofit/>
+          </a:bodyPr>
+          <a:lstStyle/>
+          <a:p>
+            <a:r>
+              <a:rPr lang="ru-RU" dirty="0"/>
+              <a:t>Предоставление лесного участка в пользование</a:t>
             </a:r>
           </a:p>
         </p:txBody>
@@ -4667,7 +5790,7 @@
           <p:cNvPr id="3" name="Объект 2">
             <a:extLst>
               <a:ext uri="{FF2B5EF4-FFF2-40B4-BE49-F238E27FC236}">
-                <a16:creationId xmlns:a16="http://schemas.microsoft.com/office/drawing/2014/main" id="{93E7766C-0A08-FEF6-9580-0459957FA465}"/>
+                <a16:creationId xmlns:a16="http://schemas.microsoft.com/office/drawing/2014/main" id="{A3C4C630-CD7E-C087-9AF0-D2C8DAEEF390}"/>
               </a:ext>
             </a:extLst>
           </p:cNvPr>
@@ -4678,70 +5801,79 @@
             <p:ph idx="1"/>
           </p:nvPr>
         </p:nvSpPr>
+        <p:spPr/>
+        <p:txBody>
+          <a:bodyPr/>
+          <a:lstStyle/>
+          <a:p>
+            <a:endParaRPr lang="ru-RU"/>
+          </a:p>
+        </p:txBody>
+      </p:sp>
+      <p:pic>
+        <p:nvPicPr>
+          <p:cNvPr id="7" name="Рисунок 6">
+            <a:extLst>
+              <a:ext uri="{FF2B5EF4-FFF2-40B4-BE49-F238E27FC236}">
+                <a16:creationId xmlns:a16="http://schemas.microsoft.com/office/drawing/2014/main" id="{213F559D-9845-FF3C-B163-BE721D893698}"/>
+              </a:ext>
+            </a:extLst>
+          </p:cNvPr>
+          <p:cNvPicPr>
+            <a:picLocks noChangeAspect="1"/>
+          </p:cNvPicPr>
+          <p:nvPr/>
+        </p:nvPicPr>
+        <p:blipFill>
+          <a:blip r:embed="rId2"/>
+          <a:stretch>
+            <a:fillRect/>
+          </a:stretch>
+        </p:blipFill>
         <p:spPr>
           <a:xfrm>
-            <a:off x="838200" y="1781021"/>
-            <a:ext cx="10756392" cy="4351338"/>
+            <a:off x="7566618" y="-118872"/>
+            <a:ext cx="4625382" cy="6858000"/>
           </a:xfrm>
+          <a:prstGeom prst="rect">
+            <a:avLst/>
+          </a:prstGeom>
         </p:spPr>
-        <p:txBody>
-          <a:bodyPr>
-            <a:normAutofit/>
-          </a:bodyPr>
-          <a:lstStyle/>
-          <a:p>
-            <a:pPr marL="0" indent="0">
-              <a:buNone/>
-            </a:pPr>
-            <a:r>
-              <a:rPr lang="ru-RU" dirty="0"/>
-              <a:t>1. Спроектировать структуру базы данных ВИС Лесопользования Свердловской Области</a:t>
-            </a:r>
-            <a:r>
-              <a:rPr lang="en-US" dirty="0"/>
-              <a:t>, </a:t>
-            </a:r>
-            <a:r>
-              <a:rPr lang="ru-RU" dirty="0"/>
-              <a:t>совместно с другими участниками команды.</a:t>
-            </a:r>
-          </a:p>
-          <a:p>
-            <a:pPr marL="0" indent="0">
-              <a:buNone/>
-            </a:pPr>
-            <a:r>
-              <a:rPr lang="ru-RU" dirty="0"/>
-              <a:t>2. Изучить структуру сообщений для отправки в СЭД ПСО.</a:t>
-            </a:r>
-          </a:p>
-          <a:p>
-            <a:pPr marL="0" indent="0">
-              <a:buNone/>
-            </a:pPr>
-            <a:r>
-              <a:rPr lang="ru-RU" dirty="0"/>
-              <a:t>3. Спроектировать интеграционный сервис.</a:t>
-            </a:r>
-          </a:p>
-          <a:p>
-            <a:pPr marL="0" indent="0">
-              <a:buNone/>
-            </a:pPr>
-            <a:r>
-              <a:rPr lang="ru-RU" dirty="0"/>
-              <a:t>4. Реализовать интеграционный  сервис.</a:t>
-            </a:r>
-          </a:p>
-          <a:p>
-            <a:endParaRPr lang="ru-RU" dirty="0"/>
-          </a:p>
-        </p:txBody>
-      </p:sp>
+      </p:pic>
+      <p:pic>
+        <p:nvPicPr>
+          <p:cNvPr id="9" name="Рисунок 8">
+            <a:extLst>
+              <a:ext uri="{FF2B5EF4-FFF2-40B4-BE49-F238E27FC236}">
+                <a16:creationId xmlns:a16="http://schemas.microsoft.com/office/drawing/2014/main" id="{8362A79C-179E-94D6-7001-72B0530C829F}"/>
+              </a:ext>
+            </a:extLst>
+          </p:cNvPr>
+          <p:cNvPicPr>
+            <a:picLocks noChangeAspect="1"/>
+          </p:cNvPicPr>
+          <p:nvPr/>
+        </p:nvPicPr>
+        <p:blipFill>
+          <a:blip r:embed="rId3"/>
+          <a:stretch>
+            <a:fillRect/>
+          </a:stretch>
+        </p:blipFill>
+        <p:spPr>
+          <a:xfrm>
+            <a:off x="108272" y="2296350"/>
+            <a:ext cx="7458346" cy="4351338"/>
+          </a:xfrm>
+          <a:prstGeom prst="rect">
+            <a:avLst/>
+          </a:prstGeom>
+        </p:spPr>
+      </p:pic>
     </p:spTree>
     <p:extLst>
       <p:ext uri="{BB962C8B-B14F-4D97-AF65-F5344CB8AC3E}">
-        <p14:creationId xmlns:p14="http://schemas.microsoft.com/office/powerpoint/2010/main" val="2707282225"/>
+        <p14:creationId xmlns:p14="http://schemas.microsoft.com/office/powerpoint/2010/main" val="3177603327"/>
       </p:ext>
     </p:extLst>
   </p:cSld>

--- a/Презентация.pptx
+++ b/Презентация.pptx
@@ -211,7 +211,7 @@
           <a:p>
             <a:fld id="{75F1DFFD-0639-450F-A95D-6BC42EFC6563}" type="datetimeFigureOut">
               <a:rPr lang="ru-RU" smtClean="0"/>
-              <a:t>17.12.2023</a:t>
+              <a:t>19.12.2023</a:t>
             </a:fld>
             <a:endParaRPr lang="ru-RU" dirty="0"/>
           </a:p>
@@ -860,7 +860,7 @@
           <a:p>
             <a:fld id="{0F7B38E9-DBAE-4AA2-BF3B-13DCA674FB12}" type="datetimeFigureOut">
               <a:rPr lang="ru-RU" smtClean="0"/>
-              <a:t>17.12.2023</a:t>
+              <a:t>19.12.2023</a:t>
             </a:fld>
             <a:endParaRPr lang="ru-RU" dirty="0"/>
           </a:p>
@@ -1028,7 +1028,7 @@
           <a:p>
             <a:fld id="{0F7B38E9-DBAE-4AA2-BF3B-13DCA674FB12}" type="datetimeFigureOut">
               <a:rPr lang="ru-RU" smtClean="0"/>
-              <a:t>17.12.2023</a:t>
+              <a:t>19.12.2023</a:t>
             </a:fld>
             <a:endParaRPr lang="ru-RU" dirty="0"/>
           </a:p>
@@ -1206,7 +1206,7 @@
           <a:p>
             <a:fld id="{0F7B38E9-DBAE-4AA2-BF3B-13DCA674FB12}" type="datetimeFigureOut">
               <a:rPr lang="ru-RU" smtClean="0"/>
-              <a:t>17.12.2023</a:t>
+              <a:t>19.12.2023</a:t>
             </a:fld>
             <a:endParaRPr lang="ru-RU" dirty="0"/>
           </a:p>
@@ -1374,7 +1374,7 @@
           <a:p>
             <a:fld id="{0F7B38E9-DBAE-4AA2-BF3B-13DCA674FB12}" type="datetimeFigureOut">
               <a:rPr lang="ru-RU" smtClean="0"/>
-              <a:t>17.12.2023</a:t>
+              <a:t>19.12.2023</a:t>
             </a:fld>
             <a:endParaRPr lang="ru-RU" dirty="0"/>
           </a:p>
@@ -1619,7 +1619,7 @@
           <a:p>
             <a:fld id="{0F7B38E9-DBAE-4AA2-BF3B-13DCA674FB12}" type="datetimeFigureOut">
               <a:rPr lang="ru-RU" smtClean="0"/>
-              <a:t>17.12.2023</a:t>
+              <a:t>19.12.2023</a:t>
             </a:fld>
             <a:endParaRPr lang="ru-RU" dirty="0"/>
           </a:p>
@@ -1848,7 +1848,7 @@
           <a:p>
             <a:fld id="{0F7B38E9-DBAE-4AA2-BF3B-13DCA674FB12}" type="datetimeFigureOut">
               <a:rPr lang="ru-RU" smtClean="0"/>
-              <a:t>17.12.2023</a:t>
+              <a:t>19.12.2023</a:t>
             </a:fld>
             <a:endParaRPr lang="ru-RU" dirty="0"/>
           </a:p>
@@ -2212,7 +2212,7 @@
           <a:p>
             <a:fld id="{0F7B38E9-DBAE-4AA2-BF3B-13DCA674FB12}" type="datetimeFigureOut">
               <a:rPr lang="ru-RU" smtClean="0"/>
-              <a:t>17.12.2023</a:t>
+              <a:t>19.12.2023</a:t>
             </a:fld>
             <a:endParaRPr lang="ru-RU" dirty="0"/>
           </a:p>
@@ -2329,7 +2329,7 @@
           <a:p>
             <a:fld id="{0F7B38E9-DBAE-4AA2-BF3B-13DCA674FB12}" type="datetimeFigureOut">
               <a:rPr lang="ru-RU" smtClean="0"/>
-              <a:t>17.12.2023</a:t>
+              <a:t>19.12.2023</a:t>
             </a:fld>
             <a:endParaRPr lang="ru-RU" dirty="0"/>
           </a:p>
@@ -2424,7 +2424,7 @@
           <a:p>
             <a:fld id="{0F7B38E9-DBAE-4AA2-BF3B-13DCA674FB12}" type="datetimeFigureOut">
               <a:rPr lang="ru-RU" smtClean="0"/>
-              <a:t>17.12.2023</a:t>
+              <a:t>19.12.2023</a:t>
             </a:fld>
             <a:endParaRPr lang="ru-RU" dirty="0"/>
           </a:p>
@@ -2699,7 +2699,7 @@
           <a:p>
             <a:fld id="{0F7B38E9-DBAE-4AA2-BF3B-13DCA674FB12}" type="datetimeFigureOut">
               <a:rPr lang="ru-RU" smtClean="0"/>
-              <a:t>17.12.2023</a:t>
+              <a:t>19.12.2023</a:t>
             </a:fld>
             <a:endParaRPr lang="ru-RU" dirty="0"/>
           </a:p>
@@ -2951,7 +2951,7 @@
           <a:p>
             <a:fld id="{0F7B38E9-DBAE-4AA2-BF3B-13DCA674FB12}" type="datetimeFigureOut">
               <a:rPr lang="ru-RU" smtClean="0"/>
-              <a:t>17.12.2023</a:t>
+              <a:t>19.12.2023</a:t>
             </a:fld>
             <a:endParaRPr lang="ru-RU" dirty="0"/>
           </a:p>
@@ -3162,7 +3162,7 @@
           <a:p>
             <a:fld id="{0F7B38E9-DBAE-4AA2-BF3B-13DCA674FB12}" type="datetimeFigureOut">
               <a:rPr lang="ru-RU" smtClean="0"/>
-              <a:t>17.12.2023</a:t>
+              <a:t>19.12.2023</a:t>
             </a:fld>
             <a:endParaRPr lang="ru-RU" dirty="0"/>
           </a:p>
@@ -5682,7 +5682,7 @@
         </p:blipFill>
         <p:spPr>
           <a:xfrm>
-            <a:off x="91521" y="1809216"/>
+            <a:off x="91521" y="2416466"/>
             <a:ext cx="7251126" cy="4406899"/>
           </a:xfrm>
           <a:prstGeom prst="rect">
@@ -5862,7 +5862,7 @@
         </p:blipFill>
         <p:spPr>
           <a:xfrm>
-            <a:off x="108272" y="2296350"/>
+            <a:off x="62527" y="2387790"/>
             <a:ext cx="7458346" cy="4351338"/>
           </a:xfrm>
           <a:prstGeom prst="rect">
@@ -5888,7 +5888,7 @@
   <a:themeElements>
     <a:clrScheme name="Стандартная">
       <a:dk1>
-        <a:sysClr val="windowText" lastClr="303030"/>
+        <a:sysClr val="windowText" lastClr="000000"/>
       </a:dk1>
       <a:lt1>
         <a:sysClr val="window" lastClr="FFFFFF"/>
@@ -6149,7 +6149,7 @@
   <a:themeElements>
     <a:clrScheme name="Стандартная">
       <a:dk1>
-        <a:sysClr val="windowText" lastClr="303030"/>
+        <a:sysClr val="windowText" lastClr="000000"/>
       </a:dk1>
       <a:lt1>
         <a:sysClr val="window" lastClr="FFFFFF"/>

--- a/Презентация.pptx
+++ b/Презентация.pptx
@@ -5,7 +5,7 @@
     <p:sldMasterId id="2147483648" r:id="rId1"/>
   </p:sldMasterIdLst>
   <p:notesMasterIdLst>
-    <p:notesMasterId r:id="rId17"/>
+    <p:notesMasterId r:id="rId20"/>
   </p:notesMasterIdLst>
   <p:sldIdLst>
     <p:sldId id="277" r:id="rId2"/>
@@ -23,6 +23,9 @@
     <p:sldId id="260" r:id="rId14"/>
     <p:sldId id="263" r:id="rId15"/>
     <p:sldId id="271" r:id="rId16"/>
+    <p:sldId id="279" r:id="rId17"/>
+    <p:sldId id="278" r:id="rId18"/>
+    <p:sldId id="280" r:id="rId19"/>
   </p:sldIdLst>
   <p:sldSz cx="12192000" cy="6858000"/>
   <p:notesSz cx="6858000" cy="9144000"/>
@@ -211,7 +214,7 @@
           <a:p>
             <a:fld id="{75F1DFFD-0639-450F-A95D-6BC42EFC6563}" type="datetimeFigureOut">
               <a:rPr lang="ru-RU" smtClean="0"/>
-              <a:t>19.12.2023</a:t>
+              <a:t>20.12.2023</a:t>
             </a:fld>
             <a:endParaRPr lang="ru-RU" dirty="0"/>
           </a:p>
@@ -731,6 +734,90 @@
 </p:notes>
 </file>
 
+<file path=ppt/notesSlides/notesSlide4.xml><?xml version="1.0" encoding="utf-8"?>
+<p:notes xmlns:a="http://schemas.openxmlformats.org/drawingml/2006/main" xmlns:r="http://schemas.openxmlformats.org/officeDocument/2006/relationships" xmlns:p="http://schemas.openxmlformats.org/presentationml/2006/main">
+  <p:cSld>
+    <p:spTree>
+      <p:nvGrpSpPr>
+        <p:cNvPr id="1" name=""/>
+        <p:cNvGrpSpPr/>
+        <p:nvPr/>
+      </p:nvGrpSpPr>
+      <p:grpSpPr>
+        <a:xfrm>
+          <a:off x="0" y="0"/>
+          <a:ext cx="0" cy="0"/>
+          <a:chOff x="0" y="0"/>
+          <a:chExt cx="0" cy="0"/>
+        </a:xfrm>
+      </p:grpSpPr>
+      <p:sp>
+        <p:nvSpPr>
+          <p:cNvPr id="2" name="Образ слайда 1"/>
+          <p:cNvSpPr>
+            <a:spLocks noGrp="1" noRot="1" noChangeAspect="1"/>
+          </p:cNvSpPr>
+          <p:nvPr>
+            <p:ph type="sldImg"/>
+          </p:nvPr>
+        </p:nvSpPr>
+        <p:spPr/>
+      </p:sp>
+      <p:sp>
+        <p:nvSpPr>
+          <p:cNvPr id="3" name="Заметки 2"/>
+          <p:cNvSpPr>
+            <a:spLocks noGrp="1"/>
+          </p:cNvSpPr>
+          <p:nvPr>
+            <p:ph type="body" idx="1"/>
+          </p:nvPr>
+        </p:nvSpPr>
+        <p:spPr/>
+        <p:txBody>
+          <a:bodyPr/>
+          <a:lstStyle/>
+          <a:p>
+            <a:endParaRPr lang="ru-RU" dirty="0"/>
+          </a:p>
+        </p:txBody>
+      </p:sp>
+      <p:sp>
+        <p:nvSpPr>
+          <p:cNvPr id="4" name="Номер слайда 3"/>
+          <p:cNvSpPr>
+            <a:spLocks noGrp="1"/>
+          </p:cNvSpPr>
+          <p:nvPr>
+            <p:ph type="sldNum" sz="quarter" idx="5"/>
+          </p:nvPr>
+        </p:nvSpPr>
+        <p:spPr/>
+        <p:txBody>
+          <a:bodyPr/>
+          <a:lstStyle/>
+          <a:p>
+            <a:fld id="{E4E6046D-0659-4115-95D0-506687AD1516}" type="slidenum">
+              <a:rPr lang="ru-RU" smtClean="0"/>
+              <a:t>9</a:t>
+            </a:fld>
+            <a:endParaRPr lang="ru-RU" dirty="0"/>
+          </a:p>
+        </p:txBody>
+      </p:sp>
+    </p:spTree>
+    <p:extLst>
+      <p:ext uri="{BB962C8B-B14F-4D97-AF65-F5344CB8AC3E}">
+        <p14:creationId xmlns:p14="http://schemas.microsoft.com/office/powerpoint/2010/main" val="2608382338"/>
+      </p:ext>
+    </p:extLst>
+  </p:cSld>
+  <p:clrMapOvr>
+    <a:masterClrMapping/>
+  </p:clrMapOvr>
+</p:notes>
+</file>
+
 <file path=ppt/slideLayouts/slideLayout1.xml><?xml version="1.0" encoding="utf-8"?>
 <p:sldLayout xmlns:a="http://schemas.openxmlformats.org/drawingml/2006/main" xmlns:r="http://schemas.openxmlformats.org/officeDocument/2006/relationships" xmlns:p="http://schemas.openxmlformats.org/presentationml/2006/main" type="title" preserve="1">
   <p:cSld name="Титульный слайд">
@@ -860,7 +947,7 @@
           <a:p>
             <a:fld id="{0F7B38E9-DBAE-4AA2-BF3B-13DCA674FB12}" type="datetimeFigureOut">
               <a:rPr lang="ru-RU" smtClean="0"/>
-              <a:t>19.12.2023</a:t>
+              <a:t>20.12.2023</a:t>
             </a:fld>
             <a:endParaRPr lang="ru-RU" dirty="0"/>
           </a:p>
@@ -1028,7 +1115,7 @@
           <a:p>
             <a:fld id="{0F7B38E9-DBAE-4AA2-BF3B-13DCA674FB12}" type="datetimeFigureOut">
               <a:rPr lang="ru-RU" smtClean="0"/>
-              <a:t>19.12.2023</a:t>
+              <a:t>20.12.2023</a:t>
             </a:fld>
             <a:endParaRPr lang="ru-RU" dirty="0"/>
           </a:p>
@@ -1206,7 +1293,7 @@
           <a:p>
             <a:fld id="{0F7B38E9-DBAE-4AA2-BF3B-13DCA674FB12}" type="datetimeFigureOut">
               <a:rPr lang="ru-RU" smtClean="0"/>
-              <a:t>19.12.2023</a:t>
+              <a:t>20.12.2023</a:t>
             </a:fld>
             <a:endParaRPr lang="ru-RU" dirty="0"/>
           </a:p>
@@ -1374,7 +1461,7 @@
           <a:p>
             <a:fld id="{0F7B38E9-DBAE-4AA2-BF3B-13DCA674FB12}" type="datetimeFigureOut">
               <a:rPr lang="ru-RU" smtClean="0"/>
-              <a:t>19.12.2023</a:t>
+              <a:t>20.12.2023</a:t>
             </a:fld>
             <a:endParaRPr lang="ru-RU" dirty="0"/>
           </a:p>
@@ -1619,7 +1706,7 @@
           <a:p>
             <a:fld id="{0F7B38E9-DBAE-4AA2-BF3B-13DCA674FB12}" type="datetimeFigureOut">
               <a:rPr lang="ru-RU" smtClean="0"/>
-              <a:t>19.12.2023</a:t>
+              <a:t>20.12.2023</a:t>
             </a:fld>
             <a:endParaRPr lang="ru-RU" dirty="0"/>
           </a:p>
@@ -1848,7 +1935,7 @@
           <a:p>
             <a:fld id="{0F7B38E9-DBAE-4AA2-BF3B-13DCA674FB12}" type="datetimeFigureOut">
               <a:rPr lang="ru-RU" smtClean="0"/>
-              <a:t>19.12.2023</a:t>
+              <a:t>20.12.2023</a:t>
             </a:fld>
             <a:endParaRPr lang="ru-RU" dirty="0"/>
           </a:p>
@@ -2212,7 +2299,7 @@
           <a:p>
             <a:fld id="{0F7B38E9-DBAE-4AA2-BF3B-13DCA674FB12}" type="datetimeFigureOut">
               <a:rPr lang="ru-RU" smtClean="0"/>
-              <a:t>19.12.2023</a:t>
+              <a:t>20.12.2023</a:t>
             </a:fld>
             <a:endParaRPr lang="ru-RU" dirty="0"/>
           </a:p>
@@ -2329,7 +2416,7 @@
           <a:p>
             <a:fld id="{0F7B38E9-DBAE-4AA2-BF3B-13DCA674FB12}" type="datetimeFigureOut">
               <a:rPr lang="ru-RU" smtClean="0"/>
-              <a:t>19.12.2023</a:t>
+              <a:t>20.12.2023</a:t>
             </a:fld>
             <a:endParaRPr lang="ru-RU" dirty="0"/>
           </a:p>
@@ -2424,7 +2511,7 @@
           <a:p>
             <a:fld id="{0F7B38E9-DBAE-4AA2-BF3B-13DCA674FB12}" type="datetimeFigureOut">
               <a:rPr lang="ru-RU" smtClean="0"/>
-              <a:t>19.12.2023</a:t>
+              <a:t>20.12.2023</a:t>
             </a:fld>
             <a:endParaRPr lang="ru-RU" dirty="0"/>
           </a:p>
@@ -2699,7 +2786,7 @@
           <a:p>
             <a:fld id="{0F7B38E9-DBAE-4AA2-BF3B-13DCA674FB12}" type="datetimeFigureOut">
               <a:rPr lang="ru-RU" smtClean="0"/>
-              <a:t>19.12.2023</a:t>
+              <a:t>20.12.2023</a:t>
             </a:fld>
             <a:endParaRPr lang="ru-RU" dirty="0"/>
           </a:p>
@@ -2951,7 +3038,7 @@
           <a:p>
             <a:fld id="{0F7B38E9-DBAE-4AA2-BF3B-13DCA674FB12}" type="datetimeFigureOut">
               <a:rPr lang="ru-RU" smtClean="0"/>
-              <a:t>19.12.2023</a:t>
+              <a:t>20.12.2023</a:t>
             </a:fld>
             <a:endParaRPr lang="ru-RU" dirty="0"/>
           </a:p>
@@ -3162,7 +3249,7 @@
           <a:p>
             <a:fld id="{0F7B38E9-DBAE-4AA2-BF3B-13DCA674FB12}" type="datetimeFigureOut">
               <a:rPr lang="ru-RU" smtClean="0"/>
-              <a:t>19.12.2023</a:t>
+              <a:t>20.12.2023</a:t>
             </a:fld>
             <a:endParaRPr lang="ru-RU" dirty="0"/>
           </a:p>
@@ -4235,7 +4322,17 @@
             </a:pPr>
             <a:r>
               <a:rPr lang="ru-RU" dirty="0"/>
-              <a:t>Уведомление заявителя.</a:t>
+              <a:t>Уведомление заявителя,</a:t>
+            </a:r>
+          </a:p>
+          <a:p>
+            <a:pPr marL="514350" indent="-514350">
+              <a:buFont typeface="+mj-lt"/>
+              <a:buAutoNum type="arabicPeriod"/>
+            </a:pPr>
+            <a:r>
+              <a:rPr lang="ru-RU" dirty="0"/>
+              <a:t>Регистрация заявлений, подписание документов.</a:t>
             </a:r>
           </a:p>
           <a:p>
@@ -4338,7 +4435,24 @@
                 <a:effectLst/>
                 <a:ea typeface="Calibri" panose="020F0502020204030204" pitchFamily="34" charset="0"/>
               </a:rPr>
-              <a:t>Сократить время для предоставления услуги и трудозатраты оператора ВИС Лесопользование, путем автоматизации регистрации заявлений и</a:t>
+              <a:t>Сократить трудозатраты </a:t>
+            </a:r>
+            <a:r>
+              <a:rPr lang="ru-RU" dirty="0">
+                <a:effectLst/>
+                <a:ea typeface="Calibri" panose="020F0502020204030204" pitchFamily="34" charset="0"/>
+              </a:rPr>
+              <a:t>заявителя при подаче заявлений путем цифровизации подачи заявления</a:t>
+            </a:r>
+            <a:r>
+              <a:rPr lang="ru-RU" dirty="0">
+                <a:solidFill>
+                  <a:srgbClr val="303030"/>
+                </a:solidFill>
+                <a:effectLst/>
+                <a:ea typeface="Calibri" panose="020F0502020204030204" pitchFamily="34" charset="0"/>
+              </a:rPr>
+              <a:t>, время для предоставления услуги и трудозатраты оператора ВИС Лесопользование, путем автоматизации регистрации заявлений и</a:t>
             </a:r>
             <a:r>
               <a:rPr lang="en-US" dirty="0">
@@ -4440,7 +4554,7 @@
                   </a:schemeClr>
                 </a:solidFill>
               </a:rPr>
-              <a:t>Задачи</a:t>
+              <a:t>Задачи, поставленные руководством предприятия</a:t>
             </a:r>
           </a:p>
         </p:txBody>
@@ -4469,7 +4583,7 @@
         </p:spPr>
         <p:txBody>
           <a:bodyPr>
-            <a:normAutofit fontScale="92500" lnSpcReduction="10000"/>
+            <a:normAutofit fontScale="92500"/>
           </a:bodyPr>
           <a:lstStyle/>
           <a:p>
@@ -4485,7 +4599,7 @@
                 <a:effectLst/>
                 <a:ea typeface="Times New Roman" panose="02020603050405020304" pitchFamily="18" charset="0"/>
               </a:rPr>
-              <a:t>Изучить модель данных ВИС Лесопользования Свердловской Области</a:t>
+              <a:t>Спроектировать модель данных ВИС Лесопользования Свердловской Области для рассматриваемого бизнес-процесса</a:t>
             </a:r>
           </a:p>
           <a:p>
@@ -4517,7 +4631,7 @@
                 <a:effectLst/>
                 <a:ea typeface="Times New Roman" panose="02020603050405020304" pitchFamily="18" charset="0"/>
               </a:rPr>
-              <a:t>Спроектировать сервис для генерации и отправки сообщений</a:t>
+              <a:t>Спроектировать серверное приложение для генерации и отправки сообщений и обработке ответных сообщений</a:t>
             </a:r>
           </a:p>
           <a:p>
@@ -4533,39 +4647,7 @@
                 <a:effectLst/>
                 <a:ea typeface="Times New Roman" panose="02020603050405020304" pitchFamily="18" charset="0"/>
               </a:rPr>
-              <a:t>Реализовать сервис для генерации и отправки пакетов</a:t>
-            </a:r>
-          </a:p>
-          <a:p>
-            <a:pPr marL="914400" lvl="1" indent="-457200" algn="just">
-              <a:lnSpc>
-                <a:spcPct val="150000"/>
-              </a:lnSpc>
-              <a:buFont typeface="+mj-lt"/>
-              <a:buAutoNum type="arabicPeriod"/>
-            </a:pPr>
-            <a:r>
-              <a:rPr lang="ru-RU" sz="2800" dirty="0">
-                <a:effectLst/>
-                <a:ea typeface="Times New Roman" panose="02020603050405020304" pitchFamily="18" charset="0"/>
-              </a:rPr>
-              <a:t>Спроектировать сервис для обработки ответных сообщений</a:t>
-            </a:r>
-          </a:p>
-          <a:p>
-            <a:pPr marL="914400" lvl="1" indent="-457200" algn="just">
-              <a:lnSpc>
-                <a:spcPct val="150000"/>
-              </a:lnSpc>
-              <a:buFont typeface="+mj-lt"/>
-              <a:buAutoNum type="arabicPeriod"/>
-            </a:pPr>
-            <a:r>
-              <a:rPr lang="ru-RU" sz="2800" dirty="0">
-                <a:effectLst/>
-                <a:ea typeface="Times New Roman" panose="02020603050405020304" pitchFamily="18" charset="0"/>
-              </a:rPr>
-              <a:t>Реализовать сервис для обработки ответных сообщений</a:t>
+              <a:t>Реализовать серверное приложение.</a:t>
             </a:r>
           </a:p>
           <a:p>
@@ -4757,7 +4839,9 @@
         </p:nvSpPr>
         <p:spPr/>
         <p:txBody>
-          <a:bodyPr/>
+          <a:bodyPr>
+            <a:normAutofit/>
+          </a:bodyPr>
           <a:lstStyle/>
           <a:p>
             <a:r>
@@ -4768,13 +4852,31 @@
           <a:p>
             <a:r>
               <a:rPr lang="ru-RU" dirty="0"/>
+              <a:t>Уведомления об отказе в предварительном согласовании</a:t>
+            </a:r>
+          </a:p>
+          <a:p>
+            <a:r>
+              <a:rPr lang="ru-RU" dirty="0"/>
               <a:t>Приказ об утверждении проектной документации и государственном учете лесного участка в соответствии с проектной документацией на лесной участок для заготовки древесины</a:t>
             </a:r>
           </a:p>
           <a:p>
             <a:r>
               <a:rPr lang="ru-RU" dirty="0"/>
-              <a:t>Приказ о предоставлении земельного (лесного) участка в пользование</a:t>
+              <a:t>Отказ в утверждении</a:t>
+            </a:r>
+          </a:p>
+          <a:p>
+            <a:r>
+              <a:rPr lang="ru-RU" dirty="0"/>
+              <a:t>Приказ о предоставлении земельного (лесного) участка </a:t>
+            </a:r>
+          </a:p>
+          <a:p>
+            <a:r>
+              <a:rPr lang="ru-RU" dirty="0"/>
+              <a:t>Решение об отказе в предоставлении лесного участка</a:t>
             </a:r>
           </a:p>
         </p:txBody>
@@ -4891,6 +4993,317 @@
 </p:sld>
 </file>
 
+<file path=ppt/slides/slide16.xml><?xml version="1.0" encoding="utf-8"?>
+<p:sld xmlns:a="http://schemas.openxmlformats.org/drawingml/2006/main" xmlns:r="http://schemas.openxmlformats.org/officeDocument/2006/relationships" xmlns:p="http://schemas.openxmlformats.org/presentationml/2006/main">
+  <p:cSld>
+    <p:spTree>
+      <p:nvGrpSpPr>
+        <p:cNvPr id="1" name=""/>
+        <p:cNvGrpSpPr/>
+        <p:nvPr/>
+      </p:nvGrpSpPr>
+      <p:grpSpPr>
+        <a:xfrm>
+          <a:off x="0" y="0"/>
+          <a:ext cx="0" cy="0"/>
+          <a:chOff x="0" y="0"/>
+          <a:chExt cx="0" cy="0"/>
+        </a:xfrm>
+      </p:grpSpPr>
+      <p:sp>
+        <p:nvSpPr>
+          <p:cNvPr id="2" name="Заголовок 1">
+            <a:extLst>
+              <a:ext uri="{FF2B5EF4-FFF2-40B4-BE49-F238E27FC236}">
+                <a16:creationId xmlns:a16="http://schemas.microsoft.com/office/drawing/2014/main" id="{AE98B056-92B5-DA3A-4691-8F0B7E6E6217}"/>
+              </a:ext>
+            </a:extLst>
+          </p:cNvPr>
+          <p:cNvSpPr>
+            <a:spLocks noGrp="1"/>
+          </p:cNvSpPr>
+          <p:nvPr>
+            <p:ph type="title"/>
+          </p:nvPr>
+        </p:nvSpPr>
+        <p:spPr>
+          <a:xfrm>
+            <a:off x="362338" y="318472"/>
+            <a:ext cx="10515600" cy="1325563"/>
+          </a:xfrm>
+        </p:spPr>
+        <p:txBody>
+          <a:bodyPr/>
+          <a:lstStyle/>
+          <a:p>
+            <a:r>
+              <a:rPr lang="ru-RU" dirty="0"/>
+              <a:t>Отказ в согласовании</a:t>
+            </a:r>
+          </a:p>
+        </p:txBody>
+      </p:sp>
+      <p:pic>
+        <p:nvPicPr>
+          <p:cNvPr id="5" name="Рисунок 4">
+            <a:extLst>
+              <a:ext uri="{FF2B5EF4-FFF2-40B4-BE49-F238E27FC236}">
+                <a16:creationId xmlns:a16="http://schemas.microsoft.com/office/drawing/2014/main" id="{8E9BF50F-9975-997D-48BA-3E9D4E8DBDB8}"/>
+              </a:ext>
+            </a:extLst>
+          </p:cNvPr>
+          <p:cNvPicPr>
+            <a:picLocks noChangeAspect="1"/>
+          </p:cNvPicPr>
+          <p:nvPr/>
+        </p:nvPicPr>
+        <p:blipFill>
+          <a:blip r:embed="rId2"/>
+          <a:stretch>
+            <a:fillRect/>
+          </a:stretch>
+        </p:blipFill>
+        <p:spPr>
+          <a:xfrm>
+            <a:off x="6232966" y="232916"/>
+            <a:ext cx="5287113" cy="6392167"/>
+          </a:xfrm>
+          <a:prstGeom prst="rect">
+            <a:avLst/>
+          </a:prstGeom>
+        </p:spPr>
+      </p:pic>
+    </p:spTree>
+    <p:extLst>
+      <p:ext uri="{BB962C8B-B14F-4D97-AF65-F5344CB8AC3E}">
+        <p14:creationId xmlns:p14="http://schemas.microsoft.com/office/powerpoint/2010/main" val="3558118188"/>
+      </p:ext>
+    </p:extLst>
+  </p:cSld>
+  <p:clrMapOvr>
+    <a:masterClrMapping/>
+  </p:clrMapOvr>
+</p:sld>
+</file>
+
+<file path=ppt/slides/slide17.xml><?xml version="1.0" encoding="utf-8"?>
+<p:sld xmlns:a="http://schemas.openxmlformats.org/drawingml/2006/main" xmlns:r="http://schemas.openxmlformats.org/officeDocument/2006/relationships" xmlns:p="http://schemas.openxmlformats.org/presentationml/2006/main">
+  <p:cSld>
+    <p:spTree>
+      <p:nvGrpSpPr>
+        <p:cNvPr id="1" name=""/>
+        <p:cNvGrpSpPr/>
+        <p:nvPr/>
+      </p:nvGrpSpPr>
+      <p:grpSpPr>
+        <a:xfrm>
+          <a:off x="0" y="0"/>
+          <a:ext cx="0" cy="0"/>
+          <a:chOff x="0" y="0"/>
+          <a:chExt cx="0" cy="0"/>
+        </a:xfrm>
+      </p:grpSpPr>
+      <p:pic>
+        <p:nvPicPr>
+          <p:cNvPr id="7" name="Рисунок 6">
+            <a:extLst>
+              <a:ext uri="{FF2B5EF4-FFF2-40B4-BE49-F238E27FC236}">
+                <a16:creationId xmlns:a16="http://schemas.microsoft.com/office/drawing/2014/main" id="{FAA8A012-6C2F-9790-ECF9-3C2120EE3D7A}"/>
+              </a:ext>
+            </a:extLst>
+          </p:cNvPr>
+          <p:cNvPicPr>
+            <a:picLocks noChangeAspect="1"/>
+          </p:cNvPicPr>
+          <p:nvPr/>
+        </p:nvPicPr>
+        <p:blipFill>
+          <a:blip r:embed="rId2"/>
+          <a:stretch>
+            <a:fillRect/>
+          </a:stretch>
+        </p:blipFill>
+        <p:spPr>
+          <a:xfrm>
+            <a:off x="5715581" y="1183111"/>
+            <a:ext cx="5319939" cy="5766993"/>
+          </a:xfrm>
+          <a:prstGeom prst="rect">
+            <a:avLst/>
+          </a:prstGeom>
+        </p:spPr>
+      </p:pic>
+      <p:sp>
+        <p:nvSpPr>
+          <p:cNvPr id="2" name="Заголовок 1">
+            <a:extLst>
+              <a:ext uri="{FF2B5EF4-FFF2-40B4-BE49-F238E27FC236}">
+                <a16:creationId xmlns:a16="http://schemas.microsoft.com/office/drawing/2014/main" id="{75E1DF68-1EB5-C49C-D04B-CCF6F05CBB50}"/>
+              </a:ext>
+            </a:extLst>
+          </p:cNvPr>
+          <p:cNvSpPr>
+            <a:spLocks noGrp="1"/>
+          </p:cNvSpPr>
+          <p:nvPr>
+            <p:ph type="title"/>
+          </p:nvPr>
+        </p:nvSpPr>
+        <p:spPr>
+          <a:xfrm>
+            <a:off x="7096147" y="120411"/>
+            <a:ext cx="3576782" cy="1325563"/>
+          </a:xfrm>
+        </p:spPr>
+        <p:txBody>
+          <a:bodyPr/>
+          <a:lstStyle/>
+          <a:p>
+            <a:r>
+              <a:rPr lang="ru-RU" dirty="0"/>
+              <a:t>Отказ в утверждении</a:t>
+            </a:r>
+          </a:p>
+        </p:txBody>
+      </p:sp>
+      <p:pic>
+        <p:nvPicPr>
+          <p:cNvPr id="5" name="Рисунок 4">
+            <a:extLst>
+              <a:ext uri="{FF2B5EF4-FFF2-40B4-BE49-F238E27FC236}">
+                <a16:creationId xmlns:a16="http://schemas.microsoft.com/office/drawing/2014/main" id="{63A3AE68-8119-29B0-D400-6D573AEB0944}"/>
+              </a:ext>
+            </a:extLst>
+          </p:cNvPr>
+          <p:cNvPicPr>
+            <a:picLocks noChangeAspect="1"/>
+          </p:cNvPicPr>
+          <p:nvPr/>
+        </p:nvPicPr>
+        <p:blipFill>
+          <a:blip r:embed="rId3"/>
+          <a:stretch>
+            <a:fillRect/>
+          </a:stretch>
+        </p:blipFill>
+        <p:spPr>
+          <a:xfrm>
+            <a:off x="669325" y="0"/>
+            <a:ext cx="4877381" cy="6858000"/>
+          </a:xfrm>
+          <a:prstGeom prst="rect">
+            <a:avLst/>
+          </a:prstGeom>
+        </p:spPr>
+      </p:pic>
+    </p:spTree>
+    <p:extLst>
+      <p:ext uri="{BB962C8B-B14F-4D97-AF65-F5344CB8AC3E}">
+        <p14:creationId xmlns:p14="http://schemas.microsoft.com/office/powerpoint/2010/main" val="2100434710"/>
+      </p:ext>
+    </p:extLst>
+  </p:cSld>
+  <p:clrMapOvr>
+    <a:masterClrMapping/>
+  </p:clrMapOvr>
+</p:sld>
+</file>
+
+<file path=ppt/slides/slide18.xml><?xml version="1.0" encoding="utf-8"?>
+<p:sld xmlns:a="http://schemas.openxmlformats.org/drawingml/2006/main" xmlns:r="http://schemas.openxmlformats.org/officeDocument/2006/relationships" xmlns:p="http://schemas.openxmlformats.org/presentationml/2006/main">
+  <p:cSld>
+    <p:spTree>
+      <p:nvGrpSpPr>
+        <p:cNvPr id="1" name=""/>
+        <p:cNvGrpSpPr/>
+        <p:nvPr/>
+      </p:nvGrpSpPr>
+      <p:grpSpPr>
+        <a:xfrm>
+          <a:off x="0" y="0"/>
+          <a:ext cx="0" cy="0"/>
+          <a:chOff x="0" y="0"/>
+          <a:chExt cx="0" cy="0"/>
+        </a:xfrm>
+      </p:grpSpPr>
+      <p:sp>
+        <p:nvSpPr>
+          <p:cNvPr id="2" name="Заголовок 1">
+            <a:extLst>
+              <a:ext uri="{FF2B5EF4-FFF2-40B4-BE49-F238E27FC236}">
+                <a16:creationId xmlns:a16="http://schemas.microsoft.com/office/drawing/2014/main" id="{0945ECFD-123B-5743-F381-C3F7FA8E3887}"/>
+              </a:ext>
+            </a:extLst>
+          </p:cNvPr>
+          <p:cNvSpPr>
+            <a:spLocks noGrp="1"/>
+          </p:cNvSpPr>
+          <p:nvPr>
+            <p:ph type="title"/>
+          </p:nvPr>
+        </p:nvSpPr>
+        <p:spPr>
+          <a:xfrm>
+            <a:off x="701964" y="350982"/>
+            <a:ext cx="6929582" cy="1293524"/>
+          </a:xfrm>
+        </p:spPr>
+        <p:txBody>
+          <a:bodyPr>
+            <a:normAutofit fontScale="90000"/>
+          </a:bodyPr>
+          <a:lstStyle/>
+          <a:p>
+            <a:r>
+              <a:rPr lang="ru-RU" dirty="0"/>
+              <a:t>Решение об отказе в предоставлении участка</a:t>
+            </a:r>
+          </a:p>
+        </p:txBody>
+      </p:sp>
+      <p:pic>
+        <p:nvPicPr>
+          <p:cNvPr id="5" name="Рисунок 4">
+            <a:extLst>
+              <a:ext uri="{FF2B5EF4-FFF2-40B4-BE49-F238E27FC236}">
+                <a16:creationId xmlns:a16="http://schemas.microsoft.com/office/drawing/2014/main" id="{EFF4FBBA-4B6F-D24D-6907-1DB8115B0547}"/>
+              </a:ext>
+            </a:extLst>
+          </p:cNvPr>
+          <p:cNvPicPr>
+            <a:picLocks noChangeAspect="1"/>
+          </p:cNvPicPr>
+          <p:nvPr/>
+        </p:nvPicPr>
+        <p:blipFill>
+          <a:blip r:embed="rId2"/>
+          <a:stretch>
+            <a:fillRect/>
+          </a:stretch>
+        </p:blipFill>
+        <p:spPr>
+          <a:xfrm>
+            <a:off x="6321392" y="-71659"/>
+            <a:ext cx="4610743" cy="6754168"/>
+          </a:xfrm>
+          <a:prstGeom prst="rect">
+            <a:avLst/>
+          </a:prstGeom>
+        </p:spPr>
+      </p:pic>
+    </p:spTree>
+    <p:extLst>
+      <p:ext uri="{BB962C8B-B14F-4D97-AF65-F5344CB8AC3E}">
+        <p14:creationId xmlns:p14="http://schemas.microsoft.com/office/powerpoint/2010/main" val="2906850880"/>
+      </p:ext>
+    </p:extLst>
+  </p:cSld>
+  <p:clrMapOvr>
+    <a:masterClrMapping/>
+  </p:clrMapOvr>
+</p:sld>
+</file>
+
 <file path=ppt/slides/slide2.xml><?xml version="1.0" encoding="utf-8"?>
 <p:sld xmlns:a="http://schemas.openxmlformats.org/drawingml/2006/main" xmlns:r="http://schemas.openxmlformats.org/officeDocument/2006/relationships" xmlns:p="http://schemas.openxmlformats.org/presentationml/2006/main">
   <p:cSld>
@@ -5096,31 +5509,6 @@
           </a:p>
         </p:txBody>
       </p:sp>
-      <p:sp>
-        <p:nvSpPr>
-          <p:cNvPr id="3" name="Объект 2">
-            <a:extLst>
-              <a:ext uri="{FF2B5EF4-FFF2-40B4-BE49-F238E27FC236}">
-                <a16:creationId xmlns:a16="http://schemas.microsoft.com/office/drawing/2014/main" id="{549FC61E-22AA-E911-8775-9059387872C9}"/>
-              </a:ext>
-            </a:extLst>
-          </p:cNvPr>
-          <p:cNvSpPr>
-            <a:spLocks noGrp="1"/>
-          </p:cNvSpPr>
-          <p:nvPr>
-            <p:ph idx="1"/>
-          </p:nvPr>
-        </p:nvSpPr>
-        <p:spPr/>
-        <p:txBody>
-          <a:bodyPr/>
-          <a:lstStyle/>
-          <a:p>
-            <a:endParaRPr lang="ru-RU" dirty="0"/>
-          </a:p>
-        </p:txBody>
-      </p:sp>
       <p:pic>
         <p:nvPicPr>
           <p:cNvPr id="5" name="Рисунок 4">
@@ -5143,8 +5531,8 @@
         </p:blipFill>
         <p:spPr>
           <a:xfrm>
-            <a:off x="677213" y="1690688"/>
-            <a:ext cx="9359755" cy="4780603"/>
+            <a:off x="1084298" y="1525706"/>
+            <a:ext cx="10023403" cy="5119569"/>
           </a:xfrm>
           <a:prstGeom prst="rect">
             <a:avLst/>
@@ -5333,8 +5721,13 @@
             </a:pPr>
             <a:r>
               <a:rPr lang="ru-RU" dirty="0"/>
-              <a:t>10.	Информирование населения о введении особых противопожарных режимов и классов пожарной опасности по условиям погоды,</a:t>
-            </a:r>
+              <a:t>10.	Информирование населения о введении особых противопожарных режимов и классов пожарной опасности по условиям погоды</a:t>
+            </a:r>
+            <a:r>
+              <a:rPr lang="en-US" dirty="0"/>
+              <a:t>.</a:t>
+            </a:r>
+            <a:endParaRPr lang="ru-RU" dirty="0"/>
           </a:p>
           <a:p>
             <a:endParaRPr lang="ru-RU" dirty="0"/>
@@ -5371,12 +5764,90 @@
           <a:chExt cx="0" cy="0"/>
         </a:xfrm>
       </p:grpSpPr>
+      <p:sp>
+        <p:nvSpPr>
+          <p:cNvPr id="2" name="Заголовок 1">
+            <a:extLst>
+              <a:ext uri="{FF2B5EF4-FFF2-40B4-BE49-F238E27FC236}">
+                <a16:creationId xmlns:a16="http://schemas.microsoft.com/office/drawing/2014/main" id="{56EB7D04-94E1-53D1-0595-404137901F02}"/>
+              </a:ext>
+            </a:extLst>
+          </p:cNvPr>
+          <p:cNvSpPr>
+            <a:spLocks noGrp="1"/>
+          </p:cNvSpPr>
+          <p:nvPr>
+            <p:ph type="title"/>
+          </p:nvPr>
+        </p:nvSpPr>
+        <p:spPr>
+          <a:xfrm>
+            <a:off x="-154124" y="-65772"/>
+            <a:ext cx="12659889" cy="1825625"/>
+          </a:xfrm>
+        </p:spPr>
+        <p:txBody>
+          <a:bodyPr>
+            <a:normAutofit fontScale="90000"/>
+          </a:bodyPr>
+          <a:lstStyle/>
+          <a:p>
+            <a:pPr algn="ctr"/>
+            <a:r>
+              <a:rPr lang="ru-RU" sz="3600" dirty="0"/>
+              <a:t>2. Предоставление гражданам, юридическим лицам лесных участков, находящихся в государственной или муниципальной собственности</a:t>
+            </a:r>
+            <a:br>
+              <a:rPr lang="ru-RU" dirty="0"/>
+            </a:br>
+            <a:endParaRPr lang="ru-RU" dirty="0"/>
+          </a:p>
+        </p:txBody>
+      </p:sp>
+      <p:sp>
+        <p:nvSpPr>
+          <p:cNvPr id="9" name="Прямоугольник 8"/>
+          <p:cNvSpPr/>
+          <p:nvPr/>
+        </p:nvSpPr>
+        <p:spPr>
+          <a:xfrm>
+            <a:off x="765143" y="6057899"/>
+            <a:ext cx="10821353" cy="646331"/>
+          </a:xfrm>
+          <a:prstGeom prst="rect">
+            <a:avLst/>
+          </a:prstGeom>
+        </p:spPr>
+        <p:txBody>
+          <a:bodyPr wrap="square">
+            <a:spAutoFit/>
+          </a:bodyPr>
+          <a:lstStyle/>
+          <a:p>
+            <a:r>
+              <a:rPr lang="ru-RU" dirty="0"/>
+              <a:t>Ссылка на лесной кодекс – порядок предоставления гражданам лесных участков: </a:t>
+            </a:r>
+            <a:r>
+              <a:rPr lang="en-US" dirty="0">
+                <a:hlinkClick r:id="rId2"/>
+              </a:rPr>
+              <a:t>https://www.consultant.ru/document/cons_doc_LAW_64299/61aba3ad8fc2e2f947e1a7f3730526848501ffe2/</a:t>
+            </a:r>
+            <a:r>
+              <a:rPr lang="ru-RU" dirty="0"/>
+              <a:t> </a:t>
+            </a:r>
+          </a:p>
+        </p:txBody>
+      </p:sp>
       <p:pic>
         <p:nvPicPr>
-          <p:cNvPr id="4" name="Рисунок 3">
+          <p:cNvPr id="7" name="Рисунок 6">
             <a:extLst>
               <a:ext uri="{FF2B5EF4-FFF2-40B4-BE49-F238E27FC236}">
-                <a16:creationId xmlns:a16="http://schemas.microsoft.com/office/drawing/2014/main" id="{325A7128-71F8-BE2B-68FE-836ADCFAA710}"/>
+                <a16:creationId xmlns:a16="http://schemas.microsoft.com/office/drawing/2014/main" id="{8FB020E9-0BD9-0AA2-6E5F-CE8C07D1DECB}"/>
               </a:ext>
             </a:extLst>
           </p:cNvPr>
@@ -5386,99 +5857,21 @@
           <p:nvPr/>
         </p:nvPicPr>
         <p:blipFill>
-          <a:blip r:embed="rId2"/>
+          <a:blip r:embed="rId3"/>
           <a:stretch>
             <a:fillRect/>
           </a:stretch>
         </p:blipFill>
         <p:spPr>
           <a:xfrm>
-            <a:off x="112571" y="1268067"/>
-            <a:ext cx="9726373" cy="5509559"/>
+            <a:off x="95250" y="1006571"/>
+            <a:ext cx="11999316" cy="4956079"/>
           </a:xfrm>
           <a:prstGeom prst="rect">
             <a:avLst/>
           </a:prstGeom>
         </p:spPr>
       </p:pic>
-      <p:sp>
-        <p:nvSpPr>
-          <p:cNvPr id="2" name="Заголовок 1">
-            <a:extLst>
-              <a:ext uri="{FF2B5EF4-FFF2-40B4-BE49-F238E27FC236}">
-                <a16:creationId xmlns:a16="http://schemas.microsoft.com/office/drawing/2014/main" id="{56EB7D04-94E1-53D1-0595-404137901F02}"/>
-              </a:ext>
-            </a:extLst>
-          </p:cNvPr>
-          <p:cNvSpPr>
-            <a:spLocks noGrp="1"/>
-          </p:cNvSpPr>
-          <p:nvPr>
-            <p:ph type="title"/>
-          </p:nvPr>
-        </p:nvSpPr>
-        <p:spPr>
-          <a:xfrm>
-            <a:off x="-154124" y="-65772"/>
-            <a:ext cx="12659889" cy="1825625"/>
-          </a:xfrm>
-        </p:spPr>
-        <p:txBody>
-          <a:bodyPr>
-            <a:normAutofit fontScale="90000"/>
-          </a:bodyPr>
-          <a:lstStyle/>
-          <a:p>
-            <a:pPr algn="ctr"/>
-            <a:r>
-              <a:rPr lang="ru-RU" sz="3600" dirty="0"/>
-              <a:t>2. Предоставление гражданам, юридическим лицам лесных участков, находящихся в государственной или муниципальной собственности</a:t>
-            </a:r>
-            <a:br>
-              <a:rPr lang="ru-RU" dirty="0"/>
-            </a:br>
-            <a:endParaRPr lang="ru-RU" dirty="0"/>
-          </a:p>
-        </p:txBody>
-      </p:sp>
-      <p:sp>
-        <p:nvSpPr>
-          <p:cNvPr id="9" name="Прямоугольник 8"/>
-          <p:cNvSpPr/>
-          <p:nvPr/>
-        </p:nvSpPr>
-        <p:spPr>
-          <a:xfrm>
-            <a:off x="9838944" y="3915304"/>
-            <a:ext cx="2382584" cy="2862322"/>
-          </a:xfrm>
-          <a:prstGeom prst="rect">
-            <a:avLst/>
-          </a:prstGeom>
-        </p:spPr>
-        <p:txBody>
-          <a:bodyPr wrap="square">
-            <a:spAutoFit/>
-          </a:bodyPr>
-          <a:lstStyle/>
-          <a:p>
-            <a:r>
-              <a:rPr lang="ru-RU" dirty="0"/>
-              <a:t>Ссылка на лесной кодекс – порядок предоставления гражданам лесных участков: </a:t>
-            </a:r>
-            <a:r>
-              <a:rPr lang="en-US" dirty="0">
-                <a:hlinkClick r:id="rId3"/>
-              </a:rPr>
-              <a:t>https://www.consultant.ru/document/cons_doc_LAW_64299/61aba3ad8fc2e2f947e1a7f3730526848501ffe2/</a:t>
-            </a:r>
-            <a:r>
-              <a:rPr lang="ru-RU" dirty="0"/>
-              <a:t> </a:t>
-            </a:r>
-          </a:p>
-        </p:txBody>
-      </p:sp>
     </p:spTree>
     <p:extLst>
       <p:ext uri="{BB962C8B-B14F-4D97-AF65-F5344CB8AC3E}">
@@ -5557,7 +5950,7 @@
         </p:nvSpPr>
         <p:spPr>
           <a:xfrm>
-            <a:off x="304800" y="327025"/>
+            <a:off x="304800" y="43561"/>
             <a:ext cx="11582400" cy="1325563"/>
           </a:xfrm>
         </p:spPr>
@@ -5566,18 +5959,19 @@
           <a:lstStyle/>
           <a:p>
             <a:r>
-              <a:rPr lang="ru-RU" dirty="0"/>
+              <a:rPr lang="ru-RU"/>
               <a:t>Предварительно согласование лесного участка</a:t>
             </a:r>
+            <a:endParaRPr lang="ru-RU" dirty="0"/>
           </a:p>
         </p:txBody>
       </p:sp>
       <p:pic>
         <p:nvPicPr>
-          <p:cNvPr id="13" name="Рисунок 12">
+          <p:cNvPr id="6" name="Рисунок 5">
             <a:extLst>
               <a:ext uri="{FF2B5EF4-FFF2-40B4-BE49-F238E27FC236}">
-                <a16:creationId xmlns:a16="http://schemas.microsoft.com/office/drawing/2014/main" id="{4189A07D-5357-6A7E-ECF1-794FEFEC3E1E}"/>
+                <a16:creationId xmlns:a16="http://schemas.microsoft.com/office/drawing/2014/main" id="{5BB83826-2A85-7EB9-4214-5183858FABE6}"/>
               </a:ext>
             </a:extLst>
           </p:cNvPr>
@@ -5594,8 +5988,8 @@
         </p:blipFill>
         <p:spPr>
           <a:xfrm>
-            <a:off x="70746" y="1373297"/>
-            <a:ext cx="6727479" cy="5315539"/>
+            <a:off x="0" y="1692142"/>
+            <a:ext cx="6833275" cy="4838833"/>
           </a:xfrm>
           <a:prstGeom prst="rect">
             <a:avLst/>
@@ -5662,10 +6056,10 @@
       </p:sp>
       <p:pic>
         <p:nvPicPr>
-          <p:cNvPr id="7" name="Рисунок 6">
+          <p:cNvPr id="11" name="Рисунок 10">
             <a:extLst>
               <a:ext uri="{FF2B5EF4-FFF2-40B4-BE49-F238E27FC236}">
-                <a16:creationId xmlns:a16="http://schemas.microsoft.com/office/drawing/2014/main" id="{F048E2A7-FC2F-23B0-7AEC-3531DE8A2423}"/>
+                <a16:creationId xmlns:a16="http://schemas.microsoft.com/office/drawing/2014/main" id="{4FBEA8E5-1485-9D37-A2BA-D5305E29814D}"/>
               </a:ext>
             </a:extLst>
           </p:cNvPr>
@@ -5682,8 +6076,8 @@
         </p:blipFill>
         <p:spPr>
           <a:xfrm>
-            <a:off x="91521" y="2416466"/>
-            <a:ext cx="7251126" cy="4406899"/>
+            <a:off x="7342647" y="246597"/>
+            <a:ext cx="4849354" cy="6576768"/>
           </a:xfrm>
           <a:prstGeom prst="rect">
             <a:avLst/>
@@ -5692,10 +6086,10 @@
       </p:pic>
       <p:pic>
         <p:nvPicPr>
-          <p:cNvPr id="11" name="Рисунок 10">
+          <p:cNvPr id="6" name="Рисунок 5">
             <a:extLst>
               <a:ext uri="{FF2B5EF4-FFF2-40B4-BE49-F238E27FC236}">
-                <a16:creationId xmlns:a16="http://schemas.microsoft.com/office/drawing/2014/main" id="{4FBEA8E5-1485-9D37-A2BA-D5305E29814D}"/>
+                <a16:creationId xmlns:a16="http://schemas.microsoft.com/office/drawing/2014/main" id="{57E9C739-B4B8-B841-2F6F-4A76EC04DB0B}"/>
               </a:ext>
             </a:extLst>
           </p:cNvPr>
@@ -5712,8 +6106,8 @@
         </p:blipFill>
         <p:spPr>
           <a:xfrm>
-            <a:off x="7342647" y="246597"/>
-            <a:ext cx="4849354" cy="6576768"/>
+            <a:off x="0" y="1809216"/>
+            <a:ext cx="7467601" cy="4531476"/>
           </a:xfrm>
           <a:prstGeom prst="rect">
             <a:avLst/>
@@ -5785,31 +6179,6 @@
           </a:p>
         </p:txBody>
       </p:sp>
-      <p:sp>
-        <p:nvSpPr>
-          <p:cNvPr id="3" name="Объект 2">
-            <a:extLst>
-              <a:ext uri="{FF2B5EF4-FFF2-40B4-BE49-F238E27FC236}">
-                <a16:creationId xmlns:a16="http://schemas.microsoft.com/office/drawing/2014/main" id="{A3C4C630-CD7E-C087-9AF0-D2C8DAEEF390}"/>
-              </a:ext>
-            </a:extLst>
-          </p:cNvPr>
-          <p:cNvSpPr>
-            <a:spLocks noGrp="1"/>
-          </p:cNvSpPr>
-          <p:nvPr>
-            <p:ph idx="1"/>
-          </p:nvPr>
-        </p:nvSpPr>
-        <p:spPr/>
-        <p:txBody>
-          <a:bodyPr/>
-          <a:lstStyle/>
-          <a:p>
-            <a:endParaRPr lang="ru-RU"/>
-          </a:p>
-        </p:txBody>
-      </p:sp>
       <p:pic>
         <p:nvPicPr>
           <p:cNvPr id="7" name="Рисунок 6">
@@ -5825,7 +6194,7 @@
           <p:nvPr/>
         </p:nvPicPr>
         <p:blipFill>
-          <a:blip r:embed="rId2"/>
+          <a:blip r:embed="rId3"/>
           <a:stretch>
             <a:fillRect/>
           </a:stretch>
@@ -5842,10 +6211,10 @@
       </p:pic>
       <p:pic>
         <p:nvPicPr>
-          <p:cNvPr id="9" name="Рисунок 8">
+          <p:cNvPr id="8" name="Рисунок 7">
             <a:extLst>
               <a:ext uri="{FF2B5EF4-FFF2-40B4-BE49-F238E27FC236}">
-                <a16:creationId xmlns:a16="http://schemas.microsoft.com/office/drawing/2014/main" id="{8362A79C-179E-94D6-7001-72B0530C829F}"/>
+                <a16:creationId xmlns:a16="http://schemas.microsoft.com/office/drawing/2014/main" id="{9FFD74D7-134C-782B-EB40-21F049D4CFD1}"/>
               </a:ext>
             </a:extLst>
           </p:cNvPr>
@@ -5855,15 +6224,15 @@
           <p:nvPr/>
         </p:nvPicPr>
         <p:blipFill>
-          <a:blip r:embed="rId3"/>
+          <a:blip r:embed="rId4"/>
           <a:stretch>
             <a:fillRect/>
           </a:stretch>
         </p:blipFill>
         <p:spPr>
           <a:xfrm>
-            <a:off x="62527" y="2387790"/>
-            <a:ext cx="7458346" cy="4351338"/>
+            <a:off x="0" y="2092761"/>
+            <a:ext cx="7615883" cy="4400114"/>
           </a:xfrm>
           <a:prstGeom prst="rect">
             <a:avLst/>
@@ -5888,7 +6257,7 @@
   <a:themeElements>
     <a:clrScheme name="Стандартная">
       <a:dk1>
-        <a:sysClr val="windowText" lastClr="000000"/>
+        <a:sysClr val="windowText" lastClr="303030"/>
       </a:dk1>
       <a:lt1>
         <a:sysClr val="window" lastClr="FFFFFF"/>
@@ -6149,7 +6518,7 @@
   <a:themeElements>
     <a:clrScheme name="Стандартная">
       <a:dk1>
-        <a:sysClr val="windowText" lastClr="000000"/>
+        <a:sysClr val="windowText" lastClr="303030"/>
       </a:dk1>
       <a:lt1>
         <a:sysClr val="window" lastClr="FFFFFF"/>

--- a/Презентация.pptx
+++ b/Презентация.pptx
@@ -3759,15 +3759,7 @@
             </a:pPr>
             <a:r>
               <a:rPr lang="ru-RU" sz="1600" b="1" dirty="0"/>
-              <a:t>Профессор (</a:t>
-            </a:r>
-            <a:r>
-              <a:rPr lang="ru-RU" sz="1600" b="1" dirty="0" err="1"/>
-              <a:t>д.н</a:t>
-            </a:r>
-            <a:r>
-              <a:rPr lang="ru-RU" sz="1600" b="1" dirty="0"/>
-              <a:t>.) Ивашко А.Г.</a:t>
+              <a:t>Профессор, д. тех. н. Ивашко А.Г.</a:t>
             </a:r>
           </a:p>
           <a:p>
@@ -4312,7 +4304,7 @@
             </a:pPr>
             <a:r>
               <a:rPr lang="ru-RU" dirty="0"/>
-              <a:t>Отслеживание статусов заявлений,</a:t>
+              <a:t>Регистрация заявлений, подписание документов,</a:t>
             </a:r>
           </a:p>
           <a:p>
@@ -4322,17 +4314,7 @@
             </a:pPr>
             <a:r>
               <a:rPr lang="ru-RU" dirty="0"/>
-              <a:t>Уведомление заявителя,</a:t>
-            </a:r>
-          </a:p>
-          <a:p>
-            <a:pPr marL="514350" indent="-514350">
-              <a:buFont typeface="+mj-lt"/>
-              <a:buAutoNum type="arabicPeriod"/>
-            </a:pPr>
-            <a:r>
-              <a:rPr lang="ru-RU" dirty="0"/>
-              <a:t>Регистрация заявлений, подписание документов.</a:t>
+              <a:t>Уведомление заявителя.</a:t>
             </a:r>
           </a:p>
           <a:p>
@@ -4554,7 +4536,7 @@
                   </a:schemeClr>
                 </a:solidFill>
               </a:rPr>
-              <a:t>Задачи, поставленные руководством предприятия</a:t>
+              <a:t>Задачи, поставленные начальником группы разработки</a:t>
             </a:r>
           </a:p>
         </p:txBody>
@@ -4599,7 +4581,7 @@
                 <a:effectLst/>
                 <a:ea typeface="Times New Roman" panose="02020603050405020304" pitchFamily="18" charset="0"/>
               </a:rPr>
-              <a:t>Спроектировать модель данных ВИС Лесопользования Свердловской Области для рассматриваемого бизнес-процесса</a:t>
+              <a:t>Изучить модель данных ВИС Лесопользования Свердловской Области для рассматриваемого бизнес-процесса</a:t>
             </a:r>
           </a:p>
           <a:p>
@@ -4631,7 +4613,7 @@
                 <a:effectLst/>
                 <a:ea typeface="Times New Roman" panose="02020603050405020304" pitchFamily="18" charset="0"/>
               </a:rPr>
-              <a:t>Спроектировать серверное приложение для генерации и отправки сообщений и обработке ответных сообщений</a:t>
+              <a:t>Спроектировать серверное приложение для генерации, отправки сообщений и обработки ответных сообщений от СЭД ПСО.</a:t>
             </a:r>
           </a:p>
           <a:p>
@@ -4963,7 +4945,7 @@
           <a:p>
             <a:r>
               <a:rPr lang="ru-RU" dirty="0"/>
-              <a:t>Уменьшение трудозатрат заявителя, при подаче заявления</a:t>
+              <a:t>Уменьшение трудозатрат, потраченного времени заявителя, при подаче заявления</a:t>
             </a:r>
           </a:p>
           <a:p>
@@ -4975,7 +4957,7 @@
           <a:p>
             <a:r>
               <a:rPr lang="ru-RU" dirty="0"/>
-              <a:t>Снижение нагрузки на оператора при обработке заявлений</a:t>
+              <a:t>Снижение когнитивной нагрузки на оператора при обработке заявлений.</a:t>
             </a:r>
           </a:p>
         </p:txBody>
